--- a/units/3/lessons/6/resources/petascale-lesson-3.6-slides.pptx
+++ b/units/3/lessons/6/resources/petascale-lesson-3.6-slides.pptx
@@ -1,28 +1,29 @@
 
 <file path=ppt/presentation.xml><?xml version="1.0" encoding="utf-8"?>
-<p:presentation xmlns:a="http://schemas.openxmlformats.org/drawingml/2006/main" xmlns:r="http://schemas.openxmlformats.org/officeDocument/2006/relationships" xmlns:mc="http://schemas.openxmlformats.org/markup-compatibility/2006" xmlns:mv="urn:schemas-microsoft-com:mac:vml" xmlns:p="http://schemas.openxmlformats.org/presentationml/2006/main" xmlns:c="http://schemas.openxmlformats.org/drawingml/2006/chart" xmlns:dgm="http://schemas.openxmlformats.org/drawingml/2006/diagram" xmlns:o="urn:schemas-microsoft-com:office:office" xmlns:v="urn:schemas-microsoft-com:vml" xmlns:pvml="urn:schemas-microsoft-com:office:powerpoint" xmlns:com="http://schemas.openxmlformats.org/drawingml/2006/compatibility" xmlns:p14="http://schemas.microsoft.com/office/powerpoint/2010/main" xmlns:p15="http://schemas.microsoft.com/office/powerpoint/2012/main" autoCompressPictures="0" strictFirstAndLastChars="0" saveSubsetFonts="1">
+<p:presentation xmlns:a="http://schemas.openxmlformats.org/drawingml/2006/main" xmlns:r="http://schemas.openxmlformats.org/officeDocument/2006/relationships" xmlns:p="http://schemas.openxmlformats.org/presentationml/2006/main" strictFirstAndLastChars="0" saveSubsetFonts="1" autoCompressPictures="0">
   <p:sldMasterIdLst>
-    <p:sldMasterId id="2147483659" r:id="rId4"/>
+    <p:sldMasterId id="2147483659" r:id="rId1"/>
   </p:sldMasterIdLst>
   <p:notesMasterIdLst>
-    <p:notesMasterId r:id="rId5"/>
+    <p:notesMasterId r:id="rId13"/>
   </p:notesMasterIdLst>
   <p:sldIdLst>
-    <p:sldId id="256" r:id="rId6"/>
-    <p:sldId id="257" r:id="rId7"/>
-    <p:sldId id="258" r:id="rId8"/>
-    <p:sldId id="259" r:id="rId9"/>
-    <p:sldId id="260" r:id="rId10"/>
-    <p:sldId id="261" r:id="rId11"/>
-    <p:sldId id="262" r:id="rId12"/>
-    <p:sldId id="263" r:id="rId13"/>
-    <p:sldId id="264" r:id="rId14"/>
-    <p:sldId id="265" r:id="rId15"/>
+    <p:sldId id="266" r:id="rId2"/>
+    <p:sldId id="267" r:id="rId3"/>
+    <p:sldId id="257" r:id="rId4"/>
+    <p:sldId id="258" r:id="rId5"/>
+    <p:sldId id="259" r:id="rId6"/>
+    <p:sldId id="260" r:id="rId7"/>
+    <p:sldId id="261" r:id="rId8"/>
+    <p:sldId id="262" r:id="rId9"/>
+    <p:sldId id="263" r:id="rId10"/>
+    <p:sldId id="264" r:id="rId11"/>
+    <p:sldId id="265" r:id="rId12"/>
   </p:sldIdLst>
-  <p:sldSz cy="5143500" cx="9144000"/>
+  <p:sldSz cx="9144000" cy="5143500" type="screen16x9"/>
   <p:notesSz cx="6858000" cy="9144000"/>
   <p:defaultTextStyle>
-    <a:defPPr lvl="0" marR="0" rtl="0" algn="l">
+    <a:defPPr marR="0" lvl="0" algn="l" rtl="0">
       <a:lnSpc>
         <a:spcPct val="100000"/>
       </a:lnSpc>
@@ -33,7 +34,7 @@
         <a:spcPts val="0"/>
       </a:spcAft>
     </a:defPPr>
-    <a:lvl1pPr lvl="0" marR="0" rtl="0" algn="l">
+    <a:lvl1pPr marR="0" lvl="0" algn="l" rtl="0">
       <a:lnSpc>
         <a:spcPct val="100000"/>
       </a:lnSpc>
@@ -47,7 +48,7 @@
         <a:srgbClr val="000000"/>
       </a:buClr>
       <a:buFont typeface="Arial"/>
-      <a:defRPr b="0" i="0" sz="1400" u="none" cap="none" strike="noStrike">
+      <a:defRPr sz="1400" b="0" i="0" u="none" strike="noStrike" cap="none">
         <a:solidFill>
           <a:srgbClr val="000000"/>
         </a:solidFill>
@@ -57,7 +58,7 @@
         <a:sym typeface="Arial"/>
       </a:defRPr>
     </a:lvl1pPr>
-    <a:lvl2pPr lvl="1" marR="0" rtl="0" algn="l">
+    <a:lvl2pPr marR="0" lvl="1" algn="l" rtl="0">
       <a:lnSpc>
         <a:spcPct val="100000"/>
       </a:lnSpc>
@@ -71,7 +72,7 @@
         <a:srgbClr val="000000"/>
       </a:buClr>
       <a:buFont typeface="Arial"/>
-      <a:defRPr b="0" i="0" sz="1400" u="none" cap="none" strike="noStrike">
+      <a:defRPr sz="1400" b="0" i="0" u="none" strike="noStrike" cap="none">
         <a:solidFill>
           <a:srgbClr val="000000"/>
         </a:solidFill>
@@ -81,7 +82,7 @@
         <a:sym typeface="Arial"/>
       </a:defRPr>
     </a:lvl2pPr>
-    <a:lvl3pPr lvl="2" marR="0" rtl="0" algn="l">
+    <a:lvl3pPr marR="0" lvl="2" algn="l" rtl="0">
       <a:lnSpc>
         <a:spcPct val="100000"/>
       </a:lnSpc>
@@ -95,7 +96,7 @@
         <a:srgbClr val="000000"/>
       </a:buClr>
       <a:buFont typeface="Arial"/>
-      <a:defRPr b="0" i="0" sz="1400" u="none" cap="none" strike="noStrike">
+      <a:defRPr sz="1400" b="0" i="0" u="none" strike="noStrike" cap="none">
         <a:solidFill>
           <a:srgbClr val="000000"/>
         </a:solidFill>
@@ -105,7 +106,7 @@
         <a:sym typeface="Arial"/>
       </a:defRPr>
     </a:lvl3pPr>
-    <a:lvl4pPr lvl="3" marR="0" rtl="0" algn="l">
+    <a:lvl4pPr marR="0" lvl="3" algn="l" rtl="0">
       <a:lnSpc>
         <a:spcPct val="100000"/>
       </a:lnSpc>
@@ -119,7 +120,7 @@
         <a:srgbClr val="000000"/>
       </a:buClr>
       <a:buFont typeface="Arial"/>
-      <a:defRPr b="0" i="0" sz="1400" u="none" cap="none" strike="noStrike">
+      <a:defRPr sz="1400" b="0" i="0" u="none" strike="noStrike" cap="none">
         <a:solidFill>
           <a:srgbClr val="000000"/>
         </a:solidFill>
@@ -129,7 +130,7 @@
         <a:sym typeface="Arial"/>
       </a:defRPr>
     </a:lvl4pPr>
-    <a:lvl5pPr lvl="4" marR="0" rtl="0" algn="l">
+    <a:lvl5pPr marR="0" lvl="4" algn="l" rtl="0">
       <a:lnSpc>
         <a:spcPct val="100000"/>
       </a:lnSpc>
@@ -143,7 +144,7 @@
         <a:srgbClr val="000000"/>
       </a:buClr>
       <a:buFont typeface="Arial"/>
-      <a:defRPr b="0" i="0" sz="1400" u="none" cap="none" strike="noStrike">
+      <a:defRPr sz="1400" b="0" i="0" u="none" strike="noStrike" cap="none">
         <a:solidFill>
           <a:srgbClr val="000000"/>
         </a:solidFill>
@@ -153,7 +154,7 @@
         <a:sym typeface="Arial"/>
       </a:defRPr>
     </a:lvl5pPr>
-    <a:lvl6pPr lvl="5" marR="0" rtl="0" algn="l">
+    <a:lvl6pPr marR="0" lvl="5" algn="l" rtl="0">
       <a:lnSpc>
         <a:spcPct val="100000"/>
       </a:lnSpc>
@@ -167,7 +168,7 @@
         <a:srgbClr val="000000"/>
       </a:buClr>
       <a:buFont typeface="Arial"/>
-      <a:defRPr b="0" i="0" sz="1400" u="none" cap="none" strike="noStrike">
+      <a:defRPr sz="1400" b="0" i="0" u="none" strike="noStrike" cap="none">
         <a:solidFill>
           <a:srgbClr val="000000"/>
         </a:solidFill>
@@ -177,7 +178,7 @@
         <a:sym typeface="Arial"/>
       </a:defRPr>
     </a:lvl6pPr>
-    <a:lvl7pPr lvl="6" marR="0" rtl="0" algn="l">
+    <a:lvl7pPr marR="0" lvl="6" algn="l" rtl="0">
       <a:lnSpc>
         <a:spcPct val="100000"/>
       </a:lnSpc>
@@ -191,7 +192,7 @@
         <a:srgbClr val="000000"/>
       </a:buClr>
       <a:buFont typeface="Arial"/>
-      <a:defRPr b="0" i="0" sz="1400" u="none" cap="none" strike="noStrike">
+      <a:defRPr sz="1400" b="0" i="0" u="none" strike="noStrike" cap="none">
         <a:solidFill>
           <a:srgbClr val="000000"/>
         </a:solidFill>
@@ -201,7 +202,7 @@
         <a:sym typeface="Arial"/>
       </a:defRPr>
     </a:lvl7pPr>
-    <a:lvl8pPr lvl="7" marR="0" rtl="0" algn="l">
+    <a:lvl8pPr marR="0" lvl="7" algn="l" rtl="0">
       <a:lnSpc>
         <a:spcPct val="100000"/>
       </a:lnSpc>
@@ -215,7 +216,7 @@
         <a:srgbClr val="000000"/>
       </a:buClr>
       <a:buFont typeface="Arial"/>
-      <a:defRPr b="0" i="0" sz="1400" u="none" cap="none" strike="noStrike">
+      <a:defRPr sz="1400" b="0" i="0" u="none" strike="noStrike" cap="none">
         <a:solidFill>
           <a:srgbClr val="000000"/>
         </a:solidFill>
@@ -225,7 +226,7 @@
         <a:sym typeface="Arial"/>
       </a:defRPr>
     </a:lvl8pPr>
-    <a:lvl9pPr lvl="8" marR="0" rtl="0" algn="l">
+    <a:lvl9pPr marR="0" lvl="8" algn="l" rtl="0">
       <a:lnSpc>
         <a:spcPct val="100000"/>
       </a:lnSpc>
@@ -239,7 +240,7 @@
         <a:srgbClr val="000000"/>
       </a:buClr>
       <a:buFont typeface="Arial"/>
-      <a:defRPr b="0" i="0" sz="1400" u="none" cap="none" strike="noStrike">
+      <a:defRPr sz="1400" b="0" i="0" u="none" strike="noStrike" cap="none">
         <a:solidFill>
           <a:srgbClr val="000000"/>
         </a:solidFill>
@@ -252,7 +253,7 @@
   </p:defaultTextStyle>
   <p:extLst>
     <p:ext uri="{EFAFB233-063F-42B5-8137-9DF3F51BA10A}">
-      <p15:sldGuideLst>
+      <p15:sldGuideLst xmlns:p15="http://schemas.microsoft.com/office/powerpoint/2012/main">
         <p15:guide id="1" orient="horz" pos="1620">
           <p15:clr>
             <a:srgbClr val="A4A3A4"/>
@@ -270,11 +271,16 @@
 </file>
 
 <file path=ppt/notesMasters/notesMaster1.xml><?xml version="1.0" encoding="utf-8"?>
-<p:notesMaster xmlns:a="http://schemas.openxmlformats.org/drawingml/2006/main" xmlns:r="http://schemas.openxmlformats.org/officeDocument/2006/relationships" xmlns:mc="http://schemas.openxmlformats.org/markup-compatibility/2006" xmlns:mv="urn:schemas-microsoft-com:mac:vml" xmlns:p="http://schemas.openxmlformats.org/presentationml/2006/main" xmlns:c="http://schemas.openxmlformats.org/drawingml/2006/chart" xmlns:dgm="http://schemas.openxmlformats.org/drawingml/2006/diagram" xmlns:o="urn:schemas-microsoft-com:office:office" xmlns:v="urn:schemas-microsoft-com:vml" xmlns:pvml="urn:schemas-microsoft-com:office:powerpoint" xmlns:com="http://schemas.openxmlformats.org/drawingml/2006/compatibility" xmlns:p14="http://schemas.microsoft.com/office/powerpoint/2010/main" xmlns:p15="http://schemas.microsoft.com/office/powerpoint/2012/main">
+<p:notesMaster xmlns:a="http://schemas.openxmlformats.org/drawingml/2006/main" xmlns:r="http://schemas.openxmlformats.org/officeDocument/2006/relationships" xmlns:p="http://schemas.openxmlformats.org/presentationml/2006/main">
   <p:cSld>
+    <p:bg>
+      <p:bgRef idx="1001">
+        <a:schemeClr val="bg1"/>
+      </p:bgRef>
+    </p:bg>
     <p:spTree>
       <p:nvGrpSpPr>
-        <p:cNvPr id="2" name="Shape 2"/>
+        <p:cNvPr id="1" name="Shape 2"/>
         <p:cNvGrpSpPr/>
         <p:nvPr/>
       </p:nvGrpSpPr>
@@ -289,9 +295,11 @@
       <p:sp>
         <p:nvSpPr>
           <p:cNvPr id="3" name="Google Shape;3;n"/>
-          <p:cNvSpPr/>
+          <p:cNvSpPr>
+            <a:spLocks noGrp="1" noRot="1" noChangeAspect="1"/>
+          </p:cNvSpPr>
           <p:nvPr>
-            <p:ph idx="2" type="sldImg"/>
+            <p:ph type="sldImg" idx="2"/>
           </p:nvPr>
         </p:nvSpPr>
         <p:spPr>
@@ -300,9 +308,13 @@
             <a:ext cx="6096075" cy="3429000"/>
           </a:xfrm>
           <a:custGeom>
-            <a:rect b="b" l="l" r="r" t="t"/>
+            <a:avLst/>
+            <a:gdLst/>
+            <a:ahLst/>
+            <a:cxnLst/>
+            <a:rect l="l" t="t" r="r" b="b"/>
             <a:pathLst>
-              <a:path extrusionOk="0" h="120000" w="120000">
+              <a:path w="120000" h="120000" extrusionOk="0">
                 <a:moveTo>
                   <a:pt x="0" y="0"/>
                 </a:moveTo>
@@ -320,23 +332,25 @@
             </a:pathLst>
           </a:custGeom>
           <a:noFill/>
-          <a:ln cap="flat" cmpd="sng" w="9525">
+          <a:ln w="9525" cap="flat" cmpd="sng">
             <a:solidFill>
               <a:srgbClr val="000000"/>
             </a:solidFill>
             <a:prstDash val="solid"/>
             <a:round/>
-            <a:headEnd len="sm" w="sm" type="none"/>
-            <a:tailEnd len="sm" w="sm" type="none"/>
+            <a:headEnd type="none" w="sm" len="sm"/>
+            <a:tailEnd type="none" w="sm" len="sm"/>
           </a:ln>
         </p:spPr>
       </p:sp>
       <p:sp>
         <p:nvSpPr>
           <p:cNvPr id="4" name="Google Shape;4;n"/>
-          <p:cNvSpPr txBox="1"/>
+          <p:cNvSpPr txBox="1">
+            <a:spLocks noGrp="1"/>
+          </p:cNvSpPr>
           <p:nvPr>
-            <p:ph idx="1" type="body"/>
+            <p:ph type="body" idx="1"/>
           </p:nvPr>
         </p:nvSpPr>
         <p:spPr>
@@ -353,11 +367,11 @@
           </a:ln>
         </p:spPr>
         <p:txBody>
-          <a:bodyPr anchorCtr="0" anchor="t" bIns="91425" lIns="91425" spcFirstLastPara="1" rIns="91425" wrap="square" tIns="91425">
+          <a:bodyPr spcFirstLastPara="1" wrap="square" lIns="91425" tIns="91425" rIns="91425" bIns="91425" anchor="t" anchorCtr="0">
             <a:noAutofit/>
           </a:bodyPr>
           <a:lstStyle>
-            <a:lvl1pPr indent="-298450" lvl="0" marL="457200">
+            <a:lvl1pPr marL="457200" lvl="0" indent="-298450">
               <a:spcBef>
                 <a:spcPts val="0"/>
               </a:spcBef>
@@ -368,7 +382,7 @@
               <a:buChar char="●"/>
               <a:defRPr sz="1100"/>
             </a:lvl1pPr>
-            <a:lvl2pPr indent="-298450" lvl="1" marL="914400">
+            <a:lvl2pPr marL="914400" lvl="1" indent="-298450">
               <a:spcBef>
                 <a:spcPts val="0"/>
               </a:spcBef>
@@ -379,7 +393,7 @@
               <a:buChar char="○"/>
               <a:defRPr sz="1100"/>
             </a:lvl2pPr>
-            <a:lvl3pPr indent="-298450" lvl="2" marL="1371600">
+            <a:lvl3pPr marL="1371600" lvl="2" indent="-298450">
               <a:spcBef>
                 <a:spcPts val="0"/>
               </a:spcBef>
@@ -390,7 +404,7 @@
               <a:buChar char="■"/>
               <a:defRPr sz="1100"/>
             </a:lvl3pPr>
-            <a:lvl4pPr indent="-298450" lvl="3" marL="1828800">
+            <a:lvl4pPr marL="1828800" lvl="3" indent="-298450">
               <a:spcBef>
                 <a:spcPts val="0"/>
               </a:spcBef>
@@ -401,7 +415,7 @@
               <a:buChar char="●"/>
               <a:defRPr sz="1100"/>
             </a:lvl4pPr>
-            <a:lvl5pPr indent="-298450" lvl="4" marL="2286000">
+            <a:lvl5pPr marL="2286000" lvl="4" indent="-298450">
               <a:spcBef>
                 <a:spcPts val="0"/>
               </a:spcBef>
@@ -412,7 +426,7 @@
               <a:buChar char="○"/>
               <a:defRPr sz="1100"/>
             </a:lvl5pPr>
-            <a:lvl6pPr indent="-298450" lvl="5" marL="2743200">
+            <a:lvl6pPr marL="2743200" lvl="5" indent="-298450">
               <a:spcBef>
                 <a:spcPts val="0"/>
               </a:spcBef>
@@ -423,7 +437,7 @@
               <a:buChar char="■"/>
               <a:defRPr sz="1100"/>
             </a:lvl6pPr>
-            <a:lvl7pPr indent="-298450" lvl="6" marL="3200400">
+            <a:lvl7pPr marL="3200400" lvl="6" indent="-298450">
               <a:spcBef>
                 <a:spcPts val="0"/>
               </a:spcBef>
@@ -434,7 +448,7 @@
               <a:buChar char="●"/>
               <a:defRPr sz="1100"/>
             </a:lvl7pPr>
-            <a:lvl8pPr indent="-298450" lvl="7" marL="3657600">
+            <a:lvl8pPr marL="3657600" lvl="7" indent="-298450">
               <a:spcBef>
                 <a:spcPts val="0"/>
               </a:spcBef>
@@ -445,7 +459,7 @@
               <a:buChar char="○"/>
               <a:defRPr sz="1100"/>
             </a:lvl8pPr>
-            <a:lvl9pPr indent="-298450" lvl="8" marL="4114800">
+            <a:lvl9pPr marL="4114800" lvl="8" indent="-298450">
               <a:spcBef>
                 <a:spcPts val="0"/>
               </a:spcBef>
@@ -457,14 +471,16 @@
               <a:defRPr sz="1100"/>
             </a:lvl9pPr>
           </a:lstStyle>
-          <a:p/>
+          <a:p>
+            <a:endParaRPr/>
+          </a:p>
         </p:txBody>
       </p:sp>
     </p:spTree>
   </p:cSld>
-  <p:clrMap accent1="accent1" accent2="accent2" accent3="accent3" accent4="accent4" accent5="accent5" accent6="accent6" bg1="lt1" bg2="dk2" tx1="dk1" tx2="lt2" folHlink="folHlink" hlink="hlink"/>
+  <p:clrMap bg1="lt1" tx1="dk1" bg2="dk2" tx2="lt2" accent1="accent1" accent2="accent2" accent3="accent3" accent4="accent4" accent5="accent5" accent6="accent6" hlink="hlink" folHlink="folHlink"/>
   <p:notesStyle>
-    <a:defPPr lvl="0" marR="0" rtl="0" algn="l">
+    <a:defPPr marR="0" lvl="0" algn="l" rtl="0">
       <a:lnSpc>
         <a:spcPct val="100000"/>
       </a:lnSpc>
@@ -475,7 +491,7 @@
         <a:spcPts val="0"/>
       </a:spcAft>
     </a:defPPr>
-    <a:lvl1pPr lvl="0" marR="0" rtl="0" algn="l">
+    <a:lvl1pPr marR="0" lvl="0" algn="l" rtl="0">
       <a:lnSpc>
         <a:spcPct val="100000"/>
       </a:lnSpc>
@@ -489,7 +505,7 @@
         <a:srgbClr val="000000"/>
       </a:buClr>
       <a:buFont typeface="Arial"/>
-      <a:defRPr b="0" i="0" sz="1400" u="none" cap="none" strike="noStrike">
+      <a:defRPr sz="1400" b="0" i="0" u="none" strike="noStrike" cap="none">
         <a:solidFill>
           <a:srgbClr val="000000"/>
         </a:solidFill>
@@ -499,7 +515,7 @@
         <a:sym typeface="Arial"/>
       </a:defRPr>
     </a:lvl1pPr>
-    <a:lvl2pPr lvl="1" marR="0" rtl="0" algn="l">
+    <a:lvl2pPr marR="0" lvl="1" algn="l" rtl="0">
       <a:lnSpc>
         <a:spcPct val="100000"/>
       </a:lnSpc>
@@ -513,7 +529,7 @@
         <a:srgbClr val="000000"/>
       </a:buClr>
       <a:buFont typeface="Arial"/>
-      <a:defRPr b="0" i="0" sz="1400" u="none" cap="none" strike="noStrike">
+      <a:defRPr sz="1400" b="0" i="0" u="none" strike="noStrike" cap="none">
         <a:solidFill>
           <a:srgbClr val="000000"/>
         </a:solidFill>
@@ -523,7 +539,7 @@
         <a:sym typeface="Arial"/>
       </a:defRPr>
     </a:lvl2pPr>
-    <a:lvl3pPr lvl="2" marR="0" rtl="0" algn="l">
+    <a:lvl3pPr marR="0" lvl="2" algn="l" rtl="0">
       <a:lnSpc>
         <a:spcPct val="100000"/>
       </a:lnSpc>
@@ -537,7 +553,7 @@
         <a:srgbClr val="000000"/>
       </a:buClr>
       <a:buFont typeface="Arial"/>
-      <a:defRPr b="0" i="0" sz="1400" u="none" cap="none" strike="noStrike">
+      <a:defRPr sz="1400" b="0" i="0" u="none" strike="noStrike" cap="none">
         <a:solidFill>
           <a:srgbClr val="000000"/>
         </a:solidFill>
@@ -547,7 +563,7 @@
         <a:sym typeface="Arial"/>
       </a:defRPr>
     </a:lvl3pPr>
-    <a:lvl4pPr lvl="3" marR="0" rtl="0" algn="l">
+    <a:lvl4pPr marR="0" lvl="3" algn="l" rtl="0">
       <a:lnSpc>
         <a:spcPct val="100000"/>
       </a:lnSpc>
@@ -561,7 +577,7 @@
         <a:srgbClr val="000000"/>
       </a:buClr>
       <a:buFont typeface="Arial"/>
-      <a:defRPr b="0" i="0" sz="1400" u="none" cap="none" strike="noStrike">
+      <a:defRPr sz="1400" b="0" i="0" u="none" strike="noStrike" cap="none">
         <a:solidFill>
           <a:srgbClr val="000000"/>
         </a:solidFill>
@@ -571,7 +587,7 @@
         <a:sym typeface="Arial"/>
       </a:defRPr>
     </a:lvl4pPr>
-    <a:lvl5pPr lvl="4" marR="0" rtl="0" algn="l">
+    <a:lvl5pPr marR="0" lvl="4" algn="l" rtl="0">
       <a:lnSpc>
         <a:spcPct val="100000"/>
       </a:lnSpc>
@@ -585,7 +601,7 @@
         <a:srgbClr val="000000"/>
       </a:buClr>
       <a:buFont typeface="Arial"/>
-      <a:defRPr b="0" i="0" sz="1400" u="none" cap="none" strike="noStrike">
+      <a:defRPr sz="1400" b="0" i="0" u="none" strike="noStrike" cap="none">
         <a:solidFill>
           <a:srgbClr val="000000"/>
         </a:solidFill>
@@ -595,7 +611,7 @@
         <a:sym typeface="Arial"/>
       </a:defRPr>
     </a:lvl5pPr>
-    <a:lvl6pPr lvl="5" marR="0" rtl="0" algn="l">
+    <a:lvl6pPr marR="0" lvl="5" algn="l" rtl="0">
       <a:lnSpc>
         <a:spcPct val="100000"/>
       </a:lnSpc>
@@ -609,7 +625,7 @@
         <a:srgbClr val="000000"/>
       </a:buClr>
       <a:buFont typeface="Arial"/>
-      <a:defRPr b="0" i="0" sz="1400" u="none" cap="none" strike="noStrike">
+      <a:defRPr sz="1400" b="0" i="0" u="none" strike="noStrike" cap="none">
         <a:solidFill>
           <a:srgbClr val="000000"/>
         </a:solidFill>
@@ -619,7 +635,7 @@
         <a:sym typeface="Arial"/>
       </a:defRPr>
     </a:lvl6pPr>
-    <a:lvl7pPr lvl="6" marR="0" rtl="0" algn="l">
+    <a:lvl7pPr marR="0" lvl="6" algn="l" rtl="0">
       <a:lnSpc>
         <a:spcPct val="100000"/>
       </a:lnSpc>
@@ -633,7 +649,7 @@
         <a:srgbClr val="000000"/>
       </a:buClr>
       <a:buFont typeface="Arial"/>
-      <a:defRPr b="0" i="0" sz="1400" u="none" cap="none" strike="noStrike">
+      <a:defRPr sz="1400" b="0" i="0" u="none" strike="noStrike" cap="none">
         <a:solidFill>
           <a:srgbClr val="000000"/>
         </a:solidFill>
@@ -643,7 +659,7 @@
         <a:sym typeface="Arial"/>
       </a:defRPr>
     </a:lvl7pPr>
-    <a:lvl8pPr lvl="7" marR="0" rtl="0" algn="l">
+    <a:lvl8pPr marR="0" lvl="7" algn="l" rtl="0">
       <a:lnSpc>
         <a:spcPct val="100000"/>
       </a:lnSpc>
@@ -657,7 +673,7 @@
         <a:srgbClr val="000000"/>
       </a:buClr>
       <a:buFont typeface="Arial"/>
-      <a:defRPr b="0" i="0" sz="1400" u="none" cap="none" strike="noStrike">
+      <a:defRPr sz="1400" b="0" i="0" u="none" strike="noStrike" cap="none">
         <a:solidFill>
           <a:srgbClr val="000000"/>
         </a:solidFill>
@@ -667,7 +683,7 @@
         <a:sym typeface="Arial"/>
       </a:defRPr>
     </a:lvl8pPr>
-    <a:lvl9pPr lvl="8" marR="0" rtl="0" algn="l">
+    <a:lvl9pPr marR="0" lvl="8" algn="l" rtl="0">
       <a:lnSpc>
         <a:spcPct val="100000"/>
       </a:lnSpc>
@@ -681,7 +697,7 @@
         <a:srgbClr val="000000"/>
       </a:buClr>
       <a:buFont typeface="Arial"/>
-      <a:defRPr b="0" i="0" sz="1400" u="none" cap="none" strike="noStrike">
+      <a:defRPr sz="1400" b="0" i="0" u="none" strike="noStrike" cap="none">
         <a:solidFill>
           <a:srgbClr val="000000"/>
         </a:solidFill>
@@ -696,11 +712,11 @@
 </file>
 
 <file path=ppt/notesSlides/notesSlide1.xml><?xml version="1.0" encoding="utf-8"?>
-<p:notes xmlns:a="http://schemas.openxmlformats.org/drawingml/2006/main" xmlns:r="http://schemas.openxmlformats.org/officeDocument/2006/relationships" xmlns:mc="http://schemas.openxmlformats.org/markup-compatibility/2006" xmlns:mv="urn:schemas-microsoft-com:mac:vml" xmlns:p="http://schemas.openxmlformats.org/presentationml/2006/main" xmlns:c="http://schemas.openxmlformats.org/drawingml/2006/chart" xmlns:dgm="http://schemas.openxmlformats.org/drawingml/2006/diagram" xmlns:o="urn:schemas-microsoft-com:office:office" xmlns:v="urn:schemas-microsoft-com:vml" xmlns:pvml="urn:schemas-microsoft-com:office:powerpoint" xmlns:com="http://schemas.openxmlformats.org/drawingml/2006/compatibility" xmlns:p14="http://schemas.microsoft.com/office/powerpoint/2010/main" xmlns:p15="http://schemas.microsoft.com/office/powerpoint/2012/main" showMasterPhAnim="0" showMasterSp="0">
+<p:notes xmlns:a="http://schemas.openxmlformats.org/drawingml/2006/main" xmlns:r="http://schemas.openxmlformats.org/officeDocument/2006/relationships" xmlns:p="http://schemas.openxmlformats.org/presentationml/2006/main" showMasterSp="0" showMasterPhAnim="0">
   <p:cSld>
     <p:spTree>
       <p:nvGrpSpPr>
-        <p:cNvPr id="51" name="Shape 51"/>
+        <p:cNvPr id="1" name="Shape 57"/>
         <p:cNvGrpSpPr/>
         <p:nvPr/>
       </p:nvGrpSpPr>
@@ -714,21 +730,27 @@
       </p:grpSpPr>
       <p:sp>
         <p:nvSpPr>
-          <p:cNvPr id="52" name="Google Shape;52;p:notes"/>
-          <p:cNvSpPr/>
+          <p:cNvPr id="58" name="Google Shape;58;g80c6f9028d_0_1:notes"/>
+          <p:cNvSpPr>
+            <a:spLocks noGrp="1" noRot="1" noChangeAspect="1"/>
+          </p:cNvSpPr>
           <p:nvPr>
-            <p:ph idx="2" type="sldImg"/>
+            <p:ph type="sldImg" idx="2"/>
           </p:nvPr>
         </p:nvSpPr>
         <p:spPr>
           <a:xfrm>
-            <a:off x="381300" y="685800"/>
-            <a:ext cx="6096075" cy="3429000"/>
+            <a:off x="381000" y="685800"/>
+            <a:ext cx="6096000" cy="3429000"/>
           </a:xfrm>
           <a:custGeom>
-            <a:rect b="b" l="l" r="r" t="t"/>
+            <a:avLst/>
+            <a:gdLst/>
+            <a:ahLst/>
+            <a:cxnLst/>
+            <a:rect l="l" t="t" r="r" b="b"/>
             <a:pathLst>
-              <a:path extrusionOk="0" h="120000" w="120000">
+              <a:path w="120000" h="120000" extrusionOk="0">
                 <a:moveTo>
                   <a:pt x="0" y="0"/>
                 </a:moveTo>
@@ -749,10 +771,12 @@
       </p:sp>
       <p:sp>
         <p:nvSpPr>
-          <p:cNvPr id="53" name="Google Shape;53;p:notes"/>
-          <p:cNvSpPr txBox="1"/>
+          <p:cNvPr id="59" name="Google Shape;59;g80c6f9028d_0_1:notes"/>
+          <p:cNvSpPr txBox="1">
+            <a:spLocks noGrp="1"/>
+          </p:cNvSpPr>
           <p:nvPr>
-            <p:ph idx="1" type="body"/>
+            <p:ph type="body" idx="1"/>
           </p:nvPr>
         </p:nvSpPr>
         <p:spPr>
@@ -765,12 +789,12 @@
           </a:prstGeom>
         </p:spPr>
         <p:txBody>
-          <a:bodyPr anchorCtr="0" anchor="t" bIns="91425" lIns="91425" spcFirstLastPara="1" rIns="91425" wrap="square" tIns="91425">
+          <a:bodyPr spcFirstLastPara="1" wrap="square" lIns="91425" tIns="91425" rIns="91425" bIns="91425" anchor="t" anchorCtr="0">
             <a:noAutofit/>
           </a:bodyPr>
           <a:lstStyle/>
           <a:p>
-            <a:pPr indent="0" lvl="0" marL="0" rtl="0" algn="l">
+            <a:pPr marL="0" lvl="0" indent="0" algn="l" rtl="0">
               <a:spcBef>
                 <a:spcPts val="0"/>
               </a:spcBef>
@@ -779,9 +803,6 @@
               </a:spcAft>
               <a:buNone/>
             </a:pPr>
-            <a:r>
-              <a:t/>
-            </a:r>
             <a:endParaRPr/>
           </a:p>
         </p:txBody>
@@ -794,12 +815,740 @@
 </p:notes>
 </file>
 
-<file path=ppt/notesSlides/notesSlide10.xml><?xml version="1.0" encoding="utf-8"?>
-<p:notes xmlns:a="http://schemas.openxmlformats.org/drawingml/2006/main" xmlns:r="http://schemas.openxmlformats.org/officeDocument/2006/relationships" xmlns:mc="http://schemas.openxmlformats.org/markup-compatibility/2006" xmlns:mv="urn:schemas-microsoft-com:mac:vml" xmlns:p="http://schemas.openxmlformats.org/presentationml/2006/main" xmlns:c="http://schemas.openxmlformats.org/drawingml/2006/chart" xmlns:dgm="http://schemas.openxmlformats.org/drawingml/2006/diagram" xmlns:o="urn:schemas-microsoft-com:office:office" xmlns:v="urn:schemas-microsoft-com:vml" xmlns:pvml="urn:schemas-microsoft-com:office:powerpoint" xmlns:com="http://schemas.openxmlformats.org/drawingml/2006/compatibility" xmlns:p14="http://schemas.microsoft.com/office/powerpoint/2010/main" xmlns:p15="http://schemas.microsoft.com/office/powerpoint/2012/main" showMasterPhAnim="0" showMasterSp="0">
+<file path=ppt/notesSlides/notesSlide2.xml><?xml version="1.0" encoding="utf-8"?>
+<p:notes xmlns:a="http://schemas.openxmlformats.org/drawingml/2006/main" xmlns:r="http://schemas.openxmlformats.org/officeDocument/2006/relationships" xmlns:p="http://schemas.openxmlformats.org/presentationml/2006/main" showMasterSp="0" showMasterPhAnim="0">
   <p:cSld>
     <p:spTree>
       <p:nvGrpSpPr>
-        <p:cNvPr id="114" name="Shape 114"/>
+        <p:cNvPr id="1" name="Shape 63"/>
+        <p:cNvGrpSpPr/>
+        <p:nvPr/>
+      </p:nvGrpSpPr>
+      <p:grpSpPr>
+        <a:xfrm>
+          <a:off x="0" y="0"/>
+          <a:ext cx="0" cy="0"/>
+          <a:chOff x="0" y="0"/>
+          <a:chExt cx="0" cy="0"/>
+        </a:xfrm>
+      </p:grpSpPr>
+      <p:sp>
+        <p:nvSpPr>
+          <p:cNvPr id="64" name="Google Shape;64;g80c6f9028d_0_6:notes"/>
+          <p:cNvSpPr>
+            <a:spLocks noGrp="1" noRot="1" noChangeAspect="1"/>
+          </p:cNvSpPr>
+          <p:nvPr>
+            <p:ph type="sldImg" idx="2"/>
+          </p:nvPr>
+        </p:nvSpPr>
+        <p:spPr>
+          <a:xfrm>
+            <a:off x="381000" y="685800"/>
+            <a:ext cx="6096000" cy="3429000"/>
+          </a:xfrm>
+          <a:custGeom>
+            <a:avLst/>
+            <a:gdLst/>
+            <a:ahLst/>
+            <a:cxnLst/>
+            <a:rect l="l" t="t" r="r" b="b"/>
+            <a:pathLst>
+              <a:path w="120000" h="120000" extrusionOk="0">
+                <a:moveTo>
+                  <a:pt x="0" y="0"/>
+                </a:moveTo>
+                <a:lnTo>
+                  <a:pt x="120000" y="0"/>
+                </a:lnTo>
+                <a:lnTo>
+                  <a:pt x="120000" y="120000"/>
+                </a:lnTo>
+                <a:lnTo>
+                  <a:pt x="0" y="120000"/>
+                </a:lnTo>
+                <a:close/>
+              </a:path>
+            </a:pathLst>
+          </a:custGeom>
+        </p:spPr>
+      </p:sp>
+      <p:sp>
+        <p:nvSpPr>
+          <p:cNvPr id="65" name="Google Shape;65;g80c6f9028d_0_6:notes"/>
+          <p:cNvSpPr txBox="1">
+            <a:spLocks noGrp="1"/>
+          </p:cNvSpPr>
+          <p:nvPr>
+            <p:ph type="body" idx="1"/>
+          </p:nvPr>
+        </p:nvSpPr>
+        <p:spPr>
+          <a:xfrm>
+            <a:off x="685800" y="4343400"/>
+            <a:ext cx="5486400" cy="4114800"/>
+          </a:xfrm>
+          <a:prstGeom prst="rect">
+            <a:avLst/>
+          </a:prstGeom>
+        </p:spPr>
+        <p:txBody>
+          <a:bodyPr spcFirstLastPara="1" wrap="square" lIns="91425" tIns="91425" rIns="91425" bIns="91425" anchor="t" anchorCtr="0">
+            <a:noAutofit/>
+          </a:bodyPr>
+          <a:lstStyle/>
+          <a:p>
+            <a:pPr marL="0" lvl="0" indent="0" algn="l" rtl="0">
+              <a:spcBef>
+                <a:spcPts val="0"/>
+              </a:spcBef>
+              <a:spcAft>
+                <a:spcPts val="0"/>
+              </a:spcAft>
+              <a:buNone/>
+            </a:pPr>
+            <a:endParaRPr/>
+          </a:p>
+        </p:txBody>
+      </p:sp>
+    </p:spTree>
+  </p:cSld>
+  <p:clrMapOvr>
+    <a:masterClrMapping/>
+  </p:clrMapOvr>
+</p:notes>
+</file>
+
+<file path=ppt/notesSlides/notesSlide3.xml><?xml version="1.0" encoding="utf-8"?>
+<p:notes xmlns:a="http://schemas.openxmlformats.org/drawingml/2006/main" xmlns:r="http://schemas.openxmlformats.org/officeDocument/2006/relationships" xmlns:p="http://schemas.openxmlformats.org/presentationml/2006/main" showMasterSp="0" showMasterPhAnim="0">
+  <p:cSld>
+    <p:spTree>
+      <p:nvGrpSpPr>
+        <p:cNvPr id="1" name="Shape 70"/>
+        <p:cNvGrpSpPr/>
+        <p:nvPr/>
+      </p:nvGrpSpPr>
+      <p:grpSpPr>
+        <a:xfrm>
+          <a:off x="0" y="0"/>
+          <a:ext cx="0" cy="0"/>
+          <a:chOff x="0" y="0"/>
+          <a:chExt cx="0" cy="0"/>
+        </a:xfrm>
+      </p:grpSpPr>
+      <p:sp>
+        <p:nvSpPr>
+          <p:cNvPr id="71" name="Google Shape;71;g80c6f9028d_0_14:notes"/>
+          <p:cNvSpPr>
+            <a:spLocks noGrp="1" noRot="1" noChangeAspect="1"/>
+          </p:cNvSpPr>
+          <p:nvPr>
+            <p:ph type="sldImg" idx="2"/>
+          </p:nvPr>
+        </p:nvSpPr>
+        <p:spPr>
+          <a:xfrm>
+            <a:off x="381000" y="685800"/>
+            <a:ext cx="6096000" cy="3429000"/>
+          </a:xfrm>
+          <a:custGeom>
+            <a:avLst/>
+            <a:gdLst/>
+            <a:ahLst/>
+            <a:cxnLst/>
+            <a:rect l="l" t="t" r="r" b="b"/>
+            <a:pathLst>
+              <a:path w="120000" h="120000" extrusionOk="0">
+                <a:moveTo>
+                  <a:pt x="0" y="0"/>
+                </a:moveTo>
+                <a:lnTo>
+                  <a:pt x="120000" y="0"/>
+                </a:lnTo>
+                <a:lnTo>
+                  <a:pt x="120000" y="120000"/>
+                </a:lnTo>
+                <a:lnTo>
+                  <a:pt x="0" y="120000"/>
+                </a:lnTo>
+                <a:close/>
+              </a:path>
+            </a:pathLst>
+          </a:custGeom>
+        </p:spPr>
+      </p:sp>
+      <p:sp>
+        <p:nvSpPr>
+          <p:cNvPr id="72" name="Google Shape;72;g80c6f9028d_0_14:notes"/>
+          <p:cNvSpPr txBox="1">
+            <a:spLocks noGrp="1"/>
+          </p:cNvSpPr>
+          <p:nvPr>
+            <p:ph type="body" idx="1"/>
+          </p:nvPr>
+        </p:nvSpPr>
+        <p:spPr>
+          <a:xfrm>
+            <a:off x="685800" y="4343400"/>
+            <a:ext cx="5486400" cy="4114800"/>
+          </a:xfrm>
+          <a:prstGeom prst="rect">
+            <a:avLst/>
+          </a:prstGeom>
+        </p:spPr>
+        <p:txBody>
+          <a:bodyPr spcFirstLastPara="1" wrap="square" lIns="91425" tIns="91425" rIns="91425" bIns="91425" anchor="t" anchorCtr="0">
+            <a:noAutofit/>
+          </a:bodyPr>
+          <a:lstStyle/>
+          <a:p>
+            <a:pPr marL="0" lvl="0" indent="0" algn="l" rtl="0">
+              <a:spcBef>
+                <a:spcPts val="0"/>
+              </a:spcBef>
+              <a:spcAft>
+                <a:spcPts val="0"/>
+              </a:spcAft>
+              <a:buNone/>
+            </a:pPr>
+            <a:endParaRPr/>
+          </a:p>
+        </p:txBody>
+      </p:sp>
+    </p:spTree>
+  </p:cSld>
+  <p:clrMapOvr>
+    <a:masterClrMapping/>
+  </p:clrMapOvr>
+</p:notes>
+</file>
+
+<file path=ppt/notesSlides/notesSlide4.xml><?xml version="1.0" encoding="utf-8"?>
+<p:notes xmlns:a="http://schemas.openxmlformats.org/drawingml/2006/main" xmlns:r="http://schemas.openxmlformats.org/officeDocument/2006/relationships" xmlns:p="http://schemas.openxmlformats.org/presentationml/2006/main" showMasterSp="0" showMasterPhAnim="0">
+  <p:cSld>
+    <p:spTree>
+      <p:nvGrpSpPr>
+        <p:cNvPr id="1" name="Shape 76"/>
+        <p:cNvGrpSpPr/>
+        <p:nvPr/>
+      </p:nvGrpSpPr>
+      <p:grpSpPr>
+        <a:xfrm>
+          <a:off x="0" y="0"/>
+          <a:ext cx="0" cy="0"/>
+          <a:chOff x="0" y="0"/>
+          <a:chExt cx="0" cy="0"/>
+        </a:xfrm>
+      </p:grpSpPr>
+      <p:sp>
+        <p:nvSpPr>
+          <p:cNvPr id="77" name="Google Shape;77;g80c6f9028d_0_19:notes"/>
+          <p:cNvSpPr>
+            <a:spLocks noGrp="1" noRot="1" noChangeAspect="1"/>
+          </p:cNvSpPr>
+          <p:nvPr>
+            <p:ph type="sldImg" idx="2"/>
+          </p:nvPr>
+        </p:nvSpPr>
+        <p:spPr>
+          <a:xfrm>
+            <a:off x="381000" y="685800"/>
+            <a:ext cx="6096000" cy="3429000"/>
+          </a:xfrm>
+          <a:custGeom>
+            <a:avLst/>
+            <a:gdLst/>
+            <a:ahLst/>
+            <a:cxnLst/>
+            <a:rect l="l" t="t" r="r" b="b"/>
+            <a:pathLst>
+              <a:path w="120000" h="120000" extrusionOk="0">
+                <a:moveTo>
+                  <a:pt x="0" y="0"/>
+                </a:moveTo>
+                <a:lnTo>
+                  <a:pt x="120000" y="0"/>
+                </a:lnTo>
+                <a:lnTo>
+                  <a:pt x="120000" y="120000"/>
+                </a:lnTo>
+                <a:lnTo>
+                  <a:pt x="0" y="120000"/>
+                </a:lnTo>
+                <a:close/>
+              </a:path>
+            </a:pathLst>
+          </a:custGeom>
+        </p:spPr>
+      </p:sp>
+      <p:sp>
+        <p:nvSpPr>
+          <p:cNvPr id="78" name="Google Shape;78;g80c6f9028d_0_19:notes"/>
+          <p:cNvSpPr txBox="1">
+            <a:spLocks noGrp="1"/>
+          </p:cNvSpPr>
+          <p:nvPr>
+            <p:ph type="body" idx="1"/>
+          </p:nvPr>
+        </p:nvSpPr>
+        <p:spPr>
+          <a:xfrm>
+            <a:off x="685800" y="4343400"/>
+            <a:ext cx="5486400" cy="4114800"/>
+          </a:xfrm>
+          <a:prstGeom prst="rect">
+            <a:avLst/>
+          </a:prstGeom>
+        </p:spPr>
+        <p:txBody>
+          <a:bodyPr spcFirstLastPara="1" wrap="square" lIns="91425" tIns="91425" rIns="91425" bIns="91425" anchor="t" anchorCtr="0">
+            <a:noAutofit/>
+          </a:bodyPr>
+          <a:lstStyle/>
+          <a:p>
+            <a:pPr marL="0" lvl="0" indent="0" algn="l" rtl="0">
+              <a:spcBef>
+                <a:spcPts val="0"/>
+              </a:spcBef>
+              <a:spcAft>
+                <a:spcPts val="0"/>
+              </a:spcAft>
+              <a:buNone/>
+            </a:pPr>
+            <a:endParaRPr/>
+          </a:p>
+        </p:txBody>
+      </p:sp>
+    </p:spTree>
+  </p:cSld>
+  <p:clrMapOvr>
+    <a:masterClrMapping/>
+  </p:clrMapOvr>
+</p:notes>
+</file>
+
+<file path=ppt/notesSlides/notesSlide5.xml><?xml version="1.0" encoding="utf-8"?>
+<p:notes xmlns:a="http://schemas.openxmlformats.org/drawingml/2006/main" xmlns:r="http://schemas.openxmlformats.org/officeDocument/2006/relationships" xmlns:p="http://schemas.openxmlformats.org/presentationml/2006/main" showMasterSp="0" showMasterPhAnim="0">
+  <p:cSld>
+    <p:spTree>
+      <p:nvGrpSpPr>
+        <p:cNvPr id="1" name="Shape 83"/>
+        <p:cNvGrpSpPr/>
+        <p:nvPr/>
+      </p:nvGrpSpPr>
+      <p:grpSpPr>
+        <a:xfrm>
+          <a:off x="0" y="0"/>
+          <a:ext cx="0" cy="0"/>
+          <a:chOff x="0" y="0"/>
+          <a:chExt cx="0" cy="0"/>
+        </a:xfrm>
+      </p:grpSpPr>
+      <p:sp>
+        <p:nvSpPr>
+          <p:cNvPr id="84" name="Google Shape;84;g80c6f9028d_0_25:notes"/>
+          <p:cNvSpPr>
+            <a:spLocks noGrp="1" noRot="1" noChangeAspect="1"/>
+          </p:cNvSpPr>
+          <p:nvPr>
+            <p:ph type="sldImg" idx="2"/>
+          </p:nvPr>
+        </p:nvSpPr>
+        <p:spPr>
+          <a:xfrm>
+            <a:off x="381000" y="685800"/>
+            <a:ext cx="6096000" cy="3429000"/>
+          </a:xfrm>
+          <a:custGeom>
+            <a:avLst/>
+            <a:gdLst/>
+            <a:ahLst/>
+            <a:cxnLst/>
+            <a:rect l="l" t="t" r="r" b="b"/>
+            <a:pathLst>
+              <a:path w="120000" h="120000" extrusionOk="0">
+                <a:moveTo>
+                  <a:pt x="0" y="0"/>
+                </a:moveTo>
+                <a:lnTo>
+                  <a:pt x="120000" y="0"/>
+                </a:lnTo>
+                <a:lnTo>
+                  <a:pt x="120000" y="120000"/>
+                </a:lnTo>
+                <a:lnTo>
+                  <a:pt x="0" y="120000"/>
+                </a:lnTo>
+                <a:close/>
+              </a:path>
+            </a:pathLst>
+          </a:custGeom>
+        </p:spPr>
+      </p:sp>
+      <p:sp>
+        <p:nvSpPr>
+          <p:cNvPr id="85" name="Google Shape;85;g80c6f9028d_0_25:notes"/>
+          <p:cNvSpPr txBox="1">
+            <a:spLocks noGrp="1"/>
+          </p:cNvSpPr>
+          <p:nvPr>
+            <p:ph type="body" idx="1"/>
+          </p:nvPr>
+        </p:nvSpPr>
+        <p:spPr>
+          <a:xfrm>
+            <a:off x="685800" y="4343400"/>
+            <a:ext cx="5486400" cy="4114800"/>
+          </a:xfrm>
+          <a:prstGeom prst="rect">
+            <a:avLst/>
+          </a:prstGeom>
+        </p:spPr>
+        <p:txBody>
+          <a:bodyPr spcFirstLastPara="1" wrap="square" lIns="91425" tIns="91425" rIns="91425" bIns="91425" anchor="t" anchorCtr="0">
+            <a:noAutofit/>
+          </a:bodyPr>
+          <a:lstStyle/>
+          <a:p>
+            <a:pPr marL="0" lvl="0" indent="0" algn="l" rtl="0">
+              <a:spcBef>
+                <a:spcPts val="0"/>
+              </a:spcBef>
+              <a:spcAft>
+                <a:spcPts val="0"/>
+              </a:spcAft>
+              <a:buNone/>
+            </a:pPr>
+            <a:endParaRPr/>
+          </a:p>
+        </p:txBody>
+      </p:sp>
+    </p:spTree>
+  </p:cSld>
+  <p:clrMapOvr>
+    <a:masterClrMapping/>
+  </p:clrMapOvr>
+</p:notes>
+</file>
+
+<file path=ppt/notesSlides/notesSlide6.xml><?xml version="1.0" encoding="utf-8"?>
+<p:notes xmlns:a="http://schemas.openxmlformats.org/drawingml/2006/main" xmlns:r="http://schemas.openxmlformats.org/officeDocument/2006/relationships" xmlns:p="http://schemas.openxmlformats.org/presentationml/2006/main" showMasterSp="0" showMasterPhAnim="0">
+  <p:cSld>
+    <p:spTree>
+      <p:nvGrpSpPr>
+        <p:cNvPr id="1" name="Shape 90"/>
+        <p:cNvGrpSpPr/>
+        <p:nvPr/>
+      </p:nvGrpSpPr>
+      <p:grpSpPr>
+        <a:xfrm>
+          <a:off x="0" y="0"/>
+          <a:ext cx="0" cy="0"/>
+          <a:chOff x="0" y="0"/>
+          <a:chExt cx="0" cy="0"/>
+        </a:xfrm>
+      </p:grpSpPr>
+      <p:sp>
+        <p:nvSpPr>
+          <p:cNvPr id="91" name="Google Shape;91;g80c6f9028d_0_31:notes"/>
+          <p:cNvSpPr>
+            <a:spLocks noGrp="1" noRot="1" noChangeAspect="1"/>
+          </p:cNvSpPr>
+          <p:nvPr>
+            <p:ph type="sldImg" idx="2"/>
+          </p:nvPr>
+        </p:nvSpPr>
+        <p:spPr>
+          <a:xfrm>
+            <a:off x="381000" y="685800"/>
+            <a:ext cx="6096000" cy="3429000"/>
+          </a:xfrm>
+          <a:custGeom>
+            <a:avLst/>
+            <a:gdLst/>
+            <a:ahLst/>
+            <a:cxnLst/>
+            <a:rect l="l" t="t" r="r" b="b"/>
+            <a:pathLst>
+              <a:path w="120000" h="120000" extrusionOk="0">
+                <a:moveTo>
+                  <a:pt x="0" y="0"/>
+                </a:moveTo>
+                <a:lnTo>
+                  <a:pt x="120000" y="0"/>
+                </a:lnTo>
+                <a:lnTo>
+                  <a:pt x="120000" y="120000"/>
+                </a:lnTo>
+                <a:lnTo>
+                  <a:pt x="0" y="120000"/>
+                </a:lnTo>
+                <a:close/>
+              </a:path>
+            </a:pathLst>
+          </a:custGeom>
+        </p:spPr>
+      </p:sp>
+      <p:sp>
+        <p:nvSpPr>
+          <p:cNvPr id="92" name="Google Shape;92;g80c6f9028d_0_31:notes"/>
+          <p:cNvSpPr txBox="1">
+            <a:spLocks noGrp="1"/>
+          </p:cNvSpPr>
+          <p:nvPr>
+            <p:ph type="body" idx="1"/>
+          </p:nvPr>
+        </p:nvSpPr>
+        <p:spPr>
+          <a:xfrm>
+            <a:off x="685800" y="4343400"/>
+            <a:ext cx="5486400" cy="4114800"/>
+          </a:xfrm>
+          <a:prstGeom prst="rect">
+            <a:avLst/>
+          </a:prstGeom>
+        </p:spPr>
+        <p:txBody>
+          <a:bodyPr spcFirstLastPara="1" wrap="square" lIns="91425" tIns="91425" rIns="91425" bIns="91425" anchor="t" anchorCtr="0">
+            <a:noAutofit/>
+          </a:bodyPr>
+          <a:lstStyle/>
+          <a:p>
+            <a:pPr marL="0" lvl="0" indent="0" algn="l" rtl="0">
+              <a:spcBef>
+                <a:spcPts val="0"/>
+              </a:spcBef>
+              <a:spcAft>
+                <a:spcPts val="0"/>
+              </a:spcAft>
+              <a:buNone/>
+            </a:pPr>
+            <a:endParaRPr/>
+          </a:p>
+        </p:txBody>
+      </p:sp>
+    </p:spTree>
+  </p:cSld>
+  <p:clrMapOvr>
+    <a:masterClrMapping/>
+  </p:clrMapOvr>
+</p:notes>
+</file>
+
+<file path=ppt/notesSlides/notesSlide7.xml><?xml version="1.0" encoding="utf-8"?>
+<p:notes xmlns:a="http://schemas.openxmlformats.org/drawingml/2006/main" xmlns:r="http://schemas.openxmlformats.org/officeDocument/2006/relationships" xmlns:p="http://schemas.openxmlformats.org/presentationml/2006/main" showMasterSp="0" showMasterPhAnim="0">
+  <p:cSld>
+    <p:spTree>
+      <p:nvGrpSpPr>
+        <p:cNvPr id="1" name="Shape 96"/>
+        <p:cNvGrpSpPr/>
+        <p:nvPr/>
+      </p:nvGrpSpPr>
+      <p:grpSpPr>
+        <a:xfrm>
+          <a:off x="0" y="0"/>
+          <a:ext cx="0" cy="0"/>
+          <a:chOff x="0" y="0"/>
+          <a:chExt cx="0" cy="0"/>
+        </a:xfrm>
+      </p:grpSpPr>
+      <p:sp>
+        <p:nvSpPr>
+          <p:cNvPr id="97" name="Google Shape;97;g80c6f9028d_0_36:notes"/>
+          <p:cNvSpPr>
+            <a:spLocks noGrp="1" noRot="1" noChangeAspect="1"/>
+          </p:cNvSpPr>
+          <p:nvPr>
+            <p:ph type="sldImg" idx="2"/>
+          </p:nvPr>
+        </p:nvSpPr>
+        <p:spPr>
+          <a:xfrm>
+            <a:off x="381000" y="685800"/>
+            <a:ext cx="6096000" cy="3429000"/>
+          </a:xfrm>
+          <a:custGeom>
+            <a:avLst/>
+            <a:gdLst/>
+            <a:ahLst/>
+            <a:cxnLst/>
+            <a:rect l="l" t="t" r="r" b="b"/>
+            <a:pathLst>
+              <a:path w="120000" h="120000" extrusionOk="0">
+                <a:moveTo>
+                  <a:pt x="0" y="0"/>
+                </a:moveTo>
+                <a:lnTo>
+                  <a:pt x="120000" y="0"/>
+                </a:lnTo>
+                <a:lnTo>
+                  <a:pt x="120000" y="120000"/>
+                </a:lnTo>
+                <a:lnTo>
+                  <a:pt x="0" y="120000"/>
+                </a:lnTo>
+                <a:close/>
+              </a:path>
+            </a:pathLst>
+          </a:custGeom>
+        </p:spPr>
+      </p:sp>
+      <p:sp>
+        <p:nvSpPr>
+          <p:cNvPr id="98" name="Google Shape;98;g80c6f9028d_0_36:notes"/>
+          <p:cNvSpPr txBox="1">
+            <a:spLocks noGrp="1"/>
+          </p:cNvSpPr>
+          <p:nvPr>
+            <p:ph type="body" idx="1"/>
+          </p:nvPr>
+        </p:nvSpPr>
+        <p:spPr>
+          <a:xfrm>
+            <a:off x="685800" y="4343400"/>
+            <a:ext cx="5486400" cy="4114800"/>
+          </a:xfrm>
+          <a:prstGeom prst="rect">
+            <a:avLst/>
+          </a:prstGeom>
+        </p:spPr>
+        <p:txBody>
+          <a:bodyPr spcFirstLastPara="1" wrap="square" lIns="91425" tIns="91425" rIns="91425" bIns="91425" anchor="t" anchorCtr="0">
+            <a:noAutofit/>
+          </a:bodyPr>
+          <a:lstStyle/>
+          <a:p>
+            <a:pPr marL="0" lvl="0" indent="0" algn="l" rtl="0">
+              <a:spcBef>
+                <a:spcPts val="0"/>
+              </a:spcBef>
+              <a:spcAft>
+                <a:spcPts val="0"/>
+              </a:spcAft>
+              <a:buNone/>
+            </a:pPr>
+            <a:endParaRPr/>
+          </a:p>
+        </p:txBody>
+      </p:sp>
+    </p:spTree>
+  </p:cSld>
+  <p:clrMapOvr>
+    <a:masterClrMapping/>
+  </p:clrMapOvr>
+</p:notes>
+</file>
+
+<file path=ppt/notesSlides/notesSlide8.xml><?xml version="1.0" encoding="utf-8"?>
+<p:notes xmlns:a="http://schemas.openxmlformats.org/drawingml/2006/main" xmlns:r="http://schemas.openxmlformats.org/officeDocument/2006/relationships" xmlns:p="http://schemas.openxmlformats.org/presentationml/2006/main" showMasterSp="0" showMasterPhAnim="0">
+  <p:cSld>
+    <p:spTree>
+      <p:nvGrpSpPr>
+        <p:cNvPr id="1" name="Shape 104"/>
+        <p:cNvGrpSpPr/>
+        <p:nvPr/>
+      </p:nvGrpSpPr>
+      <p:grpSpPr>
+        <a:xfrm>
+          <a:off x="0" y="0"/>
+          <a:ext cx="0" cy="0"/>
+          <a:chOff x="0" y="0"/>
+          <a:chExt cx="0" cy="0"/>
+        </a:xfrm>
+      </p:grpSpPr>
+      <p:sp>
+        <p:nvSpPr>
+          <p:cNvPr id="105" name="Google Shape;105;g80c6f9028d_0_43:notes"/>
+          <p:cNvSpPr>
+            <a:spLocks noGrp="1" noRot="1" noChangeAspect="1"/>
+          </p:cNvSpPr>
+          <p:nvPr>
+            <p:ph type="sldImg" idx="2"/>
+          </p:nvPr>
+        </p:nvSpPr>
+        <p:spPr>
+          <a:xfrm>
+            <a:off x="381000" y="685800"/>
+            <a:ext cx="6096000" cy="3429000"/>
+          </a:xfrm>
+          <a:custGeom>
+            <a:avLst/>
+            <a:gdLst/>
+            <a:ahLst/>
+            <a:cxnLst/>
+            <a:rect l="l" t="t" r="r" b="b"/>
+            <a:pathLst>
+              <a:path w="120000" h="120000" extrusionOk="0">
+                <a:moveTo>
+                  <a:pt x="0" y="0"/>
+                </a:moveTo>
+                <a:lnTo>
+                  <a:pt x="120000" y="0"/>
+                </a:lnTo>
+                <a:lnTo>
+                  <a:pt x="120000" y="120000"/>
+                </a:lnTo>
+                <a:lnTo>
+                  <a:pt x="0" y="120000"/>
+                </a:lnTo>
+                <a:close/>
+              </a:path>
+            </a:pathLst>
+          </a:custGeom>
+        </p:spPr>
+      </p:sp>
+      <p:sp>
+        <p:nvSpPr>
+          <p:cNvPr id="106" name="Google Shape;106;g80c6f9028d_0_43:notes"/>
+          <p:cNvSpPr txBox="1">
+            <a:spLocks noGrp="1"/>
+          </p:cNvSpPr>
+          <p:nvPr>
+            <p:ph type="body" idx="1"/>
+          </p:nvPr>
+        </p:nvSpPr>
+        <p:spPr>
+          <a:xfrm>
+            <a:off x="685800" y="4343400"/>
+            <a:ext cx="5486400" cy="4114800"/>
+          </a:xfrm>
+          <a:prstGeom prst="rect">
+            <a:avLst/>
+          </a:prstGeom>
+        </p:spPr>
+        <p:txBody>
+          <a:bodyPr spcFirstLastPara="1" wrap="square" lIns="91425" tIns="91425" rIns="91425" bIns="91425" anchor="t" anchorCtr="0">
+            <a:noAutofit/>
+          </a:bodyPr>
+          <a:lstStyle/>
+          <a:p>
+            <a:pPr marL="0" lvl="0" indent="0" algn="l" rtl="0">
+              <a:spcBef>
+                <a:spcPts val="0"/>
+              </a:spcBef>
+              <a:spcAft>
+                <a:spcPts val="0"/>
+              </a:spcAft>
+              <a:buNone/>
+            </a:pPr>
+            <a:endParaRPr/>
+          </a:p>
+        </p:txBody>
+      </p:sp>
+    </p:spTree>
+  </p:cSld>
+  <p:clrMapOvr>
+    <a:masterClrMapping/>
+  </p:clrMapOvr>
+</p:notes>
+</file>
+
+<file path=ppt/notesSlides/notesSlide9.xml><?xml version="1.0" encoding="utf-8"?>
+<p:notes xmlns:a="http://schemas.openxmlformats.org/drawingml/2006/main" xmlns:r="http://schemas.openxmlformats.org/officeDocument/2006/relationships" xmlns:p="http://schemas.openxmlformats.org/presentationml/2006/main" showMasterSp="0" showMasterPhAnim="0">
+  <p:cSld>
+    <p:spTree>
+      <p:nvGrpSpPr>
+        <p:cNvPr id="1" name="Shape 114"/>
         <p:cNvGrpSpPr/>
         <p:nvPr/>
       </p:nvGrpSpPr>
@@ -814,20 +1563,26 @@
       <p:sp>
         <p:nvSpPr>
           <p:cNvPr id="115" name="Google Shape;115;g80c6f9028d_0_55:notes"/>
-          <p:cNvSpPr/>
+          <p:cNvSpPr>
+            <a:spLocks noGrp="1" noRot="1" noChangeAspect="1"/>
+          </p:cNvSpPr>
           <p:nvPr>
-            <p:ph idx="2" type="sldImg"/>
+            <p:ph type="sldImg" idx="2"/>
           </p:nvPr>
         </p:nvSpPr>
         <p:spPr>
           <a:xfrm>
-            <a:off x="381300" y="685800"/>
+            <a:off x="381000" y="685800"/>
             <a:ext cx="6096000" cy="3429000"/>
           </a:xfrm>
           <a:custGeom>
-            <a:rect b="b" l="l" r="r" t="t"/>
+            <a:avLst/>
+            <a:gdLst/>
+            <a:ahLst/>
+            <a:cxnLst/>
+            <a:rect l="l" t="t" r="r" b="b"/>
             <a:pathLst>
-              <a:path extrusionOk="0" h="120000" w="120000">
+              <a:path w="120000" h="120000" extrusionOk="0">
                 <a:moveTo>
                   <a:pt x="0" y="0"/>
                 </a:moveTo>
@@ -849,9 +1604,11 @@
       <p:sp>
         <p:nvSpPr>
           <p:cNvPr id="116" name="Google Shape;116;g80c6f9028d_0_55:notes"/>
-          <p:cNvSpPr txBox="1"/>
+          <p:cNvSpPr txBox="1">
+            <a:spLocks noGrp="1"/>
+          </p:cNvSpPr>
           <p:nvPr>
-            <p:ph idx="1" type="body"/>
+            <p:ph type="body" idx="1"/>
           </p:nvPr>
         </p:nvSpPr>
         <p:spPr>
@@ -864,12 +1621,12 @@
           </a:prstGeom>
         </p:spPr>
         <p:txBody>
-          <a:bodyPr anchorCtr="0" anchor="t" bIns="91425" lIns="91425" spcFirstLastPara="1" rIns="91425" wrap="square" tIns="91425">
+          <a:bodyPr spcFirstLastPara="1" wrap="square" lIns="91425" tIns="91425" rIns="91425" bIns="91425" anchor="t" anchorCtr="0">
             <a:noAutofit/>
           </a:bodyPr>
           <a:lstStyle/>
           <a:p>
-            <a:pPr indent="0" lvl="0" marL="0" rtl="0" algn="l">
+            <a:pPr marL="0" lvl="0" indent="0" algn="l" rtl="0">
               <a:spcBef>
                 <a:spcPts val="0"/>
               </a:spcBef>
@@ -878,801 +1635,6 @@
               </a:spcAft>
               <a:buNone/>
             </a:pPr>
-            <a:r>
-              <a:t/>
-            </a:r>
-            <a:endParaRPr/>
-          </a:p>
-        </p:txBody>
-      </p:sp>
-    </p:spTree>
-  </p:cSld>
-  <p:clrMapOvr>
-    <a:masterClrMapping/>
-  </p:clrMapOvr>
-</p:notes>
-</file>
-
-<file path=ppt/notesSlides/notesSlide2.xml><?xml version="1.0" encoding="utf-8"?>
-<p:notes xmlns:a="http://schemas.openxmlformats.org/drawingml/2006/main" xmlns:r="http://schemas.openxmlformats.org/officeDocument/2006/relationships" xmlns:mc="http://schemas.openxmlformats.org/markup-compatibility/2006" xmlns:mv="urn:schemas-microsoft-com:mac:vml" xmlns:p="http://schemas.openxmlformats.org/presentationml/2006/main" xmlns:c="http://schemas.openxmlformats.org/drawingml/2006/chart" xmlns:dgm="http://schemas.openxmlformats.org/drawingml/2006/diagram" xmlns:o="urn:schemas-microsoft-com:office:office" xmlns:v="urn:schemas-microsoft-com:vml" xmlns:pvml="urn:schemas-microsoft-com:office:powerpoint" xmlns:com="http://schemas.openxmlformats.org/drawingml/2006/compatibility" xmlns:p14="http://schemas.microsoft.com/office/powerpoint/2010/main" xmlns:p15="http://schemas.microsoft.com/office/powerpoint/2012/main" showMasterPhAnim="0" showMasterSp="0">
-  <p:cSld>
-    <p:spTree>
-      <p:nvGrpSpPr>
-        <p:cNvPr id="57" name="Shape 57"/>
-        <p:cNvGrpSpPr/>
-        <p:nvPr/>
-      </p:nvGrpSpPr>
-      <p:grpSpPr>
-        <a:xfrm>
-          <a:off x="0" y="0"/>
-          <a:ext cx="0" cy="0"/>
-          <a:chOff x="0" y="0"/>
-          <a:chExt cx="0" cy="0"/>
-        </a:xfrm>
-      </p:grpSpPr>
-      <p:sp>
-        <p:nvSpPr>
-          <p:cNvPr id="58" name="Google Shape;58;g80c6f9028d_0_1:notes"/>
-          <p:cNvSpPr/>
-          <p:nvPr>
-            <p:ph idx="2" type="sldImg"/>
-          </p:nvPr>
-        </p:nvSpPr>
-        <p:spPr>
-          <a:xfrm>
-            <a:off x="381300" y="685800"/>
-            <a:ext cx="6096000" cy="3429000"/>
-          </a:xfrm>
-          <a:custGeom>
-            <a:rect b="b" l="l" r="r" t="t"/>
-            <a:pathLst>
-              <a:path extrusionOk="0" h="120000" w="120000">
-                <a:moveTo>
-                  <a:pt x="0" y="0"/>
-                </a:moveTo>
-                <a:lnTo>
-                  <a:pt x="120000" y="0"/>
-                </a:lnTo>
-                <a:lnTo>
-                  <a:pt x="120000" y="120000"/>
-                </a:lnTo>
-                <a:lnTo>
-                  <a:pt x="0" y="120000"/>
-                </a:lnTo>
-                <a:close/>
-              </a:path>
-            </a:pathLst>
-          </a:custGeom>
-        </p:spPr>
-      </p:sp>
-      <p:sp>
-        <p:nvSpPr>
-          <p:cNvPr id="59" name="Google Shape;59;g80c6f9028d_0_1:notes"/>
-          <p:cNvSpPr txBox="1"/>
-          <p:nvPr>
-            <p:ph idx="1" type="body"/>
-          </p:nvPr>
-        </p:nvSpPr>
-        <p:spPr>
-          <a:xfrm>
-            <a:off x="685800" y="4343400"/>
-            <a:ext cx="5486400" cy="4114800"/>
-          </a:xfrm>
-          <a:prstGeom prst="rect">
-            <a:avLst/>
-          </a:prstGeom>
-        </p:spPr>
-        <p:txBody>
-          <a:bodyPr anchorCtr="0" anchor="t" bIns="91425" lIns="91425" spcFirstLastPara="1" rIns="91425" wrap="square" tIns="91425">
-            <a:noAutofit/>
-          </a:bodyPr>
-          <a:lstStyle/>
-          <a:p>
-            <a:pPr indent="0" lvl="0" marL="0" rtl="0" algn="l">
-              <a:spcBef>
-                <a:spcPts val="0"/>
-              </a:spcBef>
-              <a:spcAft>
-                <a:spcPts val="0"/>
-              </a:spcAft>
-              <a:buNone/>
-            </a:pPr>
-            <a:r>
-              <a:t/>
-            </a:r>
-            <a:endParaRPr/>
-          </a:p>
-        </p:txBody>
-      </p:sp>
-    </p:spTree>
-  </p:cSld>
-  <p:clrMapOvr>
-    <a:masterClrMapping/>
-  </p:clrMapOvr>
-</p:notes>
-</file>
-
-<file path=ppt/notesSlides/notesSlide3.xml><?xml version="1.0" encoding="utf-8"?>
-<p:notes xmlns:a="http://schemas.openxmlformats.org/drawingml/2006/main" xmlns:r="http://schemas.openxmlformats.org/officeDocument/2006/relationships" xmlns:mc="http://schemas.openxmlformats.org/markup-compatibility/2006" xmlns:mv="urn:schemas-microsoft-com:mac:vml" xmlns:p="http://schemas.openxmlformats.org/presentationml/2006/main" xmlns:c="http://schemas.openxmlformats.org/drawingml/2006/chart" xmlns:dgm="http://schemas.openxmlformats.org/drawingml/2006/diagram" xmlns:o="urn:schemas-microsoft-com:office:office" xmlns:v="urn:schemas-microsoft-com:vml" xmlns:pvml="urn:schemas-microsoft-com:office:powerpoint" xmlns:com="http://schemas.openxmlformats.org/drawingml/2006/compatibility" xmlns:p14="http://schemas.microsoft.com/office/powerpoint/2010/main" xmlns:p15="http://schemas.microsoft.com/office/powerpoint/2012/main" showMasterPhAnim="0" showMasterSp="0">
-  <p:cSld>
-    <p:spTree>
-      <p:nvGrpSpPr>
-        <p:cNvPr id="63" name="Shape 63"/>
-        <p:cNvGrpSpPr/>
-        <p:nvPr/>
-      </p:nvGrpSpPr>
-      <p:grpSpPr>
-        <a:xfrm>
-          <a:off x="0" y="0"/>
-          <a:ext cx="0" cy="0"/>
-          <a:chOff x="0" y="0"/>
-          <a:chExt cx="0" cy="0"/>
-        </a:xfrm>
-      </p:grpSpPr>
-      <p:sp>
-        <p:nvSpPr>
-          <p:cNvPr id="64" name="Google Shape;64;g80c6f9028d_0_6:notes"/>
-          <p:cNvSpPr/>
-          <p:nvPr>
-            <p:ph idx="2" type="sldImg"/>
-          </p:nvPr>
-        </p:nvSpPr>
-        <p:spPr>
-          <a:xfrm>
-            <a:off x="381300" y="685800"/>
-            <a:ext cx="6096000" cy="3429000"/>
-          </a:xfrm>
-          <a:custGeom>
-            <a:rect b="b" l="l" r="r" t="t"/>
-            <a:pathLst>
-              <a:path extrusionOk="0" h="120000" w="120000">
-                <a:moveTo>
-                  <a:pt x="0" y="0"/>
-                </a:moveTo>
-                <a:lnTo>
-                  <a:pt x="120000" y="0"/>
-                </a:lnTo>
-                <a:lnTo>
-                  <a:pt x="120000" y="120000"/>
-                </a:lnTo>
-                <a:lnTo>
-                  <a:pt x="0" y="120000"/>
-                </a:lnTo>
-                <a:close/>
-              </a:path>
-            </a:pathLst>
-          </a:custGeom>
-        </p:spPr>
-      </p:sp>
-      <p:sp>
-        <p:nvSpPr>
-          <p:cNvPr id="65" name="Google Shape;65;g80c6f9028d_0_6:notes"/>
-          <p:cNvSpPr txBox="1"/>
-          <p:nvPr>
-            <p:ph idx="1" type="body"/>
-          </p:nvPr>
-        </p:nvSpPr>
-        <p:spPr>
-          <a:xfrm>
-            <a:off x="685800" y="4343400"/>
-            <a:ext cx="5486400" cy="4114800"/>
-          </a:xfrm>
-          <a:prstGeom prst="rect">
-            <a:avLst/>
-          </a:prstGeom>
-        </p:spPr>
-        <p:txBody>
-          <a:bodyPr anchorCtr="0" anchor="t" bIns="91425" lIns="91425" spcFirstLastPara="1" rIns="91425" wrap="square" tIns="91425">
-            <a:noAutofit/>
-          </a:bodyPr>
-          <a:lstStyle/>
-          <a:p>
-            <a:pPr indent="0" lvl="0" marL="0" rtl="0" algn="l">
-              <a:spcBef>
-                <a:spcPts val="0"/>
-              </a:spcBef>
-              <a:spcAft>
-                <a:spcPts val="0"/>
-              </a:spcAft>
-              <a:buNone/>
-            </a:pPr>
-            <a:r>
-              <a:t/>
-            </a:r>
-            <a:endParaRPr/>
-          </a:p>
-        </p:txBody>
-      </p:sp>
-    </p:spTree>
-  </p:cSld>
-  <p:clrMapOvr>
-    <a:masterClrMapping/>
-  </p:clrMapOvr>
-</p:notes>
-</file>
-
-<file path=ppt/notesSlides/notesSlide4.xml><?xml version="1.0" encoding="utf-8"?>
-<p:notes xmlns:a="http://schemas.openxmlformats.org/drawingml/2006/main" xmlns:r="http://schemas.openxmlformats.org/officeDocument/2006/relationships" xmlns:mc="http://schemas.openxmlformats.org/markup-compatibility/2006" xmlns:mv="urn:schemas-microsoft-com:mac:vml" xmlns:p="http://schemas.openxmlformats.org/presentationml/2006/main" xmlns:c="http://schemas.openxmlformats.org/drawingml/2006/chart" xmlns:dgm="http://schemas.openxmlformats.org/drawingml/2006/diagram" xmlns:o="urn:schemas-microsoft-com:office:office" xmlns:v="urn:schemas-microsoft-com:vml" xmlns:pvml="urn:schemas-microsoft-com:office:powerpoint" xmlns:com="http://schemas.openxmlformats.org/drawingml/2006/compatibility" xmlns:p14="http://schemas.microsoft.com/office/powerpoint/2010/main" xmlns:p15="http://schemas.microsoft.com/office/powerpoint/2012/main" showMasterPhAnim="0" showMasterSp="0">
-  <p:cSld>
-    <p:spTree>
-      <p:nvGrpSpPr>
-        <p:cNvPr id="70" name="Shape 70"/>
-        <p:cNvGrpSpPr/>
-        <p:nvPr/>
-      </p:nvGrpSpPr>
-      <p:grpSpPr>
-        <a:xfrm>
-          <a:off x="0" y="0"/>
-          <a:ext cx="0" cy="0"/>
-          <a:chOff x="0" y="0"/>
-          <a:chExt cx="0" cy="0"/>
-        </a:xfrm>
-      </p:grpSpPr>
-      <p:sp>
-        <p:nvSpPr>
-          <p:cNvPr id="71" name="Google Shape;71;g80c6f9028d_0_14:notes"/>
-          <p:cNvSpPr/>
-          <p:nvPr>
-            <p:ph idx="2" type="sldImg"/>
-          </p:nvPr>
-        </p:nvSpPr>
-        <p:spPr>
-          <a:xfrm>
-            <a:off x="381300" y="685800"/>
-            <a:ext cx="6096000" cy="3429000"/>
-          </a:xfrm>
-          <a:custGeom>
-            <a:rect b="b" l="l" r="r" t="t"/>
-            <a:pathLst>
-              <a:path extrusionOk="0" h="120000" w="120000">
-                <a:moveTo>
-                  <a:pt x="0" y="0"/>
-                </a:moveTo>
-                <a:lnTo>
-                  <a:pt x="120000" y="0"/>
-                </a:lnTo>
-                <a:lnTo>
-                  <a:pt x="120000" y="120000"/>
-                </a:lnTo>
-                <a:lnTo>
-                  <a:pt x="0" y="120000"/>
-                </a:lnTo>
-                <a:close/>
-              </a:path>
-            </a:pathLst>
-          </a:custGeom>
-        </p:spPr>
-      </p:sp>
-      <p:sp>
-        <p:nvSpPr>
-          <p:cNvPr id="72" name="Google Shape;72;g80c6f9028d_0_14:notes"/>
-          <p:cNvSpPr txBox="1"/>
-          <p:nvPr>
-            <p:ph idx="1" type="body"/>
-          </p:nvPr>
-        </p:nvSpPr>
-        <p:spPr>
-          <a:xfrm>
-            <a:off x="685800" y="4343400"/>
-            <a:ext cx="5486400" cy="4114800"/>
-          </a:xfrm>
-          <a:prstGeom prst="rect">
-            <a:avLst/>
-          </a:prstGeom>
-        </p:spPr>
-        <p:txBody>
-          <a:bodyPr anchorCtr="0" anchor="t" bIns="91425" lIns="91425" spcFirstLastPara="1" rIns="91425" wrap="square" tIns="91425">
-            <a:noAutofit/>
-          </a:bodyPr>
-          <a:lstStyle/>
-          <a:p>
-            <a:pPr indent="0" lvl="0" marL="0" rtl="0" algn="l">
-              <a:spcBef>
-                <a:spcPts val="0"/>
-              </a:spcBef>
-              <a:spcAft>
-                <a:spcPts val="0"/>
-              </a:spcAft>
-              <a:buNone/>
-            </a:pPr>
-            <a:r>
-              <a:t/>
-            </a:r>
-            <a:endParaRPr/>
-          </a:p>
-        </p:txBody>
-      </p:sp>
-    </p:spTree>
-  </p:cSld>
-  <p:clrMapOvr>
-    <a:masterClrMapping/>
-  </p:clrMapOvr>
-</p:notes>
-</file>
-
-<file path=ppt/notesSlides/notesSlide5.xml><?xml version="1.0" encoding="utf-8"?>
-<p:notes xmlns:a="http://schemas.openxmlformats.org/drawingml/2006/main" xmlns:r="http://schemas.openxmlformats.org/officeDocument/2006/relationships" xmlns:mc="http://schemas.openxmlformats.org/markup-compatibility/2006" xmlns:mv="urn:schemas-microsoft-com:mac:vml" xmlns:p="http://schemas.openxmlformats.org/presentationml/2006/main" xmlns:c="http://schemas.openxmlformats.org/drawingml/2006/chart" xmlns:dgm="http://schemas.openxmlformats.org/drawingml/2006/diagram" xmlns:o="urn:schemas-microsoft-com:office:office" xmlns:v="urn:schemas-microsoft-com:vml" xmlns:pvml="urn:schemas-microsoft-com:office:powerpoint" xmlns:com="http://schemas.openxmlformats.org/drawingml/2006/compatibility" xmlns:p14="http://schemas.microsoft.com/office/powerpoint/2010/main" xmlns:p15="http://schemas.microsoft.com/office/powerpoint/2012/main" showMasterPhAnim="0" showMasterSp="0">
-  <p:cSld>
-    <p:spTree>
-      <p:nvGrpSpPr>
-        <p:cNvPr id="76" name="Shape 76"/>
-        <p:cNvGrpSpPr/>
-        <p:nvPr/>
-      </p:nvGrpSpPr>
-      <p:grpSpPr>
-        <a:xfrm>
-          <a:off x="0" y="0"/>
-          <a:ext cx="0" cy="0"/>
-          <a:chOff x="0" y="0"/>
-          <a:chExt cx="0" cy="0"/>
-        </a:xfrm>
-      </p:grpSpPr>
-      <p:sp>
-        <p:nvSpPr>
-          <p:cNvPr id="77" name="Google Shape;77;g80c6f9028d_0_19:notes"/>
-          <p:cNvSpPr/>
-          <p:nvPr>
-            <p:ph idx="2" type="sldImg"/>
-          </p:nvPr>
-        </p:nvSpPr>
-        <p:spPr>
-          <a:xfrm>
-            <a:off x="381300" y="685800"/>
-            <a:ext cx="6096000" cy="3429000"/>
-          </a:xfrm>
-          <a:custGeom>
-            <a:rect b="b" l="l" r="r" t="t"/>
-            <a:pathLst>
-              <a:path extrusionOk="0" h="120000" w="120000">
-                <a:moveTo>
-                  <a:pt x="0" y="0"/>
-                </a:moveTo>
-                <a:lnTo>
-                  <a:pt x="120000" y="0"/>
-                </a:lnTo>
-                <a:lnTo>
-                  <a:pt x="120000" y="120000"/>
-                </a:lnTo>
-                <a:lnTo>
-                  <a:pt x="0" y="120000"/>
-                </a:lnTo>
-                <a:close/>
-              </a:path>
-            </a:pathLst>
-          </a:custGeom>
-        </p:spPr>
-      </p:sp>
-      <p:sp>
-        <p:nvSpPr>
-          <p:cNvPr id="78" name="Google Shape;78;g80c6f9028d_0_19:notes"/>
-          <p:cNvSpPr txBox="1"/>
-          <p:nvPr>
-            <p:ph idx="1" type="body"/>
-          </p:nvPr>
-        </p:nvSpPr>
-        <p:spPr>
-          <a:xfrm>
-            <a:off x="685800" y="4343400"/>
-            <a:ext cx="5486400" cy="4114800"/>
-          </a:xfrm>
-          <a:prstGeom prst="rect">
-            <a:avLst/>
-          </a:prstGeom>
-        </p:spPr>
-        <p:txBody>
-          <a:bodyPr anchorCtr="0" anchor="t" bIns="91425" lIns="91425" spcFirstLastPara="1" rIns="91425" wrap="square" tIns="91425">
-            <a:noAutofit/>
-          </a:bodyPr>
-          <a:lstStyle/>
-          <a:p>
-            <a:pPr indent="0" lvl="0" marL="0" rtl="0" algn="l">
-              <a:spcBef>
-                <a:spcPts val="0"/>
-              </a:spcBef>
-              <a:spcAft>
-                <a:spcPts val="0"/>
-              </a:spcAft>
-              <a:buNone/>
-            </a:pPr>
-            <a:r>
-              <a:t/>
-            </a:r>
-            <a:endParaRPr/>
-          </a:p>
-        </p:txBody>
-      </p:sp>
-    </p:spTree>
-  </p:cSld>
-  <p:clrMapOvr>
-    <a:masterClrMapping/>
-  </p:clrMapOvr>
-</p:notes>
-</file>
-
-<file path=ppt/notesSlides/notesSlide6.xml><?xml version="1.0" encoding="utf-8"?>
-<p:notes xmlns:a="http://schemas.openxmlformats.org/drawingml/2006/main" xmlns:r="http://schemas.openxmlformats.org/officeDocument/2006/relationships" xmlns:mc="http://schemas.openxmlformats.org/markup-compatibility/2006" xmlns:mv="urn:schemas-microsoft-com:mac:vml" xmlns:p="http://schemas.openxmlformats.org/presentationml/2006/main" xmlns:c="http://schemas.openxmlformats.org/drawingml/2006/chart" xmlns:dgm="http://schemas.openxmlformats.org/drawingml/2006/diagram" xmlns:o="urn:schemas-microsoft-com:office:office" xmlns:v="urn:schemas-microsoft-com:vml" xmlns:pvml="urn:schemas-microsoft-com:office:powerpoint" xmlns:com="http://schemas.openxmlformats.org/drawingml/2006/compatibility" xmlns:p14="http://schemas.microsoft.com/office/powerpoint/2010/main" xmlns:p15="http://schemas.microsoft.com/office/powerpoint/2012/main" showMasterPhAnim="0" showMasterSp="0">
-  <p:cSld>
-    <p:spTree>
-      <p:nvGrpSpPr>
-        <p:cNvPr id="83" name="Shape 83"/>
-        <p:cNvGrpSpPr/>
-        <p:nvPr/>
-      </p:nvGrpSpPr>
-      <p:grpSpPr>
-        <a:xfrm>
-          <a:off x="0" y="0"/>
-          <a:ext cx="0" cy="0"/>
-          <a:chOff x="0" y="0"/>
-          <a:chExt cx="0" cy="0"/>
-        </a:xfrm>
-      </p:grpSpPr>
-      <p:sp>
-        <p:nvSpPr>
-          <p:cNvPr id="84" name="Google Shape;84;g80c6f9028d_0_25:notes"/>
-          <p:cNvSpPr/>
-          <p:nvPr>
-            <p:ph idx="2" type="sldImg"/>
-          </p:nvPr>
-        </p:nvSpPr>
-        <p:spPr>
-          <a:xfrm>
-            <a:off x="381300" y="685800"/>
-            <a:ext cx="6096000" cy="3429000"/>
-          </a:xfrm>
-          <a:custGeom>
-            <a:rect b="b" l="l" r="r" t="t"/>
-            <a:pathLst>
-              <a:path extrusionOk="0" h="120000" w="120000">
-                <a:moveTo>
-                  <a:pt x="0" y="0"/>
-                </a:moveTo>
-                <a:lnTo>
-                  <a:pt x="120000" y="0"/>
-                </a:lnTo>
-                <a:lnTo>
-                  <a:pt x="120000" y="120000"/>
-                </a:lnTo>
-                <a:lnTo>
-                  <a:pt x="0" y="120000"/>
-                </a:lnTo>
-                <a:close/>
-              </a:path>
-            </a:pathLst>
-          </a:custGeom>
-        </p:spPr>
-      </p:sp>
-      <p:sp>
-        <p:nvSpPr>
-          <p:cNvPr id="85" name="Google Shape;85;g80c6f9028d_0_25:notes"/>
-          <p:cNvSpPr txBox="1"/>
-          <p:nvPr>
-            <p:ph idx="1" type="body"/>
-          </p:nvPr>
-        </p:nvSpPr>
-        <p:spPr>
-          <a:xfrm>
-            <a:off x="685800" y="4343400"/>
-            <a:ext cx="5486400" cy="4114800"/>
-          </a:xfrm>
-          <a:prstGeom prst="rect">
-            <a:avLst/>
-          </a:prstGeom>
-        </p:spPr>
-        <p:txBody>
-          <a:bodyPr anchorCtr="0" anchor="t" bIns="91425" lIns="91425" spcFirstLastPara="1" rIns="91425" wrap="square" tIns="91425">
-            <a:noAutofit/>
-          </a:bodyPr>
-          <a:lstStyle/>
-          <a:p>
-            <a:pPr indent="0" lvl="0" marL="0" rtl="0" algn="l">
-              <a:spcBef>
-                <a:spcPts val="0"/>
-              </a:spcBef>
-              <a:spcAft>
-                <a:spcPts val="0"/>
-              </a:spcAft>
-              <a:buNone/>
-            </a:pPr>
-            <a:r>
-              <a:t/>
-            </a:r>
-            <a:endParaRPr/>
-          </a:p>
-        </p:txBody>
-      </p:sp>
-    </p:spTree>
-  </p:cSld>
-  <p:clrMapOvr>
-    <a:masterClrMapping/>
-  </p:clrMapOvr>
-</p:notes>
-</file>
-
-<file path=ppt/notesSlides/notesSlide7.xml><?xml version="1.0" encoding="utf-8"?>
-<p:notes xmlns:a="http://schemas.openxmlformats.org/drawingml/2006/main" xmlns:r="http://schemas.openxmlformats.org/officeDocument/2006/relationships" xmlns:mc="http://schemas.openxmlformats.org/markup-compatibility/2006" xmlns:mv="urn:schemas-microsoft-com:mac:vml" xmlns:p="http://schemas.openxmlformats.org/presentationml/2006/main" xmlns:c="http://schemas.openxmlformats.org/drawingml/2006/chart" xmlns:dgm="http://schemas.openxmlformats.org/drawingml/2006/diagram" xmlns:o="urn:schemas-microsoft-com:office:office" xmlns:v="urn:schemas-microsoft-com:vml" xmlns:pvml="urn:schemas-microsoft-com:office:powerpoint" xmlns:com="http://schemas.openxmlformats.org/drawingml/2006/compatibility" xmlns:p14="http://schemas.microsoft.com/office/powerpoint/2010/main" xmlns:p15="http://schemas.microsoft.com/office/powerpoint/2012/main" showMasterPhAnim="0" showMasterSp="0">
-  <p:cSld>
-    <p:spTree>
-      <p:nvGrpSpPr>
-        <p:cNvPr id="90" name="Shape 90"/>
-        <p:cNvGrpSpPr/>
-        <p:nvPr/>
-      </p:nvGrpSpPr>
-      <p:grpSpPr>
-        <a:xfrm>
-          <a:off x="0" y="0"/>
-          <a:ext cx="0" cy="0"/>
-          <a:chOff x="0" y="0"/>
-          <a:chExt cx="0" cy="0"/>
-        </a:xfrm>
-      </p:grpSpPr>
-      <p:sp>
-        <p:nvSpPr>
-          <p:cNvPr id="91" name="Google Shape;91;g80c6f9028d_0_31:notes"/>
-          <p:cNvSpPr/>
-          <p:nvPr>
-            <p:ph idx="2" type="sldImg"/>
-          </p:nvPr>
-        </p:nvSpPr>
-        <p:spPr>
-          <a:xfrm>
-            <a:off x="381300" y="685800"/>
-            <a:ext cx="6096000" cy="3429000"/>
-          </a:xfrm>
-          <a:custGeom>
-            <a:rect b="b" l="l" r="r" t="t"/>
-            <a:pathLst>
-              <a:path extrusionOk="0" h="120000" w="120000">
-                <a:moveTo>
-                  <a:pt x="0" y="0"/>
-                </a:moveTo>
-                <a:lnTo>
-                  <a:pt x="120000" y="0"/>
-                </a:lnTo>
-                <a:lnTo>
-                  <a:pt x="120000" y="120000"/>
-                </a:lnTo>
-                <a:lnTo>
-                  <a:pt x="0" y="120000"/>
-                </a:lnTo>
-                <a:close/>
-              </a:path>
-            </a:pathLst>
-          </a:custGeom>
-        </p:spPr>
-      </p:sp>
-      <p:sp>
-        <p:nvSpPr>
-          <p:cNvPr id="92" name="Google Shape;92;g80c6f9028d_0_31:notes"/>
-          <p:cNvSpPr txBox="1"/>
-          <p:nvPr>
-            <p:ph idx="1" type="body"/>
-          </p:nvPr>
-        </p:nvSpPr>
-        <p:spPr>
-          <a:xfrm>
-            <a:off x="685800" y="4343400"/>
-            <a:ext cx="5486400" cy="4114800"/>
-          </a:xfrm>
-          <a:prstGeom prst="rect">
-            <a:avLst/>
-          </a:prstGeom>
-        </p:spPr>
-        <p:txBody>
-          <a:bodyPr anchorCtr="0" anchor="t" bIns="91425" lIns="91425" spcFirstLastPara="1" rIns="91425" wrap="square" tIns="91425">
-            <a:noAutofit/>
-          </a:bodyPr>
-          <a:lstStyle/>
-          <a:p>
-            <a:pPr indent="0" lvl="0" marL="0" rtl="0" algn="l">
-              <a:spcBef>
-                <a:spcPts val="0"/>
-              </a:spcBef>
-              <a:spcAft>
-                <a:spcPts val="0"/>
-              </a:spcAft>
-              <a:buNone/>
-            </a:pPr>
-            <a:r>
-              <a:t/>
-            </a:r>
-            <a:endParaRPr/>
-          </a:p>
-        </p:txBody>
-      </p:sp>
-    </p:spTree>
-  </p:cSld>
-  <p:clrMapOvr>
-    <a:masterClrMapping/>
-  </p:clrMapOvr>
-</p:notes>
-</file>
-
-<file path=ppt/notesSlides/notesSlide8.xml><?xml version="1.0" encoding="utf-8"?>
-<p:notes xmlns:a="http://schemas.openxmlformats.org/drawingml/2006/main" xmlns:r="http://schemas.openxmlformats.org/officeDocument/2006/relationships" xmlns:mc="http://schemas.openxmlformats.org/markup-compatibility/2006" xmlns:mv="urn:schemas-microsoft-com:mac:vml" xmlns:p="http://schemas.openxmlformats.org/presentationml/2006/main" xmlns:c="http://schemas.openxmlformats.org/drawingml/2006/chart" xmlns:dgm="http://schemas.openxmlformats.org/drawingml/2006/diagram" xmlns:o="urn:schemas-microsoft-com:office:office" xmlns:v="urn:schemas-microsoft-com:vml" xmlns:pvml="urn:schemas-microsoft-com:office:powerpoint" xmlns:com="http://schemas.openxmlformats.org/drawingml/2006/compatibility" xmlns:p14="http://schemas.microsoft.com/office/powerpoint/2010/main" xmlns:p15="http://schemas.microsoft.com/office/powerpoint/2012/main" showMasterPhAnim="0" showMasterSp="0">
-  <p:cSld>
-    <p:spTree>
-      <p:nvGrpSpPr>
-        <p:cNvPr id="96" name="Shape 96"/>
-        <p:cNvGrpSpPr/>
-        <p:nvPr/>
-      </p:nvGrpSpPr>
-      <p:grpSpPr>
-        <a:xfrm>
-          <a:off x="0" y="0"/>
-          <a:ext cx="0" cy="0"/>
-          <a:chOff x="0" y="0"/>
-          <a:chExt cx="0" cy="0"/>
-        </a:xfrm>
-      </p:grpSpPr>
-      <p:sp>
-        <p:nvSpPr>
-          <p:cNvPr id="97" name="Google Shape;97;g80c6f9028d_0_36:notes"/>
-          <p:cNvSpPr/>
-          <p:nvPr>
-            <p:ph idx="2" type="sldImg"/>
-          </p:nvPr>
-        </p:nvSpPr>
-        <p:spPr>
-          <a:xfrm>
-            <a:off x="381300" y="685800"/>
-            <a:ext cx="6096000" cy="3429000"/>
-          </a:xfrm>
-          <a:custGeom>
-            <a:rect b="b" l="l" r="r" t="t"/>
-            <a:pathLst>
-              <a:path extrusionOk="0" h="120000" w="120000">
-                <a:moveTo>
-                  <a:pt x="0" y="0"/>
-                </a:moveTo>
-                <a:lnTo>
-                  <a:pt x="120000" y="0"/>
-                </a:lnTo>
-                <a:lnTo>
-                  <a:pt x="120000" y="120000"/>
-                </a:lnTo>
-                <a:lnTo>
-                  <a:pt x="0" y="120000"/>
-                </a:lnTo>
-                <a:close/>
-              </a:path>
-            </a:pathLst>
-          </a:custGeom>
-        </p:spPr>
-      </p:sp>
-      <p:sp>
-        <p:nvSpPr>
-          <p:cNvPr id="98" name="Google Shape;98;g80c6f9028d_0_36:notes"/>
-          <p:cNvSpPr txBox="1"/>
-          <p:nvPr>
-            <p:ph idx="1" type="body"/>
-          </p:nvPr>
-        </p:nvSpPr>
-        <p:spPr>
-          <a:xfrm>
-            <a:off x="685800" y="4343400"/>
-            <a:ext cx="5486400" cy="4114800"/>
-          </a:xfrm>
-          <a:prstGeom prst="rect">
-            <a:avLst/>
-          </a:prstGeom>
-        </p:spPr>
-        <p:txBody>
-          <a:bodyPr anchorCtr="0" anchor="t" bIns="91425" lIns="91425" spcFirstLastPara="1" rIns="91425" wrap="square" tIns="91425">
-            <a:noAutofit/>
-          </a:bodyPr>
-          <a:lstStyle/>
-          <a:p>
-            <a:pPr indent="0" lvl="0" marL="0" rtl="0" algn="l">
-              <a:spcBef>
-                <a:spcPts val="0"/>
-              </a:spcBef>
-              <a:spcAft>
-                <a:spcPts val="0"/>
-              </a:spcAft>
-              <a:buNone/>
-            </a:pPr>
-            <a:r>
-              <a:t/>
-            </a:r>
-            <a:endParaRPr/>
-          </a:p>
-        </p:txBody>
-      </p:sp>
-    </p:spTree>
-  </p:cSld>
-  <p:clrMapOvr>
-    <a:masterClrMapping/>
-  </p:clrMapOvr>
-</p:notes>
-</file>
-
-<file path=ppt/notesSlides/notesSlide9.xml><?xml version="1.0" encoding="utf-8"?>
-<p:notes xmlns:a="http://schemas.openxmlformats.org/drawingml/2006/main" xmlns:r="http://schemas.openxmlformats.org/officeDocument/2006/relationships" xmlns:mc="http://schemas.openxmlformats.org/markup-compatibility/2006" xmlns:mv="urn:schemas-microsoft-com:mac:vml" xmlns:p="http://schemas.openxmlformats.org/presentationml/2006/main" xmlns:c="http://schemas.openxmlformats.org/drawingml/2006/chart" xmlns:dgm="http://schemas.openxmlformats.org/drawingml/2006/diagram" xmlns:o="urn:schemas-microsoft-com:office:office" xmlns:v="urn:schemas-microsoft-com:vml" xmlns:pvml="urn:schemas-microsoft-com:office:powerpoint" xmlns:com="http://schemas.openxmlformats.org/drawingml/2006/compatibility" xmlns:p14="http://schemas.microsoft.com/office/powerpoint/2010/main" xmlns:p15="http://schemas.microsoft.com/office/powerpoint/2012/main" showMasterPhAnim="0" showMasterSp="0">
-  <p:cSld>
-    <p:spTree>
-      <p:nvGrpSpPr>
-        <p:cNvPr id="104" name="Shape 104"/>
-        <p:cNvGrpSpPr/>
-        <p:nvPr/>
-      </p:nvGrpSpPr>
-      <p:grpSpPr>
-        <a:xfrm>
-          <a:off x="0" y="0"/>
-          <a:ext cx="0" cy="0"/>
-          <a:chOff x="0" y="0"/>
-          <a:chExt cx="0" cy="0"/>
-        </a:xfrm>
-      </p:grpSpPr>
-      <p:sp>
-        <p:nvSpPr>
-          <p:cNvPr id="105" name="Google Shape;105;g80c6f9028d_0_43:notes"/>
-          <p:cNvSpPr/>
-          <p:nvPr>
-            <p:ph idx="2" type="sldImg"/>
-          </p:nvPr>
-        </p:nvSpPr>
-        <p:spPr>
-          <a:xfrm>
-            <a:off x="381300" y="685800"/>
-            <a:ext cx="6096000" cy="3429000"/>
-          </a:xfrm>
-          <a:custGeom>
-            <a:rect b="b" l="l" r="r" t="t"/>
-            <a:pathLst>
-              <a:path extrusionOk="0" h="120000" w="120000">
-                <a:moveTo>
-                  <a:pt x="0" y="0"/>
-                </a:moveTo>
-                <a:lnTo>
-                  <a:pt x="120000" y="0"/>
-                </a:lnTo>
-                <a:lnTo>
-                  <a:pt x="120000" y="120000"/>
-                </a:lnTo>
-                <a:lnTo>
-                  <a:pt x="0" y="120000"/>
-                </a:lnTo>
-                <a:close/>
-              </a:path>
-            </a:pathLst>
-          </a:custGeom>
-        </p:spPr>
-      </p:sp>
-      <p:sp>
-        <p:nvSpPr>
-          <p:cNvPr id="106" name="Google Shape;106;g80c6f9028d_0_43:notes"/>
-          <p:cNvSpPr txBox="1"/>
-          <p:nvPr>
-            <p:ph idx="1" type="body"/>
-          </p:nvPr>
-        </p:nvSpPr>
-        <p:spPr>
-          <a:xfrm>
-            <a:off x="685800" y="4343400"/>
-            <a:ext cx="5486400" cy="4114800"/>
-          </a:xfrm>
-          <a:prstGeom prst="rect">
-            <a:avLst/>
-          </a:prstGeom>
-        </p:spPr>
-        <p:txBody>
-          <a:bodyPr anchorCtr="0" anchor="t" bIns="91425" lIns="91425" spcFirstLastPara="1" rIns="91425" wrap="square" tIns="91425">
-            <a:noAutofit/>
-          </a:bodyPr>
-          <a:lstStyle/>
-          <a:p>
-            <a:pPr indent="0" lvl="0" marL="0" rtl="0" algn="l">
-              <a:spcBef>
-                <a:spcPts val="0"/>
-              </a:spcBef>
-              <a:spcAft>
-                <a:spcPts val="0"/>
-              </a:spcAft>
-              <a:buNone/>
-            </a:pPr>
-            <a:r>
-              <a:t/>
-            </a:r>
             <a:endParaRPr/>
           </a:p>
         </p:txBody>
@@ -1686,11 +1648,11 @@
 </file>
 
 <file path=ppt/slideLayouts/slideLayout1.xml><?xml version="1.0" encoding="utf-8"?>
-<p:sldLayout xmlns:a="http://schemas.openxmlformats.org/drawingml/2006/main" xmlns:r="http://schemas.openxmlformats.org/officeDocument/2006/relationships" xmlns:mc="http://schemas.openxmlformats.org/markup-compatibility/2006" xmlns:mv="urn:schemas-microsoft-com:mac:vml" xmlns:p="http://schemas.openxmlformats.org/presentationml/2006/main" xmlns:c="http://schemas.openxmlformats.org/drawingml/2006/chart" xmlns:dgm="http://schemas.openxmlformats.org/drawingml/2006/diagram" xmlns:o="urn:schemas-microsoft-com:office:office" xmlns:v="urn:schemas-microsoft-com:vml" xmlns:pvml="urn:schemas-microsoft-com:office:powerpoint" xmlns:com="http://schemas.openxmlformats.org/drawingml/2006/compatibility" xmlns:p14="http://schemas.microsoft.com/office/powerpoint/2010/main" xmlns:p15="http://schemas.microsoft.com/office/powerpoint/2012/main" matchingName="Title slide" type="title">
+<p:sldLayout xmlns:a="http://schemas.openxmlformats.org/drawingml/2006/main" xmlns:r="http://schemas.openxmlformats.org/officeDocument/2006/relationships" xmlns:p="http://schemas.openxmlformats.org/presentationml/2006/main" matchingName="Title slide" type="title">
   <p:cSld name="TITLE">
     <p:spTree>
       <p:nvGrpSpPr>
-        <p:cNvPr id="10" name="Shape 10"/>
+        <p:cNvPr id="1" name="Shape 10"/>
         <p:cNvGrpSpPr/>
         <p:nvPr/>
       </p:nvGrpSpPr>
@@ -1705,7 +1667,9 @@
       <p:sp>
         <p:nvSpPr>
           <p:cNvPr id="11" name="Google Shape;11;p2"/>
-          <p:cNvSpPr txBox="1"/>
+          <p:cNvSpPr txBox="1">
+            <a:spLocks noGrp="1"/>
+          </p:cNvSpPr>
           <p:nvPr>
             <p:ph type="ctrTitle"/>
           </p:nvPr>
@@ -1720,7 +1684,7 @@
           </a:prstGeom>
         </p:spPr>
         <p:txBody>
-          <a:bodyPr anchorCtr="0" anchor="b" bIns="91425" lIns="91425" spcFirstLastPara="1" rIns="91425" wrap="square" tIns="91425">
+          <a:bodyPr spcFirstLastPara="1" wrap="square" lIns="91425" tIns="91425" rIns="91425" bIns="91425" anchor="b" anchorCtr="0">
             <a:noAutofit/>
           </a:bodyPr>
           <a:lstStyle>
@@ -1824,15 +1788,19 @@
               <a:defRPr sz="5200"/>
             </a:lvl9pPr>
           </a:lstStyle>
-          <a:p/>
+          <a:p>
+            <a:endParaRPr/>
+          </a:p>
         </p:txBody>
       </p:sp>
       <p:sp>
         <p:nvSpPr>
           <p:cNvPr id="12" name="Google Shape;12;p2"/>
-          <p:cNvSpPr txBox="1"/>
+          <p:cNvSpPr txBox="1">
+            <a:spLocks noGrp="1"/>
+          </p:cNvSpPr>
           <p:nvPr>
-            <p:ph idx="1" type="subTitle"/>
+            <p:ph type="subTitle" idx="1"/>
           </p:nvPr>
         </p:nvSpPr>
         <p:spPr>
@@ -1845,7 +1813,7 @@
           </a:prstGeom>
         </p:spPr>
         <p:txBody>
-          <a:bodyPr anchorCtr="0" anchor="t" bIns="91425" lIns="91425" spcFirstLastPara="1" rIns="91425" wrap="square" tIns="91425">
+          <a:bodyPr spcFirstLastPara="1" wrap="square" lIns="91425" tIns="91425" rIns="91425" bIns="91425" anchor="t" anchorCtr="0">
             <a:noAutofit/>
           </a:bodyPr>
           <a:lstStyle>
@@ -1976,15 +1944,19 @@
               <a:defRPr sz="2800"/>
             </a:lvl9pPr>
           </a:lstStyle>
-          <a:p/>
+          <a:p>
+            <a:endParaRPr/>
+          </a:p>
         </p:txBody>
       </p:sp>
       <p:sp>
         <p:nvSpPr>
           <p:cNvPr id="13" name="Google Shape;13;p2"/>
-          <p:cNvSpPr txBox="1"/>
+          <p:cNvSpPr txBox="1">
+            <a:spLocks noGrp="1"/>
+          </p:cNvSpPr>
           <p:nvPr>
-            <p:ph idx="12" type="sldNum"/>
+            <p:ph type="sldNum" idx="12"/>
           </p:nvPr>
         </p:nvSpPr>
         <p:spPr>
@@ -1997,7 +1969,7 @@
           </a:prstGeom>
         </p:spPr>
         <p:txBody>
-          <a:bodyPr anchorCtr="0" anchor="ctr" bIns="91425" lIns="91425" spcFirstLastPara="1" rIns="91425" wrap="square" tIns="91425">
+          <a:bodyPr spcFirstLastPara="1" wrap="square" lIns="91425" tIns="91425" rIns="91425" bIns="91425" anchor="ctr" anchorCtr="0">
             <a:noAutofit/>
           </a:bodyPr>
           <a:lstStyle>
@@ -2039,7 +2011,7 @@
             </a:lvl9pPr>
           </a:lstStyle>
           <a:p>
-            <a:pPr indent="0" lvl="0" marL="0" rtl="0" algn="r">
+            <a:pPr marL="0" lvl="0" indent="0" algn="r" rtl="0">
               <a:spcBef>
                 <a:spcPts val="0"/>
               </a:spcBef>
@@ -2065,11 +2037,11 @@
 </file>
 
 <file path=ppt/slideLayouts/slideLayout10.xml><?xml version="1.0" encoding="utf-8"?>
-<p:sldLayout xmlns:a="http://schemas.openxmlformats.org/drawingml/2006/main" xmlns:r="http://schemas.openxmlformats.org/officeDocument/2006/relationships" xmlns:mc="http://schemas.openxmlformats.org/markup-compatibility/2006" xmlns:mv="urn:schemas-microsoft-com:mac:vml" xmlns:p="http://schemas.openxmlformats.org/presentationml/2006/main" xmlns:c="http://schemas.openxmlformats.org/drawingml/2006/chart" xmlns:dgm="http://schemas.openxmlformats.org/drawingml/2006/diagram" xmlns:o="urn:schemas-microsoft-com:office:office" xmlns:v="urn:schemas-microsoft-com:vml" xmlns:pvml="urn:schemas-microsoft-com:office:powerpoint" xmlns:com="http://schemas.openxmlformats.org/drawingml/2006/compatibility" xmlns:p14="http://schemas.microsoft.com/office/powerpoint/2010/main" xmlns:p15="http://schemas.microsoft.com/office/powerpoint/2012/main" matchingName="Big number">
+<p:sldLayout xmlns:a="http://schemas.openxmlformats.org/drawingml/2006/main" xmlns:r="http://schemas.openxmlformats.org/officeDocument/2006/relationships" xmlns:p="http://schemas.openxmlformats.org/presentationml/2006/main" matchingName="Big number">
   <p:cSld name="BIG_NUMBER">
     <p:spTree>
       <p:nvGrpSpPr>
-        <p:cNvPr id="45" name="Shape 45"/>
+        <p:cNvPr id="1" name="Shape 45"/>
         <p:cNvGrpSpPr/>
         <p:nvPr/>
       </p:nvGrpSpPr>
@@ -2084,9 +2056,11 @@
       <p:sp>
         <p:nvSpPr>
           <p:cNvPr id="46" name="Google Shape;46;p11"/>
-          <p:cNvSpPr txBox="1"/>
+          <p:cNvSpPr txBox="1">
+            <a:spLocks noGrp="1"/>
+          </p:cNvSpPr>
           <p:nvPr>
-            <p:ph hasCustomPrompt="1" type="title"/>
+            <p:ph type="title" hasCustomPrompt="1"/>
           </p:nvPr>
         </p:nvSpPr>
         <p:spPr>
@@ -2099,7 +2073,7 @@
           </a:prstGeom>
         </p:spPr>
         <p:txBody>
-          <a:bodyPr anchorCtr="0" anchor="b" bIns="91425" lIns="91425" spcFirstLastPara="1" rIns="91425" wrap="square" tIns="91425">
+          <a:bodyPr spcFirstLastPara="1" wrap="square" lIns="91425" tIns="91425" rIns="91425" bIns="91425" anchor="b" anchorCtr="0">
             <a:noAutofit/>
           </a:bodyPr>
           <a:lstStyle>
@@ -2213,9 +2187,11 @@
       <p:sp>
         <p:nvSpPr>
           <p:cNvPr id="47" name="Google Shape;47;p11"/>
-          <p:cNvSpPr txBox="1"/>
+          <p:cNvSpPr txBox="1">
+            <a:spLocks noGrp="1"/>
+          </p:cNvSpPr>
           <p:nvPr>
-            <p:ph idx="1" type="body"/>
+            <p:ph type="body" idx="1"/>
           </p:nvPr>
         </p:nvSpPr>
         <p:spPr>
@@ -2228,11 +2204,11 @@
           </a:prstGeom>
         </p:spPr>
         <p:txBody>
-          <a:bodyPr anchorCtr="0" anchor="t" bIns="91425" lIns="91425" spcFirstLastPara="1" rIns="91425" wrap="square" tIns="91425">
+          <a:bodyPr spcFirstLastPara="1" wrap="square" lIns="91425" tIns="91425" rIns="91425" bIns="91425" anchor="t" anchorCtr="0">
             <a:noAutofit/>
           </a:bodyPr>
           <a:lstStyle>
-            <a:lvl1pPr indent="-342900" lvl="0" marL="457200" algn="ctr">
+            <a:lvl1pPr marL="457200" lvl="0" indent="-342900" algn="ctr">
               <a:spcBef>
                 <a:spcPts val="0"/>
               </a:spcBef>
@@ -2243,7 +2219,7 @@
               <a:buChar char="●"/>
               <a:defRPr/>
             </a:lvl1pPr>
-            <a:lvl2pPr indent="-317500" lvl="1" marL="914400" algn="ctr">
+            <a:lvl2pPr marL="914400" lvl="1" indent="-317500" algn="ctr">
               <a:spcBef>
                 <a:spcPts val="1600"/>
               </a:spcBef>
@@ -2254,7 +2230,7 @@
               <a:buChar char="○"/>
               <a:defRPr/>
             </a:lvl2pPr>
-            <a:lvl3pPr indent="-317500" lvl="2" marL="1371600" algn="ctr">
+            <a:lvl3pPr marL="1371600" lvl="2" indent="-317500" algn="ctr">
               <a:spcBef>
                 <a:spcPts val="1600"/>
               </a:spcBef>
@@ -2265,7 +2241,7 @@
               <a:buChar char="■"/>
               <a:defRPr/>
             </a:lvl3pPr>
-            <a:lvl4pPr indent="-317500" lvl="3" marL="1828800" algn="ctr">
+            <a:lvl4pPr marL="1828800" lvl="3" indent="-317500" algn="ctr">
               <a:spcBef>
                 <a:spcPts val="1600"/>
               </a:spcBef>
@@ -2276,7 +2252,7 @@
               <a:buChar char="●"/>
               <a:defRPr/>
             </a:lvl4pPr>
-            <a:lvl5pPr indent="-317500" lvl="4" marL="2286000" algn="ctr">
+            <a:lvl5pPr marL="2286000" lvl="4" indent="-317500" algn="ctr">
               <a:spcBef>
                 <a:spcPts val="1600"/>
               </a:spcBef>
@@ -2287,7 +2263,7 @@
               <a:buChar char="○"/>
               <a:defRPr/>
             </a:lvl5pPr>
-            <a:lvl6pPr indent="-317500" lvl="5" marL="2743200" algn="ctr">
+            <a:lvl6pPr marL="2743200" lvl="5" indent="-317500" algn="ctr">
               <a:spcBef>
                 <a:spcPts val="1600"/>
               </a:spcBef>
@@ -2298,7 +2274,7 @@
               <a:buChar char="■"/>
               <a:defRPr/>
             </a:lvl6pPr>
-            <a:lvl7pPr indent="-317500" lvl="6" marL="3200400" algn="ctr">
+            <a:lvl7pPr marL="3200400" lvl="6" indent="-317500" algn="ctr">
               <a:spcBef>
                 <a:spcPts val="1600"/>
               </a:spcBef>
@@ -2309,7 +2285,7 @@
               <a:buChar char="●"/>
               <a:defRPr/>
             </a:lvl7pPr>
-            <a:lvl8pPr indent="-317500" lvl="7" marL="3657600" algn="ctr">
+            <a:lvl8pPr marL="3657600" lvl="7" indent="-317500" algn="ctr">
               <a:spcBef>
                 <a:spcPts val="1600"/>
               </a:spcBef>
@@ -2320,7 +2296,7 @@
               <a:buChar char="○"/>
               <a:defRPr/>
             </a:lvl8pPr>
-            <a:lvl9pPr indent="-317500" lvl="8" marL="4114800" algn="ctr">
+            <a:lvl9pPr marL="4114800" lvl="8" indent="-317500" algn="ctr">
               <a:spcBef>
                 <a:spcPts val="1600"/>
               </a:spcBef>
@@ -2332,15 +2308,19 @@
               <a:defRPr/>
             </a:lvl9pPr>
           </a:lstStyle>
-          <a:p/>
+          <a:p>
+            <a:endParaRPr/>
+          </a:p>
         </p:txBody>
       </p:sp>
       <p:sp>
         <p:nvSpPr>
           <p:cNvPr id="48" name="Google Shape;48;p11"/>
-          <p:cNvSpPr txBox="1"/>
+          <p:cNvSpPr txBox="1">
+            <a:spLocks noGrp="1"/>
+          </p:cNvSpPr>
           <p:nvPr>
-            <p:ph idx="12" type="sldNum"/>
+            <p:ph type="sldNum" idx="12"/>
           </p:nvPr>
         </p:nvSpPr>
         <p:spPr>
@@ -2353,7 +2333,7 @@
           </a:prstGeom>
         </p:spPr>
         <p:txBody>
-          <a:bodyPr anchorCtr="0" anchor="ctr" bIns="91425" lIns="91425" spcFirstLastPara="1" rIns="91425" wrap="square" tIns="91425">
+          <a:bodyPr spcFirstLastPara="1" wrap="square" lIns="91425" tIns="91425" rIns="91425" bIns="91425" anchor="ctr" anchorCtr="0">
             <a:noAutofit/>
           </a:bodyPr>
           <a:lstStyle>
@@ -2395,7 +2375,7 @@
             </a:lvl9pPr>
           </a:lstStyle>
           <a:p>
-            <a:pPr indent="0" lvl="0" marL="0" rtl="0" algn="r">
+            <a:pPr marL="0" lvl="0" indent="0" algn="r" rtl="0">
               <a:spcBef>
                 <a:spcPts val="0"/>
               </a:spcBef>
@@ -2421,11 +2401,11 @@
 </file>
 
 <file path=ppt/slideLayouts/slideLayout11.xml><?xml version="1.0" encoding="utf-8"?>
-<p:sldLayout xmlns:a="http://schemas.openxmlformats.org/drawingml/2006/main" xmlns:r="http://schemas.openxmlformats.org/officeDocument/2006/relationships" xmlns:mc="http://schemas.openxmlformats.org/markup-compatibility/2006" xmlns:mv="urn:schemas-microsoft-com:mac:vml" xmlns:p="http://schemas.openxmlformats.org/presentationml/2006/main" xmlns:c="http://schemas.openxmlformats.org/drawingml/2006/chart" xmlns:dgm="http://schemas.openxmlformats.org/drawingml/2006/diagram" xmlns:o="urn:schemas-microsoft-com:office:office" xmlns:v="urn:schemas-microsoft-com:vml" xmlns:pvml="urn:schemas-microsoft-com:office:powerpoint" xmlns:com="http://schemas.openxmlformats.org/drawingml/2006/compatibility" xmlns:p14="http://schemas.microsoft.com/office/powerpoint/2010/main" xmlns:p15="http://schemas.microsoft.com/office/powerpoint/2012/main" matchingName="Blank" type="blank">
+<p:sldLayout xmlns:a="http://schemas.openxmlformats.org/drawingml/2006/main" xmlns:r="http://schemas.openxmlformats.org/officeDocument/2006/relationships" xmlns:p="http://schemas.openxmlformats.org/presentationml/2006/main" matchingName="Blank" type="blank">
   <p:cSld name="BLANK">
     <p:spTree>
       <p:nvGrpSpPr>
-        <p:cNvPr id="49" name="Shape 49"/>
+        <p:cNvPr id="1" name="Shape 49"/>
         <p:cNvGrpSpPr/>
         <p:nvPr/>
       </p:nvGrpSpPr>
@@ -2440,9 +2420,11 @@
       <p:sp>
         <p:nvSpPr>
           <p:cNvPr id="50" name="Google Shape;50;p12"/>
-          <p:cNvSpPr txBox="1"/>
+          <p:cNvSpPr txBox="1">
+            <a:spLocks noGrp="1"/>
+          </p:cNvSpPr>
           <p:nvPr>
-            <p:ph idx="12" type="sldNum"/>
+            <p:ph type="sldNum" idx="12"/>
           </p:nvPr>
         </p:nvSpPr>
         <p:spPr>
@@ -2455,7 +2437,7 @@
           </a:prstGeom>
         </p:spPr>
         <p:txBody>
-          <a:bodyPr anchorCtr="0" anchor="ctr" bIns="91425" lIns="91425" spcFirstLastPara="1" rIns="91425" wrap="square" tIns="91425">
+          <a:bodyPr spcFirstLastPara="1" wrap="square" lIns="91425" tIns="91425" rIns="91425" bIns="91425" anchor="ctr" anchorCtr="0">
             <a:noAutofit/>
           </a:bodyPr>
           <a:lstStyle>
@@ -2497,7 +2479,7 @@
             </a:lvl9pPr>
           </a:lstStyle>
           <a:p>
-            <a:pPr indent="0" lvl="0" marL="0" rtl="0" algn="r">
+            <a:pPr marL="0" lvl="0" indent="0" algn="r" rtl="0">
               <a:spcBef>
                 <a:spcPts val="0"/>
               </a:spcBef>
@@ -2523,11 +2505,11 @@
 </file>
 
 <file path=ppt/slideLayouts/slideLayout2.xml><?xml version="1.0" encoding="utf-8"?>
-<p:sldLayout xmlns:a="http://schemas.openxmlformats.org/drawingml/2006/main" xmlns:r="http://schemas.openxmlformats.org/officeDocument/2006/relationships" xmlns:mc="http://schemas.openxmlformats.org/markup-compatibility/2006" xmlns:mv="urn:schemas-microsoft-com:mac:vml" xmlns:p="http://schemas.openxmlformats.org/presentationml/2006/main" xmlns:c="http://schemas.openxmlformats.org/drawingml/2006/chart" xmlns:dgm="http://schemas.openxmlformats.org/drawingml/2006/diagram" xmlns:o="urn:schemas-microsoft-com:office:office" xmlns:v="urn:schemas-microsoft-com:vml" xmlns:pvml="urn:schemas-microsoft-com:office:powerpoint" xmlns:com="http://schemas.openxmlformats.org/drawingml/2006/compatibility" xmlns:p14="http://schemas.microsoft.com/office/powerpoint/2010/main" xmlns:p15="http://schemas.microsoft.com/office/powerpoint/2012/main" matchingName="Section header" type="secHead">
+<p:sldLayout xmlns:a="http://schemas.openxmlformats.org/drawingml/2006/main" xmlns:r="http://schemas.openxmlformats.org/officeDocument/2006/relationships" xmlns:p="http://schemas.openxmlformats.org/presentationml/2006/main" matchingName="Section header" type="secHead">
   <p:cSld name="SECTION_HEADER">
     <p:spTree>
       <p:nvGrpSpPr>
-        <p:cNvPr id="14" name="Shape 14"/>
+        <p:cNvPr id="1" name="Shape 14"/>
         <p:cNvGrpSpPr/>
         <p:nvPr/>
       </p:nvGrpSpPr>
@@ -2542,7 +2524,9 @@
       <p:sp>
         <p:nvSpPr>
           <p:cNvPr id="15" name="Google Shape;15;p3"/>
-          <p:cNvSpPr txBox="1"/>
+          <p:cNvSpPr txBox="1">
+            <a:spLocks noGrp="1"/>
+          </p:cNvSpPr>
           <p:nvPr>
             <p:ph type="title"/>
           </p:nvPr>
@@ -2557,7 +2541,7 @@
           </a:prstGeom>
         </p:spPr>
         <p:txBody>
-          <a:bodyPr anchorCtr="0" anchor="ctr" bIns="91425" lIns="91425" spcFirstLastPara="1" rIns="91425" wrap="square" tIns="91425">
+          <a:bodyPr spcFirstLastPara="1" wrap="square" lIns="91425" tIns="91425" rIns="91425" bIns="91425" anchor="ctr" anchorCtr="0">
             <a:noAutofit/>
           </a:bodyPr>
           <a:lstStyle>
@@ -2661,15 +2645,19 @@
               <a:defRPr sz="3600"/>
             </a:lvl9pPr>
           </a:lstStyle>
-          <a:p/>
+          <a:p>
+            <a:endParaRPr/>
+          </a:p>
         </p:txBody>
       </p:sp>
       <p:sp>
         <p:nvSpPr>
           <p:cNvPr id="16" name="Google Shape;16;p3"/>
-          <p:cNvSpPr txBox="1"/>
+          <p:cNvSpPr txBox="1">
+            <a:spLocks noGrp="1"/>
+          </p:cNvSpPr>
           <p:nvPr>
-            <p:ph idx="12" type="sldNum"/>
+            <p:ph type="sldNum" idx="12"/>
           </p:nvPr>
         </p:nvSpPr>
         <p:spPr>
@@ -2682,7 +2670,7 @@
           </a:prstGeom>
         </p:spPr>
         <p:txBody>
-          <a:bodyPr anchorCtr="0" anchor="ctr" bIns="91425" lIns="91425" spcFirstLastPara="1" rIns="91425" wrap="square" tIns="91425">
+          <a:bodyPr spcFirstLastPara="1" wrap="square" lIns="91425" tIns="91425" rIns="91425" bIns="91425" anchor="ctr" anchorCtr="0">
             <a:noAutofit/>
           </a:bodyPr>
           <a:lstStyle>
@@ -2724,7 +2712,7 @@
             </a:lvl9pPr>
           </a:lstStyle>
           <a:p>
-            <a:pPr indent="0" lvl="0" marL="0" rtl="0" algn="r">
+            <a:pPr marL="0" lvl="0" indent="0" algn="r" rtl="0">
               <a:spcBef>
                 <a:spcPts val="0"/>
               </a:spcBef>
@@ -2750,11 +2738,11 @@
 </file>
 
 <file path=ppt/slideLayouts/slideLayout3.xml><?xml version="1.0" encoding="utf-8"?>
-<p:sldLayout xmlns:a="http://schemas.openxmlformats.org/drawingml/2006/main" xmlns:r="http://schemas.openxmlformats.org/officeDocument/2006/relationships" xmlns:mc="http://schemas.openxmlformats.org/markup-compatibility/2006" xmlns:mv="urn:schemas-microsoft-com:mac:vml" xmlns:p="http://schemas.openxmlformats.org/presentationml/2006/main" xmlns:c="http://schemas.openxmlformats.org/drawingml/2006/chart" xmlns:dgm="http://schemas.openxmlformats.org/drawingml/2006/diagram" xmlns:o="urn:schemas-microsoft-com:office:office" xmlns:v="urn:schemas-microsoft-com:vml" xmlns:pvml="urn:schemas-microsoft-com:office:powerpoint" xmlns:com="http://schemas.openxmlformats.org/drawingml/2006/compatibility" xmlns:p14="http://schemas.microsoft.com/office/powerpoint/2010/main" xmlns:p15="http://schemas.microsoft.com/office/powerpoint/2012/main" matchingName="Title and body" type="tx">
+<p:sldLayout xmlns:a="http://schemas.openxmlformats.org/drawingml/2006/main" xmlns:r="http://schemas.openxmlformats.org/officeDocument/2006/relationships" xmlns:p="http://schemas.openxmlformats.org/presentationml/2006/main" matchingName="Title and body" type="tx">
   <p:cSld name="TITLE_AND_BODY">
     <p:spTree>
       <p:nvGrpSpPr>
-        <p:cNvPr id="17" name="Shape 17"/>
+        <p:cNvPr id="1" name="Shape 17"/>
         <p:cNvGrpSpPr/>
         <p:nvPr/>
       </p:nvGrpSpPr>
@@ -2769,7 +2757,9 @@
       <p:sp>
         <p:nvSpPr>
           <p:cNvPr id="18" name="Google Shape;18;p4"/>
-          <p:cNvSpPr txBox="1"/>
+          <p:cNvSpPr txBox="1">
+            <a:spLocks noGrp="1"/>
+          </p:cNvSpPr>
           <p:nvPr>
             <p:ph type="title"/>
           </p:nvPr>
@@ -2784,7 +2774,7 @@
           </a:prstGeom>
         </p:spPr>
         <p:txBody>
-          <a:bodyPr anchorCtr="0" anchor="t" bIns="91425" lIns="91425" spcFirstLastPara="1" rIns="91425" wrap="square" tIns="91425">
+          <a:bodyPr spcFirstLastPara="1" wrap="square" lIns="91425" tIns="91425" rIns="91425" bIns="91425" anchor="t" anchorCtr="0">
             <a:noAutofit/>
           </a:bodyPr>
           <a:lstStyle>
@@ -2888,15 +2878,19 @@
               <a:defRPr/>
             </a:lvl9pPr>
           </a:lstStyle>
-          <a:p/>
+          <a:p>
+            <a:endParaRPr/>
+          </a:p>
         </p:txBody>
       </p:sp>
       <p:sp>
         <p:nvSpPr>
           <p:cNvPr id="19" name="Google Shape;19;p4"/>
-          <p:cNvSpPr txBox="1"/>
+          <p:cNvSpPr txBox="1">
+            <a:spLocks noGrp="1"/>
+          </p:cNvSpPr>
           <p:nvPr>
-            <p:ph idx="1" type="body"/>
+            <p:ph type="body" idx="1"/>
           </p:nvPr>
         </p:nvSpPr>
         <p:spPr>
@@ -2909,11 +2903,11 @@
           </a:prstGeom>
         </p:spPr>
         <p:txBody>
-          <a:bodyPr anchorCtr="0" anchor="t" bIns="91425" lIns="91425" spcFirstLastPara="1" rIns="91425" wrap="square" tIns="91425">
+          <a:bodyPr spcFirstLastPara="1" wrap="square" lIns="91425" tIns="91425" rIns="91425" bIns="91425" anchor="t" anchorCtr="0">
             <a:noAutofit/>
           </a:bodyPr>
           <a:lstStyle>
-            <a:lvl1pPr indent="-342900" lvl="0" marL="457200">
+            <a:lvl1pPr marL="457200" lvl="0" indent="-342900">
               <a:spcBef>
                 <a:spcPts val="0"/>
               </a:spcBef>
@@ -2924,7 +2918,7 @@
               <a:buChar char="●"/>
               <a:defRPr/>
             </a:lvl1pPr>
-            <a:lvl2pPr indent="-317500" lvl="1" marL="914400">
+            <a:lvl2pPr marL="914400" lvl="1" indent="-317500">
               <a:spcBef>
                 <a:spcPts val="1600"/>
               </a:spcBef>
@@ -2935,7 +2929,7 @@
               <a:buChar char="○"/>
               <a:defRPr/>
             </a:lvl2pPr>
-            <a:lvl3pPr indent="-317500" lvl="2" marL="1371600">
+            <a:lvl3pPr marL="1371600" lvl="2" indent="-317500">
               <a:spcBef>
                 <a:spcPts val="1600"/>
               </a:spcBef>
@@ -2946,7 +2940,7 @@
               <a:buChar char="■"/>
               <a:defRPr/>
             </a:lvl3pPr>
-            <a:lvl4pPr indent="-317500" lvl="3" marL="1828800">
+            <a:lvl4pPr marL="1828800" lvl="3" indent="-317500">
               <a:spcBef>
                 <a:spcPts val="1600"/>
               </a:spcBef>
@@ -2957,7 +2951,7 @@
               <a:buChar char="●"/>
               <a:defRPr/>
             </a:lvl4pPr>
-            <a:lvl5pPr indent="-317500" lvl="4" marL="2286000">
+            <a:lvl5pPr marL="2286000" lvl="4" indent="-317500">
               <a:spcBef>
                 <a:spcPts val="1600"/>
               </a:spcBef>
@@ -2968,7 +2962,7 @@
               <a:buChar char="○"/>
               <a:defRPr/>
             </a:lvl5pPr>
-            <a:lvl6pPr indent="-317500" lvl="5" marL="2743200">
+            <a:lvl6pPr marL="2743200" lvl="5" indent="-317500">
               <a:spcBef>
                 <a:spcPts val="1600"/>
               </a:spcBef>
@@ -2979,7 +2973,7 @@
               <a:buChar char="■"/>
               <a:defRPr/>
             </a:lvl6pPr>
-            <a:lvl7pPr indent="-317500" lvl="6" marL="3200400">
+            <a:lvl7pPr marL="3200400" lvl="6" indent="-317500">
               <a:spcBef>
                 <a:spcPts val="1600"/>
               </a:spcBef>
@@ -2990,7 +2984,7 @@
               <a:buChar char="●"/>
               <a:defRPr/>
             </a:lvl7pPr>
-            <a:lvl8pPr indent="-317500" lvl="7" marL="3657600">
+            <a:lvl8pPr marL="3657600" lvl="7" indent="-317500">
               <a:spcBef>
                 <a:spcPts val="1600"/>
               </a:spcBef>
@@ -3001,7 +2995,7 @@
               <a:buChar char="○"/>
               <a:defRPr/>
             </a:lvl8pPr>
-            <a:lvl9pPr indent="-317500" lvl="8" marL="4114800">
+            <a:lvl9pPr marL="4114800" lvl="8" indent="-317500">
               <a:spcBef>
                 <a:spcPts val="1600"/>
               </a:spcBef>
@@ -3013,15 +3007,19 @@
               <a:defRPr/>
             </a:lvl9pPr>
           </a:lstStyle>
-          <a:p/>
+          <a:p>
+            <a:endParaRPr/>
+          </a:p>
         </p:txBody>
       </p:sp>
       <p:sp>
         <p:nvSpPr>
           <p:cNvPr id="20" name="Google Shape;20;p4"/>
-          <p:cNvSpPr txBox="1"/>
+          <p:cNvSpPr txBox="1">
+            <a:spLocks noGrp="1"/>
+          </p:cNvSpPr>
           <p:nvPr>
-            <p:ph idx="12" type="sldNum"/>
+            <p:ph type="sldNum" idx="12"/>
           </p:nvPr>
         </p:nvSpPr>
         <p:spPr>
@@ -3034,7 +3032,7 @@
           </a:prstGeom>
         </p:spPr>
         <p:txBody>
-          <a:bodyPr anchorCtr="0" anchor="ctr" bIns="91425" lIns="91425" spcFirstLastPara="1" rIns="91425" wrap="square" tIns="91425">
+          <a:bodyPr spcFirstLastPara="1" wrap="square" lIns="91425" tIns="91425" rIns="91425" bIns="91425" anchor="ctr" anchorCtr="0">
             <a:noAutofit/>
           </a:bodyPr>
           <a:lstStyle>
@@ -3076,7 +3074,7 @@
             </a:lvl9pPr>
           </a:lstStyle>
           <a:p>
-            <a:pPr indent="0" lvl="0" marL="0" rtl="0" algn="r">
+            <a:pPr marL="0" lvl="0" indent="0" algn="r" rtl="0">
               <a:spcBef>
                 <a:spcPts val="0"/>
               </a:spcBef>
@@ -3102,11 +3100,11 @@
 </file>
 
 <file path=ppt/slideLayouts/slideLayout4.xml><?xml version="1.0" encoding="utf-8"?>
-<p:sldLayout xmlns:a="http://schemas.openxmlformats.org/drawingml/2006/main" xmlns:r="http://schemas.openxmlformats.org/officeDocument/2006/relationships" xmlns:mc="http://schemas.openxmlformats.org/markup-compatibility/2006" xmlns:mv="urn:schemas-microsoft-com:mac:vml" xmlns:p="http://schemas.openxmlformats.org/presentationml/2006/main" xmlns:c="http://schemas.openxmlformats.org/drawingml/2006/chart" xmlns:dgm="http://schemas.openxmlformats.org/drawingml/2006/diagram" xmlns:o="urn:schemas-microsoft-com:office:office" xmlns:v="urn:schemas-microsoft-com:vml" xmlns:pvml="urn:schemas-microsoft-com:office:powerpoint" xmlns:com="http://schemas.openxmlformats.org/drawingml/2006/compatibility" xmlns:p14="http://schemas.microsoft.com/office/powerpoint/2010/main" xmlns:p15="http://schemas.microsoft.com/office/powerpoint/2012/main" matchingName="Title and two columns" type="twoColTx">
+<p:sldLayout xmlns:a="http://schemas.openxmlformats.org/drawingml/2006/main" xmlns:r="http://schemas.openxmlformats.org/officeDocument/2006/relationships" xmlns:p="http://schemas.openxmlformats.org/presentationml/2006/main" matchingName="Title and two columns" type="twoColTx">
   <p:cSld name="TITLE_AND_TWO_COLUMNS">
     <p:spTree>
       <p:nvGrpSpPr>
-        <p:cNvPr id="21" name="Shape 21"/>
+        <p:cNvPr id="1" name="Shape 21"/>
         <p:cNvGrpSpPr/>
         <p:nvPr/>
       </p:nvGrpSpPr>
@@ -3121,7 +3119,9 @@
       <p:sp>
         <p:nvSpPr>
           <p:cNvPr id="22" name="Google Shape;22;p5"/>
-          <p:cNvSpPr txBox="1"/>
+          <p:cNvSpPr txBox="1">
+            <a:spLocks noGrp="1"/>
+          </p:cNvSpPr>
           <p:nvPr>
             <p:ph type="title"/>
           </p:nvPr>
@@ -3136,7 +3136,7 @@
           </a:prstGeom>
         </p:spPr>
         <p:txBody>
-          <a:bodyPr anchorCtr="0" anchor="t" bIns="91425" lIns="91425" spcFirstLastPara="1" rIns="91425" wrap="square" tIns="91425">
+          <a:bodyPr spcFirstLastPara="1" wrap="square" lIns="91425" tIns="91425" rIns="91425" bIns="91425" anchor="t" anchorCtr="0">
             <a:noAutofit/>
           </a:bodyPr>
           <a:lstStyle>
@@ -3240,15 +3240,19 @@
               <a:defRPr/>
             </a:lvl9pPr>
           </a:lstStyle>
-          <a:p/>
+          <a:p>
+            <a:endParaRPr/>
+          </a:p>
         </p:txBody>
       </p:sp>
       <p:sp>
         <p:nvSpPr>
           <p:cNvPr id="23" name="Google Shape;23;p5"/>
-          <p:cNvSpPr txBox="1"/>
+          <p:cNvSpPr txBox="1">
+            <a:spLocks noGrp="1"/>
+          </p:cNvSpPr>
           <p:nvPr>
-            <p:ph idx="1" type="body"/>
+            <p:ph type="body" idx="1"/>
           </p:nvPr>
         </p:nvSpPr>
         <p:spPr>
@@ -3261,11 +3265,11 @@
           </a:prstGeom>
         </p:spPr>
         <p:txBody>
-          <a:bodyPr anchorCtr="0" anchor="t" bIns="91425" lIns="91425" spcFirstLastPara="1" rIns="91425" wrap="square" tIns="91425">
+          <a:bodyPr spcFirstLastPara="1" wrap="square" lIns="91425" tIns="91425" rIns="91425" bIns="91425" anchor="t" anchorCtr="0">
             <a:noAutofit/>
           </a:bodyPr>
           <a:lstStyle>
-            <a:lvl1pPr indent="-317500" lvl="0" marL="457200">
+            <a:lvl1pPr marL="457200" lvl="0" indent="-317500">
               <a:spcBef>
                 <a:spcPts val="0"/>
               </a:spcBef>
@@ -3276,7 +3280,7 @@
               <a:buChar char="●"/>
               <a:defRPr sz="1400"/>
             </a:lvl1pPr>
-            <a:lvl2pPr indent="-304800" lvl="1" marL="914400">
+            <a:lvl2pPr marL="914400" lvl="1" indent="-304800">
               <a:spcBef>
                 <a:spcPts val="1600"/>
               </a:spcBef>
@@ -3287,7 +3291,7 @@
               <a:buChar char="○"/>
               <a:defRPr sz="1200"/>
             </a:lvl2pPr>
-            <a:lvl3pPr indent="-304800" lvl="2" marL="1371600">
+            <a:lvl3pPr marL="1371600" lvl="2" indent="-304800">
               <a:spcBef>
                 <a:spcPts val="1600"/>
               </a:spcBef>
@@ -3298,7 +3302,7 @@
               <a:buChar char="■"/>
               <a:defRPr sz="1200"/>
             </a:lvl3pPr>
-            <a:lvl4pPr indent="-304800" lvl="3" marL="1828800">
+            <a:lvl4pPr marL="1828800" lvl="3" indent="-304800">
               <a:spcBef>
                 <a:spcPts val="1600"/>
               </a:spcBef>
@@ -3309,7 +3313,7 @@
               <a:buChar char="●"/>
               <a:defRPr sz="1200"/>
             </a:lvl4pPr>
-            <a:lvl5pPr indent="-304800" lvl="4" marL="2286000">
+            <a:lvl5pPr marL="2286000" lvl="4" indent="-304800">
               <a:spcBef>
                 <a:spcPts val="1600"/>
               </a:spcBef>
@@ -3320,7 +3324,7 @@
               <a:buChar char="○"/>
               <a:defRPr sz="1200"/>
             </a:lvl5pPr>
-            <a:lvl6pPr indent="-304800" lvl="5" marL="2743200">
+            <a:lvl6pPr marL="2743200" lvl="5" indent="-304800">
               <a:spcBef>
                 <a:spcPts val="1600"/>
               </a:spcBef>
@@ -3331,7 +3335,7 @@
               <a:buChar char="■"/>
               <a:defRPr sz="1200"/>
             </a:lvl6pPr>
-            <a:lvl7pPr indent="-304800" lvl="6" marL="3200400">
+            <a:lvl7pPr marL="3200400" lvl="6" indent="-304800">
               <a:spcBef>
                 <a:spcPts val="1600"/>
               </a:spcBef>
@@ -3342,7 +3346,7 @@
               <a:buChar char="●"/>
               <a:defRPr sz="1200"/>
             </a:lvl7pPr>
-            <a:lvl8pPr indent="-304800" lvl="7" marL="3657600">
+            <a:lvl8pPr marL="3657600" lvl="7" indent="-304800">
               <a:spcBef>
                 <a:spcPts val="1600"/>
               </a:spcBef>
@@ -3353,7 +3357,7 @@
               <a:buChar char="○"/>
               <a:defRPr sz="1200"/>
             </a:lvl8pPr>
-            <a:lvl9pPr indent="-304800" lvl="8" marL="4114800">
+            <a:lvl9pPr marL="4114800" lvl="8" indent="-304800">
               <a:spcBef>
                 <a:spcPts val="1600"/>
               </a:spcBef>
@@ -3365,15 +3369,19 @@
               <a:defRPr sz="1200"/>
             </a:lvl9pPr>
           </a:lstStyle>
-          <a:p/>
+          <a:p>
+            <a:endParaRPr/>
+          </a:p>
         </p:txBody>
       </p:sp>
       <p:sp>
         <p:nvSpPr>
           <p:cNvPr id="24" name="Google Shape;24;p5"/>
-          <p:cNvSpPr txBox="1"/>
+          <p:cNvSpPr txBox="1">
+            <a:spLocks noGrp="1"/>
+          </p:cNvSpPr>
           <p:nvPr>
-            <p:ph idx="2" type="body"/>
+            <p:ph type="body" idx="2"/>
           </p:nvPr>
         </p:nvSpPr>
         <p:spPr>
@@ -3386,11 +3394,11 @@
           </a:prstGeom>
         </p:spPr>
         <p:txBody>
-          <a:bodyPr anchorCtr="0" anchor="t" bIns="91425" lIns="91425" spcFirstLastPara="1" rIns="91425" wrap="square" tIns="91425">
+          <a:bodyPr spcFirstLastPara="1" wrap="square" lIns="91425" tIns="91425" rIns="91425" bIns="91425" anchor="t" anchorCtr="0">
             <a:noAutofit/>
           </a:bodyPr>
           <a:lstStyle>
-            <a:lvl1pPr indent="-317500" lvl="0" marL="457200">
+            <a:lvl1pPr marL="457200" lvl="0" indent="-317500">
               <a:spcBef>
                 <a:spcPts val="0"/>
               </a:spcBef>
@@ -3401,7 +3409,7 @@
               <a:buChar char="●"/>
               <a:defRPr sz="1400"/>
             </a:lvl1pPr>
-            <a:lvl2pPr indent="-304800" lvl="1" marL="914400">
+            <a:lvl2pPr marL="914400" lvl="1" indent="-304800">
               <a:spcBef>
                 <a:spcPts val="1600"/>
               </a:spcBef>
@@ -3412,7 +3420,7 @@
               <a:buChar char="○"/>
               <a:defRPr sz="1200"/>
             </a:lvl2pPr>
-            <a:lvl3pPr indent="-304800" lvl="2" marL="1371600">
+            <a:lvl3pPr marL="1371600" lvl="2" indent="-304800">
               <a:spcBef>
                 <a:spcPts val="1600"/>
               </a:spcBef>
@@ -3423,7 +3431,7 @@
               <a:buChar char="■"/>
               <a:defRPr sz="1200"/>
             </a:lvl3pPr>
-            <a:lvl4pPr indent="-304800" lvl="3" marL="1828800">
+            <a:lvl4pPr marL="1828800" lvl="3" indent="-304800">
               <a:spcBef>
                 <a:spcPts val="1600"/>
               </a:spcBef>
@@ -3434,7 +3442,7 @@
               <a:buChar char="●"/>
               <a:defRPr sz="1200"/>
             </a:lvl4pPr>
-            <a:lvl5pPr indent="-304800" lvl="4" marL="2286000">
+            <a:lvl5pPr marL="2286000" lvl="4" indent="-304800">
               <a:spcBef>
                 <a:spcPts val="1600"/>
               </a:spcBef>
@@ -3445,7 +3453,7 @@
               <a:buChar char="○"/>
               <a:defRPr sz="1200"/>
             </a:lvl5pPr>
-            <a:lvl6pPr indent="-304800" lvl="5" marL="2743200">
+            <a:lvl6pPr marL="2743200" lvl="5" indent="-304800">
               <a:spcBef>
                 <a:spcPts val="1600"/>
               </a:spcBef>
@@ -3456,7 +3464,7 @@
               <a:buChar char="■"/>
               <a:defRPr sz="1200"/>
             </a:lvl6pPr>
-            <a:lvl7pPr indent="-304800" lvl="6" marL="3200400">
+            <a:lvl7pPr marL="3200400" lvl="6" indent="-304800">
               <a:spcBef>
                 <a:spcPts val="1600"/>
               </a:spcBef>
@@ -3467,7 +3475,7 @@
               <a:buChar char="●"/>
               <a:defRPr sz="1200"/>
             </a:lvl7pPr>
-            <a:lvl8pPr indent="-304800" lvl="7" marL="3657600">
+            <a:lvl8pPr marL="3657600" lvl="7" indent="-304800">
               <a:spcBef>
                 <a:spcPts val="1600"/>
               </a:spcBef>
@@ -3478,7 +3486,7 @@
               <a:buChar char="○"/>
               <a:defRPr sz="1200"/>
             </a:lvl8pPr>
-            <a:lvl9pPr indent="-304800" lvl="8" marL="4114800">
+            <a:lvl9pPr marL="4114800" lvl="8" indent="-304800">
               <a:spcBef>
                 <a:spcPts val="1600"/>
               </a:spcBef>
@@ -3490,15 +3498,19 @@
               <a:defRPr sz="1200"/>
             </a:lvl9pPr>
           </a:lstStyle>
-          <a:p/>
+          <a:p>
+            <a:endParaRPr/>
+          </a:p>
         </p:txBody>
       </p:sp>
       <p:sp>
         <p:nvSpPr>
           <p:cNvPr id="25" name="Google Shape;25;p5"/>
-          <p:cNvSpPr txBox="1"/>
+          <p:cNvSpPr txBox="1">
+            <a:spLocks noGrp="1"/>
+          </p:cNvSpPr>
           <p:nvPr>
-            <p:ph idx="12" type="sldNum"/>
+            <p:ph type="sldNum" idx="12"/>
           </p:nvPr>
         </p:nvSpPr>
         <p:spPr>
@@ -3511,7 +3523,7 @@
           </a:prstGeom>
         </p:spPr>
         <p:txBody>
-          <a:bodyPr anchorCtr="0" anchor="ctr" bIns="91425" lIns="91425" spcFirstLastPara="1" rIns="91425" wrap="square" tIns="91425">
+          <a:bodyPr spcFirstLastPara="1" wrap="square" lIns="91425" tIns="91425" rIns="91425" bIns="91425" anchor="ctr" anchorCtr="0">
             <a:noAutofit/>
           </a:bodyPr>
           <a:lstStyle>
@@ -3553,7 +3565,7 @@
             </a:lvl9pPr>
           </a:lstStyle>
           <a:p>
-            <a:pPr indent="0" lvl="0" marL="0" rtl="0" algn="r">
+            <a:pPr marL="0" lvl="0" indent="0" algn="r" rtl="0">
               <a:spcBef>
                 <a:spcPts val="0"/>
               </a:spcBef>
@@ -3579,11 +3591,11 @@
 </file>
 
 <file path=ppt/slideLayouts/slideLayout5.xml><?xml version="1.0" encoding="utf-8"?>
-<p:sldLayout xmlns:a="http://schemas.openxmlformats.org/drawingml/2006/main" xmlns:r="http://schemas.openxmlformats.org/officeDocument/2006/relationships" xmlns:mc="http://schemas.openxmlformats.org/markup-compatibility/2006" xmlns:mv="urn:schemas-microsoft-com:mac:vml" xmlns:p="http://schemas.openxmlformats.org/presentationml/2006/main" xmlns:c="http://schemas.openxmlformats.org/drawingml/2006/chart" xmlns:dgm="http://schemas.openxmlformats.org/drawingml/2006/diagram" xmlns:o="urn:schemas-microsoft-com:office:office" xmlns:v="urn:schemas-microsoft-com:vml" xmlns:pvml="urn:schemas-microsoft-com:office:powerpoint" xmlns:com="http://schemas.openxmlformats.org/drawingml/2006/compatibility" xmlns:p14="http://schemas.microsoft.com/office/powerpoint/2010/main" xmlns:p15="http://schemas.microsoft.com/office/powerpoint/2012/main" matchingName="Title only" type="titleOnly">
+<p:sldLayout xmlns:a="http://schemas.openxmlformats.org/drawingml/2006/main" xmlns:r="http://schemas.openxmlformats.org/officeDocument/2006/relationships" xmlns:p="http://schemas.openxmlformats.org/presentationml/2006/main" matchingName="Title only" type="titleOnly">
   <p:cSld name="TITLE_ONLY">
     <p:spTree>
       <p:nvGrpSpPr>
-        <p:cNvPr id="26" name="Shape 26"/>
+        <p:cNvPr id="1" name="Shape 26"/>
         <p:cNvGrpSpPr/>
         <p:nvPr/>
       </p:nvGrpSpPr>
@@ -3598,7 +3610,9 @@
       <p:sp>
         <p:nvSpPr>
           <p:cNvPr id="27" name="Google Shape;27;p6"/>
-          <p:cNvSpPr txBox="1"/>
+          <p:cNvSpPr txBox="1">
+            <a:spLocks noGrp="1"/>
+          </p:cNvSpPr>
           <p:nvPr>
             <p:ph type="title"/>
           </p:nvPr>
@@ -3613,7 +3627,7 @@
           </a:prstGeom>
         </p:spPr>
         <p:txBody>
-          <a:bodyPr anchorCtr="0" anchor="t" bIns="91425" lIns="91425" spcFirstLastPara="1" rIns="91425" wrap="square" tIns="91425">
+          <a:bodyPr spcFirstLastPara="1" wrap="square" lIns="91425" tIns="91425" rIns="91425" bIns="91425" anchor="t" anchorCtr="0">
             <a:noAutofit/>
           </a:bodyPr>
           <a:lstStyle>
@@ -3717,15 +3731,19 @@
               <a:defRPr/>
             </a:lvl9pPr>
           </a:lstStyle>
-          <a:p/>
+          <a:p>
+            <a:endParaRPr/>
+          </a:p>
         </p:txBody>
       </p:sp>
       <p:sp>
         <p:nvSpPr>
           <p:cNvPr id="28" name="Google Shape;28;p6"/>
-          <p:cNvSpPr txBox="1"/>
+          <p:cNvSpPr txBox="1">
+            <a:spLocks noGrp="1"/>
+          </p:cNvSpPr>
           <p:nvPr>
-            <p:ph idx="12" type="sldNum"/>
+            <p:ph type="sldNum" idx="12"/>
           </p:nvPr>
         </p:nvSpPr>
         <p:spPr>
@@ -3738,7 +3756,7 @@
           </a:prstGeom>
         </p:spPr>
         <p:txBody>
-          <a:bodyPr anchorCtr="0" anchor="ctr" bIns="91425" lIns="91425" spcFirstLastPara="1" rIns="91425" wrap="square" tIns="91425">
+          <a:bodyPr spcFirstLastPara="1" wrap="square" lIns="91425" tIns="91425" rIns="91425" bIns="91425" anchor="ctr" anchorCtr="0">
             <a:noAutofit/>
           </a:bodyPr>
           <a:lstStyle>
@@ -3780,7 +3798,7 @@
             </a:lvl9pPr>
           </a:lstStyle>
           <a:p>
-            <a:pPr indent="0" lvl="0" marL="0" rtl="0" algn="r">
+            <a:pPr marL="0" lvl="0" indent="0" algn="r" rtl="0">
               <a:spcBef>
                 <a:spcPts val="0"/>
               </a:spcBef>
@@ -3806,11 +3824,11 @@
 </file>
 
 <file path=ppt/slideLayouts/slideLayout6.xml><?xml version="1.0" encoding="utf-8"?>
-<p:sldLayout xmlns:a="http://schemas.openxmlformats.org/drawingml/2006/main" xmlns:r="http://schemas.openxmlformats.org/officeDocument/2006/relationships" xmlns:mc="http://schemas.openxmlformats.org/markup-compatibility/2006" xmlns:mv="urn:schemas-microsoft-com:mac:vml" xmlns:p="http://schemas.openxmlformats.org/presentationml/2006/main" xmlns:c="http://schemas.openxmlformats.org/drawingml/2006/chart" xmlns:dgm="http://schemas.openxmlformats.org/drawingml/2006/diagram" xmlns:o="urn:schemas-microsoft-com:office:office" xmlns:v="urn:schemas-microsoft-com:vml" xmlns:pvml="urn:schemas-microsoft-com:office:powerpoint" xmlns:com="http://schemas.openxmlformats.org/drawingml/2006/compatibility" xmlns:p14="http://schemas.microsoft.com/office/powerpoint/2010/main" xmlns:p15="http://schemas.microsoft.com/office/powerpoint/2012/main" matchingName="One column text">
+<p:sldLayout xmlns:a="http://schemas.openxmlformats.org/drawingml/2006/main" xmlns:r="http://schemas.openxmlformats.org/officeDocument/2006/relationships" xmlns:p="http://schemas.openxmlformats.org/presentationml/2006/main" matchingName="One column text">
   <p:cSld name="ONE_COLUMN_TEXT">
     <p:spTree>
       <p:nvGrpSpPr>
-        <p:cNvPr id="29" name="Shape 29"/>
+        <p:cNvPr id="1" name="Shape 29"/>
         <p:cNvGrpSpPr/>
         <p:nvPr/>
       </p:nvGrpSpPr>
@@ -3825,7 +3843,9 @@
       <p:sp>
         <p:nvSpPr>
           <p:cNvPr id="30" name="Google Shape;30;p7"/>
-          <p:cNvSpPr txBox="1"/>
+          <p:cNvSpPr txBox="1">
+            <a:spLocks noGrp="1"/>
+          </p:cNvSpPr>
           <p:nvPr>
             <p:ph type="title"/>
           </p:nvPr>
@@ -3840,7 +3860,7 @@
           </a:prstGeom>
         </p:spPr>
         <p:txBody>
-          <a:bodyPr anchorCtr="0" anchor="b" bIns="91425" lIns="91425" spcFirstLastPara="1" rIns="91425" wrap="square" tIns="91425">
+          <a:bodyPr spcFirstLastPara="1" wrap="square" lIns="91425" tIns="91425" rIns="91425" bIns="91425" anchor="b" anchorCtr="0">
             <a:noAutofit/>
           </a:bodyPr>
           <a:lstStyle>
@@ -3944,15 +3964,19 @@
               <a:defRPr sz="2400"/>
             </a:lvl9pPr>
           </a:lstStyle>
-          <a:p/>
+          <a:p>
+            <a:endParaRPr/>
+          </a:p>
         </p:txBody>
       </p:sp>
       <p:sp>
         <p:nvSpPr>
           <p:cNvPr id="31" name="Google Shape;31;p7"/>
-          <p:cNvSpPr txBox="1"/>
+          <p:cNvSpPr txBox="1">
+            <a:spLocks noGrp="1"/>
+          </p:cNvSpPr>
           <p:nvPr>
-            <p:ph idx="1" type="body"/>
+            <p:ph type="body" idx="1"/>
           </p:nvPr>
         </p:nvSpPr>
         <p:spPr>
@@ -3965,11 +3989,11 @@
           </a:prstGeom>
         </p:spPr>
         <p:txBody>
-          <a:bodyPr anchorCtr="0" anchor="t" bIns="91425" lIns="91425" spcFirstLastPara="1" rIns="91425" wrap="square" tIns="91425">
+          <a:bodyPr spcFirstLastPara="1" wrap="square" lIns="91425" tIns="91425" rIns="91425" bIns="91425" anchor="t" anchorCtr="0">
             <a:noAutofit/>
           </a:bodyPr>
           <a:lstStyle>
-            <a:lvl1pPr indent="-304800" lvl="0" marL="457200">
+            <a:lvl1pPr marL="457200" lvl="0" indent="-304800">
               <a:spcBef>
                 <a:spcPts val="0"/>
               </a:spcBef>
@@ -3980,7 +4004,7 @@
               <a:buChar char="●"/>
               <a:defRPr sz="1200"/>
             </a:lvl1pPr>
-            <a:lvl2pPr indent="-304800" lvl="1" marL="914400">
+            <a:lvl2pPr marL="914400" lvl="1" indent="-304800">
               <a:spcBef>
                 <a:spcPts val="1600"/>
               </a:spcBef>
@@ -3991,7 +4015,7 @@
               <a:buChar char="○"/>
               <a:defRPr sz="1200"/>
             </a:lvl2pPr>
-            <a:lvl3pPr indent="-304800" lvl="2" marL="1371600">
+            <a:lvl3pPr marL="1371600" lvl="2" indent="-304800">
               <a:spcBef>
                 <a:spcPts val="1600"/>
               </a:spcBef>
@@ -4002,7 +4026,7 @@
               <a:buChar char="■"/>
               <a:defRPr sz="1200"/>
             </a:lvl3pPr>
-            <a:lvl4pPr indent="-304800" lvl="3" marL="1828800">
+            <a:lvl4pPr marL="1828800" lvl="3" indent="-304800">
               <a:spcBef>
                 <a:spcPts val="1600"/>
               </a:spcBef>
@@ -4013,7 +4037,7 @@
               <a:buChar char="●"/>
               <a:defRPr sz="1200"/>
             </a:lvl4pPr>
-            <a:lvl5pPr indent="-304800" lvl="4" marL="2286000">
+            <a:lvl5pPr marL="2286000" lvl="4" indent="-304800">
               <a:spcBef>
                 <a:spcPts val="1600"/>
               </a:spcBef>
@@ -4024,7 +4048,7 @@
               <a:buChar char="○"/>
               <a:defRPr sz="1200"/>
             </a:lvl5pPr>
-            <a:lvl6pPr indent="-304800" lvl="5" marL="2743200">
+            <a:lvl6pPr marL="2743200" lvl="5" indent="-304800">
               <a:spcBef>
                 <a:spcPts val="1600"/>
               </a:spcBef>
@@ -4035,7 +4059,7 @@
               <a:buChar char="■"/>
               <a:defRPr sz="1200"/>
             </a:lvl6pPr>
-            <a:lvl7pPr indent="-304800" lvl="6" marL="3200400">
+            <a:lvl7pPr marL="3200400" lvl="6" indent="-304800">
               <a:spcBef>
                 <a:spcPts val="1600"/>
               </a:spcBef>
@@ -4046,7 +4070,7 @@
               <a:buChar char="●"/>
               <a:defRPr sz="1200"/>
             </a:lvl7pPr>
-            <a:lvl8pPr indent="-304800" lvl="7" marL="3657600">
+            <a:lvl8pPr marL="3657600" lvl="7" indent="-304800">
               <a:spcBef>
                 <a:spcPts val="1600"/>
               </a:spcBef>
@@ -4057,7 +4081,7 @@
               <a:buChar char="○"/>
               <a:defRPr sz="1200"/>
             </a:lvl8pPr>
-            <a:lvl9pPr indent="-304800" lvl="8" marL="4114800">
+            <a:lvl9pPr marL="4114800" lvl="8" indent="-304800">
               <a:spcBef>
                 <a:spcPts val="1600"/>
               </a:spcBef>
@@ -4069,15 +4093,19 @@
               <a:defRPr sz="1200"/>
             </a:lvl9pPr>
           </a:lstStyle>
-          <a:p/>
+          <a:p>
+            <a:endParaRPr/>
+          </a:p>
         </p:txBody>
       </p:sp>
       <p:sp>
         <p:nvSpPr>
           <p:cNvPr id="32" name="Google Shape;32;p7"/>
-          <p:cNvSpPr txBox="1"/>
+          <p:cNvSpPr txBox="1">
+            <a:spLocks noGrp="1"/>
+          </p:cNvSpPr>
           <p:nvPr>
-            <p:ph idx="12" type="sldNum"/>
+            <p:ph type="sldNum" idx="12"/>
           </p:nvPr>
         </p:nvSpPr>
         <p:spPr>
@@ -4090,7 +4118,7 @@
           </a:prstGeom>
         </p:spPr>
         <p:txBody>
-          <a:bodyPr anchorCtr="0" anchor="ctr" bIns="91425" lIns="91425" spcFirstLastPara="1" rIns="91425" wrap="square" tIns="91425">
+          <a:bodyPr spcFirstLastPara="1" wrap="square" lIns="91425" tIns="91425" rIns="91425" bIns="91425" anchor="ctr" anchorCtr="0">
             <a:noAutofit/>
           </a:bodyPr>
           <a:lstStyle>
@@ -4132,7 +4160,7 @@
             </a:lvl9pPr>
           </a:lstStyle>
           <a:p>
-            <a:pPr indent="0" lvl="0" marL="0" rtl="0" algn="r">
+            <a:pPr marL="0" lvl="0" indent="0" algn="r" rtl="0">
               <a:spcBef>
                 <a:spcPts val="0"/>
               </a:spcBef>
@@ -4158,11 +4186,11 @@
 </file>
 
 <file path=ppt/slideLayouts/slideLayout7.xml><?xml version="1.0" encoding="utf-8"?>
-<p:sldLayout xmlns:a="http://schemas.openxmlformats.org/drawingml/2006/main" xmlns:r="http://schemas.openxmlformats.org/officeDocument/2006/relationships" xmlns:mc="http://schemas.openxmlformats.org/markup-compatibility/2006" xmlns:mv="urn:schemas-microsoft-com:mac:vml" xmlns:p="http://schemas.openxmlformats.org/presentationml/2006/main" xmlns:c="http://schemas.openxmlformats.org/drawingml/2006/chart" xmlns:dgm="http://schemas.openxmlformats.org/drawingml/2006/diagram" xmlns:o="urn:schemas-microsoft-com:office:office" xmlns:v="urn:schemas-microsoft-com:vml" xmlns:pvml="urn:schemas-microsoft-com:office:powerpoint" xmlns:com="http://schemas.openxmlformats.org/drawingml/2006/compatibility" xmlns:p14="http://schemas.microsoft.com/office/powerpoint/2010/main" xmlns:p15="http://schemas.microsoft.com/office/powerpoint/2012/main" matchingName="Main point">
+<p:sldLayout xmlns:a="http://schemas.openxmlformats.org/drawingml/2006/main" xmlns:r="http://schemas.openxmlformats.org/officeDocument/2006/relationships" xmlns:p="http://schemas.openxmlformats.org/presentationml/2006/main" matchingName="Main point">
   <p:cSld name="MAIN_POINT">
     <p:spTree>
       <p:nvGrpSpPr>
-        <p:cNvPr id="33" name="Shape 33"/>
+        <p:cNvPr id="1" name="Shape 33"/>
         <p:cNvGrpSpPr/>
         <p:nvPr/>
       </p:nvGrpSpPr>
@@ -4177,7 +4205,9 @@
       <p:sp>
         <p:nvSpPr>
           <p:cNvPr id="34" name="Google Shape;34;p8"/>
-          <p:cNvSpPr txBox="1"/>
+          <p:cNvSpPr txBox="1">
+            <a:spLocks noGrp="1"/>
+          </p:cNvSpPr>
           <p:nvPr>
             <p:ph type="title"/>
           </p:nvPr>
@@ -4192,7 +4222,7 @@
           </a:prstGeom>
         </p:spPr>
         <p:txBody>
-          <a:bodyPr anchorCtr="0" anchor="ctr" bIns="91425" lIns="91425" spcFirstLastPara="1" rIns="91425" wrap="square" tIns="91425">
+          <a:bodyPr spcFirstLastPara="1" wrap="square" lIns="91425" tIns="91425" rIns="91425" bIns="91425" anchor="ctr" anchorCtr="0">
             <a:noAutofit/>
           </a:bodyPr>
           <a:lstStyle>
@@ -4296,15 +4326,19 @@
               <a:defRPr sz="4800"/>
             </a:lvl9pPr>
           </a:lstStyle>
-          <a:p/>
+          <a:p>
+            <a:endParaRPr/>
+          </a:p>
         </p:txBody>
       </p:sp>
       <p:sp>
         <p:nvSpPr>
           <p:cNvPr id="35" name="Google Shape;35;p8"/>
-          <p:cNvSpPr txBox="1"/>
+          <p:cNvSpPr txBox="1">
+            <a:spLocks noGrp="1"/>
+          </p:cNvSpPr>
           <p:nvPr>
-            <p:ph idx="12" type="sldNum"/>
+            <p:ph type="sldNum" idx="12"/>
           </p:nvPr>
         </p:nvSpPr>
         <p:spPr>
@@ -4317,7 +4351,7 @@
           </a:prstGeom>
         </p:spPr>
         <p:txBody>
-          <a:bodyPr anchorCtr="0" anchor="ctr" bIns="91425" lIns="91425" spcFirstLastPara="1" rIns="91425" wrap="square" tIns="91425">
+          <a:bodyPr spcFirstLastPara="1" wrap="square" lIns="91425" tIns="91425" rIns="91425" bIns="91425" anchor="ctr" anchorCtr="0">
             <a:noAutofit/>
           </a:bodyPr>
           <a:lstStyle>
@@ -4359,7 +4393,7 @@
             </a:lvl9pPr>
           </a:lstStyle>
           <a:p>
-            <a:pPr indent="0" lvl="0" marL="0" rtl="0" algn="r">
+            <a:pPr marL="0" lvl="0" indent="0" algn="r" rtl="0">
               <a:spcBef>
                 <a:spcPts val="0"/>
               </a:spcBef>
@@ -4385,11 +4419,11 @@
 </file>
 
 <file path=ppt/slideLayouts/slideLayout8.xml><?xml version="1.0" encoding="utf-8"?>
-<p:sldLayout xmlns:a="http://schemas.openxmlformats.org/drawingml/2006/main" xmlns:r="http://schemas.openxmlformats.org/officeDocument/2006/relationships" xmlns:mc="http://schemas.openxmlformats.org/markup-compatibility/2006" xmlns:mv="urn:schemas-microsoft-com:mac:vml" xmlns:p="http://schemas.openxmlformats.org/presentationml/2006/main" xmlns:c="http://schemas.openxmlformats.org/drawingml/2006/chart" xmlns:dgm="http://schemas.openxmlformats.org/drawingml/2006/diagram" xmlns:o="urn:schemas-microsoft-com:office:office" xmlns:v="urn:schemas-microsoft-com:vml" xmlns:pvml="urn:schemas-microsoft-com:office:powerpoint" xmlns:com="http://schemas.openxmlformats.org/drawingml/2006/compatibility" xmlns:p14="http://schemas.microsoft.com/office/powerpoint/2010/main" xmlns:p15="http://schemas.microsoft.com/office/powerpoint/2012/main" matchingName="Section title and description">
+<p:sldLayout xmlns:a="http://schemas.openxmlformats.org/drawingml/2006/main" xmlns:r="http://schemas.openxmlformats.org/officeDocument/2006/relationships" xmlns:p="http://schemas.openxmlformats.org/presentationml/2006/main" matchingName="Section title and description">
   <p:cSld name="SECTION_TITLE_AND_DESCRIPTION">
     <p:spTree>
       <p:nvGrpSpPr>
-        <p:cNvPr id="36" name="Shape 36"/>
+        <p:cNvPr id="1" name="Shape 36"/>
         <p:cNvGrpSpPr/>
         <p:nvPr/>
       </p:nvGrpSpPr>
@@ -4423,12 +4457,12 @@
           </a:ln>
         </p:spPr>
         <p:txBody>
-          <a:bodyPr anchorCtr="0" anchor="ctr" bIns="91425" lIns="91425" spcFirstLastPara="1" rIns="91425" wrap="square" tIns="91425">
+          <a:bodyPr spcFirstLastPara="1" wrap="square" lIns="91425" tIns="91425" rIns="91425" bIns="91425" anchor="ctr" anchorCtr="0">
             <a:noAutofit/>
           </a:bodyPr>
           <a:lstStyle/>
           <a:p>
-            <a:pPr indent="0" lvl="0" marL="0" rtl="0" algn="l">
+            <a:pPr marL="0" lvl="0" indent="0" algn="l" rtl="0">
               <a:spcBef>
                 <a:spcPts val="0"/>
               </a:spcBef>
@@ -4437,9 +4471,6 @@
               </a:spcAft>
               <a:buNone/>
             </a:pPr>
-            <a:r>
-              <a:t/>
-            </a:r>
             <a:endParaRPr/>
           </a:p>
         </p:txBody>
@@ -4447,7 +4478,9 @@
       <p:sp>
         <p:nvSpPr>
           <p:cNvPr id="38" name="Google Shape;38;p9"/>
-          <p:cNvSpPr txBox="1"/>
+          <p:cNvSpPr txBox="1">
+            <a:spLocks noGrp="1"/>
+          </p:cNvSpPr>
           <p:nvPr>
             <p:ph type="title"/>
           </p:nvPr>
@@ -4462,7 +4495,7 @@
           </a:prstGeom>
         </p:spPr>
         <p:txBody>
-          <a:bodyPr anchorCtr="0" anchor="b" bIns="91425" lIns="91425" spcFirstLastPara="1" rIns="91425" wrap="square" tIns="91425">
+          <a:bodyPr spcFirstLastPara="1" wrap="square" lIns="91425" tIns="91425" rIns="91425" bIns="91425" anchor="b" anchorCtr="0">
             <a:noAutofit/>
           </a:bodyPr>
           <a:lstStyle>
@@ -4566,15 +4599,19 @@
               <a:defRPr sz="4200"/>
             </a:lvl9pPr>
           </a:lstStyle>
-          <a:p/>
+          <a:p>
+            <a:endParaRPr/>
+          </a:p>
         </p:txBody>
       </p:sp>
       <p:sp>
         <p:nvSpPr>
           <p:cNvPr id="39" name="Google Shape;39;p9"/>
-          <p:cNvSpPr txBox="1"/>
+          <p:cNvSpPr txBox="1">
+            <a:spLocks noGrp="1"/>
+          </p:cNvSpPr>
           <p:nvPr>
-            <p:ph idx="1" type="subTitle"/>
+            <p:ph type="subTitle" idx="1"/>
           </p:nvPr>
         </p:nvSpPr>
         <p:spPr>
@@ -4587,7 +4624,7 @@
           </a:prstGeom>
         </p:spPr>
         <p:txBody>
-          <a:bodyPr anchorCtr="0" anchor="t" bIns="91425" lIns="91425" spcFirstLastPara="1" rIns="91425" wrap="square" tIns="91425">
+          <a:bodyPr spcFirstLastPara="1" wrap="square" lIns="91425" tIns="91425" rIns="91425" bIns="91425" anchor="t" anchorCtr="0">
             <a:noAutofit/>
           </a:bodyPr>
           <a:lstStyle>
@@ -4718,15 +4755,19 @@
               <a:defRPr sz="2100"/>
             </a:lvl9pPr>
           </a:lstStyle>
-          <a:p/>
+          <a:p>
+            <a:endParaRPr/>
+          </a:p>
         </p:txBody>
       </p:sp>
       <p:sp>
         <p:nvSpPr>
           <p:cNvPr id="40" name="Google Shape;40;p9"/>
-          <p:cNvSpPr txBox="1"/>
+          <p:cNvSpPr txBox="1">
+            <a:spLocks noGrp="1"/>
+          </p:cNvSpPr>
           <p:nvPr>
-            <p:ph idx="2" type="body"/>
+            <p:ph type="body" idx="2"/>
           </p:nvPr>
         </p:nvSpPr>
         <p:spPr>
@@ -4739,11 +4780,11 @@
           </a:prstGeom>
         </p:spPr>
         <p:txBody>
-          <a:bodyPr anchorCtr="0" anchor="ctr" bIns="91425" lIns="91425" spcFirstLastPara="1" rIns="91425" wrap="square" tIns="91425">
+          <a:bodyPr spcFirstLastPara="1" wrap="square" lIns="91425" tIns="91425" rIns="91425" bIns="91425" anchor="ctr" anchorCtr="0">
             <a:noAutofit/>
           </a:bodyPr>
           <a:lstStyle>
-            <a:lvl1pPr indent="-342900" lvl="0" marL="457200">
+            <a:lvl1pPr marL="457200" lvl="0" indent="-342900">
               <a:spcBef>
                 <a:spcPts val="0"/>
               </a:spcBef>
@@ -4754,7 +4795,7 @@
               <a:buChar char="●"/>
               <a:defRPr/>
             </a:lvl1pPr>
-            <a:lvl2pPr indent="-317500" lvl="1" marL="914400">
+            <a:lvl2pPr marL="914400" lvl="1" indent="-317500">
               <a:spcBef>
                 <a:spcPts val="1600"/>
               </a:spcBef>
@@ -4765,7 +4806,7 @@
               <a:buChar char="○"/>
               <a:defRPr/>
             </a:lvl2pPr>
-            <a:lvl3pPr indent="-317500" lvl="2" marL="1371600">
+            <a:lvl3pPr marL="1371600" lvl="2" indent="-317500">
               <a:spcBef>
                 <a:spcPts val="1600"/>
               </a:spcBef>
@@ -4776,7 +4817,7 @@
               <a:buChar char="■"/>
               <a:defRPr/>
             </a:lvl3pPr>
-            <a:lvl4pPr indent="-317500" lvl="3" marL="1828800">
+            <a:lvl4pPr marL="1828800" lvl="3" indent="-317500">
               <a:spcBef>
                 <a:spcPts val="1600"/>
               </a:spcBef>
@@ -4787,7 +4828,7 @@
               <a:buChar char="●"/>
               <a:defRPr/>
             </a:lvl4pPr>
-            <a:lvl5pPr indent="-317500" lvl="4" marL="2286000">
+            <a:lvl5pPr marL="2286000" lvl="4" indent="-317500">
               <a:spcBef>
                 <a:spcPts val="1600"/>
               </a:spcBef>
@@ -4798,7 +4839,7 @@
               <a:buChar char="○"/>
               <a:defRPr/>
             </a:lvl5pPr>
-            <a:lvl6pPr indent="-317500" lvl="5" marL="2743200">
+            <a:lvl6pPr marL="2743200" lvl="5" indent="-317500">
               <a:spcBef>
                 <a:spcPts val="1600"/>
               </a:spcBef>
@@ -4809,7 +4850,7 @@
               <a:buChar char="■"/>
               <a:defRPr/>
             </a:lvl6pPr>
-            <a:lvl7pPr indent="-317500" lvl="6" marL="3200400">
+            <a:lvl7pPr marL="3200400" lvl="6" indent="-317500">
               <a:spcBef>
                 <a:spcPts val="1600"/>
               </a:spcBef>
@@ -4820,7 +4861,7 @@
               <a:buChar char="●"/>
               <a:defRPr/>
             </a:lvl7pPr>
-            <a:lvl8pPr indent="-317500" lvl="7" marL="3657600">
+            <a:lvl8pPr marL="3657600" lvl="7" indent="-317500">
               <a:spcBef>
                 <a:spcPts val="1600"/>
               </a:spcBef>
@@ -4831,7 +4872,7 @@
               <a:buChar char="○"/>
               <a:defRPr/>
             </a:lvl8pPr>
-            <a:lvl9pPr indent="-317500" lvl="8" marL="4114800">
+            <a:lvl9pPr marL="4114800" lvl="8" indent="-317500">
               <a:spcBef>
                 <a:spcPts val="1600"/>
               </a:spcBef>
@@ -4843,15 +4884,19 @@
               <a:defRPr/>
             </a:lvl9pPr>
           </a:lstStyle>
-          <a:p/>
+          <a:p>
+            <a:endParaRPr/>
+          </a:p>
         </p:txBody>
       </p:sp>
       <p:sp>
         <p:nvSpPr>
           <p:cNvPr id="41" name="Google Shape;41;p9"/>
-          <p:cNvSpPr txBox="1"/>
+          <p:cNvSpPr txBox="1">
+            <a:spLocks noGrp="1"/>
+          </p:cNvSpPr>
           <p:nvPr>
-            <p:ph idx="12" type="sldNum"/>
+            <p:ph type="sldNum" idx="12"/>
           </p:nvPr>
         </p:nvSpPr>
         <p:spPr>
@@ -4864,7 +4909,7 @@
           </a:prstGeom>
         </p:spPr>
         <p:txBody>
-          <a:bodyPr anchorCtr="0" anchor="ctr" bIns="91425" lIns="91425" spcFirstLastPara="1" rIns="91425" wrap="square" tIns="91425">
+          <a:bodyPr spcFirstLastPara="1" wrap="square" lIns="91425" tIns="91425" rIns="91425" bIns="91425" anchor="ctr" anchorCtr="0">
             <a:noAutofit/>
           </a:bodyPr>
           <a:lstStyle>
@@ -4906,7 +4951,7 @@
             </a:lvl9pPr>
           </a:lstStyle>
           <a:p>
-            <a:pPr indent="0" lvl="0" marL="0" rtl="0" algn="r">
+            <a:pPr marL="0" lvl="0" indent="0" algn="r" rtl="0">
               <a:spcBef>
                 <a:spcPts val="0"/>
               </a:spcBef>
@@ -4932,11 +4977,11 @@
 </file>
 
 <file path=ppt/slideLayouts/slideLayout9.xml><?xml version="1.0" encoding="utf-8"?>
-<p:sldLayout xmlns:a="http://schemas.openxmlformats.org/drawingml/2006/main" xmlns:r="http://schemas.openxmlformats.org/officeDocument/2006/relationships" xmlns:mc="http://schemas.openxmlformats.org/markup-compatibility/2006" xmlns:mv="urn:schemas-microsoft-com:mac:vml" xmlns:p="http://schemas.openxmlformats.org/presentationml/2006/main" xmlns:c="http://schemas.openxmlformats.org/drawingml/2006/chart" xmlns:dgm="http://schemas.openxmlformats.org/drawingml/2006/diagram" xmlns:o="urn:schemas-microsoft-com:office:office" xmlns:v="urn:schemas-microsoft-com:vml" xmlns:pvml="urn:schemas-microsoft-com:office:powerpoint" xmlns:com="http://schemas.openxmlformats.org/drawingml/2006/compatibility" xmlns:p14="http://schemas.microsoft.com/office/powerpoint/2010/main" xmlns:p15="http://schemas.microsoft.com/office/powerpoint/2012/main" matchingName="Caption">
+<p:sldLayout xmlns:a="http://schemas.openxmlformats.org/drawingml/2006/main" xmlns:r="http://schemas.openxmlformats.org/officeDocument/2006/relationships" xmlns:p="http://schemas.openxmlformats.org/presentationml/2006/main" matchingName="Caption">
   <p:cSld name="CAPTION_ONLY">
     <p:spTree>
       <p:nvGrpSpPr>
-        <p:cNvPr id="42" name="Shape 42"/>
+        <p:cNvPr id="1" name="Shape 42"/>
         <p:cNvGrpSpPr/>
         <p:nvPr/>
       </p:nvGrpSpPr>
@@ -4951,9 +4996,11 @@
       <p:sp>
         <p:nvSpPr>
           <p:cNvPr id="43" name="Google Shape;43;p10"/>
-          <p:cNvSpPr txBox="1"/>
+          <p:cNvSpPr txBox="1">
+            <a:spLocks noGrp="1"/>
+          </p:cNvSpPr>
           <p:nvPr>
-            <p:ph idx="1" type="body"/>
+            <p:ph type="body" idx="1"/>
           </p:nvPr>
         </p:nvSpPr>
         <p:spPr>
@@ -4966,11 +5013,11 @@
           </a:prstGeom>
         </p:spPr>
         <p:txBody>
-          <a:bodyPr anchorCtr="0" anchor="ctr" bIns="91425" lIns="91425" spcFirstLastPara="1" rIns="91425" wrap="square" tIns="91425">
+          <a:bodyPr spcFirstLastPara="1" wrap="square" lIns="91425" tIns="91425" rIns="91425" bIns="91425" anchor="ctr" anchorCtr="0">
             <a:noAutofit/>
           </a:bodyPr>
           <a:lstStyle>
-            <a:lvl1pPr indent="-228600" lvl="0" marL="457200">
+            <a:lvl1pPr marL="457200" lvl="0" indent="-228600">
               <a:lnSpc>
                 <a:spcPct val="100000"/>
               </a:lnSpc>
@@ -4985,15 +5032,19 @@
               <a:defRPr/>
             </a:lvl1pPr>
           </a:lstStyle>
-          <a:p/>
+          <a:p>
+            <a:endParaRPr/>
+          </a:p>
         </p:txBody>
       </p:sp>
       <p:sp>
         <p:nvSpPr>
           <p:cNvPr id="44" name="Google Shape;44;p10"/>
-          <p:cNvSpPr txBox="1"/>
+          <p:cNvSpPr txBox="1">
+            <a:spLocks noGrp="1"/>
+          </p:cNvSpPr>
           <p:nvPr>
-            <p:ph idx="12" type="sldNum"/>
+            <p:ph type="sldNum" idx="12"/>
           </p:nvPr>
         </p:nvSpPr>
         <p:spPr>
@@ -5006,7 +5057,7 @@
           </a:prstGeom>
         </p:spPr>
         <p:txBody>
-          <a:bodyPr anchorCtr="0" anchor="ctr" bIns="91425" lIns="91425" spcFirstLastPara="1" rIns="91425" wrap="square" tIns="91425">
+          <a:bodyPr spcFirstLastPara="1" wrap="square" lIns="91425" tIns="91425" rIns="91425" bIns="91425" anchor="ctr" anchorCtr="0">
             <a:noAutofit/>
           </a:bodyPr>
           <a:lstStyle>
@@ -5048,7 +5099,7 @@
             </a:lvl9pPr>
           </a:lstStyle>
           <a:p>
-            <a:pPr indent="0" lvl="0" marL="0" rtl="0" algn="r">
+            <a:pPr marL="0" lvl="0" indent="0" algn="r" rtl="0">
               <a:spcBef>
                 <a:spcPts val="0"/>
               </a:spcBef>
@@ -5074,18 +5125,19 @@
 </file>
 
 <file path=ppt/slideMasters/slideMaster1.xml><?xml version="1.0" encoding="utf-8"?>
-<p:sldMaster xmlns:a="http://schemas.openxmlformats.org/drawingml/2006/main" xmlns:r="http://schemas.openxmlformats.org/officeDocument/2006/relationships" xmlns:mc="http://schemas.openxmlformats.org/markup-compatibility/2006" xmlns:mv="urn:schemas-microsoft-com:mac:vml" xmlns:p="http://schemas.openxmlformats.org/presentationml/2006/main" xmlns:c="http://schemas.openxmlformats.org/drawingml/2006/chart" xmlns:dgm="http://schemas.openxmlformats.org/drawingml/2006/diagram" xmlns:o="urn:schemas-microsoft-com:office:office" xmlns:v="urn:schemas-microsoft-com:vml" xmlns:pvml="urn:schemas-microsoft-com:office:powerpoint" xmlns:com="http://schemas.openxmlformats.org/drawingml/2006/compatibility" xmlns:p14="http://schemas.microsoft.com/office/powerpoint/2010/main" xmlns:p15="http://schemas.microsoft.com/office/powerpoint/2012/main">
+<p:sldMaster xmlns:a="http://schemas.openxmlformats.org/drawingml/2006/main" xmlns:r="http://schemas.openxmlformats.org/officeDocument/2006/relationships" xmlns:p="http://schemas.openxmlformats.org/presentationml/2006/main">
   <p:cSld name="simple-light-2">
     <p:bg>
       <p:bgPr>
         <a:solidFill>
           <a:schemeClr val="lt1"/>
         </a:solidFill>
+        <a:effectLst/>
       </p:bgPr>
     </p:bg>
     <p:spTree>
       <p:nvGrpSpPr>
-        <p:cNvPr id="5" name="Shape 5"/>
+        <p:cNvPr id="1" name="Shape 5"/>
         <p:cNvGrpSpPr/>
         <p:nvPr/>
       </p:nvGrpSpPr>
@@ -5100,7 +5152,9 @@
       <p:sp>
         <p:nvSpPr>
           <p:cNvPr id="6" name="Google Shape;6;p1"/>
-          <p:cNvSpPr txBox="1"/>
+          <p:cNvSpPr txBox="1">
+            <a:spLocks noGrp="1"/>
+          </p:cNvSpPr>
           <p:nvPr>
             <p:ph type="title"/>
           </p:nvPr>
@@ -5119,7 +5173,7 @@
           </a:ln>
         </p:spPr>
         <p:txBody>
-          <a:bodyPr anchorCtr="0" anchor="t" bIns="91425" lIns="91425" spcFirstLastPara="1" rIns="91425" wrap="square" tIns="91425">
+          <a:bodyPr spcFirstLastPara="1" wrap="square" lIns="91425" tIns="91425" rIns="91425" bIns="91425" anchor="t" anchorCtr="0">
             <a:noAutofit/>
           </a:bodyPr>
           <a:lstStyle>
@@ -5286,15 +5340,19 @@
               </a:defRPr>
             </a:lvl9pPr>
           </a:lstStyle>
-          <a:p/>
+          <a:p>
+            <a:endParaRPr/>
+          </a:p>
         </p:txBody>
       </p:sp>
       <p:sp>
         <p:nvSpPr>
           <p:cNvPr id="7" name="Google Shape;7;p1"/>
-          <p:cNvSpPr txBox="1"/>
+          <p:cNvSpPr txBox="1">
+            <a:spLocks noGrp="1"/>
+          </p:cNvSpPr>
           <p:nvPr>
-            <p:ph idx="1" type="body"/>
+            <p:ph type="body" idx="1"/>
           </p:nvPr>
         </p:nvSpPr>
         <p:spPr>
@@ -5311,11 +5369,11 @@
           </a:ln>
         </p:spPr>
         <p:txBody>
-          <a:bodyPr anchorCtr="0" anchor="t" bIns="91425" lIns="91425" spcFirstLastPara="1" rIns="91425" wrap="square" tIns="91425">
+          <a:bodyPr spcFirstLastPara="1" wrap="square" lIns="91425" tIns="91425" rIns="91425" bIns="91425" anchor="t" anchorCtr="0">
             <a:noAutofit/>
           </a:bodyPr>
           <a:lstStyle>
-            <a:lvl1pPr indent="-342900" lvl="0" marL="457200">
+            <a:lvl1pPr marL="457200" lvl="0" indent="-342900">
               <a:lnSpc>
                 <a:spcPct val="115000"/>
               </a:lnSpc>
@@ -5336,7 +5394,7 @@
                 </a:solidFill>
               </a:defRPr>
             </a:lvl1pPr>
-            <a:lvl2pPr indent="-317500" lvl="1" marL="914400">
+            <a:lvl2pPr marL="914400" lvl="1" indent="-317500">
               <a:lnSpc>
                 <a:spcPct val="115000"/>
               </a:lnSpc>
@@ -5357,7 +5415,7 @@
                 </a:solidFill>
               </a:defRPr>
             </a:lvl2pPr>
-            <a:lvl3pPr indent="-317500" lvl="2" marL="1371600">
+            <a:lvl3pPr marL="1371600" lvl="2" indent="-317500">
               <a:lnSpc>
                 <a:spcPct val="115000"/>
               </a:lnSpc>
@@ -5378,7 +5436,7 @@
                 </a:solidFill>
               </a:defRPr>
             </a:lvl3pPr>
-            <a:lvl4pPr indent="-317500" lvl="3" marL="1828800">
+            <a:lvl4pPr marL="1828800" lvl="3" indent="-317500">
               <a:lnSpc>
                 <a:spcPct val="115000"/>
               </a:lnSpc>
@@ -5399,7 +5457,7 @@
                 </a:solidFill>
               </a:defRPr>
             </a:lvl4pPr>
-            <a:lvl5pPr indent="-317500" lvl="4" marL="2286000">
+            <a:lvl5pPr marL="2286000" lvl="4" indent="-317500">
               <a:lnSpc>
                 <a:spcPct val="115000"/>
               </a:lnSpc>
@@ -5420,7 +5478,7 @@
                 </a:solidFill>
               </a:defRPr>
             </a:lvl5pPr>
-            <a:lvl6pPr indent="-317500" lvl="5" marL="2743200">
+            <a:lvl6pPr marL="2743200" lvl="5" indent="-317500">
               <a:lnSpc>
                 <a:spcPct val="115000"/>
               </a:lnSpc>
@@ -5441,7 +5499,7 @@
                 </a:solidFill>
               </a:defRPr>
             </a:lvl6pPr>
-            <a:lvl7pPr indent="-317500" lvl="6" marL="3200400">
+            <a:lvl7pPr marL="3200400" lvl="6" indent="-317500">
               <a:lnSpc>
                 <a:spcPct val="115000"/>
               </a:lnSpc>
@@ -5462,7 +5520,7 @@
                 </a:solidFill>
               </a:defRPr>
             </a:lvl7pPr>
-            <a:lvl8pPr indent="-317500" lvl="7" marL="3657600">
+            <a:lvl8pPr marL="3657600" lvl="7" indent="-317500">
               <a:lnSpc>
                 <a:spcPct val="115000"/>
               </a:lnSpc>
@@ -5483,7 +5541,7 @@
                 </a:solidFill>
               </a:defRPr>
             </a:lvl8pPr>
-            <a:lvl9pPr indent="-317500" lvl="8" marL="4114800">
+            <a:lvl9pPr marL="4114800" lvl="8" indent="-317500">
               <a:lnSpc>
                 <a:spcPct val="115000"/>
               </a:lnSpc>
@@ -5505,15 +5563,19 @@
               </a:defRPr>
             </a:lvl9pPr>
           </a:lstStyle>
-          <a:p/>
+          <a:p>
+            <a:endParaRPr/>
+          </a:p>
         </p:txBody>
       </p:sp>
       <p:sp>
         <p:nvSpPr>
           <p:cNvPr id="8" name="Google Shape;8;p1"/>
-          <p:cNvSpPr txBox="1"/>
+          <p:cNvSpPr txBox="1">
+            <a:spLocks noGrp="1"/>
+          </p:cNvSpPr>
           <p:nvPr>
-            <p:ph idx="12" type="sldNum"/>
+            <p:ph type="sldNum" idx="12"/>
           </p:nvPr>
         </p:nvSpPr>
         <p:spPr>
@@ -5530,7 +5592,7 @@
           </a:ln>
         </p:spPr>
         <p:txBody>
-          <a:bodyPr anchorCtr="0" anchor="ctr" bIns="91425" lIns="91425" spcFirstLastPara="1" rIns="91425" wrap="square" tIns="91425">
+          <a:bodyPr spcFirstLastPara="1" wrap="square" lIns="91425" tIns="91425" rIns="91425" bIns="91425" anchor="ctr" anchorCtr="0">
             <a:noAutofit/>
           </a:bodyPr>
           <a:lstStyle>
@@ -5608,7 +5670,7 @@
             </a:lvl9pPr>
           </a:lstStyle>
           <a:p>
-            <a:pPr indent="0" lvl="0" marL="0" rtl="0" algn="r">
+            <a:pPr marL="0" lvl="0" indent="0" algn="r" rtl="0">
               <a:spcBef>
                 <a:spcPts val="0"/>
               </a:spcBef>
@@ -5625,54 +5687,26 @@
           </a:p>
         </p:txBody>
       </p:sp>
-      <p:pic>
-        <p:nvPicPr>
-          <p:cNvPr id="9" name="Google Shape;9;p1"/>
-          <p:cNvPicPr preferRelativeResize="0"/>
-          <p:nvPr/>
-        </p:nvPicPr>
-        <p:blipFill>
-          <a:blip r:embed="rId1">
-            <a:alphaModFix/>
-          </a:blip>
-          <a:stretch>
-            <a:fillRect/>
-          </a:stretch>
-        </p:blipFill>
-        <p:spPr>
-          <a:xfrm>
-            <a:off x="8219825" y="0"/>
-            <a:ext cx="924175" cy="924175"/>
-          </a:xfrm>
-          <a:prstGeom prst="rect">
-            <a:avLst/>
-          </a:prstGeom>
-          <a:noFill/>
-          <a:ln>
-            <a:noFill/>
-          </a:ln>
-        </p:spPr>
-      </p:pic>
     </p:spTree>
   </p:cSld>
-  <p:clrMap accent1="accent1" accent2="accent2" accent3="accent3" accent4="accent4" accent5="accent5" accent6="accent6" bg1="lt1" bg2="dk2" tx1="dk1" tx2="lt2" folHlink="folHlink" hlink="hlink"/>
+  <p:clrMap bg1="lt1" tx1="dk1" bg2="dk2" tx2="lt2" accent1="accent1" accent2="accent2" accent3="accent3" accent4="accent4" accent5="accent5" accent6="accent6" hlink="hlink" folHlink="folHlink"/>
   <p:sldLayoutIdLst>
-    <p:sldLayoutId id="2147483648" r:id="rId2"/>
-    <p:sldLayoutId id="2147483649" r:id="rId3"/>
-    <p:sldLayoutId id="2147483650" r:id="rId4"/>
-    <p:sldLayoutId id="2147483651" r:id="rId5"/>
-    <p:sldLayoutId id="2147483652" r:id="rId6"/>
-    <p:sldLayoutId id="2147483653" r:id="rId7"/>
-    <p:sldLayoutId id="2147483654" r:id="rId8"/>
-    <p:sldLayoutId id="2147483655" r:id="rId9"/>
-    <p:sldLayoutId id="2147483656" r:id="rId10"/>
-    <p:sldLayoutId id="2147483657" r:id="rId11"/>
-    <p:sldLayoutId id="2147483658" r:id="rId12"/>
+    <p:sldLayoutId id="2147483648" r:id="rId1"/>
+    <p:sldLayoutId id="2147483649" r:id="rId2"/>
+    <p:sldLayoutId id="2147483650" r:id="rId3"/>
+    <p:sldLayoutId id="2147483651" r:id="rId4"/>
+    <p:sldLayoutId id="2147483652" r:id="rId5"/>
+    <p:sldLayoutId id="2147483653" r:id="rId6"/>
+    <p:sldLayoutId id="2147483654" r:id="rId7"/>
+    <p:sldLayoutId id="2147483655" r:id="rId8"/>
+    <p:sldLayoutId id="2147483656" r:id="rId9"/>
+    <p:sldLayoutId id="2147483657" r:id="rId10"/>
+    <p:sldLayoutId id="2147483658" r:id="rId11"/>
   </p:sldLayoutIdLst>
-  <p:hf dt="0" ftr="0" hdr="0" sldNum="0"/>
+  <p:hf sldNum="0" hdr="0" ftr="0" dt="0"/>
   <p:txStyles>
     <p:titleStyle>
-      <a:defPPr lvl="0" marR="0" rtl="0" algn="l">
+      <a:defPPr marR="0" lvl="0" algn="l" rtl="0">
         <a:lnSpc>
           <a:spcPct val="100000"/>
         </a:lnSpc>
@@ -5683,7 +5717,7 @@
           <a:spcPts val="0"/>
         </a:spcAft>
       </a:defPPr>
-      <a:lvl1pPr lvl="0" marR="0" rtl="0" algn="l">
+      <a:lvl1pPr marR="0" lvl="0" algn="l" rtl="0">
         <a:lnSpc>
           <a:spcPct val="100000"/>
         </a:lnSpc>
@@ -5697,7 +5731,7 @@
           <a:srgbClr val="000000"/>
         </a:buClr>
         <a:buFont typeface="Arial"/>
-        <a:defRPr b="0" i="0" sz="1400" u="none" cap="none" strike="noStrike">
+        <a:defRPr sz="1400" b="0" i="0" u="none" strike="noStrike" cap="none">
           <a:solidFill>
             <a:srgbClr val="000000"/>
           </a:solidFill>
@@ -5707,7 +5741,7 @@
           <a:sym typeface="Arial"/>
         </a:defRPr>
       </a:lvl1pPr>
-      <a:lvl2pPr lvl="1" marR="0" rtl="0" algn="l">
+      <a:lvl2pPr marR="0" lvl="1" algn="l" rtl="0">
         <a:lnSpc>
           <a:spcPct val="100000"/>
         </a:lnSpc>
@@ -5721,7 +5755,7 @@
           <a:srgbClr val="000000"/>
         </a:buClr>
         <a:buFont typeface="Arial"/>
-        <a:defRPr b="0" i="0" sz="1400" u="none" cap="none" strike="noStrike">
+        <a:defRPr sz="1400" b="0" i="0" u="none" strike="noStrike" cap="none">
           <a:solidFill>
             <a:srgbClr val="000000"/>
           </a:solidFill>
@@ -5731,7 +5765,7 @@
           <a:sym typeface="Arial"/>
         </a:defRPr>
       </a:lvl2pPr>
-      <a:lvl3pPr lvl="2" marR="0" rtl="0" algn="l">
+      <a:lvl3pPr marR="0" lvl="2" algn="l" rtl="0">
         <a:lnSpc>
           <a:spcPct val="100000"/>
         </a:lnSpc>
@@ -5745,7 +5779,7 @@
           <a:srgbClr val="000000"/>
         </a:buClr>
         <a:buFont typeface="Arial"/>
-        <a:defRPr b="0" i="0" sz="1400" u="none" cap="none" strike="noStrike">
+        <a:defRPr sz="1400" b="0" i="0" u="none" strike="noStrike" cap="none">
           <a:solidFill>
             <a:srgbClr val="000000"/>
           </a:solidFill>
@@ -5755,7 +5789,7 @@
           <a:sym typeface="Arial"/>
         </a:defRPr>
       </a:lvl3pPr>
-      <a:lvl4pPr lvl="3" marR="0" rtl="0" algn="l">
+      <a:lvl4pPr marR="0" lvl="3" algn="l" rtl="0">
         <a:lnSpc>
           <a:spcPct val="100000"/>
         </a:lnSpc>
@@ -5769,7 +5803,7 @@
           <a:srgbClr val="000000"/>
         </a:buClr>
         <a:buFont typeface="Arial"/>
-        <a:defRPr b="0" i="0" sz="1400" u="none" cap="none" strike="noStrike">
+        <a:defRPr sz="1400" b="0" i="0" u="none" strike="noStrike" cap="none">
           <a:solidFill>
             <a:srgbClr val="000000"/>
           </a:solidFill>
@@ -5779,7 +5813,7 @@
           <a:sym typeface="Arial"/>
         </a:defRPr>
       </a:lvl4pPr>
-      <a:lvl5pPr lvl="4" marR="0" rtl="0" algn="l">
+      <a:lvl5pPr marR="0" lvl="4" algn="l" rtl="0">
         <a:lnSpc>
           <a:spcPct val="100000"/>
         </a:lnSpc>
@@ -5793,7 +5827,7 @@
           <a:srgbClr val="000000"/>
         </a:buClr>
         <a:buFont typeface="Arial"/>
-        <a:defRPr b="0" i="0" sz="1400" u="none" cap="none" strike="noStrike">
+        <a:defRPr sz="1400" b="0" i="0" u="none" strike="noStrike" cap="none">
           <a:solidFill>
             <a:srgbClr val="000000"/>
           </a:solidFill>
@@ -5803,7 +5837,7 @@
           <a:sym typeface="Arial"/>
         </a:defRPr>
       </a:lvl5pPr>
-      <a:lvl6pPr lvl="5" marR="0" rtl="0" algn="l">
+      <a:lvl6pPr marR="0" lvl="5" algn="l" rtl="0">
         <a:lnSpc>
           <a:spcPct val="100000"/>
         </a:lnSpc>
@@ -5817,7 +5851,7 @@
           <a:srgbClr val="000000"/>
         </a:buClr>
         <a:buFont typeface="Arial"/>
-        <a:defRPr b="0" i="0" sz="1400" u="none" cap="none" strike="noStrike">
+        <a:defRPr sz="1400" b="0" i="0" u="none" strike="noStrike" cap="none">
           <a:solidFill>
             <a:srgbClr val="000000"/>
           </a:solidFill>
@@ -5827,7 +5861,7 @@
           <a:sym typeface="Arial"/>
         </a:defRPr>
       </a:lvl6pPr>
-      <a:lvl7pPr lvl="6" marR="0" rtl="0" algn="l">
+      <a:lvl7pPr marR="0" lvl="6" algn="l" rtl="0">
         <a:lnSpc>
           <a:spcPct val="100000"/>
         </a:lnSpc>
@@ -5841,7 +5875,7 @@
           <a:srgbClr val="000000"/>
         </a:buClr>
         <a:buFont typeface="Arial"/>
-        <a:defRPr b="0" i="0" sz="1400" u="none" cap="none" strike="noStrike">
+        <a:defRPr sz="1400" b="0" i="0" u="none" strike="noStrike" cap="none">
           <a:solidFill>
             <a:srgbClr val="000000"/>
           </a:solidFill>
@@ -5851,7 +5885,7 @@
           <a:sym typeface="Arial"/>
         </a:defRPr>
       </a:lvl7pPr>
-      <a:lvl8pPr lvl="7" marR="0" rtl="0" algn="l">
+      <a:lvl8pPr marR="0" lvl="7" algn="l" rtl="0">
         <a:lnSpc>
           <a:spcPct val="100000"/>
         </a:lnSpc>
@@ -5865,7 +5899,7 @@
           <a:srgbClr val="000000"/>
         </a:buClr>
         <a:buFont typeface="Arial"/>
-        <a:defRPr b="0" i="0" sz="1400" u="none" cap="none" strike="noStrike">
+        <a:defRPr sz="1400" b="0" i="0" u="none" strike="noStrike" cap="none">
           <a:solidFill>
             <a:srgbClr val="000000"/>
           </a:solidFill>
@@ -5875,7 +5909,7 @@
           <a:sym typeface="Arial"/>
         </a:defRPr>
       </a:lvl8pPr>
-      <a:lvl9pPr lvl="8" marR="0" rtl="0" algn="l">
+      <a:lvl9pPr marR="0" lvl="8" algn="l" rtl="0">
         <a:lnSpc>
           <a:spcPct val="100000"/>
         </a:lnSpc>
@@ -5889,7 +5923,7 @@
           <a:srgbClr val="000000"/>
         </a:buClr>
         <a:buFont typeface="Arial"/>
-        <a:defRPr b="0" i="0" sz="1400" u="none" cap="none" strike="noStrike">
+        <a:defRPr sz="1400" b="0" i="0" u="none" strike="noStrike" cap="none">
           <a:solidFill>
             <a:srgbClr val="000000"/>
           </a:solidFill>
@@ -5901,7 +5935,7 @@
       </a:lvl9pPr>
     </p:titleStyle>
     <p:bodyStyle>
-      <a:defPPr lvl="0" marR="0" rtl="0" algn="l">
+      <a:defPPr marR="0" lvl="0" algn="l" rtl="0">
         <a:lnSpc>
           <a:spcPct val="100000"/>
         </a:lnSpc>
@@ -5912,7 +5946,7 @@
           <a:spcPts val="0"/>
         </a:spcAft>
       </a:defPPr>
-      <a:lvl1pPr lvl="0" marR="0" rtl="0" algn="l">
+      <a:lvl1pPr marR="0" lvl="0" algn="l" rtl="0">
         <a:lnSpc>
           <a:spcPct val="100000"/>
         </a:lnSpc>
@@ -5926,7 +5960,7 @@
           <a:srgbClr val="000000"/>
         </a:buClr>
         <a:buFont typeface="Arial"/>
-        <a:defRPr b="0" i="0" sz="1400" u="none" cap="none" strike="noStrike">
+        <a:defRPr sz="1400" b="0" i="0" u="none" strike="noStrike" cap="none">
           <a:solidFill>
             <a:srgbClr val="000000"/>
           </a:solidFill>
@@ -5936,7 +5970,7 @@
           <a:sym typeface="Arial"/>
         </a:defRPr>
       </a:lvl1pPr>
-      <a:lvl2pPr lvl="1" marR="0" rtl="0" algn="l">
+      <a:lvl2pPr marR="0" lvl="1" algn="l" rtl="0">
         <a:lnSpc>
           <a:spcPct val="100000"/>
         </a:lnSpc>
@@ -5950,7 +5984,7 @@
           <a:srgbClr val="000000"/>
         </a:buClr>
         <a:buFont typeface="Arial"/>
-        <a:defRPr b="0" i="0" sz="1400" u="none" cap="none" strike="noStrike">
+        <a:defRPr sz="1400" b="0" i="0" u="none" strike="noStrike" cap="none">
           <a:solidFill>
             <a:srgbClr val="000000"/>
           </a:solidFill>
@@ -5960,7 +5994,7 @@
           <a:sym typeface="Arial"/>
         </a:defRPr>
       </a:lvl2pPr>
-      <a:lvl3pPr lvl="2" marR="0" rtl="0" algn="l">
+      <a:lvl3pPr marR="0" lvl="2" algn="l" rtl="0">
         <a:lnSpc>
           <a:spcPct val="100000"/>
         </a:lnSpc>
@@ -5974,7 +6008,7 @@
           <a:srgbClr val="000000"/>
         </a:buClr>
         <a:buFont typeface="Arial"/>
-        <a:defRPr b="0" i="0" sz="1400" u="none" cap="none" strike="noStrike">
+        <a:defRPr sz="1400" b="0" i="0" u="none" strike="noStrike" cap="none">
           <a:solidFill>
             <a:srgbClr val="000000"/>
           </a:solidFill>
@@ -5984,7 +6018,7 @@
           <a:sym typeface="Arial"/>
         </a:defRPr>
       </a:lvl3pPr>
-      <a:lvl4pPr lvl="3" marR="0" rtl="0" algn="l">
+      <a:lvl4pPr marR="0" lvl="3" algn="l" rtl="0">
         <a:lnSpc>
           <a:spcPct val="100000"/>
         </a:lnSpc>
@@ -5998,7 +6032,7 @@
           <a:srgbClr val="000000"/>
         </a:buClr>
         <a:buFont typeface="Arial"/>
-        <a:defRPr b="0" i="0" sz="1400" u="none" cap="none" strike="noStrike">
+        <a:defRPr sz="1400" b="0" i="0" u="none" strike="noStrike" cap="none">
           <a:solidFill>
             <a:srgbClr val="000000"/>
           </a:solidFill>
@@ -6008,7 +6042,7 @@
           <a:sym typeface="Arial"/>
         </a:defRPr>
       </a:lvl4pPr>
-      <a:lvl5pPr lvl="4" marR="0" rtl="0" algn="l">
+      <a:lvl5pPr marR="0" lvl="4" algn="l" rtl="0">
         <a:lnSpc>
           <a:spcPct val="100000"/>
         </a:lnSpc>
@@ -6022,7 +6056,7 @@
           <a:srgbClr val="000000"/>
         </a:buClr>
         <a:buFont typeface="Arial"/>
-        <a:defRPr b="0" i="0" sz="1400" u="none" cap="none" strike="noStrike">
+        <a:defRPr sz="1400" b="0" i="0" u="none" strike="noStrike" cap="none">
           <a:solidFill>
             <a:srgbClr val="000000"/>
           </a:solidFill>
@@ -6032,7 +6066,7 @@
           <a:sym typeface="Arial"/>
         </a:defRPr>
       </a:lvl5pPr>
-      <a:lvl6pPr lvl="5" marR="0" rtl="0" algn="l">
+      <a:lvl6pPr marR="0" lvl="5" algn="l" rtl="0">
         <a:lnSpc>
           <a:spcPct val="100000"/>
         </a:lnSpc>
@@ -6046,7 +6080,7 @@
           <a:srgbClr val="000000"/>
         </a:buClr>
         <a:buFont typeface="Arial"/>
-        <a:defRPr b="0" i="0" sz="1400" u="none" cap="none" strike="noStrike">
+        <a:defRPr sz="1400" b="0" i="0" u="none" strike="noStrike" cap="none">
           <a:solidFill>
             <a:srgbClr val="000000"/>
           </a:solidFill>
@@ -6056,7 +6090,7 @@
           <a:sym typeface="Arial"/>
         </a:defRPr>
       </a:lvl6pPr>
-      <a:lvl7pPr lvl="6" marR="0" rtl="0" algn="l">
+      <a:lvl7pPr marR="0" lvl="6" algn="l" rtl="0">
         <a:lnSpc>
           <a:spcPct val="100000"/>
         </a:lnSpc>
@@ -6070,7 +6104,7 @@
           <a:srgbClr val="000000"/>
         </a:buClr>
         <a:buFont typeface="Arial"/>
-        <a:defRPr b="0" i="0" sz="1400" u="none" cap="none" strike="noStrike">
+        <a:defRPr sz="1400" b="0" i="0" u="none" strike="noStrike" cap="none">
           <a:solidFill>
             <a:srgbClr val="000000"/>
           </a:solidFill>
@@ -6080,7 +6114,7 @@
           <a:sym typeface="Arial"/>
         </a:defRPr>
       </a:lvl7pPr>
-      <a:lvl8pPr lvl="7" marR="0" rtl="0" algn="l">
+      <a:lvl8pPr marR="0" lvl="7" algn="l" rtl="0">
         <a:lnSpc>
           <a:spcPct val="100000"/>
         </a:lnSpc>
@@ -6094,7 +6128,7 @@
           <a:srgbClr val="000000"/>
         </a:buClr>
         <a:buFont typeface="Arial"/>
-        <a:defRPr b="0" i="0" sz="1400" u="none" cap="none" strike="noStrike">
+        <a:defRPr sz="1400" b="0" i="0" u="none" strike="noStrike" cap="none">
           <a:solidFill>
             <a:srgbClr val="000000"/>
           </a:solidFill>
@@ -6104,7 +6138,7 @@
           <a:sym typeface="Arial"/>
         </a:defRPr>
       </a:lvl8pPr>
-      <a:lvl9pPr lvl="8" marR="0" rtl="0" algn="l">
+      <a:lvl9pPr marR="0" lvl="8" algn="l" rtl="0">
         <a:lnSpc>
           <a:spcPct val="100000"/>
         </a:lnSpc>
@@ -6118,7 +6152,7 @@
           <a:srgbClr val="000000"/>
         </a:buClr>
         <a:buFont typeface="Arial"/>
-        <a:defRPr b="0" i="0" sz="1400" u="none" cap="none" strike="noStrike">
+        <a:defRPr sz="1400" b="0" i="0" u="none" strike="noStrike" cap="none">
           <a:solidFill>
             <a:srgbClr val="000000"/>
           </a:solidFill>
@@ -6130,7 +6164,7 @@
       </a:lvl9pPr>
     </p:bodyStyle>
     <p:otherStyle>
-      <a:defPPr lvl="0" marR="0" rtl="0" algn="l">
+      <a:defPPr marR="0" lvl="0" algn="l" rtl="0">
         <a:lnSpc>
           <a:spcPct val="100000"/>
         </a:lnSpc>
@@ -6141,7 +6175,7 @@
           <a:spcPts val="0"/>
         </a:spcAft>
       </a:defPPr>
-      <a:lvl1pPr lvl="0" marR="0" rtl="0" algn="l">
+      <a:lvl1pPr marR="0" lvl="0" algn="l" rtl="0">
         <a:lnSpc>
           <a:spcPct val="100000"/>
         </a:lnSpc>
@@ -6155,7 +6189,7 @@
           <a:srgbClr val="000000"/>
         </a:buClr>
         <a:buFont typeface="Arial"/>
-        <a:defRPr b="0" i="0" sz="1400" u="none" cap="none" strike="noStrike">
+        <a:defRPr sz="1400" b="0" i="0" u="none" strike="noStrike" cap="none">
           <a:solidFill>
             <a:srgbClr val="000000"/>
           </a:solidFill>
@@ -6165,7 +6199,7 @@
           <a:sym typeface="Arial"/>
         </a:defRPr>
       </a:lvl1pPr>
-      <a:lvl2pPr lvl="1" marR="0" rtl="0" algn="l">
+      <a:lvl2pPr marR="0" lvl="1" algn="l" rtl="0">
         <a:lnSpc>
           <a:spcPct val="100000"/>
         </a:lnSpc>
@@ -6179,7 +6213,7 @@
           <a:srgbClr val="000000"/>
         </a:buClr>
         <a:buFont typeface="Arial"/>
-        <a:defRPr b="0" i="0" sz="1400" u="none" cap="none" strike="noStrike">
+        <a:defRPr sz="1400" b="0" i="0" u="none" strike="noStrike" cap="none">
           <a:solidFill>
             <a:srgbClr val="000000"/>
           </a:solidFill>
@@ -6189,7 +6223,7 @@
           <a:sym typeface="Arial"/>
         </a:defRPr>
       </a:lvl2pPr>
-      <a:lvl3pPr lvl="2" marR="0" rtl="0" algn="l">
+      <a:lvl3pPr marR="0" lvl="2" algn="l" rtl="0">
         <a:lnSpc>
           <a:spcPct val="100000"/>
         </a:lnSpc>
@@ -6203,7 +6237,7 @@
           <a:srgbClr val="000000"/>
         </a:buClr>
         <a:buFont typeface="Arial"/>
-        <a:defRPr b="0" i="0" sz="1400" u="none" cap="none" strike="noStrike">
+        <a:defRPr sz="1400" b="0" i="0" u="none" strike="noStrike" cap="none">
           <a:solidFill>
             <a:srgbClr val="000000"/>
           </a:solidFill>
@@ -6213,7 +6247,7 @@
           <a:sym typeface="Arial"/>
         </a:defRPr>
       </a:lvl3pPr>
-      <a:lvl4pPr lvl="3" marR="0" rtl="0" algn="l">
+      <a:lvl4pPr marR="0" lvl="3" algn="l" rtl="0">
         <a:lnSpc>
           <a:spcPct val="100000"/>
         </a:lnSpc>
@@ -6227,7 +6261,7 @@
           <a:srgbClr val="000000"/>
         </a:buClr>
         <a:buFont typeface="Arial"/>
-        <a:defRPr b="0" i="0" sz="1400" u="none" cap="none" strike="noStrike">
+        <a:defRPr sz="1400" b="0" i="0" u="none" strike="noStrike" cap="none">
           <a:solidFill>
             <a:srgbClr val="000000"/>
           </a:solidFill>
@@ -6237,7 +6271,7 @@
           <a:sym typeface="Arial"/>
         </a:defRPr>
       </a:lvl4pPr>
-      <a:lvl5pPr lvl="4" marR="0" rtl="0" algn="l">
+      <a:lvl5pPr marR="0" lvl="4" algn="l" rtl="0">
         <a:lnSpc>
           <a:spcPct val="100000"/>
         </a:lnSpc>
@@ -6251,7 +6285,7 @@
           <a:srgbClr val="000000"/>
         </a:buClr>
         <a:buFont typeface="Arial"/>
-        <a:defRPr b="0" i="0" sz="1400" u="none" cap="none" strike="noStrike">
+        <a:defRPr sz="1400" b="0" i="0" u="none" strike="noStrike" cap="none">
           <a:solidFill>
             <a:srgbClr val="000000"/>
           </a:solidFill>
@@ -6261,7 +6295,7 @@
           <a:sym typeface="Arial"/>
         </a:defRPr>
       </a:lvl5pPr>
-      <a:lvl6pPr lvl="5" marR="0" rtl="0" algn="l">
+      <a:lvl6pPr marR="0" lvl="5" algn="l" rtl="0">
         <a:lnSpc>
           <a:spcPct val="100000"/>
         </a:lnSpc>
@@ -6275,7 +6309,7 @@
           <a:srgbClr val="000000"/>
         </a:buClr>
         <a:buFont typeface="Arial"/>
-        <a:defRPr b="0" i="0" sz="1400" u="none" cap="none" strike="noStrike">
+        <a:defRPr sz="1400" b="0" i="0" u="none" strike="noStrike" cap="none">
           <a:solidFill>
             <a:srgbClr val="000000"/>
           </a:solidFill>
@@ -6285,7 +6319,7 @@
           <a:sym typeface="Arial"/>
         </a:defRPr>
       </a:lvl6pPr>
-      <a:lvl7pPr lvl="6" marR="0" rtl="0" algn="l">
+      <a:lvl7pPr marR="0" lvl="6" algn="l" rtl="0">
         <a:lnSpc>
           <a:spcPct val="100000"/>
         </a:lnSpc>
@@ -6299,7 +6333,7 @@
           <a:srgbClr val="000000"/>
         </a:buClr>
         <a:buFont typeface="Arial"/>
-        <a:defRPr b="0" i="0" sz="1400" u="none" cap="none" strike="noStrike">
+        <a:defRPr sz="1400" b="0" i="0" u="none" strike="noStrike" cap="none">
           <a:solidFill>
             <a:srgbClr val="000000"/>
           </a:solidFill>
@@ -6309,7 +6343,7 @@
           <a:sym typeface="Arial"/>
         </a:defRPr>
       </a:lvl7pPr>
-      <a:lvl8pPr lvl="7" marR="0" rtl="0" algn="l">
+      <a:lvl8pPr marR="0" lvl="7" algn="l" rtl="0">
         <a:lnSpc>
           <a:spcPct val="100000"/>
         </a:lnSpc>
@@ -6323,7 +6357,7 @@
           <a:srgbClr val="000000"/>
         </a:buClr>
         <a:buFont typeface="Arial"/>
-        <a:defRPr b="0" i="0" sz="1400" u="none" cap="none" strike="noStrike">
+        <a:defRPr sz="1400" b="0" i="0" u="none" strike="noStrike" cap="none">
           <a:solidFill>
             <a:srgbClr val="000000"/>
           </a:solidFill>
@@ -6333,7 +6367,7 @@
           <a:sym typeface="Arial"/>
         </a:defRPr>
       </a:lvl8pPr>
-      <a:lvl9pPr lvl="8" marR="0" rtl="0" algn="l">
+      <a:lvl9pPr marR="0" lvl="8" algn="l" rtl="0">
         <a:lnSpc>
           <a:spcPct val="100000"/>
         </a:lnSpc>
@@ -6347,7 +6381,7 @@
           <a:srgbClr val="000000"/>
         </a:buClr>
         <a:buFont typeface="Arial"/>
-        <a:defRPr b="0" i="0" sz="1400" u="none" cap="none" strike="noStrike">
+        <a:defRPr sz="1400" b="0" i="0" u="none" strike="noStrike" cap="none">
           <a:solidFill>
             <a:srgbClr val="000000"/>
           </a:solidFill>
@@ -6363,11 +6397,11 @@
 </file>
 
 <file path=ppt/slides/slide1.xml><?xml version="1.0" encoding="utf-8"?>
-<p:sld xmlns:a="http://schemas.openxmlformats.org/drawingml/2006/main" xmlns:r="http://schemas.openxmlformats.org/officeDocument/2006/relationships" xmlns:mc="http://schemas.openxmlformats.org/markup-compatibility/2006" xmlns:mv="urn:schemas-microsoft-com:mac:vml" xmlns:p="http://schemas.openxmlformats.org/presentationml/2006/main" xmlns:c="http://schemas.openxmlformats.org/drawingml/2006/chart" xmlns:dgm="http://schemas.openxmlformats.org/drawingml/2006/diagram" xmlns:o="urn:schemas-microsoft-com:office:office" xmlns:v="urn:schemas-microsoft-com:vml" xmlns:pvml="urn:schemas-microsoft-com:office:powerpoint" xmlns:com="http://schemas.openxmlformats.org/drawingml/2006/compatibility" xmlns:p14="http://schemas.microsoft.com/office/powerpoint/2010/main" xmlns:p15="http://schemas.microsoft.com/office/powerpoint/2012/main">
+<p:sld xmlns:a="http://schemas.openxmlformats.org/drawingml/2006/main" xmlns:r="http://schemas.openxmlformats.org/officeDocument/2006/relationships" xmlns:p="http://schemas.openxmlformats.org/presentationml/2006/main">
   <p:cSld>
     <p:spTree>
       <p:nvGrpSpPr>
-        <p:cNvPr id="54" name="Shape 54"/>
+        <p:cNvPr id="1" name=""/>
         <p:cNvGrpSpPr/>
         <p:nvPr/>
       </p:nvGrpSpPr>
@@ -6381,97 +6415,165 @@
       </p:grpSpPr>
       <p:sp>
         <p:nvSpPr>
-          <p:cNvPr id="55" name="Google Shape;55;p13"/>
-          <p:cNvSpPr txBox="1"/>
+          <p:cNvPr id="2" name="Title 1"/>
+          <p:cNvSpPr>
+            <a:spLocks noGrp="1"/>
+          </p:cNvSpPr>
           <p:nvPr>
             <p:ph type="ctrTitle"/>
           </p:nvPr>
         </p:nvSpPr>
         <p:spPr>
           <a:xfrm>
-            <a:off x="311708" y="744575"/>
-            <a:ext cx="8520600" cy="2052600"/>
+            <a:off x="566059" y="0"/>
+            <a:ext cx="8011886" cy="5143500"/>
           </a:xfrm>
-          <a:prstGeom prst="rect">
-            <a:avLst/>
-          </a:prstGeom>
         </p:spPr>
         <p:txBody>
-          <a:bodyPr anchorCtr="0" anchor="b" bIns="91425" lIns="91425" spcFirstLastPara="1" rIns="91425" wrap="square" tIns="91425">
+          <a:bodyPr anchor="ctr">
             <a:noAutofit/>
           </a:bodyPr>
           <a:lstStyle/>
           <a:p>
-            <a:pPr indent="0" lvl="0" marL="0" rtl="0" algn="ctr">
-              <a:spcBef>
-                <a:spcPts val="0"/>
-              </a:spcBef>
-              <a:spcAft>
-                <a:spcPts val="0"/>
-              </a:spcAft>
-              <a:buNone/>
+            <a:pPr algn="l" fontAlgn="ctr">
+              <a:lnSpc>
+                <a:spcPct val="150000"/>
+              </a:lnSpc>
             </a:pPr>
             <a:r>
-              <a:rPr lang="en-GB"/>
-              <a:t>Scaling in a Cluster</a:t>
+              <a:rPr lang="en-US" sz="2700" b="1" dirty="0">
+                <a:latin typeface="Times New Roman" charset="0"/>
+                <a:ea typeface="Times New Roman" charset="0"/>
+                <a:cs typeface="Times New Roman" charset="0"/>
+              </a:rPr>
+              <a:t>Blue Waters Petascale</a:t>
             </a:r>
-            <a:endParaRPr/>
-          </a:p>
-        </p:txBody>
-      </p:sp>
-      <p:sp>
-        <p:nvSpPr>
-          <p:cNvPr id="56" name="Google Shape;56;p13"/>
-          <p:cNvSpPr txBox="1"/>
-          <p:nvPr>
-            <p:ph idx="1" type="subTitle"/>
-          </p:nvPr>
-        </p:nvSpPr>
-        <p:spPr>
-          <a:xfrm>
-            <a:off x="311700" y="2834125"/>
-            <a:ext cx="8520600" cy="792600"/>
-          </a:xfrm>
-          <a:prstGeom prst="rect">
-            <a:avLst/>
-          </a:prstGeom>
-        </p:spPr>
-        <p:txBody>
-          <a:bodyPr anchorCtr="0" anchor="t" bIns="91425" lIns="91425" spcFirstLastPara="1" rIns="91425" wrap="square" tIns="91425">
-            <a:noAutofit/>
-          </a:bodyPr>
-          <a:lstStyle/>
-          <a:p>
-            <a:pPr indent="0" lvl="0" marL="0" rtl="0" algn="ctr">
-              <a:spcBef>
-                <a:spcPts val="0"/>
-              </a:spcBef>
-              <a:spcAft>
-                <a:spcPts val="0"/>
-              </a:spcAft>
-              <a:buNone/>
-            </a:pPr>
             <a:r>
+              <a:rPr lang="en-US" sz="2700" b="1" dirty="0">
+                <a:latin typeface="Times New Roman" charset="0"/>
+                <a:ea typeface="Times New Roman" charset="0"/>
+                <a:cs typeface="Times New Roman" charset="0"/>
+              </a:rPr>
+              <a:t> Semester Curriculum v1.0</a:t>
+            </a:r>
+            <a:r>
+              <a:rPr lang="en-US" sz="2700" dirty="0">
+                <a:latin typeface="Times New Roman" charset="0"/>
+                <a:ea typeface="Times New Roman" charset="0"/>
+                <a:cs typeface="Times New Roman" charset="0"/>
+              </a:rPr>
               <a:t/>
             </a:r>
-            <a:endParaRPr/>
+            <a:br>
+              <a:rPr lang="en-US" sz="2700" dirty="0">
+                <a:latin typeface="Times New Roman" charset="0"/>
+                <a:ea typeface="Times New Roman" charset="0"/>
+                <a:cs typeface="Times New Roman" charset="0"/>
+              </a:rPr>
+            </a:br>
+            <a:r>
+              <a:rPr lang="en-US" sz="2700" b="1" dirty="0">
+                <a:latin typeface="Times New Roman" charset="0"/>
+                <a:ea typeface="Times New Roman" charset="0"/>
+                <a:cs typeface="Times New Roman" charset="0"/>
+              </a:rPr>
+              <a:t>Unit 3: Using a Cluster</a:t>
+            </a:r>
+            <a:r>
+              <a:rPr lang="en-US" sz="2700" dirty="0">
+                <a:latin typeface="Times New Roman" charset="0"/>
+                <a:ea typeface="Times New Roman" charset="0"/>
+                <a:cs typeface="Times New Roman" charset="0"/>
+              </a:rPr>
+              <a:t/>
+            </a:r>
+            <a:br>
+              <a:rPr lang="en-US" sz="2700" dirty="0">
+                <a:latin typeface="Times New Roman" charset="0"/>
+                <a:ea typeface="Times New Roman" charset="0"/>
+                <a:cs typeface="Times New Roman" charset="0"/>
+              </a:rPr>
+            </a:br>
+            <a:r>
+              <a:rPr lang="en-US" sz="2700" b="1" dirty="0">
+                <a:latin typeface="Times New Roman" charset="0"/>
+                <a:ea typeface="Times New Roman" charset="0"/>
+                <a:cs typeface="Times New Roman" charset="0"/>
+              </a:rPr>
+              <a:t>Lesson 6: Scaling on a Cluster 1</a:t>
+            </a:r>
+            <a:br>
+              <a:rPr lang="en-US" sz="2700" b="1" dirty="0">
+                <a:latin typeface="Times New Roman" charset="0"/>
+                <a:ea typeface="Times New Roman" charset="0"/>
+                <a:cs typeface="Times New Roman" charset="0"/>
+              </a:rPr>
+            </a:br>
+            <a:r>
+              <a:rPr lang="en-US" sz="2700" i="1" dirty="0">
+                <a:latin typeface="Times New Roman" charset="0"/>
+                <a:ea typeface="Times New Roman" charset="0"/>
+                <a:cs typeface="Times New Roman" charset="0"/>
+              </a:rPr>
+              <a:t>Developed by Linh B. Ngo</a:t>
+            </a:r>
+            <a:r>
+              <a:rPr lang="en-US" sz="2700" i="1" dirty="0">
+                <a:latin typeface="Times New Roman" charset="0"/>
+                <a:ea typeface="Times New Roman" charset="0"/>
+                <a:cs typeface="Times New Roman" charset="0"/>
+              </a:rPr>
+              <a:t/>
+            </a:r>
+            <a:br>
+              <a:rPr lang="en-US" sz="2700" i="1" dirty="0">
+                <a:latin typeface="Times New Roman" charset="0"/>
+                <a:ea typeface="Times New Roman" charset="0"/>
+                <a:cs typeface="Times New Roman" charset="0"/>
+              </a:rPr>
+            </a:br>
+            <a:r>
+              <a:rPr lang="en-US" sz="2700" i="1" dirty="0">
+                <a:latin typeface="Times New Roman" charset="0"/>
+                <a:ea typeface="Times New Roman" charset="0"/>
+                <a:cs typeface="Times New Roman" charset="0"/>
+              </a:rPr>
+              <a:t>for the Shodor Education Foundation, Inc.</a:t>
+            </a:r>
+            <a:endParaRPr lang="en-US" sz="2700" i="1" dirty="0">
+              <a:latin typeface="Times New Roman" charset="0"/>
+              <a:ea typeface="Times New Roman" charset="0"/>
+              <a:cs typeface="Times New Roman" charset="0"/>
+            </a:endParaRPr>
           </a:p>
         </p:txBody>
       </p:sp>
     </p:spTree>
+    <p:extLst>
+      <p:ext uri="{BB962C8B-B14F-4D97-AF65-F5344CB8AC3E}">
+        <p14:creationId xmlns:p14="http://schemas.microsoft.com/office/powerpoint/2010/main" val="1554341785"/>
+      </p:ext>
+    </p:extLst>
   </p:cSld>
   <p:clrMapOvr>
     <a:masterClrMapping/>
   </p:clrMapOvr>
+  <p:timing>
+    <p:tnLst>
+      <p:par>
+        <p:cTn id="1" dur="indefinite" restart="never" nodeType="tmRoot"/>
+      </p:par>
+    </p:tnLst>
+  </p:timing>
 </p:sld>
 </file>
 
 <file path=ppt/slides/slide10.xml><?xml version="1.0" encoding="utf-8"?>
-<p:sld xmlns:a="http://schemas.openxmlformats.org/drawingml/2006/main" xmlns:r="http://schemas.openxmlformats.org/officeDocument/2006/relationships" xmlns:mc="http://schemas.openxmlformats.org/markup-compatibility/2006" xmlns:mv="urn:schemas-microsoft-com:mac:vml" xmlns:p="http://schemas.openxmlformats.org/presentationml/2006/main" xmlns:c="http://schemas.openxmlformats.org/drawingml/2006/chart" xmlns:dgm="http://schemas.openxmlformats.org/drawingml/2006/diagram" xmlns:o="urn:schemas-microsoft-com:office:office" xmlns:v="urn:schemas-microsoft-com:vml" xmlns:pvml="urn:schemas-microsoft-com:office:powerpoint" xmlns:com="http://schemas.openxmlformats.org/drawingml/2006/compatibility" xmlns:p14="http://schemas.microsoft.com/office/powerpoint/2010/main" xmlns:p15="http://schemas.microsoft.com/office/powerpoint/2012/main">
+<p:sld xmlns:a="http://schemas.openxmlformats.org/drawingml/2006/main" xmlns:r="http://schemas.openxmlformats.org/officeDocument/2006/relationships" xmlns:p="http://schemas.openxmlformats.org/presentationml/2006/main">
   <p:cSld>
     <p:spTree>
       <p:nvGrpSpPr>
-        <p:cNvPr id="117" name="Shape 117"/>
+        <p:cNvPr id="1" name="Shape 107"/>
         <p:cNvGrpSpPr/>
         <p:nvPr/>
       </p:nvGrpSpPr>
@@ -6485,8 +6587,10 @@
       </p:grpSpPr>
       <p:sp>
         <p:nvSpPr>
-          <p:cNvPr id="118" name="Google Shape;118;p22"/>
-          <p:cNvSpPr txBox="1"/>
+          <p:cNvPr id="108" name="Google Shape;108;p21"/>
+          <p:cNvSpPr txBox="1">
+            <a:spLocks noGrp="1"/>
+          </p:cNvSpPr>
           <p:nvPr>
             <p:ph type="title"/>
           </p:nvPr>
@@ -6501,1708 +6605,12 @@
           </a:prstGeom>
         </p:spPr>
         <p:txBody>
-          <a:bodyPr anchorCtr="0" anchor="t" bIns="91425" lIns="91425" spcFirstLastPara="1" rIns="91425" wrap="square" tIns="91425">
+          <a:bodyPr spcFirstLastPara="1" wrap="square" lIns="91425" tIns="91425" rIns="91425" bIns="91425" anchor="t" anchorCtr="0">
             <a:noAutofit/>
           </a:bodyPr>
           <a:lstStyle/>
           <a:p>
-            <a:pPr indent="0" lvl="0" marL="0" rtl="0" algn="l">
-              <a:spcBef>
-                <a:spcPts val="0"/>
-              </a:spcBef>
-              <a:spcAft>
-                <a:spcPts val="0"/>
-              </a:spcAft>
-              <a:buNone/>
-            </a:pPr>
-            <a:r>
-              <a:rPr lang="en-GB"/>
-              <a:t>GNU-Parallel</a:t>
-            </a:r>
-            <a:endParaRPr/>
-          </a:p>
-        </p:txBody>
-      </p:sp>
-      <p:pic>
-        <p:nvPicPr>
-          <p:cNvPr id="119" name="Google Shape;119;p22"/>
-          <p:cNvPicPr preferRelativeResize="0"/>
-          <p:nvPr/>
-        </p:nvPicPr>
-        <p:blipFill>
-          <a:blip r:embed="rId3">
-            <a:alphaModFix/>
-          </a:blip>
-          <a:stretch>
-            <a:fillRect/>
-          </a:stretch>
-        </p:blipFill>
-        <p:spPr>
-          <a:xfrm>
-            <a:off x="0" y="1124875"/>
-            <a:ext cx="7314226" cy="2082150"/>
-          </a:xfrm>
-          <a:prstGeom prst="rect">
-            <a:avLst/>
-          </a:prstGeom>
-          <a:noFill/>
-          <a:ln>
-            <a:noFill/>
-          </a:ln>
-        </p:spPr>
-      </p:pic>
-      <p:pic>
-        <p:nvPicPr>
-          <p:cNvPr id="120" name="Google Shape;120;p22"/>
-          <p:cNvPicPr preferRelativeResize="0"/>
-          <p:nvPr/>
-        </p:nvPicPr>
-        <p:blipFill>
-          <a:blip r:embed="rId4">
-            <a:alphaModFix/>
-          </a:blip>
-          <a:stretch>
-            <a:fillRect/>
-          </a:stretch>
-        </p:blipFill>
-        <p:spPr>
-          <a:xfrm>
-            <a:off x="7524213" y="2261163"/>
-            <a:ext cx="1438275" cy="2733675"/>
-          </a:xfrm>
-          <a:prstGeom prst="rect">
-            <a:avLst/>
-          </a:prstGeom>
-          <a:noFill/>
-          <a:ln>
-            <a:noFill/>
-          </a:ln>
-        </p:spPr>
-      </p:pic>
-      <p:sp>
-        <p:nvSpPr>
-          <p:cNvPr id="121" name="Google Shape;121;p22"/>
-          <p:cNvSpPr txBox="1"/>
-          <p:nvPr/>
-        </p:nvSpPr>
-        <p:spPr>
-          <a:xfrm>
-            <a:off x="5135125" y="3779175"/>
-            <a:ext cx="2212800" cy="1215600"/>
-          </a:xfrm>
-          <a:prstGeom prst="rect">
-            <a:avLst/>
-          </a:prstGeom>
-          <a:noFill/>
-          <a:ln>
-            <a:noFill/>
-          </a:ln>
-        </p:spPr>
-        <p:txBody>
-          <a:bodyPr anchorCtr="0" anchor="t" bIns="91425" lIns="91425" spcFirstLastPara="1" rIns="91425" wrap="square" tIns="91425">
-            <a:noAutofit/>
-          </a:bodyPr>
-          <a:lstStyle/>
-          <a:p>
-            <a:pPr indent="0" lvl="0" marL="0" rtl="0" algn="l">
-              <a:spcBef>
-                <a:spcPts val="0"/>
-              </a:spcBef>
-              <a:spcAft>
-                <a:spcPts val="0"/>
-              </a:spcAft>
-              <a:buNone/>
-            </a:pPr>
-            <a:r>
-              <a:rPr lang="en-GB"/>
-              <a:t>Output from 8 quadratic functions within one job.</a:t>
-            </a:r>
-            <a:endParaRPr/>
-          </a:p>
-        </p:txBody>
-      </p:sp>
-    </p:spTree>
-  </p:cSld>
-  <p:clrMapOvr>
-    <a:masterClrMapping/>
-  </p:clrMapOvr>
-</p:sld>
-</file>
-
-<file path=ppt/slides/slide2.xml><?xml version="1.0" encoding="utf-8"?>
-<p:sld xmlns:a="http://schemas.openxmlformats.org/drawingml/2006/main" xmlns:r="http://schemas.openxmlformats.org/officeDocument/2006/relationships" xmlns:mc="http://schemas.openxmlformats.org/markup-compatibility/2006" xmlns:mv="urn:schemas-microsoft-com:mac:vml" xmlns:p="http://schemas.openxmlformats.org/presentationml/2006/main" xmlns:c="http://schemas.openxmlformats.org/drawingml/2006/chart" xmlns:dgm="http://schemas.openxmlformats.org/drawingml/2006/diagram" xmlns:o="urn:schemas-microsoft-com:office:office" xmlns:v="urn:schemas-microsoft-com:vml" xmlns:pvml="urn:schemas-microsoft-com:office:powerpoint" xmlns:com="http://schemas.openxmlformats.org/drawingml/2006/compatibility" xmlns:p14="http://schemas.microsoft.com/office/powerpoint/2010/main" xmlns:p15="http://schemas.microsoft.com/office/powerpoint/2012/main">
-  <p:cSld>
-    <p:spTree>
-      <p:nvGrpSpPr>
-        <p:cNvPr id="60" name="Shape 60"/>
-        <p:cNvGrpSpPr/>
-        <p:nvPr/>
-      </p:nvGrpSpPr>
-      <p:grpSpPr>
-        <a:xfrm>
-          <a:off x="0" y="0"/>
-          <a:ext cx="0" cy="0"/>
-          <a:chOff x="0" y="0"/>
-          <a:chExt cx="0" cy="0"/>
-        </a:xfrm>
-      </p:grpSpPr>
-      <p:sp>
-        <p:nvSpPr>
-          <p:cNvPr id="61" name="Google Shape;61;p14"/>
-          <p:cNvSpPr txBox="1"/>
-          <p:nvPr>
-            <p:ph type="title"/>
-          </p:nvPr>
-        </p:nvSpPr>
-        <p:spPr>
-          <a:xfrm>
-            <a:off x="311700" y="445025"/>
-            <a:ext cx="8520600" cy="572700"/>
-          </a:xfrm>
-          <a:prstGeom prst="rect">
-            <a:avLst/>
-          </a:prstGeom>
-        </p:spPr>
-        <p:txBody>
-          <a:bodyPr anchorCtr="0" anchor="t" bIns="91425" lIns="91425" spcFirstLastPara="1" rIns="91425" wrap="square" tIns="91425">
-            <a:noAutofit/>
-          </a:bodyPr>
-          <a:lstStyle/>
-          <a:p>
-            <a:pPr indent="0" lvl="0" marL="0" rtl="0" algn="l">
-              <a:spcBef>
-                <a:spcPts val="0"/>
-              </a:spcBef>
-              <a:spcAft>
-                <a:spcPts val="0"/>
-              </a:spcAft>
-              <a:buNone/>
-            </a:pPr>
-            <a:r>
-              <a:rPr lang="en-GB"/>
-              <a:t>Overall Concept</a:t>
-            </a:r>
-            <a:endParaRPr/>
-          </a:p>
-        </p:txBody>
-      </p:sp>
-      <p:sp>
-        <p:nvSpPr>
-          <p:cNvPr id="62" name="Google Shape;62;p14"/>
-          <p:cNvSpPr txBox="1"/>
-          <p:nvPr>
-            <p:ph idx="1" type="body"/>
-          </p:nvPr>
-        </p:nvSpPr>
-        <p:spPr>
-          <a:xfrm>
-            <a:off x="311700" y="1152475"/>
-            <a:ext cx="8520600" cy="3416400"/>
-          </a:xfrm>
-          <a:prstGeom prst="rect">
-            <a:avLst/>
-          </a:prstGeom>
-        </p:spPr>
-        <p:txBody>
-          <a:bodyPr anchorCtr="0" anchor="t" bIns="91425" lIns="91425" spcFirstLastPara="1" rIns="91425" wrap="square" tIns="91425">
-            <a:noAutofit/>
-          </a:bodyPr>
-          <a:lstStyle/>
-          <a:p>
-            <a:pPr indent="0" lvl="0" marL="0" rtl="0" algn="l">
-              <a:spcBef>
-                <a:spcPts val="0"/>
-              </a:spcBef>
-              <a:spcAft>
-                <a:spcPts val="0"/>
-              </a:spcAft>
-              <a:buClr>
-                <a:schemeClr val="dk1"/>
-              </a:buClr>
-              <a:buSzPts val="1100"/>
-              <a:buFont typeface="Arial"/>
-              <a:buNone/>
-            </a:pPr>
-            <a:r>
-              <a:rPr lang="en-GB">
-                <a:solidFill>
-                  <a:schemeClr val="dk1"/>
-                </a:solidFill>
-              </a:rPr>
-              <a:t>There are two typical issues in solving a problem:</a:t>
-            </a:r>
-            <a:endParaRPr>
-              <a:solidFill>
-                <a:schemeClr val="dk1"/>
-              </a:solidFill>
-            </a:endParaRPr>
-          </a:p>
-          <a:p>
-            <a:pPr indent="-342900" lvl="0" marL="457200" rtl="0" algn="l">
-              <a:spcBef>
-                <a:spcPts val="0"/>
-              </a:spcBef>
-              <a:spcAft>
-                <a:spcPts val="0"/>
-              </a:spcAft>
-              <a:buClr>
-                <a:schemeClr val="dk1"/>
-              </a:buClr>
-              <a:buSzPts val="1800"/>
-              <a:buChar char="-"/>
-            </a:pPr>
-            <a:r>
-              <a:rPr lang="en-GB">
-                <a:solidFill>
-                  <a:schemeClr val="dk1"/>
-                </a:solidFill>
-              </a:rPr>
-              <a:t>Existing resources are not enough to handle the current problem. </a:t>
-            </a:r>
-            <a:endParaRPr>
-              <a:solidFill>
-                <a:schemeClr val="dk1"/>
-              </a:solidFill>
-            </a:endParaRPr>
-          </a:p>
-          <a:p>
-            <a:pPr indent="-342900" lvl="0" marL="457200" rtl="0" algn="l">
-              <a:spcBef>
-                <a:spcPts val="0"/>
-              </a:spcBef>
-              <a:spcAft>
-                <a:spcPts val="0"/>
-              </a:spcAft>
-              <a:buClr>
-                <a:schemeClr val="dk1"/>
-              </a:buClr>
-              <a:buSzPts val="1800"/>
-              <a:buChar char="-"/>
-            </a:pPr>
-            <a:r>
-              <a:rPr lang="en-GB">
-                <a:solidFill>
-                  <a:schemeClr val="dk1"/>
-                </a:solidFill>
-              </a:rPr>
-              <a:t>Existing resources are just enough to handle the current problem, but the problem needs to be solved at larger scales. </a:t>
-            </a:r>
-            <a:endParaRPr>
-              <a:solidFill>
-                <a:schemeClr val="dk1"/>
-              </a:solidFill>
-            </a:endParaRPr>
-          </a:p>
-          <a:p>
-            <a:pPr indent="0" lvl="0" marL="0" rtl="0" algn="l">
-              <a:spcBef>
-                <a:spcPts val="0"/>
-              </a:spcBef>
-              <a:spcAft>
-                <a:spcPts val="0"/>
-              </a:spcAft>
-              <a:buNone/>
-            </a:pPr>
-            <a:r>
-              <a:t/>
-            </a:r>
-            <a:endParaRPr>
-              <a:solidFill>
-                <a:schemeClr val="dk1"/>
-              </a:solidFill>
-            </a:endParaRPr>
-          </a:p>
-          <a:p>
-            <a:pPr indent="0" lvl="0" marL="0" rtl="0" algn="l">
-              <a:spcBef>
-                <a:spcPts val="0"/>
-              </a:spcBef>
-              <a:spcAft>
-                <a:spcPts val="0"/>
-              </a:spcAft>
-              <a:buNone/>
-            </a:pPr>
-            <a:r>
-              <a:rPr lang="en-GB">
-                <a:solidFill>
-                  <a:schemeClr val="dk1"/>
-                </a:solidFill>
-              </a:rPr>
-              <a:t>Adding computers to handle the first issue is called </a:t>
-            </a:r>
-            <a:r>
-              <a:rPr b="1" lang="en-GB">
-                <a:solidFill>
-                  <a:schemeClr val="dk1"/>
-                </a:solidFill>
-              </a:rPr>
-              <a:t>strong scaling</a:t>
-            </a:r>
-            <a:r>
-              <a:rPr lang="en-GB">
-                <a:solidFill>
-                  <a:schemeClr val="dk1"/>
-                </a:solidFill>
-              </a:rPr>
-              <a:t>. </a:t>
-            </a:r>
-            <a:endParaRPr>
-              <a:solidFill>
-                <a:schemeClr val="dk1"/>
-              </a:solidFill>
-            </a:endParaRPr>
-          </a:p>
-          <a:p>
-            <a:pPr indent="0" lvl="0" marL="0" rtl="0" algn="l">
-              <a:spcBef>
-                <a:spcPts val="0"/>
-              </a:spcBef>
-              <a:spcAft>
-                <a:spcPts val="0"/>
-              </a:spcAft>
-              <a:buClr>
-                <a:schemeClr val="dk1"/>
-              </a:buClr>
-              <a:buSzPts val="1100"/>
-              <a:buFont typeface="Arial"/>
-              <a:buNone/>
-            </a:pPr>
-            <a:r>
-              <a:rPr lang="en-GB">
-                <a:solidFill>
-                  <a:schemeClr val="dk1"/>
-                </a:solidFill>
-              </a:rPr>
-              <a:t>Adding computers and increasing the size of the problem to address the second issue is called </a:t>
-            </a:r>
-            <a:r>
-              <a:rPr b="1" lang="en-GB">
-                <a:solidFill>
-                  <a:schemeClr val="dk1"/>
-                </a:solidFill>
-              </a:rPr>
-              <a:t>weak scaling</a:t>
-            </a:r>
-            <a:r>
-              <a:rPr lang="en-GB">
-                <a:solidFill>
-                  <a:schemeClr val="dk1"/>
-                </a:solidFill>
-              </a:rPr>
-              <a:t>. </a:t>
-            </a:r>
-            <a:endParaRPr>
-              <a:solidFill>
-                <a:schemeClr val="dk1"/>
-              </a:solidFill>
-            </a:endParaRPr>
-          </a:p>
-          <a:p>
-            <a:pPr indent="0" lvl="0" marL="0" rtl="0" algn="l">
-              <a:spcBef>
-                <a:spcPts val="0"/>
-              </a:spcBef>
-              <a:spcAft>
-                <a:spcPts val="1600"/>
-              </a:spcAft>
-              <a:buNone/>
-            </a:pPr>
-            <a:r>
-              <a:t/>
-            </a:r>
-            <a:endParaRPr/>
-          </a:p>
-        </p:txBody>
-      </p:sp>
-    </p:spTree>
-  </p:cSld>
-  <p:clrMapOvr>
-    <a:masterClrMapping/>
-  </p:clrMapOvr>
-</p:sld>
-</file>
-
-<file path=ppt/slides/slide3.xml><?xml version="1.0" encoding="utf-8"?>
-<p:sld xmlns:a="http://schemas.openxmlformats.org/drawingml/2006/main" xmlns:r="http://schemas.openxmlformats.org/officeDocument/2006/relationships" xmlns:mc="http://schemas.openxmlformats.org/markup-compatibility/2006" xmlns:mv="urn:schemas-microsoft-com:mac:vml" xmlns:p="http://schemas.openxmlformats.org/presentationml/2006/main" xmlns:c="http://schemas.openxmlformats.org/drawingml/2006/chart" xmlns:dgm="http://schemas.openxmlformats.org/drawingml/2006/diagram" xmlns:o="urn:schemas-microsoft-com:office:office" xmlns:v="urn:schemas-microsoft-com:vml" xmlns:pvml="urn:schemas-microsoft-com:office:powerpoint" xmlns:com="http://schemas.openxmlformats.org/drawingml/2006/compatibility" xmlns:p14="http://schemas.microsoft.com/office/powerpoint/2010/main" xmlns:p15="http://schemas.microsoft.com/office/powerpoint/2012/main">
-  <p:cSld>
-    <p:spTree>
-      <p:nvGrpSpPr>
-        <p:cNvPr id="66" name="Shape 66"/>
-        <p:cNvGrpSpPr/>
-        <p:nvPr/>
-      </p:nvGrpSpPr>
-      <p:grpSpPr>
-        <a:xfrm>
-          <a:off x="0" y="0"/>
-          <a:ext cx="0" cy="0"/>
-          <a:chOff x="0" y="0"/>
-          <a:chExt cx="0" cy="0"/>
-        </a:xfrm>
-      </p:grpSpPr>
-      <p:sp>
-        <p:nvSpPr>
-          <p:cNvPr id="67" name="Google Shape;67;p15"/>
-          <p:cNvSpPr txBox="1"/>
-          <p:nvPr>
-            <p:ph type="title"/>
-          </p:nvPr>
-        </p:nvSpPr>
-        <p:spPr>
-          <a:xfrm>
-            <a:off x="311700" y="445025"/>
-            <a:ext cx="8520600" cy="572700"/>
-          </a:xfrm>
-          <a:prstGeom prst="rect">
-            <a:avLst/>
-          </a:prstGeom>
-        </p:spPr>
-        <p:txBody>
-          <a:bodyPr anchorCtr="0" anchor="t" bIns="91425" lIns="91425" spcFirstLastPara="1" rIns="91425" wrap="square" tIns="91425">
-            <a:noAutofit/>
-          </a:bodyPr>
-          <a:lstStyle/>
-          <a:p>
-            <a:pPr indent="0" lvl="0" marL="0" rtl="0" algn="l">
-              <a:spcBef>
-                <a:spcPts val="0"/>
-              </a:spcBef>
-              <a:spcAft>
-                <a:spcPts val="0"/>
-              </a:spcAft>
-              <a:buNone/>
-            </a:pPr>
-            <a:r>
-              <a:rPr lang="en-GB"/>
-              <a:t>Speedup</a:t>
-            </a:r>
-            <a:endParaRPr/>
-          </a:p>
-        </p:txBody>
-      </p:sp>
-      <p:sp>
-        <p:nvSpPr>
-          <p:cNvPr id="68" name="Google Shape;68;p15"/>
-          <p:cNvSpPr txBox="1"/>
-          <p:nvPr>
-            <p:ph idx="1" type="body"/>
-          </p:nvPr>
-        </p:nvSpPr>
-        <p:spPr>
-          <a:xfrm>
-            <a:off x="311700" y="1152475"/>
-            <a:ext cx="8520600" cy="3416400"/>
-          </a:xfrm>
-          <a:prstGeom prst="rect">
-            <a:avLst/>
-          </a:prstGeom>
-        </p:spPr>
-        <p:txBody>
-          <a:bodyPr anchorCtr="0" anchor="t" bIns="91425" lIns="91425" spcFirstLastPara="1" rIns="91425" wrap="square" tIns="91425">
-            <a:noAutofit/>
-          </a:bodyPr>
-          <a:lstStyle/>
-          <a:p>
-            <a:pPr indent="-342900" lvl="0" marL="457200" rtl="0" algn="l">
-              <a:spcBef>
-                <a:spcPts val="0"/>
-              </a:spcBef>
-              <a:spcAft>
-                <a:spcPts val="0"/>
-              </a:spcAft>
-              <a:buSzPts val="1800"/>
-              <a:buChar char="-"/>
-            </a:pPr>
-            <a:r>
-              <a:rPr lang="en-GB"/>
-              <a:t>How fast the program becomes when more computing resources are added.</a:t>
-            </a:r>
-            <a:endParaRPr/>
-          </a:p>
-          <a:p>
-            <a:pPr indent="-342900" lvl="0" marL="457200" rtl="0" algn="l">
-              <a:spcBef>
-                <a:spcPts val="0"/>
-              </a:spcBef>
-              <a:spcAft>
-                <a:spcPts val="0"/>
-              </a:spcAft>
-              <a:buSzPts val="1800"/>
-              <a:buChar char="-"/>
-            </a:pPr>
-            <a:r>
-              <a:rPr lang="en-GB"/>
-              <a:t>Improvement in performance = Reduction in run time</a:t>
-            </a:r>
-            <a:endParaRPr/>
-          </a:p>
-          <a:p>
-            <a:pPr indent="0" lvl="0" marL="0" rtl="0" algn="l">
-              <a:spcBef>
-                <a:spcPts val="1600"/>
-              </a:spcBef>
-              <a:spcAft>
-                <a:spcPts val="0"/>
-              </a:spcAft>
-              <a:buNone/>
-            </a:pPr>
-            <a:r>
-              <a:t/>
-            </a:r>
-            <a:endParaRPr/>
-          </a:p>
-          <a:p>
-            <a:pPr indent="0" lvl="0" marL="0" rtl="0" algn="l">
-              <a:spcBef>
-                <a:spcPts val="1600"/>
-              </a:spcBef>
-              <a:spcAft>
-                <a:spcPts val="0"/>
-              </a:spcAft>
-              <a:buClr>
-                <a:schemeClr val="dk1"/>
-              </a:buClr>
-              <a:buSzPts val="1100"/>
-              <a:buFont typeface="Arial"/>
-              <a:buNone/>
-            </a:pPr>
-            <a:r>
-              <a:t/>
-            </a:r>
-            <a:endParaRPr sz="1200">
-              <a:solidFill>
-                <a:schemeClr val="dk1"/>
-              </a:solidFill>
-              <a:latin typeface="Times New Roman"/>
-              <a:ea typeface="Times New Roman"/>
-              <a:cs typeface="Times New Roman"/>
-              <a:sym typeface="Times New Roman"/>
-            </a:endParaRPr>
-          </a:p>
-          <a:p>
-            <a:pPr indent="0" lvl="0" marL="0" rtl="0" algn="l">
-              <a:spcBef>
-                <a:spcPts val="0"/>
-              </a:spcBef>
-              <a:spcAft>
-                <a:spcPts val="0"/>
-              </a:spcAft>
-              <a:buClr>
-                <a:schemeClr val="dk1"/>
-              </a:buClr>
-              <a:buSzPts val="1100"/>
-              <a:buFont typeface="Arial"/>
-              <a:buNone/>
-            </a:pPr>
-            <a:r>
-              <a:t/>
-            </a:r>
-            <a:endParaRPr/>
-          </a:p>
-        </p:txBody>
-      </p:sp>
-      <p:pic>
-        <p:nvPicPr>
-          <p:cNvPr id="69" name="Google Shape;69;p15"/>
-          <p:cNvPicPr preferRelativeResize="0"/>
-          <p:nvPr/>
-        </p:nvPicPr>
-        <p:blipFill>
-          <a:blip r:embed="rId3">
-            <a:alphaModFix/>
-          </a:blip>
-          <a:stretch>
-            <a:fillRect/>
-          </a:stretch>
-        </p:blipFill>
-        <p:spPr>
-          <a:xfrm>
-            <a:off x="3831438" y="2339588"/>
-            <a:ext cx="1552575" cy="1000125"/>
-          </a:xfrm>
-          <a:prstGeom prst="rect">
-            <a:avLst/>
-          </a:prstGeom>
-          <a:noFill/>
-          <a:ln>
-            <a:noFill/>
-          </a:ln>
-        </p:spPr>
-      </p:pic>
-    </p:spTree>
-  </p:cSld>
-  <p:clrMapOvr>
-    <a:masterClrMapping/>
-  </p:clrMapOvr>
-</p:sld>
-</file>
-
-<file path=ppt/slides/slide4.xml><?xml version="1.0" encoding="utf-8"?>
-<p:sld xmlns:a="http://schemas.openxmlformats.org/drawingml/2006/main" xmlns:r="http://schemas.openxmlformats.org/officeDocument/2006/relationships" xmlns:mc="http://schemas.openxmlformats.org/markup-compatibility/2006" xmlns:mv="urn:schemas-microsoft-com:mac:vml" xmlns:p="http://schemas.openxmlformats.org/presentationml/2006/main" xmlns:c="http://schemas.openxmlformats.org/drawingml/2006/chart" xmlns:dgm="http://schemas.openxmlformats.org/drawingml/2006/diagram" xmlns:o="urn:schemas-microsoft-com:office:office" xmlns:v="urn:schemas-microsoft-com:vml" xmlns:pvml="urn:schemas-microsoft-com:office:powerpoint" xmlns:com="http://schemas.openxmlformats.org/drawingml/2006/compatibility" xmlns:p14="http://schemas.microsoft.com/office/powerpoint/2010/main" xmlns:p15="http://schemas.microsoft.com/office/powerpoint/2012/main">
-  <p:cSld>
-    <p:spTree>
-      <p:nvGrpSpPr>
-        <p:cNvPr id="73" name="Shape 73"/>
-        <p:cNvGrpSpPr/>
-        <p:nvPr/>
-      </p:nvGrpSpPr>
-      <p:grpSpPr>
-        <a:xfrm>
-          <a:off x="0" y="0"/>
-          <a:ext cx="0" cy="0"/>
-          <a:chOff x="0" y="0"/>
-          <a:chExt cx="0" cy="0"/>
-        </a:xfrm>
-      </p:grpSpPr>
-      <p:sp>
-        <p:nvSpPr>
-          <p:cNvPr id="74" name="Google Shape;74;p16"/>
-          <p:cNvSpPr txBox="1"/>
-          <p:nvPr>
-            <p:ph type="title"/>
-          </p:nvPr>
-        </p:nvSpPr>
-        <p:spPr>
-          <a:xfrm>
-            <a:off x="311700" y="445025"/>
-            <a:ext cx="8520600" cy="572700"/>
-          </a:xfrm>
-          <a:prstGeom prst="rect">
-            <a:avLst/>
-          </a:prstGeom>
-        </p:spPr>
-        <p:txBody>
-          <a:bodyPr anchorCtr="0" anchor="t" bIns="91425" lIns="91425" spcFirstLastPara="1" rIns="91425" wrap="square" tIns="91425">
-            <a:noAutofit/>
-          </a:bodyPr>
-          <a:lstStyle/>
-          <a:p>
-            <a:pPr indent="0" lvl="0" marL="0" rtl="0" algn="l">
-              <a:spcBef>
-                <a:spcPts val="0"/>
-              </a:spcBef>
-              <a:spcAft>
-                <a:spcPts val="0"/>
-              </a:spcAft>
-              <a:buNone/>
-            </a:pPr>
-            <a:r>
-              <a:rPr lang="en-GB"/>
-              <a:t>Scaling Limitation</a:t>
-            </a:r>
-            <a:endParaRPr/>
-          </a:p>
-        </p:txBody>
-      </p:sp>
-      <p:sp>
-        <p:nvSpPr>
-          <p:cNvPr id="75" name="Google Shape;75;p16"/>
-          <p:cNvSpPr txBox="1"/>
-          <p:nvPr>
-            <p:ph idx="1" type="body"/>
-          </p:nvPr>
-        </p:nvSpPr>
-        <p:spPr>
-          <a:xfrm>
-            <a:off x="311700" y="1152475"/>
-            <a:ext cx="8520600" cy="3416400"/>
-          </a:xfrm>
-          <a:prstGeom prst="rect">
-            <a:avLst/>
-          </a:prstGeom>
-        </p:spPr>
-        <p:txBody>
-          <a:bodyPr anchorCtr="0" anchor="t" bIns="91425" lIns="91425" spcFirstLastPara="1" rIns="91425" wrap="square" tIns="91425">
-            <a:noAutofit/>
-          </a:bodyPr>
-          <a:lstStyle/>
-          <a:p>
-            <a:pPr indent="-342900" lvl="0" marL="457200" rtl="0" algn="l">
-              <a:spcBef>
-                <a:spcPts val="0"/>
-              </a:spcBef>
-              <a:spcAft>
-                <a:spcPts val="0"/>
-              </a:spcAft>
-              <a:buClr>
-                <a:schemeClr val="dk1"/>
-              </a:buClr>
-              <a:buSzPts val="1800"/>
-              <a:buChar char="-"/>
-            </a:pPr>
-            <a:r>
-              <a:rPr lang="en-GB">
-                <a:solidFill>
-                  <a:schemeClr val="dk1"/>
-                </a:solidFill>
-              </a:rPr>
-              <a:t>There is a limit to how much resources can be added to improve performance. </a:t>
-            </a:r>
-            <a:endParaRPr>
-              <a:solidFill>
-                <a:schemeClr val="dk1"/>
-              </a:solidFill>
-            </a:endParaRPr>
-          </a:p>
-          <a:p>
-            <a:pPr indent="-342900" lvl="0" marL="457200" rtl="0" algn="l">
-              <a:spcBef>
-                <a:spcPts val="0"/>
-              </a:spcBef>
-              <a:spcAft>
-                <a:spcPts val="0"/>
-              </a:spcAft>
-              <a:buClr>
-                <a:schemeClr val="dk1"/>
-              </a:buClr>
-              <a:buSzPts val="1800"/>
-              <a:buChar char="-"/>
-            </a:pPr>
-            <a:r>
-              <a:rPr lang="en-GB">
-                <a:solidFill>
-                  <a:schemeClr val="dk1"/>
-                </a:solidFill>
-              </a:rPr>
-              <a:t>Scalings are limited by proportion of serial (non-parallelizable) code/task within a program/workflow. </a:t>
-            </a:r>
-            <a:endParaRPr>
-              <a:solidFill>
-                <a:schemeClr val="dk1"/>
-              </a:solidFill>
-            </a:endParaRPr>
-          </a:p>
-          <a:p>
-            <a:pPr indent="-317500" lvl="1" marL="914400" rtl="0" algn="l">
-              <a:spcBef>
-                <a:spcPts val="0"/>
-              </a:spcBef>
-              <a:spcAft>
-                <a:spcPts val="0"/>
-              </a:spcAft>
-              <a:buClr>
-                <a:schemeClr val="dk1"/>
-              </a:buClr>
-              <a:buSzPts val="1400"/>
-              <a:buChar char="-"/>
-            </a:pPr>
-            <a:r>
-              <a:rPr lang="en-GB">
-                <a:solidFill>
-                  <a:schemeClr val="dk1"/>
-                </a:solidFill>
-              </a:rPr>
-              <a:t>Strong scaling: </a:t>
-            </a:r>
-            <a:r>
-              <a:rPr lang="en-GB">
-                <a:solidFill>
-                  <a:schemeClr val="dk1"/>
-                </a:solidFill>
-              </a:rPr>
-              <a:t>Amdahl's</a:t>
-            </a:r>
-            <a:r>
-              <a:rPr lang="en-GB">
-                <a:solidFill>
-                  <a:schemeClr val="dk1"/>
-                </a:solidFill>
-              </a:rPr>
-              <a:t> Law</a:t>
-            </a:r>
-            <a:endParaRPr>
-              <a:solidFill>
-                <a:schemeClr val="dk1"/>
-              </a:solidFill>
-            </a:endParaRPr>
-          </a:p>
-          <a:p>
-            <a:pPr indent="-317500" lvl="1" marL="914400" rtl="0" algn="l">
-              <a:spcBef>
-                <a:spcPts val="0"/>
-              </a:spcBef>
-              <a:spcAft>
-                <a:spcPts val="0"/>
-              </a:spcAft>
-              <a:buClr>
-                <a:schemeClr val="dk1"/>
-              </a:buClr>
-              <a:buSzPts val="1400"/>
-              <a:buChar char="-"/>
-            </a:pPr>
-            <a:r>
-              <a:rPr lang="en-GB">
-                <a:solidFill>
-                  <a:schemeClr val="dk1"/>
-                </a:solidFill>
-              </a:rPr>
-              <a:t>Weak scaling: Gustafson’s Law</a:t>
-            </a:r>
-            <a:endParaRPr>
-              <a:solidFill>
-                <a:schemeClr val="dk1"/>
-              </a:solidFill>
-            </a:endParaRPr>
-          </a:p>
-          <a:p>
-            <a:pPr indent="0" lvl="0" marL="0" rtl="0" algn="l">
-              <a:spcBef>
-                <a:spcPts val="0"/>
-              </a:spcBef>
-              <a:spcAft>
-                <a:spcPts val="1600"/>
-              </a:spcAft>
-              <a:buNone/>
-            </a:pPr>
-            <a:r>
-              <a:t/>
-            </a:r>
-            <a:endParaRPr/>
-          </a:p>
-        </p:txBody>
-      </p:sp>
-    </p:spTree>
-  </p:cSld>
-  <p:clrMapOvr>
-    <a:masterClrMapping/>
-  </p:clrMapOvr>
-</p:sld>
-</file>
-
-<file path=ppt/slides/slide5.xml><?xml version="1.0" encoding="utf-8"?>
-<p:sld xmlns:a="http://schemas.openxmlformats.org/drawingml/2006/main" xmlns:r="http://schemas.openxmlformats.org/officeDocument/2006/relationships" xmlns:mc="http://schemas.openxmlformats.org/markup-compatibility/2006" xmlns:mv="urn:schemas-microsoft-com:mac:vml" xmlns:p="http://schemas.openxmlformats.org/presentationml/2006/main" xmlns:c="http://schemas.openxmlformats.org/drawingml/2006/chart" xmlns:dgm="http://schemas.openxmlformats.org/drawingml/2006/diagram" xmlns:o="urn:schemas-microsoft-com:office:office" xmlns:v="urn:schemas-microsoft-com:vml" xmlns:pvml="urn:schemas-microsoft-com:office:powerpoint" xmlns:com="http://schemas.openxmlformats.org/drawingml/2006/compatibility" xmlns:p14="http://schemas.microsoft.com/office/powerpoint/2010/main" xmlns:p15="http://schemas.microsoft.com/office/powerpoint/2012/main">
-  <p:cSld>
-    <p:spTree>
-      <p:nvGrpSpPr>
-        <p:cNvPr id="79" name="Shape 79"/>
-        <p:cNvGrpSpPr/>
-        <p:nvPr/>
-      </p:nvGrpSpPr>
-      <p:grpSpPr>
-        <a:xfrm>
-          <a:off x="0" y="0"/>
-          <a:ext cx="0" cy="0"/>
-          <a:chOff x="0" y="0"/>
-          <a:chExt cx="0" cy="0"/>
-        </a:xfrm>
-      </p:grpSpPr>
-      <p:sp>
-        <p:nvSpPr>
-          <p:cNvPr id="80" name="Google Shape;80;p17"/>
-          <p:cNvSpPr txBox="1"/>
-          <p:nvPr>
-            <p:ph type="title"/>
-          </p:nvPr>
-        </p:nvSpPr>
-        <p:spPr>
-          <a:xfrm>
-            <a:off x="311700" y="445025"/>
-            <a:ext cx="8520600" cy="572700"/>
-          </a:xfrm>
-          <a:prstGeom prst="rect">
-            <a:avLst/>
-          </a:prstGeom>
-        </p:spPr>
-        <p:txBody>
-          <a:bodyPr anchorCtr="0" anchor="t" bIns="91425" lIns="91425" spcFirstLastPara="1" rIns="91425" wrap="square" tIns="91425">
-            <a:noAutofit/>
-          </a:bodyPr>
-          <a:lstStyle/>
-          <a:p>
-            <a:pPr indent="0" lvl="0" marL="0" rtl="0" algn="l">
-              <a:spcBef>
-                <a:spcPts val="0"/>
-              </a:spcBef>
-              <a:spcAft>
-                <a:spcPts val="0"/>
-              </a:spcAft>
-              <a:buNone/>
-            </a:pPr>
-            <a:r>
-              <a:rPr lang="en-GB"/>
-              <a:t>Strong scaling: Amdahl’s Law</a:t>
-            </a:r>
-            <a:endParaRPr/>
-          </a:p>
-        </p:txBody>
-      </p:sp>
-      <p:sp>
-        <p:nvSpPr>
-          <p:cNvPr id="81" name="Google Shape;81;p17"/>
-          <p:cNvSpPr txBox="1"/>
-          <p:nvPr>
-            <p:ph idx="1" type="body"/>
-          </p:nvPr>
-        </p:nvSpPr>
-        <p:spPr>
-          <a:xfrm>
-            <a:off x="311700" y="1152475"/>
-            <a:ext cx="8520600" cy="3416400"/>
-          </a:xfrm>
-          <a:prstGeom prst="rect">
-            <a:avLst/>
-          </a:prstGeom>
-        </p:spPr>
-        <p:txBody>
-          <a:bodyPr anchorCtr="0" anchor="t" bIns="91425" lIns="91425" spcFirstLastPara="1" rIns="91425" wrap="square" tIns="91425">
-            <a:noAutofit/>
-          </a:bodyPr>
-          <a:lstStyle/>
-          <a:p>
-            <a:pPr indent="0" lvl="0" marL="0" rtl="0" algn="l">
-              <a:spcBef>
-                <a:spcPts val="0"/>
-              </a:spcBef>
-              <a:spcAft>
-                <a:spcPts val="0"/>
-              </a:spcAft>
-              <a:buNone/>
-            </a:pPr>
-            <a:r>
-              <a:rPr lang="en-GB">
-                <a:solidFill>
-                  <a:schemeClr val="dk1"/>
-                </a:solidFill>
-              </a:rPr>
-              <a:t>Let’s call </a:t>
-            </a:r>
-            <a:r>
-              <a:rPr i="1" lang="en-GB">
-                <a:solidFill>
-                  <a:schemeClr val="dk1"/>
-                </a:solidFill>
-              </a:rPr>
-              <a:t>s</a:t>
-            </a:r>
-            <a:r>
-              <a:rPr lang="en-GB">
-                <a:solidFill>
-                  <a:schemeClr val="dk1"/>
-                </a:solidFill>
-              </a:rPr>
-              <a:t> the proportion of code that cannot be parallelized. Hence </a:t>
-            </a:r>
-            <a:r>
-              <a:rPr i="1" lang="en-GB">
-                <a:solidFill>
-                  <a:schemeClr val="dk1"/>
-                </a:solidFill>
-              </a:rPr>
-              <a:t>1-s</a:t>
-            </a:r>
-            <a:r>
-              <a:rPr lang="en-GB">
-                <a:solidFill>
-                  <a:schemeClr val="dk1"/>
-                </a:solidFill>
-              </a:rPr>
-              <a:t> represents the remainder proportion of code that can be parallelized. The speedup in strong scaling (S) can then be calculated as:</a:t>
-            </a:r>
-            <a:endParaRPr>
-              <a:solidFill>
-                <a:schemeClr val="dk1"/>
-              </a:solidFill>
-            </a:endParaRPr>
-          </a:p>
-          <a:p>
-            <a:pPr indent="0" lvl="0" marL="0" rtl="0" algn="l">
-              <a:spcBef>
-                <a:spcPts val="0"/>
-              </a:spcBef>
-              <a:spcAft>
-                <a:spcPts val="0"/>
-              </a:spcAft>
-              <a:buNone/>
-            </a:pPr>
-            <a:r>
-              <a:t/>
-            </a:r>
-            <a:endParaRPr>
-              <a:solidFill>
-                <a:schemeClr val="dk1"/>
-              </a:solidFill>
-            </a:endParaRPr>
-          </a:p>
-          <a:p>
-            <a:pPr indent="0" lvl="0" marL="0" rtl="0" algn="l">
-              <a:spcBef>
-                <a:spcPts val="0"/>
-              </a:spcBef>
-              <a:spcAft>
-                <a:spcPts val="0"/>
-              </a:spcAft>
-              <a:buNone/>
-            </a:pPr>
-            <a:r>
-              <a:t/>
-            </a:r>
-            <a:endParaRPr>
-              <a:solidFill>
-                <a:schemeClr val="dk1"/>
-              </a:solidFill>
-            </a:endParaRPr>
-          </a:p>
-          <a:p>
-            <a:pPr indent="0" lvl="0" marL="0" rtl="0" algn="l">
-              <a:spcBef>
-                <a:spcPts val="0"/>
-              </a:spcBef>
-              <a:spcAft>
-                <a:spcPts val="0"/>
-              </a:spcAft>
-              <a:buClr>
-                <a:schemeClr val="dk1"/>
-              </a:buClr>
-              <a:buSzPts val="1100"/>
-              <a:buFont typeface="Arial"/>
-              <a:buNone/>
-            </a:pPr>
-            <a:r>
-              <a:t/>
-            </a:r>
-            <a:endParaRPr>
-              <a:solidFill>
-                <a:schemeClr val="dk1"/>
-              </a:solidFill>
-            </a:endParaRPr>
-          </a:p>
-          <a:p>
-            <a:pPr indent="0" lvl="0" marL="0" rtl="0" algn="l">
-              <a:spcBef>
-                <a:spcPts val="0"/>
-              </a:spcBef>
-              <a:spcAft>
-                <a:spcPts val="1600"/>
-              </a:spcAft>
-              <a:buNone/>
-            </a:pPr>
-            <a:r>
-              <a:t/>
-            </a:r>
-            <a:endParaRPr/>
-          </a:p>
-        </p:txBody>
-      </p:sp>
-      <p:pic>
-        <p:nvPicPr>
-          <p:cNvPr id="82" name="Google Shape;82;p17"/>
-          <p:cNvPicPr preferRelativeResize="0"/>
-          <p:nvPr/>
-        </p:nvPicPr>
-        <p:blipFill>
-          <a:blip r:embed="rId3">
-            <a:alphaModFix/>
-          </a:blip>
-          <a:stretch>
-            <a:fillRect/>
-          </a:stretch>
-        </p:blipFill>
-        <p:spPr>
-          <a:xfrm>
-            <a:off x="3153625" y="2529080"/>
-            <a:ext cx="2482225" cy="1412750"/>
-          </a:xfrm>
-          <a:prstGeom prst="rect">
-            <a:avLst/>
-          </a:prstGeom>
-          <a:noFill/>
-          <a:ln>
-            <a:noFill/>
-          </a:ln>
-        </p:spPr>
-      </p:pic>
-    </p:spTree>
-  </p:cSld>
-  <p:clrMapOvr>
-    <a:masterClrMapping/>
-  </p:clrMapOvr>
-</p:sld>
-</file>
-
-<file path=ppt/slides/slide6.xml><?xml version="1.0" encoding="utf-8"?>
-<p:sld xmlns:a="http://schemas.openxmlformats.org/drawingml/2006/main" xmlns:r="http://schemas.openxmlformats.org/officeDocument/2006/relationships" xmlns:mc="http://schemas.openxmlformats.org/markup-compatibility/2006" xmlns:mv="urn:schemas-microsoft-com:mac:vml" xmlns:p="http://schemas.openxmlformats.org/presentationml/2006/main" xmlns:c="http://schemas.openxmlformats.org/drawingml/2006/chart" xmlns:dgm="http://schemas.openxmlformats.org/drawingml/2006/diagram" xmlns:o="urn:schemas-microsoft-com:office:office" xmlns:v="urn:schemas-microsoft-com:vml" xmlns:pvml="urn:schemas-microsoft-com:office:powerpoint" xmlns:com="http://schemas.openxmlformats.org/drawingml/2006/compatibility" xmlns:p14="http://schemas.microsoft.com/office/powerpoint/2010/main" xmlns:p15="http://schemas.microsoft.com/office/powerpoint/2012/main">
-  <p:cSld>
-    <p:spTree>
-      <p:nvGrpSpPr>
-        <p:cNvPr id="86" name="Shape 86"/>
-        <p:cNvGrpSpPr/>
-        <p:nvPr/>
-      </p:nvGrpSpPr>
-      <p:grpSpPr>
-        <a:xfrm>
-          <a:off x="0" y="0"/>
-          <a:ext cx="0" cy="0"/>
-          <a:chOff x="0" y="0"/>
-          <a:chExt cx="0" cy="0"/>
-        </a:xfrm>
-      </p:grpSpPr>
-      <p:sp>
-        <p:nvSpPr>
-          <p:cNvPr id="87" name="Google Shape;87;p18"/>
-          <p:cNvSpPr txBox="1"/>
-          <p:nvPr>
-            <p:ph type="title"/>
-          </p:nvPr>
-        </p:nvSpPr>
-        <p:spPr>
-          <a:xfrm>
-            <a:off x="311700" y="445025"/>
-            <a:ext cx="8520600" cy="572700"/>
-          </a:xfrm>
-          <a:prstGeom prst="rect">
-            <a:avLst/>
-          </a:prstGeom>
-        </p:spPr>
-        <p:txBody>
-          <a:bodyPr anchorCtr="0" anchor="t" bIns="91425" lIns="91425" spcFirstLastPara="1" rIns="91425" wrap="square" tIns="91425">
-            <a:noAutofit/>
-          </a:bodyPr>
-          <a:lstStyle/>
-          <a:p>
-            <a:pPr indent="0" lvl="0" marL="0" rtl="0" algn="l">
-              <a:spcBef>
-                <a:spcPts val="0"/>
-              </a:spcBef>
-              <a:spcAft>
-                <a:spcPts val="0"/>
-              </a:spcAft>
-              <a:buNone/>
-            </a:pPr>
-            <a:r>
-              <a:rPr lang="en-GB"/>
-              <a:t>Weak scaling: Gustafson’s Law</a:t>
-            </a:r>
-            <a:endParaRPr/>
-          </a:p>
-        </p:txBody>
-      </p:sp>
-      <p:sp>
-        <p:nvSpPr>
-          <p:cNvPr id="88" name="Google Shape;88;p18"/>
-          <p:cNvSpPr txBox="1"/>
-          <p:nvPr>
-            <p:ph idx="1" type="body"/>
-          </p:nvPr>
-        </p:nvSpPr>
-        <p:spPr>
-          <a:xfrm>
-            <a:off x="311700" y="1152475"/>
-            <a:ext cx="8520600" cy="3416400"/>
-          </a:xfrm>
-          <a:prstGeom prst="rect">
-            <a:avLst/>
-          </a:prstGeom>
-        </p:spPr>
-        <p:txBody>
-          <a:bodyPr anchorCtr="0" anchor="t" bIns="91425" lIns="91425" spcFirstLastPara="1" rIns="91425" wrap="square" tIns="91425">
-            <a:noAutofit/>
-          </a:bodyPr>
-          <a:lstStyle/>
-          <a:p>
-            <a:pPr indent="-342900" lvl="0" marL="457200" rtl="0" algn="l">
-              <a:spcBef>
-                <a:spcPts val="0"/>
-              </a:spcBef>
-              <a:spcAft>
-                <a:spcPts val="0"/>
-              </a:spcAft>
-              <a:buClr>
-                <a:schemeClr val="dk1"/>
-              </a:buClr>
-              <a:buSzPts val="1800"/>
-              <a:buChar char="-"/>
-            </a:pPr>
-            <a:r>
-              <a:rPr lang="en-GB">
-                <a:solidFill>
-                  <a:schemeClr val="dk1"/>
-                </a:solidFill>
-              </a:rPr>
-              <a:t>In weak scaling we scale up the problem as well as resources, we need to consider scaled speedup (SS). </a:t>
-            </a:r>
-            <a:endParaRPr>
-              <a:solidFill>
-                <a:schemeClr val="dk1"/>
-              </a:solidFill>
-            </a:endParaRPr>
-          </a:p>
-          <a:p>
-            <a:pPr indent="-342900" lvl="0" marL="457200" rtl="0" algn="l">
-              <a:spcBef>
-                <a:spcPts val="0"/>
-              </a:spcBef>
-              <a:spcAft>
-                <a:spcPts val="0"/>
-              </a:spcAft>
-              <a:buClr>
-                <a:schemeClr val="dk1"/>
-              </a:buClr>
-              <a:buSzPts val="1800"/>
-              <a:buChar char="-"/>
-            </a:pPr>
-            <a:r>
-              <a:rPr lang="en-GB">
-                <a:solidFill>
-                  <a:schemeClr val="dk1"/>
-                </a:solidFill>
-              </a:rPr>
-              <a:t>Let’s call </a:t>
-            </a:r>
-            <a:r>
-              <a:rPr i="1" lang="en-GB">
-                <a:solidFill>
-                  <a:schemeClr val="dk1"/>
-                </a:solidFill>
-              </a:rPr>
-              <a:t>s</a:t>
-            </a:r>
-            <a:r>
-              <a:rPr lang="en-GB">
-                <a:solidFill>
-                  <a:schemeClr val="dk1"/>
-                </a:solidFill>
-              </a:rPr>
-              <a:t> the proportion of code that cannot be parallelized. Hence </a:t>
-            </a:r>
-            <a:r>
-              <a:rPr i="1" lang="en-GB">
-                <a:solidFill>
-                  <a:schemeClr val="dk1"/>
-                </a:solidFill>
-              </a:rPr>
-              <a:t>1-s</a:t>
-            </a:r>
-            <a:r>
-              <a:rPr lang="en-GB">
-                <a:solidFill>
-                  <a:schemeClr val="dk1"/>
-                </a:solidFill>
-              </a:rPr>
-              <a:t> represents the remainder proportion of code that can be parallelized. The scaled speedup in strong scaling can then be calculated as:</a:t>
-            </a:r>
-            <a:endParaRPr>
-              <a:solidFill>
-                <a:schemeClr val="dk1"/>
-              </a:solidFill>
-            </a:endParaRPr>
-          </a:p>
-          <a:p>
-            <a:pPr indent="0" lvl="0" marL="457200" rtl="0" algn="l">
-              <a:spcBef>
-                <a:spcPts val="0"/>
-              </a:spcBef>
-              <a:spcAft>
-                <a:spcPts val="0"/>
-              </a:spcAft>
-              <a:buNone/>
-            </a:pPr>
-            <a:r>
-              <a:t/>
-            </a:r>
-            <a:endParaRPr>
-              <a:solidFill>
-                <a:schemeClr val="dk1"/>
-              </a:solidFill>
-            </a:endParaRPr>
-          </a:p>
-        </p:txBody>
-      </p:sp>
-      <p:pic>
-        <p:nvPicPr>
-          <p:cNvPr id="89" name="Google Shape;89;p18"/>
-          <p:cNvPicPr preferRelativeResize="0"/>
-          <p:nvPr/>
-        </p:nvPicPr>
-        <p:blipFill>
-          <a:blip r:embed="rId3">
-            <a:alphaModFix/>
-          </a:blip>
-          <a:stretch>
-            <a:fillRect/>
-          </a:stretch>
-        </p:blipFill>
-        <p:spPr>
-          <a:xfrm>
-            <a:off x="2945950" y="3161788"/>
-            <a:ext cx="3048000" cy="733425"/>
-          </a:xfrm>
-          <a:prstGeom prst="rect">
-            <a:avLst/>
-          </a:prstGeom>
-          <a:noFill/>
-          <a:ln>
-            <a:noFill/>
-          </a:ln>
-        </p:spPr>
-      </p:pic>
-    </p:spTree>
-  </p:cSld>
-  <p:clrMapOvr>
-    <a:masterClrMapping/>
-  </p:clrMapOvr>
-</p:sld>
-</file>
-
-<file path=ppt/slides/slide7.xml><?xml version="1.0" encoding="utf-8"?>
-<p:sld xmlns:a="http://schemas.openxmlformats.org/drawingml/2006/main" xmlns:r="http://schemas.openxmlformats.org/officeDocument/2006/relationships" xmlns:mc="http://schemas.openxmlformats.org/markup-compatibility/2006" xmlns:mv="urn:schemas-microsoft-com:mac:vml" xmlns:p="http://schemas.openxmlformats.org/presentationml/2006/main" xmlns:c="http://schemas.openxmlformats.org/drawingml/2006/chart" xmlns:dgm="http://schemas.openxmlformats.org/drawingml/2006/diagram" xmlns:o="urn:schemas-microsoft-com:office:office" xmlns:v="urn:schemas-microsoft-com:vml" xmlns:pvml="urn:schemas-microsoft-com:office:powerpoint" xmlns:com="http://schemas.openxmlformats.org/drawingml/2006/compatibility" xmlns:p14="http://schemas.microsoft.com/office/powerpoint/2010/main" xmlns:p15="http://schemas.microsoft.com/office/powerpoint/2012/main">
-  <p:cSld>
-    <p:spTree>
-      <p:nvGrpSpPr>
-        <p:cNvPr id="93" name="Shape 93"/>
-        <p:cNvGrpSpPr/>
-        <p:nvPr/>
-      </p:nvGrpSpPr>
-      <p:grpSpPr>
-        <a:xfrm>
-          <a:off x="0" y="0"/>
-          <a:ext cx="0" cy="0"/>
-          <a:chOff x="0" y="0"/>
-          <a:chExt cx="0" cy="0"/>
-        </a:xfrm>
-      </p:grpSpPr>
-      <p:sp>
-        <p:nvSpPr>
-          <p:cNvPr id="94" name="Google Shape;94;p19"/>
-          <p:cNvSpPr txBox="1"/>
-          <p:nvPr>
-            <p:ph type="title"/>
-          </p:nvPr>
-        </p:nvSpPr>
-        <p:spPr>
-          <a:xfrm>
-            <a:off x="311700" y="445025"/>
-            <a:ext cx="8520600" cy="572700"/>
-          </a:xfrm>
-          <a:prstGeom prst="rect">
-            <a:avLst/>
-          </a:prstGeom>
-        </p:spPr>
-        <p:txBody>
-          <a:bodyPr anchorCtr="0" anchor="t" bIns="91425" lIns="91425" spcFirstLastPara="1" rIns="91425" wrap="square" tIns="91425">
-            <a:noAutofit/>
-          </a:bodyPr>
-          <a:lstStyle/>
-          <a:p>
-            <a:pPr indent="0" lvl="0" marL="0" rtl="0" algn="l">
-              <a:spcBef>
-                <a:spcPts val="0"/>
-              </a:spcBef>
-              <a:spcAft>
-                <a:spcPts val="0"/>
-              </a:spcAft>
-              <a:buNone/>
-            </a:pPr>
-            <a:r>
-              <a:rPr lang="en-GB"/>
-              <a:t>Scaling in a cluster (1)</a:t>
-            </a:r>
-            <a:endParaRPr/>
-          </a:p>
-        </p:txBody>
-      </p:sp>
-      <p:sp>
-        <p:nvSpPr>
-          <p:cNvPr id="95" name="Google Shape;95;p19"/>
-          <p:cNvSpPr txBox="1"/>
-          <p:nvPr>
-            <p:ph idx="1" type="body"/>
-          </p:nvPr>
-        </p:nvSpPr>
-        <p:spPr>
-          <a:xfrm>
-            <a:off x="311700" y="1152475"/>
-            <a:ext cx="8520600" cy="3416400"/>
-          </a:xfrm>
-          <a:prstGeom prst="rect">
-            <a:avLst/>
-          </a:prstGeom>
-        </p:spPr>
-        <p:txBody>
-          <a:bodyPr anchorCtr="0" anchor="t" bIns="91425" lIns="91425" spcFirstLastPara="1" rIns="91425" wrap="square" tIns="91425">
-            <a:noAutofit/>
-          </a:bodyPr>
-          <a:lstStyle/>
-          <a:p>
-            <a:pPr indent="-342900" lvl="0" marL="457200" rtl="0" algn="l">
-              <a:spcBef>
-                <a:spcPts val="0"/>
-              </a:spcBef>
-              <a:spcAft>
-                <a:spcPts val="0"/>
-              </a:spcAft>
-              <a:buSzPts val="1800"/>
-              <a:buChar char="-"/>
-            </a:pPr>
-            <a:r>
-              <a:rPr lang="en-GB"/>
-              <a:t>Running multiple instances of a program in parallel</a:t>
-            </a:r>
-            <a:endParaRPr/>
-          </a:p>
-          <a:p>
-            <a:pPr indent="-342900" lvl="0" marL="457200" rtl="0" algn="l">
-              <a:spcBef>
-                <a:spcPts val="0"/>
-              </a:spcBef>
-              <a:spcAft>
-                <a:spcPts val="0"/>
-              </a:spcAft>
-              <a:buSzPts val="1800"/>
-              <a:buChar char="-"/>
-            </a:pPr>
-            <a:r>
-              <a:rPr lang="en-GB"/>
-              <a:t>Scheduler support: Job Array</a:t>
-            </a:r>
-            <a:endParaRPr/>
-          </a:p>
-          <a:p>
-            <a:pPr indent="-342900" lvl="0" marL="457200" rtl="0" algn="l">
-              <a:spcBef>
-                <a:spcPts val="0"/>
-              </a:spcBef>
-              <a:spcAft>
-                <a:spcPts val="0"/>
-              </a:spcAft>
-              <a:buSzPts val="1800"/>
-              <a:buChar char="-"/>
-            </a:pPr>
-            <a:r>
-              <a:rPr lang="en-GB"/>
-              <a:t>Module support: gnu-parallel</a:t>
-            </a:r>
-            <a:endParaRPr/>
-          </a:p>
-          <a:p>
-            <a:pPr indent="-342900" lvl="0" marL="457200" rtl="0" algn="l">
-              <a:spcBef>
-                <a:spcPts val="0"/>
-              </a:spcBef>
-              <a:spcAft>
-                <a:spcPts val="0"/>
-              </a:spcAft>
-              <a:buSzPts val="1800"/>
-              <a:buChar char="-"/>
-            </a:pPr>
-            <a:r>
-              <a:rPr lang="en-GB"/>
-              <a:t>No code modification is needed. </a:t>
-            </a:r>
-            <a:endParaRPr/>
-          </a:p>
-        </p:txBody>
-      </p:sp>
-    </p:spTree>
-  </p:cSld>
-  <p:clrMapOvr>
-    <a:masterClrMapping/>
-  </p:clrMapOvr>
-</p:sld>
-</file>
-
-<file path=ppt/slides/slide8.xml><?xml version="1.0" encoding="utf-8"?>
-<p:sld xmlns:a="http://schemas.openxmlformats.org/drawingml/2006/main" xmlns:r="http://schemas.openxmlformats.org/officeDocument/2006/relationships" xmlns:mc="http://schemas.openxmlformats.org/markup-compatibility/2006" xmlns:mv="urn:schemas-microsoft-com:mac:vml" xmlns:p="http://schemas.openxmlformats.org/presentationml/2006/main" xmlns:c="http://schemas.openxmlformats.org/drawingml/2006/chart" xmlns:dgm="http://schemas.openxmlformats.org/drawingml/2006/diagram" xmlns:o="urn:schemas-microsoft-com:office:office" xmlns:v="urn:schemas-microsoft-com:vml" xmlns:pvml="urn:schemas-microsoft-com:office:powerpoint" xmlns:com="http://schemas.openxmlformats.org/drawingml/2006/compatibility" xmlns:p14="http://schemas.microsoft.com/office/powerpoint/2010/main" xmlns:p15="http://schemas.microsoft.com/office/powerpoint/2012/main">
-  <p:cSld>
-    <p:spTree>
-      <p:nvGrpSpPr>
-        <p:cNvPr id="99" name="Shape 99"/>
-        <p:cNvGrpSpPr/>
-        <p:nvPr/>
-      </p:nvGrpSpPr>
-      <p:grpSpPr>
-        <a:xfrm>
-          <a:off x="0" y="0"/>
-          <a:ext cx="0" cy="0"/>
-          <a:chOff x="0" y="0"/>
-          <a:chExt cx="0" cy="0"/>
-        </a:xfrm>
-      </p:grpSpPr>
-      <p:sp>
-        <p:nvSpPr>
-          <p:cNvPr id="100" name="Google Shape;100;p20"/>
-          <p:cNvSpPr txBox="1"/>
-          <p:nvPr>
-            <p:ph type="title"/>
-          </p:nvPr>
-        </p:nvSpPr>
-        <p:spPr>
-          <a:xfrm>
-            <a:off x="311700" y="445025"/>
-            <a:ext cx="8520600" cy="572700"/>
-          </a:xfrm>
-          <a:prstGeom prst="rect">
-            <a:avLst/>
-          </a:prstGeom>
-        </p:spPr>
-        <p:txBody>
-          <a:bodyPr anchorCtr="0" anchor="t" bIns="91425" lIns="91425" spcFirstLastPara="1" rIns="91425" wrap="square" tIns="91425">
-            <a:noAutofit/>
-          </a:bodyPr>
-          <a:lstStyle/>
-          <a:p>
-            <a:pPr indent="0" lvl="0" marL="0" rtl="0" algn="l">
-              <a:spcBef>
-                <a:spcPts val="0"/>
-              </a:spcBef>
-              <a:spcAft>
-                <a:spcPts val="0"/>
-              </a:spcAft>
-              <a:buNone/>
-            </a:pPr>
-            <a:r>
-              <a:rPr lang="en-GB"/>
-              <a:t>Quadratic Calculation</a:t>
-            </a:r>
-            <a:endParaRPr/>
-          </a:p>
-        </p:txBody>
-      </p:sp>
-      <p:pic>
-        <p:nvPicPr>
-          <p:cNvPr id="101" name="Google Shape;101;p20"/>
-          <p:cNvPicPr preferRelativeResize="0"/>
-          <p:nvPr/>
-        </p:nvPicPr>
-        <p:blipFill>
-          <a:blip r:embed="rId3">
-            <a:alphaModFix/>
-          </a:blip>
-          <a:stretch>
-            <a:fillRect/>
-          </a:stretch>
-        </p:blipFill>
-        <p:spPr>
-          <a:xfrm>
-            <a:off x="114638" y="1494550"/>
-            <a:ext cx="4638675" cy="2628900"/>
-          </a:xfrm>
-          <a:prstGeom prst="rect">
-            <a:avLst/>
-          </a:prstGeom>
-          <a:noFill/>
-          <a:ln>
-            <a:noFill/>
-          </a:ln>
-        </p:spPr>
-      </p:pic>
-      <p:pic>
-        <p:nvPicPr>
-          <p:cNvPr id="102" name="Google Shape;102;p20"/>
-          <p:cNvPicPr preferRelativeResize="0"/>
-          <p:nvPr/>
-        </p:nvPicPr>
-        <p:blipFill>
-          <a:blip r:embed="rId4">
-            <a:alphaModFix/>
-          </a:blip>
-          <a:stretch>
-            <a:fillRect/>
-          </a:stretch>
-        </p:blipFill>
-        <p:spPr>
-          <a:xfrm>
-            <a:off x="5540963" y="2189150"/>
-            <a:ext cx="2771775" cy="1343025"/>
-          </a:xfrm>
-          <a:prstGeom prst="rect">
-            <a:avLst/>
-          </a:prstGeom>
-          <a:noFill/>
-          <a:ln>
-            <a:noFill/>
-          </a:ln>
-        </p:spPr>
-      </p:pic>
-      <p:sp>
-        <p:nvSpPr>
-          <p:cNvPr id="103" name="Google Shape;103;p20"/>
-          <p:cNvSpPr txBox="1"/>
-          <p:nvPr/>
-        </p:nvSpPr>
-        <p:spPr>
-          <a:xfrm>
-            <a:off x="5174275" y="1629275"/>
-            <a:ext cx="3329400" cy="422100"/>
-          </a:xfrm>
-          <a:prstGeom prst="rect">
-            <a:avLst/>
-          </a:prstGeom>
-          <a:noFill/>
-          <a:ln>
-            <a:noFill/>
-          </a:ln>
-        </p:spPr>
-        <p:txBody>
-          <a:bodyPr anchorCtr="0" anchor="t" bIns="91425" lIns="91425" spcFirstLastPara="1" rIns="91425" wrap="square" tIns="91425">
-            <a:noAutofit/>
-          </a:bodyPr>
-          <a:lstStyle/>
-          <a:p>
-            <a:pPr indent="0" lvl="0" marL="0" rtl="0" algn="l">
-              <a:spcBef>
-                <a:spcPts val="0"/>
-              </a:spcBef>
-              <a:spcAft>
-                <a:spcPts val="0"/>
-              </a:spcAft>
-              <a:buNone/>
-            </a:pPr>
-            <a:r>
-              <a:rPr lang="en-GB"/>
-              <a:t>Input files for 8 quadratic functions</a:t>
-            </a:r>
-            <a:endParaRPr/>
-          </a:p>
-        </p:txBody>
-      </p:sp>
-    </p:spTree>
-  </p:cSld>
-  <p:clrMapOvr>
-    <a:masterClrMapping/>
-  </p:clrMapOvr>
-</p:sld>
-</file>
-
-<file path=ppt/slides/slide9.xml><?xml version="1.0" encoding="utf-8"?>
-<p:sld xmlns:a="http://schemas.openxmlformats.org/drawingml/2006/main" xmlns:r="http://schemas.openxmlformats.org/officeDocument/2006/relationships" xmlns:mc="http://schemas.openxmlformats.org/markup-compatibility/2006" xmlns:mv="urn:schemas-microsoft-com:mac:vml" xmlns:p="http://schemas.openxmlformats.org/presentationml/2006/main" xmlns:c="http://schemas.openxmlformats.org/drawingml/2006/chart" xmlns:dgm="http://schemas.openxmlformats.org/drawingml/2006/diagram" xmlns:o="urn:schemas-microsoft-com:office:office" xmlns:v="urn:schemas-microsoft-com:vml" xmlns:pvml="urn:schemas-microsoft-com:office:powerpoint" xmlns:com="http://schemas.openxmlformats.org/drawingml/2006/compatibility" xmlns:p14="http://schemas.microsoft.com/office/powerpoint/2010/main" xmlns:p15="http://schemas.microsoft.com/office/powerpoint/2012/main">
-  <p:cSld>
-    <p:spTree>
-      <p:nvGrpSpPr>
-        <p:cNvPr id="107" name="Shape 107"/>
-        <p:cNvGrpSpPr/>
-        <p:nvPr/>
-      </p:nvGrpSpPr>
-      <p:grpSpPr>
-        <a:xfrm>
-          <a:off x="0" y="0"/>
-          <a:ext cx="0" cy="0"/>
-          <a:chOff x="0" y="0"/>
-          <a:chExt cx="0" cy="0"/>
-        </a:xfrm>
-      </p:grpSpPr>
-      <p:sp>
-        <p:nvSpPr>
-          <p:cNvPr id="108" name="Google Shape;108;p21"/>
-          <p:cNvSpPr txBox="1"/>
-          <p:nvPr>
-            <p:ph type="title"/>
-          </p:nvPr>
-        </p:nvSpPr>
-        <p:spPr>
-          <a:xfrm>
-            <a:off x="311700" y="445025"/>
-            <a:ext cx="8520600" cy="572700"/>
-          </a:xfrm>
-          <a:prstGeom prst="rect">
-            <a:avLst/>
-          </a:prstGeom>
-        </p:spPr>
-        <p:txBody>
-          <a:bodyPr anchorCtr="0" anchor="t" bIns="91425" lIns="91425" spcFirstLastPara="1" rIns="91425" wrap="square" tIns="91425">
-            <a:noAutofit/>
-          </a:bodyPr>
-          <a:lstStyle/>
-          <a:p>
-            <a:pPr indent="0" lvl="0" marL="0" rtl="0" algn="l">
+            <a:pPr marL="0" lvl="0" indent="0" algn="l" rtl="0">
               <a:spcBef>
                 <a:spcPts val="0"/>
               </a:spcBef>
@@ -8323,12 +6731,12 @@
           </a:ln>
         </p:spPr>
         <p:txBody>
-          <a:bodyPr anchorCtr="0" anchor="t" bIns="91425" lIns="91425" spcFirstLastPara="1" rIns="91425" wrap="square" tIns="91425">
+          <a:bodyPr spcFirstLastPara="1" wrap="square" lIns="91425" tIns="91425" rIns="91425" bIns="91425" anchor="t" anchorCtr="0">
             <a:noAutofit/>
           </a:bodyPr>
           <a:lstStyle/>
           <a:p>
-            <a:pPr indent="0" lvl="0" marL="0" rtl="0" algn="l">
+            <a:pPr marL="0" lvl="0" indent="0" algn="l" rtl="0">
               <a:spcBef>
                 <a:spcPts val="0"/>
               </a:spcBef>
@@ -8365,12 +6773,12 @@
           </a:ln>
         </p:spPr>
         <p:txBody>
-          <a:bodyPr anchorCtr="0" anchor="t" bIns="91425" lIns="91425" spcFirstLastPara="1" rIns="91425" wrap="square" tIns="91425">
+          <a:bodyPr spcFirstLastPara="1" wrap="square" lIns="91425" tIns="91425" rIns="91425" bIns="91425" anchor="t" anchorCtr="0">
             <a:noAutofit/>
           </a:bodyPr>
           <a:lstStyle/>
           <a:p>
-            <a:pPr indent="0" lvl="0" marL="0" rtl="0" algn="l">
+            <a:pPr marL="0" lvl="0" indent="0" algn="l" rtl="0">
               <a:spcBef>
                 <a:spcPts val="0"/>
               </a:spcBef>
@@ -8395,8 +6803,2220 @@
 </p:sld>
 </file>
 
+<file path=ppt/slides/slide11.xml><?xml version="1.0" encoding="utf-8"?>
+<p:sld xmlns:a="http://schemas.openxmlformats.org/drawingml/2006/main" xmlns:r="http://schemas.openxmlformats.org/officeDocument/2006/relationships" xmlns:p="http://schemas.openxmlformats.org/presentationml/2006/main">
+  <p:cSld>
+    <p:spTree>
+      <p:nvGrpSpPr>
+        <p:cNvPr id="1" name="Shape 117"/>
+        <p:cNvGrpSpPr/>
+        <p:nvPr/>
+      </p:nvGrpSpPr>
+      <p:grpSpPr>
+        <a:xfrm>
+          <a:off x="0" y="0"/>
+          <a:ext cx="0" cy="0"/>
+          <a:chOff x="0" y="0"/>
+          <a:chExt cx="0" cy="0"/>
+        </a:xfrm>
+      </p:grpSpPr>
+      <p:sp>
+        <p:nvSpPr>
+          <p:cNvPr id="118" name="Google Shape;118;p22"/>
+          <p:cNvSpPr txBox="1">
+            <a:spLocks noGrp="1"/>
+          </p:cNvSpPr>
+          <p:nvPr>
+            <p:ph type="title"/>
+          </p:nvPr>
+        </p:nvSpPr>
+        <p:spPr>
+          <a:xfrm>
+            <a:off x="311700" y="445025"/>
+            <a:ext cx="8520600" cy="572700"/>
+          </a:xfrm>
+          <a:prstGeom prst="rect">
+            <a:avLst/>
+          </a:prstGeom>
+        </p:spPr>
+        <p:txBody>
+          <a:bodyPr spcFirstLastPara="1" wrap="square" lIns="91425" tIns="91425" rIns="91425" bIns="91425" anchor="t" anchorCtr="0">
+            <a:noAutofit/>
+          </a:bodyPr>
+          <a:lstStyle/>
+          <a:p>
+            <a:pPr marL="0" lvl="0" indent="0" algn="l" rtl="0">
+              <a:spcBef>
+                <a:spcPts val="0"/>
+              </a:spcBef>
+              <a:spcAft>
+                <a:spcPts val="0"/>
+              </a:spcAft>
+              <a:buNone/>
+            </a:pPr>
+            <a:r>
+              <a:rPr lang="en-GB"/>
+              <a:t>GNU-Parallel</a:t>
+            </a:r>
+            <a:endParaRPr/>
+          </a:p>
+        </p:txBody>
+      </p:sp>
+      <p:pic>
+        <p:nvPicPr>
+          <p:cNvPr id="119" name="Google Shape;119;p22"/>
+          <p:cNvPicPr preferRelativeResize="0"/>
+          <p:nvPr/>
+        </p:nvPicPr>
+        <p:blipFill>
+          <a:blip r:embed="rId3">
+            <a:alphaModFix/>
+          </a:blip>
+          <a:stretch>
+            <a:fillRect/>
+          </a:stretch>
+        </p:blipFill>
+        <p:spPr>
+          <a:xfrm>
+            <a:off x="0" y="1124875"/>
+            <a:ext cx="7314226" cy="2082150"/>
+          </a:xfrm>
+          <a:prstGeom prst="rect">
+            <a:avLst/>
+          </a:prstGeom>
+          <a:noFill/>
+          <a:ln>
+            <a:noFill/>
+          </a:ln>
+        </p:spPr>
+      </p:pic>
+      <p:pic>
+        <p:nvPicPr>
+          <p:cNvPr id="120" name="Google Shape;120;p22"/>
+          <p:cNvPicPr preferRelativeResize="0"/>
+          <p:nvPr/>
+        </p:nvPicPr>
+        <p:blipFill>
+          <a:blip r:embed="rId4">
+            <a:alphaModFix/>
+          </a:blip>
+          <a:stretch>
+            <a:fillRect/>
+          </a:stretch>
+        </p:blipFill>
+        <p:spPr>
+          <a:xfrm>
+            <a:off x="7524213" y="2261163"/>
+            <a:ext cx="1438275" cy="2733675"/>
+          </a:xfrm>
+          <a:prstGeom prst="rect">
+            <a:avLst/>
+          </a:prstGeom>
+          <a:noFill/>
+          <a:ln>
+            <a:noFill/>
+          </a:ln>
+        </p:spPr>
+      </p:pic>
+      <p:sp>
+        <p:nvSpPr>
+          <p:cNvPr id="121" name="Google Shape;121;p22"/>
+          <p:cNvSpPr txBox="1"/>
+          <p:nvPr/>
+        </p:nvSpPr>
+        <p:spPr>
+          <a:xfrm>
+            <a:off x="5135125" y="3779175"/>
+            <a:ext cx="2212800" cy="1215600"/>
+          </a:xfrm>
+          <a:prstGeom prst="rect">
+            <a:avLst/>
+          </a:prstGeom>
+          <a:noFill/>
+          <a:ln>
+            <a:noFill/>
+          </a:ln>
+        </p:spPr>
+        <p:txBody>
+          <a:bodyPr spcFirstLastPara="1" wrap="square" lIns="91425" tIns="91425" rIns="91425" bIns="91425" anchor="t" anchorCtr="0">
+            <a:noAutofit/>
+          </a:bodyPr>
+          <a:lstStyle/>
+          <a:p>
+            <a:pPr marL="0" lvl="0" indent="0" algn="l" rtl="0">
+              <a:spcBef>
+                <a:spcPts val="0"/>
+              </a:spcBef>
+              <a:spcAft>
+                <a:spcPts val="0"/>
+              </a:spcAft>
+              <a:buNone/>
+            </a:pPr>
+            <a:r>
+              <a:rPr lang="en-GB"/>
+              <a:t>Output from 8 quadratic functions within one job.</a:t>
+            </a:r>
+            <a:endParaRPr/>
+          </a:p>
+        </p:txBody>
+      </p:sp>
+    </p:spTree>
+  </p:cSld>
+  <p:clrMapOvr>
+    <a:masterClrMapping/>
+  </p:clrMapOvr>
+</p:sld>
+</file>
+
+<file path=ppt/slides/slide2.xml><?xml version="1.0" encoding="utf-8"?>
+<p:sld xmlns:a="http://schemas.openxmlformats.org/drawingml/2006/main" xmlns:r="http://schemas.openxmlformats.org/officeDocument/2006/relationships" xmlns:p="http://schemas.openxmlformats.org/presentationml/2006/main">
+  <p:cSld>
+    <p:spTree>
+      <p:nvGrpSpPr>
+        <p:cNvPr id="1" name=""/>
+        <p:cNvGrpSpPr/>
+        <p:nvPr/>
+      </p:nvGrpSpPr>
+      <p:grpSpPr>
+        <a:xfrm>
+          <a:off x="0" y="0"/>
+          <a:ext cx="0" cy="0"/>
+          <a:chOff x="0" y="0"/>
+          <a:chExt cx="0" cy="0"/>
+        </a:xfrm>
+      </p:grpSpPr>
+      <p:sp>
+        <p:nvSpPr>
+          <p:cNvPr id="2" name="Title 1"/>
+          <p:cNvSpPr>
+            <a:spLocks noGrp="1"/>
+          </p:cNvSpPr>
+          <p:nvPr>
+            <p:ph type="ctrTitle"/>
+          </p:nvPr>
+        </p:nvSpPr>
+        <p:spPr>
+          <a:xfrm>
+            <a:off x="566059" y="0"/>
+            <a:ext cx="8011886" cy="5143500"/>
+          </a:xfrm>
+        </p:spPr>
+        <p:txBody>
+          <a:bodyPr anchor="ctr">
+            <a:noAutofit/>
+          </a:bodyPr>
+          <a:lstStyle/>
+          <a:p>
+            <a:pPr algn="l" fontAlgn="ctr"/>
+            <a:r>
+              <a:rPr lang="en-US" sz="2100" dirty="0">
+                <a:latin typeface="Times New Roman" charset="0"/>
+                <a:ea typeface="Times New Roman" charset="0"/>
+                <a:cs typeface="Times New Roman" charset="0"/>
+              </a:rPr>
+              <a:t>Except where otherwise noted, this work by</a:t>
+            </a:r>
+            <a:br>
+              <a:rPr lang="en-US" sz="2100" dirty="0">
+                <a:latin typeface="Times New Roman" charset="0"/>
+                <a:ea typeface="Times New Roman" charset="0"/>
+                <a:cs typeface="Times New Roman" charset="0"/>
+              </a:rPr>
+            </a:br>
+            <a:r>
+              <a:rPr lang="en-US" sz="2100" dirty="0">
+                <a:latin typeface="Times New Roman" charset="0"/>
+                <a:ea typeface="Times New Roman" charset="0"/>
+                <a:cs typeface="Times New Roman" charset="0"/>
+              </a:rPr>
+              <a:t>The Shodor Education Foundation, Inc. is licensed under</a:t>
+            </a:r>
+            <a:br>
+              <a:rPr lang="en-US" sz="2100" dirty="0">
+                <a:latin typeface="Times New Roman" charset="0"/>
+                <a:ea typeface="Times New Roman" charset="0"/>
+                <a:cs typeface="Times New Roman" charset="0"/>
+              </a:rPr>
+            </a:br>
+            <a:r>
+              <a:rPr lang="en-US" sz="2100" dirty="0">
+                <a:latin typeface="Times New Roman" charset="0"/>
+                <a:ea typeface="Times New Roman" charset="0"/>
+                <a:cs typeface="Times New Roman" charset="0"/>
+              </a:rPr>
+              <a:t>CC BY-NC 4.0. To view a copy of this license, visit </a:t>
+            </a:r>
+            <a:r>
+              <a:rPr lang="en-US" sz="2100" dirty="0">
+                <a:latin typeface="Times New Roman" charset="0"/>
+                <a:ea typeface="Times New Roman" charset="0"/>
+                <a:cs typeface="Times New Roman" charset="0"/>
+                <a:hlinkClick r:id="rId2"/>
+              </a:rPr>
+              <a:t>https://creativecommons.org/licenses/by-nc/4.0</a:t>
+            </a:r>
+            <a:r>
+              <a:rPr lang="en-US" sz="2100" dirty="0">
+                <a:latin typeface="Times New Roman" charset="0"/>
+                <a:ea typeface="Times New Roman" charset="0"/>
+                <a:cs typeface="Times New Roman" charset="0"/>
+              </a:rPr>
+              <a:t/>
+            </a:r>
+            <a:br>
+              <a:rPr lang="en-US" sz="2100" dirty="0">
+                <a:latin typeface="Times New Roman" charset="0"/>
+                <a:ea typeface="Times New Roman" charset="0"/>
+                <a:cs typeface="Times New Roman" charset="0"/>
+              </a:rPr>
+            </a:br>
+            <a:r>
+              <a:rPr lang="en-US" sz="2100" dirty="0">
+                <a:latin typeface="Times New Roman" charset="0"/>
+                <a:ea typeface="Times New Roman" charset="0"/>
+                <a:cs typeface="Times New Roman" charset="0"/>
+              </a:rPr>
+              <a:t/>
+            </a:r>
+            <a:br>
+              <a:rPr lang="en-US" sz="2100" dirty="0">
+                <a:latin typeface="Times New Roman" charset="0"/>
+                <a:ea typeface="Times New Roman" charset="0"/>
+                <a:cs typeface="Times New Roman" charset="0"/>
+              </a:rPr>
+            </a:br>
+            <a:r>
+              <a:rPr lang="en-US" sz="2100" dirty="0">
+                <a:latin typeface="Times New Roman" charset="0"/>
+                <a:ea typeface="Times New Roman" charset="0"/>
+                <a:cs typeface="Times New Roman" charset="0"/>
+              </a:rPr>
+              <a:t>Browse and search the full curriculum at </a:t>
+            </a:r>
+            <a:r>
+              <a:rPr lang="en-US" sz="2100" dirty="0">
+                <a:latin typeface="Times New Roman" charset="0"/>
+                <a:ea typeface="Times New Roman" charset="0"/>
+                <a:cs typeface="Times New Roman" charset="0"/>
+                <a:hlinkClick r:id="rId3"/>
+              </a:rPr>
+              <a:t>http://shodor.org/petascale/materials/semester-curriculum</a:t>
+            </a:r>
+            <a:r>
+              <a:rPr lang="en-US" sz="2100" dirty="0">
+                <a:latin typeface="Times New Roman" charset="0"/>
+                <a:ea typeface="Times New Roman" charset="0"/>
+                <a:cs typeface="Times New Roman" charset="0"/>
+              </a:rPr>
+              <a:t/>
+            </a:r>
+            <a:br>
+              <a:rPr lang="en-US" sz="2100" dirty="0">
+                <a:latin typeface="Times New Roman" charset="0"/>
+                <a:ea typeface="Times New Roman" charset="0"/>
+                <a:cs typeface="Times New Roman" charset="0"/>
+              </a:rPr>
+            </a:br>
+            <a:r>
+              <a:rPr lang="en-US" sz="2100" dirty="0">
+                <a:latin typeface="Times New Roman" charset="0"/>
+                <a:ea typeface="Times New Roman" charset="0"/>
+                <a:cs typeface="Times New Roman" charset="0"/>
+              </a:rPr>
+              <a:t/>
+            </a:r>
+            <a:br>
+              <a:rPr lang="en-US" sz="2100" dirty="0">
+                <a:latin typeface="Times New Roman" charset="0"/>
+                <a:ea typeface="Times New Roman" charset="0"/>
+                <a:cs typeface="Times New Roman" charset="0"/>
+              </a:rPr>
+            </a:br>
+            <a:r>
+              <a:rPr lang="en-US" sz="2100" dirty="0">
+                <a:latin typeface="Times New Roman" charset="0"/>
+                <a:ea typeface="Times New Roman" charset="0"/>
+                <a:cs typeface="Times New Roman" charset="0"/>
+              </a:rPr>
+              <a:t>We welcome your improvements! You can submit your proposed changes to this material and the rest of the curriculum in our GitHub repository at </a:t>
+            </a:r>
+            <a:r>
+              <a:rPr lang="en-US" sz="2100" dirty="0">
+                <a:latin typeface="Times New Roman" charset="0"/>
+                <a:ea typeface="Times New Roman" charset="0"/>
+                <a:cs typeface="Times New Roman" charset="0"/>
+                <a:hlinkClick r:id="rId4"/>
+              </a:rPr>
+              <a:t>https://github.com/shodor-education/petascale-semester-curriculum</a:t>
+            </a:r>
+            <a:r>
+              <a:rPr lang="en-US" sz="2100" dirty="0">
+                <a:latin typeface="Times New Roman" charset="0"/>
+                <a:ea typeface="Times New Roman" charset="0"/>
+                <a:cs typeface="Times New Roman" charset="0"/>
+              </a:rPr>
+              <a:t/>
+            </a:r>
+            <a:br>
+              <a:rPr lang="en-US" sz="2100" dirty="0">
+                <a:latin typeface="Times New Roman" charset="0"/>
+                <a:ea typeface="Times New Roman" charset="0"/>
+                <a:cs typeface="Times New Roman" charset="0"/>
+              </a:rPr>
+            </a:br>
+            <a:r>
+              <a:rPr lang="en-US" sz="2100" dirty="0">
+                <a:latin typeface="Times New Roman" charset="0"/>
+                <a:ea typeface="Times New Roman" charset="0"/>
+                <a:cs typeface="Times New Roman" charset="0"/>
+              </a:rPr>
+              <a:t/>
+            </a:r>
+            <a:br>
+              <a:rPr lang="en-US" sz="2100" dirty="0">
+                <a:latin typeface="Times New Roman" charset="0"/>
+                <a:ea typeface="Times New Roman" charset="0"/>
+                <a:cs typeface="Times New Roman" charset="0"/>
+              </a:rPr>
+            </a:br>
+            <a:r>
+              <a:rPr lang="en-US" sz="2100" dirty="0">
+                <a:latin typeface="Times New Roman" charset="0"/>
+                <a:ea typeface="Times New Roman" charset="0"/>
+                <a:cs typeface="Times New Roman" charset="0"/>
+              </a:rPr>
+              <a:t>We want to hear from you! Please let us know your experiences using this material by sending email to </a:t>
+            </a:r>
+            <a:r>
+              <a:rPr lang="en-US" sz="2100" dirty="0">
+                <a:latin typeface="Times New Roman" charset="0"/>
+                <a:ea typeface="Times New Roman" charset="0"/>
+                <a:cs typeface="Times New Roman" charset="0"/>
+                <a:hlinkClick r:id="rId5"/>
+              </a:rPr>
+              <a:t>petascale@shodor.org</a:t>
+            </a:r>
+            <a:endParaRPr lang="en-US" sz="2700" dirty="0">
+              <a:latin typeface="Times New Roman" charset="0"/>
+              <a:ea typeface="Times New Roman" charset="0"/>
+              <a:cs typeface="Times New Roman" charset="0"/>
+            </a:endParaRPr>
+          </a:p>
+        </p:txBody>
+      </p:sp>
+    </p:spTree>
+    <p:extLst>
+      <p:ext uri="{BB962C8B-B14F-4D97-AF65-F5344CB8AC3E}">
+        <p14:creationId xmlns:p14="http://schemas.microsoft.com/office/powerpoint/2010/main" val="1831298387"/>
+      </p:ext>
+    </p:extLst>
+  </p:cSld>
+  <p:clrMapOvr>
+    <a:masterClrMapping/>
+  </p:clrMapOvr>
+  <p:timing>
+    <p:tnLst>
+      <p:par>
+        <p:cTn id="1" dur="indefinite" restart="never" nodeType="tmRoot"/>
+      </p:par>
+    </p:tnLst>
+  </p:timing>
+</p:sld>
+</file>
+
+<file path=ppt/slides/slide3.xml><?xml version="1.0" encoding="utf-8"?>
+<p:sld xmlns:a="http://schemas.openxmlformats.org/drawingml/2006/main" xmlns:r="http://schemas.openxmlformats.org/officeDocument/2006/relationships" xmlns:p="http://schemas.openxmlformats.org/presentationml/2006/main">
+  <p:cSld>
+    <p:spTree>
+      <p:nvGrpSpPr>
+        <p:cNvPr id="1" name="Shape 60"/>
+        <p:cNvGrpSpPr/>
+        <p:nvPr/>
+      </p:nvGrpSpPr>
+      <p:grpSpPr>
+        <a:xfrm>
+          <a:off x="0" y="0"/>
+          <a:ext cx="0" cy="0"/>
+          <a:chOff x="0" y="0"/>
+          <a:chExt cx="0" cy="0"/>
+        </a:xfrm>
+      </p:grpSpPr>
+      <p:sp>
+        <p:nvSpPr>
+          <p:cNvPr id="61" name="Google Shape;61;p14"/>
+          <p:cNvSpPr txBox="1">
+            <a:spLocks noGrp="1"/>
+          </p:cNvSpPr>
+          <p:nvPr>
+            <p:ph type="title"/>
+          </p:nvPr>
+        </p:nvSpPr>
+        <p:spPr>
+          <a:xfrm>
+            <a:off x="311700" y="445025"/>
+            <a:ext cx="8520600" cy="572700"/>
+          </a:xfrm>
+          <a:prstGeom prst="rect">
+            <a:avLst/>
+          </a:prstGeom>
+        </p:spPr>
+        <p:txBody>
+          <a:bodyPr spcFirstLastPara="1" wrap="square" lIns="91425" tIns="91425" rIns="91425" bIns="91425" anchor="t" anchorCtr="0">
+            <a:noAutofit/>
+          </a:bodyPr>
+          <a:lstStyle/>
+          <a:p>
+            <a:pPr marL="0" lvl="0" indent="0" algn="l" rtl="0">
+              <a:spcBef>
+                <a:spcPts val="0"/>
+              </a:spcBef>
+              <a:spcAft>
+                <a:spcPts val="0"/>
+              </a:spcAft>
+              <a:buNone/>
+            </a:pPr>
+            <a:r>
+              <a:rPr lang="en-GB"/>
+              <a:t>Overall Concept</a:t>
+            </a:r>
+            <a:endParaRPr/>
+          </a:p>
+        </p:txBody>
+      </p:sp>
+      <p:sp>
+        <p:nvSpPr>
+          <p:cNvPr id="62" name="Google Shape;62;p14"/>
+          <p:cNvSpPr txBox="1">
+            <a:spLocks noGrp="1"/>
+          </p:cNvSpPr>
+          <p:nvPr>
+            <p:ph type="body" idx="1"/>
+          </p:nvPr>
+        </p:nvSpPr>
+        <p:spPr>
+          <a:xfrm>
+            <a:off x="311700" y="1152475"/>
+            <a:ext cx="8520600" cy="3416400"/>
+          </a:xfrm>
+          <a:prstGeom prst="rect">
+            <a:avLst/>
+          </a:prstGeom>
+        </p:spPr>
+        <p:txBody>
+          <a:bodyPr spcFirstLastPara="1" wrap="square" lIns="91425" tIns="91425" rIns="91425" bIns="91425" anchor="t" anchorCtr="0">
+            <a:noAutofit/>
+          </a:bodyPr>
+          <a:lstStyle/>
+          <a:p>
+            <a:pPr marL="0" lvl="0" indent="0" algn="l" rtl="0">
+              <a:spcBef>
+                <a:spcPts val="0"/>
+              </a:spcBef>
+              <a:spcAft>
+                <a:spcPts val="0"/>
+              </a:spcAft>
+              <a:buClr>
+                <a:schemeClr val="dk1"/>
+              </a:buClr>
+              <a:buSzPts val="1100"/>
+              <a:buFont typeface="Arial"/>
+              <a:buNone/>
+            </a:pPr>
+            <a:r>
+              <a:rPr lang="en-GB">
+                <a:solidFill>
+                  <a:schemeClr val="dk1"/>
+                </a:solidFill>
+              </a:rPr>
+              <a:t>There are two typical issues in solving a problem:</a:t>
+            </a:r>
+            <a:endParaRPr>
+              <a:solidFill>
+                <a:schemeClr val="dk1"/>
+              </a:solidFill>
+            </a:endParaRPr>
+          </a:p>
+          <a:p>
+            <a:pPr marL="457200" lvl="0" indent="-342900" algn="l" rtl="0">
+              <a:spcBef>
+                <a:spcPts val="0"/>
+              </a:spcBef>
+              <a:spcAft>
+                <a:spcPts val="0"/>
+              </a:spcAft>
+              <a:buClr>
+                <a:schemeClr val="dk1"/>
+              </a:buClr>
+              <a:buSzPts val="1800"/>
+              <a:buChar char="-"/>
+            </a:pPr>
+            <a:r>
+              <a:rPr lang="en-GB">
+                <a:solidFill>
+                  <a:schemeClr val="dk1"/>
+                </a:solidFill>
+              </a:rPr>
+              <a:t>Existing resources are not enough to handle the current problem. </a:t>
+            </a:r>
+            <a:endParaRPr>
+              <a:solidFill>
+                <a:schemeClr val="dk1"/>
+              </a:solidFill>
+            </a:endParaRPr>
+          </a:p>
+          <a:p>
+            <a:pPr marL="457200" lvl="0" indent="-342900" algn="l" rtl="0">
+              <a:spcBef>
+                <a:spcPts val="0"/>
+              </a:spcBef>
+              <a:spcAft>
+                <a:spcPts val="0"/>
+              </a:spcAft>
+              <a:buClr>
+                <a:schemeClr val="dk1"/>
+              </a:buClr>
+              <a:buSzPts val="1800"/>
+              <a:buChar char="-"/>
+            </a:pPr>
+            <a:r>
+              <a:rPr lang="en-GB">
+                <a:solidFill>
+                  <a:schemeClr val="dk1"/>
+                </a:solidFill>
+              </a:rPr>
+              <a:t>Existing resources are just enough to handle the current problem, but the problem needs to be solved at larger scales. </a:t>
+            </a:r>
+            <a:endParaRPr>
+              <a:solidFill>
+                <a:schemeClr val="dk1"/>
+              </a:solidFill>
+            </a:endParaRPr>
+          </a:p>
+          <a:p>
+            <a:pPr marL="0" lvl="0" indent="0" algn="l" rtl="0">
+              <a:spcBef>
+                <a:spcPts val="0"/>
+              </a:spcBef>
+              <a:spcAft>
+                <a:spcPts val="0"/>
+              </a:spcAft>
+              <a:buNone/>
+            </a:pPr>
+            <a:endParaRPr>
+              <a:solidFill>
+                <a:schemeClr val="dk1"/>
+              </a:solidFill>
+            </a:endParaRPr>
+          </a:p>
+          <a:p>
+            <a:pPr marL="0" lvl="0" indent="0" algn="l" rtl="0">
+              <a:spcBef>
+                <a:spcPts val="0"/>
+              </a:spcBef>
+              <a:spcAft>
+                <a:spcPts val="0"/>
+              </a:spcAft>
+              <a:buNone/>
+            </a:pPr>
+            <a:r>
+              <a:rPr lang="en-GB">
+                <a:solidFill>
+                  <a:schemeClr val="dk1"/>
+                </a:solidFill>
+              </a:rPr>
+              <a:t>Adding computers to handle the first issue is called </a:t>
+            </a:r>
+            <a:r>
+              <a:rPr lang="en-GB" b="1">
+                <a:solidFill>
+                  <a:schemeClr val="dk1"/>
+                </a:solidFill>
+              </a:rPr>
+              <a:t>strong scaling</a:t>
+            </a:r>
+            <a:r>
+              <a:rPr lang="en-GB">
+                <a:solidFill>
+                  <a:schemeClr val="dk1"/>
+                </a:solidFill>
+              </a:rPr>
+              <a:t>. </a:t>
+            </a:r>
+            <a:endParaRPr>
+              <a:solidFill>
+                <a:schemeClr val="dk1"/>
+              </a:solidFill>
+            </a:endParaRPr>
+          </a:p>
+          <a:p>
+            <a:pPr marL="0" lvl="0" indent="0" algn="l" rtl="0">
+              <a:spcBef>
+                <a:spcPts val="0"/>
+              </a:spcBef>
+              <a:spcAft>
+                <a:spcPts val="0"/>
+              </a:spcAft>
+              <a:buClr>
+                <a:schemeClr val="dk1"/>
+              </a:buClr>
+              <a:buSzPts val="1100"/>
+              <a:buFont typeface="Arial"/>
+              <a:buNone/>
+            </a:pPr>
+            <a:r>
+              <a:rPr lang="en-GB">
+                <a:solidFill>
+                  <a:schemeClr val="dk1"/>
+                </a:solidFill>
+              </a:rPr>
+              <a:t>Adding computers and increasing the size of the problem to address the second issue is called </a:t>
+            </a:r>
+            <a:r>
+              <a:rPr lang="en-GB" b="1">
+                <a:solidFill>
+                  <a:schemeClr val="dk1"/>
+                </a:solidFill>
+              </a:rPr>
+              <a:t>weak scaling</a:t>
+            </a:r>
+            <a:r>
+              <a:rPr lang="en-GB">
+                <a:solidFill>
+                  <a:schemeClr val="dk1"/>
+                </a:solidFill>
+              </a:rPr>
+              <a:t>. </a:t>
+            </a:r>
+            <a:endParaRPr>
+              <a:solidFill>
+                <a:schemeClr val="dk1"/>
+              </a:solidFill>
+            </a:endParaRPr>
+          </a:p>
+          <a:p>
+            <a:pPr marL="0" lvl="0" indent="0" algn="l" rtl="0">
+              <a:spcBef>
+                <a:spcPts val="0"/>
+              </a:spcBef>
+              <a:spcAft>
+                <a:spcPts val="1600"/>
+              </a:spcAft>
+              <a:buNone/>
+            </a:pPr>
+            <a:endParaRPr/>
+          </a:p>
+        </p:txBody>
+      </p:sp>
+    </p:spTree>
+  </p:cSld>
+  <p:clrMapOvr>
+    <a:masterClrMapping/>
+  </p:clrMapOvr>
+</p:sld>
+</file>
+
+<file path=ppt/slides/slide4.xml><?xml version="1.0" encoding="utf-8"?>
+<p:sld xmlns:a="http://schemas.openxmlformats.org/drawingml/2006/main" xmlns:r="http://schemas.openxmlformats.org/officeDocument/2006/relationships" xmlns:p="http://schemas.openxmlformats.org/presentationml/2006/main">
+  <p:cSld>
+    <p:spTree>
+      <p:nvGrpSpPr>
+        <p:cNvPr id="1" name="Shape 66"/>
+        <p:cNvGrpSpPr/>
+        <p:nvPr/>
+      </p:nvGrpSpPr>
+      <p:grpSpPr>
+        <a:xfrm>
+          <a:off x="0" y="0"/>
+          <a:ext cx="0" cy="0"/>
+          <a:chOff x="0" y="0"/>
+          <a:chExt cx="0" cy="0"/>
+        </a:xfrm>
+      </p:grpSpPr>
+      <p:sp>
+        <p:nvSpPr>
+          <p:cNvPr id="67" name="Google Shape;67;p15"/>
+          <p:cNvSpPr txBox="1">
+            <a:spLocks noGrp="1"/>
+          </p:cNvSpPr>
+          <p:nvPr>
+            <p:ph type="title"/>
+          </p:nvPr>
+        </p:nvSpPr>
+        <p:spPr>
+          <a:xfrm>
+            <a:off x="311700" y="445025"/>
+            <a:ext cx="8520600" cy="572700"/>
+          </a:xfrm>
+          <a:prstGeom prst="rect">
+            <a:avLst/>
+          </a:prstGeom>
+        </p:spPr>
+        <p:txBody>
+          <a:bodyPr spcFirstLastPara="1" wrap="square" lIns="91425" tIns="91425" rIns="91425" bIns="91425" anchor="t" anchorCtr="0">
+            <a:noAutofit/>
+          </a:bodyPr>
+          <a:lstStyle/>
+          <a:p>
+            <a:pPr marL="0" lvl="0" indent="0" algn="l" rtl="0">
+              <a:spcBef>
+                <a:spcPts val="0"/>
+              </a:spcBef>
+              <a:spcAft>
+                <a:spcPts val="0"/>
+              </a:spcAft>
+              <a:buNone/>
+            </a:pPr>
+            <a:r>
+              <a:rPr lang="en-GB"/>
+              <a:t>Speedup</a:t>
+            </a:r>
+            <a:endParaRPr/>
+          </a:p>
+        </p:txBody>
+      </p:sp>
+      <p:sp>
+        <p:nvSpPr>
+          <p:cNvPr id="68" name="Google Shape;68;p15"/>
+          <p:cNvSpPr txBox="1">
+            <a:spLocks noGrp="1"/>
+          </p:cNvSpPr>
+          <p:nvPr>
+            <p:ph type="body" idx="1"/>
+          </p:nvPr>
+        </p:nvSpPr>
+        <p:spPr>
+          <a:xfrm>
+            <a:off x="311700" y="1152475"/>
+            <a:ext cx="8520600" cy="3416400"/>
+          </a:xfrm>
+          <a:prstGeom prst="rect">
+            <a:avLst/>
+          </a:prstGeom>
+        </p:spPr>
+        <p:txBody>
+          <a:bodyPr spcFirstLastPara="1" wrap="square" lIns="91425" tIns="91425" rIns="91425" bIns="91425" anchor="t" anchorCtr="0">
+            <a:noAutofit/>
+          </a:bodyPr>
+          <a:lstStyle/>
+          <a:p>
+            <a:pPr marL="457200" lvl="0" indent="-342900" algn="l" rtl="0">
+              <a:spcBef>
+                <a:spcPts val="0"/>
+              </a:spcBef>
+              <a:spcAft>
+                <a:spcPts val="0"/>
+              </a:spcAft>
+              <a:buSzPts val="1800"/>
+              <a:buChar char="-"/>
+            </a:pPr>
+            <a:r>
+              <a:rPr lang="en-GB"/>
+              <a:t>How fast the program becomes when more computing resources are added.</a:t>
+            </a:r>
+            <a:endParaRPr/>
+          </a:p>
+          <a:p>
+            <a:pPr marL="457200" lvl="0" indent="-342900" algn="l" rtl="0">
+              <a:spcBef>
+                <a:spcPts val="0"/>
+              </a:spcBef>
+              <a:spcAft>
+                <a:spcPts val="0"/>
+              </a:spcAft>
+              <a:buSzPts val="1800"/>
+              <a:buChar char="-"/>
+            </a:pPr>
+            <a:r>
+              <a:rPr lang="en-GB"/>
+              <a:t>Improvement in performance = Reduction in run time</a:t>
+            </a:r>
+            <a:endParaRPr/>
+          </a:p>
+          <a:p>
+            <a:pPr marL="0" lvl="0" indent="0" algn="l" rtl="0">
+              <a:spcBef>
+                <a:spcPts val="1600"/>
+              </a:spcBef>
+              <a:spcAft>
+                <a:spcPts val="0"/>
+              </a:spcAft>
+              <a:buNone/>
+            </a:pPr>
+            <a:endParaRPr/>
+          </a:p>
+          <a:p>
+            <a:pPr marL="0" lvl="0" indent="0" algn="l" rtl="0">
+              <a:spcBef>
+                <a:spcPts val="1600"/>
+              </a:spcBef>
+              <a:spcAft>
+                <a:spcPts val="0"/>
+              </a:spcAft>
+              <a:buClr>
+                <a:schemeClr val="dk1"/>
+              </a:buClr>
+              <a:buSzPts val="1100"/>
+              <a:buFont typeface="Arial"/>
+              <a:buNone/>
+            </a:pPr>
+            <a:endParaRPr sz="1200">
+              <a:solidFill>
+                <a:schemeClr val="dk1"/>
+              </a:solidFill>
+              <a:latin typeface="Times New Roman"/>
+              <a:ea typeface="Times New Roman"/>
+              <a:cs typeface="Times New Roman"/>
+              <a:sym typeface="Times New Roman"/>
+            </a:endParaRPr>
+          </a:p>
+          <a:p>
+            <a:pPr marL="0" lvl="0" indent="0" algn="l" rtl="0">
+              <a:spcBef>
+                <a:spcPts val="0"/>
+              </a:spcBef>
+              <a:spcAft>
+                <a:spcPts val="0"/>
+              </a:spcAft>
+              <a:buClr>
+                <a:schemeClr val="dk1"/>
+              </a:buClr>
+              <a:buSzPts val="1100"/>
+              <a:buFont typeface="Arial"/>
+              <a:buNone/>
+            </a:pPr>
+            <a:endParaRPr/>
+          </a:p>
+        </p:txBody>
+      </p:sp>
+      <p:pic>
+        <p:nvPicPr>
+          <p:cNvPr id="69" name="Google Shape;69;p15"/>
+          <p:cNvPicPr preferRelativeResize="0"/>
+          <p:nvPr/>
+        </p:nvPicPr>
+        <p:blipFill>
+          <a:blip r:embed="rId3">
+            <a:alphaModFix/>
+          </a:blip>
+          <a:stretch>
+            <a:fillRect/>
+          </a:stretch>
+        </p:blipFill>
+        <p:spPr>
+          <a:xfrm>
+            <a:off x="3831438" y="2339588"/>
+            <a:ext cx="1552575" cy="1000125"/>
+          </a:xfrm>
+          <a:prstGeom prst="rect">
+            <a:avLst/>
+          </a:prstGeom>
+          <a:noFill/>
+          <a:ln>
+            <a:noFill/>
+          </a:ln>
+        </p:spPr>
+      </p:pic>
+    </p:spTree>
+  </p:cSld>
+  <p:clrMapOvr>
+    <a:masterClrMapping/>
+  </p:clrMapOvr>
+</p:sld>
+</file>
+
+<file path=ppt/slides/slide5.xml><?xml version="1.0" encoding="utf-8"?>
+<p:sld xmlns:a="http://schemas.openxmlformats.org/drawingml/2006/main" xmlns:r="http://schemas.openxmlformats.org/officeDocument/2006/relationships" xmlns:p="http://schemas.openxmlformats.org/presentationml/2006/main">
+  <p:cSld>
+    <p:spTree>
+      <p:nvGrpSpPr>
+        <p:cNvPr id="1" name="Shape 73"/>
+        <p:cNvGrpSpPr/>
+        <p:nvPr/>
+      </p:nvGrpSpPr>
+      <p:grpSpPr>
+        <a:xfrm>
+          <a:off x="0" y="0"/>
+          <a:ext cx="0" cy="0"/>
+          <a:chOff x="0" y="0"/>
+          <a:chExt cx="0" cy="0"/>
+        </a:xfrm>
+      </p:grpSpPr>
+      <p:sp>
+        <p:nvSpPr>
+          <p:cNvPr id="74" name="Google Shape;74;p16"/>
+          <p:cNvSpPr txBox="1">
+            <a:spLocks noGrp="1"/>
+          </p:cNvSpPr>
+          <p:nvPr>
+            <p:ph type="title"/>
+          </p:nvPr>
+        </p:nvSpPr>
+        <p:spPr>
+          <a:xfrm>
+            <a:off x="311700" y="445025"/>
+            <a:ext cx="8520600" cy="572700"/>
+          </a:xfrm>
+          <a:prstGeom prst="rect">
+            <a:avLst/>
+          </a:prstGeom>
+        </p:spPr>
+        <p:txBody>
+          <a:bodyPr spcFirstLastPara="1" wrap="square" lIns="91425" tIns="91425" rIns="91425" bIns="91425" anchor="t" anchorCtr="0">
+            <a:noAutofit/>
+          </a:bodyPr>
+          <a:lstStyle/>
+          <a:p>
+            <a:pPr marL="0" lvl="0" indent="0" algn="l" rtl="0">
+              <a:spcBef>
+                <a:spcPts val="0"/>
+              </a:spcBef>
+              <a:spcAft>
+                <a:spcPts val="0"/>
+              </a:spcAft>
+              <a:buNone/>
+            </a:pPr>
+            <a:r>
+              <a:rPr lang="en-GB"/>
+              <a:t>Scaling Limitation</a:t>
+            </a:r>
+            <a:endParaRPr/>
+          </a:p>
+        </p:txBody>
+      </p:sp>
+      <p:sp>
+        <p:nvSpPr>
+          <p:cNvPr id="75" name="Google Shape;75;p16"/>
+          <p:cNvSpPr txBox="1">
+            <a:spLocks noGrp="1"/>
+          </p:cNvSpPr>
+          <p:nvPr>
+            <p:ph type="body" idx="1"/>
+          </p:nvPr>
+        </p:nvSpPr>
+        <p:spPr>
+          <a:xfrm>
+            <a:off x="311700" y="1152475"/>
+            <a:ext cx="8520600" cy="3416400"/>
+          </a:xfrm>
+          <a:prstGeom prst="rect">
+            <a:avLst/>
+          </a:prstGeom>
+        </p:spPr>
+        <p:txBody>
+          <a:bodyPr spcFirstLastPara="1" wrap="square" lIns="91425" tIns="91425" rIns="91425" bIns="91425" anchor="t" anchorCtr="0">
+            <a:noAutofit/>
+          </a:bodyPr>
+          <a:lstStyle/>
+          <a:p>
+            <a:pPr marL="457200" lvl="0" indent="-342900" algn="l" rtl="0">
+              <a:spcBef>
+                <a:spcPts val="0"/>
+              </a:spcBef>
+              <a:spcAft>
+                <a:spcPts val="0"/>
+              </a:spcAft>
+              <a:buClr>
+                <a:schemeClr val="dk1"/>
+              </a:buClr>
+              <a:buSzPts val="1800"/>
+              <a:buChar char="-"/>
+            </a:pPr>
+            <a:r>
+              <a:rPr lang="en-GB">
+                <a:solidFill>
+                  <a:schemeClr val="dk1"/>
+                </a:solidFill>
+              </a:rPr>
+              <a:t>There is a limit to how much resources can be added to improve performance. </a:t>
+            </a:r>
+            <a:endParaRPr>
+              <a:solidFill>
+                <a:schemeClr val="dk1"/>
+              </a:solidFill>
+            </a:endParaRPr>
+          </a:p>
+          <a:p>
+            <a:pPr marL="457200" lvl="0" indent="-342900" algn="l" rtl="0">
+              <a:spcBef>
+                <a:spcPts val="0"/>
+              </a:spcBef>
+              <a:spcAft>
+                <a:spcPts val="0"/>
+              </a:spcAft>
+              <a:buClr>
+                <a:schemeClr val="dk1"/>
+              </a:buClr>
+              <a:buSzPts val="1800"/>
+              <a:buChar char="-"/>
+            </a:pPr>
+            <a:r>
+              <a:rPr lang="en-GB">
+                <a:solidFill>
+                  <a:schemeClr val="dk1"/>
+                </a:solidFill>
+              </a:rPr>
+              <a:t>Scalings are limited by proportion of serial (non-parallelizable) code/task within a program/workflow. </a:t>
+            </a:r>
+            <a:endParaRPr>
+              <a:solidFill>
+                <a:schemeClr val="dk1"/>
+              </a:solidFill>
+            </a:endParaRPr>
+          </a:p>
+          <a:p>
+            <a:pPr marL="914400" lvl="1" indent="-317500" algn="l" rtl="0">
+              <a:spcBef>
+                <a:spcPts val="0"/>
+              </a:spcBef>
+              <a:spcAft>
+                <a:spcPts val="0"/>
+              </a:spcAft>
+              <a:buClr>
+                <a:schemeClr val="dk1"/>
+              </a:buClr>
+              <a:buSzPts val="1400"/>
+              <a:buChar char="-"/>
+            </a:pPr>
+            <a:r>
+              <a:rPr lang="en-GB">
+                <a:solidFill>
+                  <a:schemeClr val="dk1"/>
+                </a:solidFill>
+              </a:rPr>
+              <a:t>Strong scaling: Amdahl's Law</a:t>
+            </a:r>
+            <a:endParaRPr>
+              <a:solidFill>
+                <a:schemeClr val="dk1"/>
+              </a:solidFill>
+            </a:endParaRPr>
+          </a:p>
+          <a:p>
+            <a:pPr marL="914400" lvl="1" indent="-317500" algn="l" rtl="0">
+              <a:spcBef>
+                <a:spcPts val="0"/>
+              </a:spcBef>
+              <a:spcAft>
+                <a:spcPts val="0"/>
+              </a:spcAft>
+              <a:buClr>
+                <a:schemeClr val="dk1"/>
+              </a:buClr>
+              <a:buSzPts val="1400"/>
+              <a:buChar char="-"/>
+            </a:pPr>
+            <a:r>
+              <a:rPr lang="en-GB">
+                <a:solidFill>
+                  <a:schemeClr val="dk1"/>
+                </a:solidFill>
+              </a:rPr>
+              <a:t>Weak scaling: Gustafson’s Law</a:t>
+            </a:r>
+            <a:endParaRPr>
+              <a:solidFill>
+                <a:schemeClr val="dk1"/>
+              </a:solidFill>
+            </a:endParaRPr>
+          </a:p>
+          <a:p>
+            <a:pPr marL="0" lvl="0" indent="0" algn="l" rtl="0">
+              <a:spcBef>
+                <a:spcPts val="0"/>
+              </a:spcBef>
+              <a:spcAft>
+                <a:spcPts val="1600"/>
+              </a:spcAft>
+              <a:buNone/>
+            </a:pPr>
+            <a:endParaRPr/>
+          </a:p>
+        </p:txBody>
+      </p:sp>
+    </p:spTree>
+  </p:cSld>
+  <p:clrMapOvr>
+    <a:masterClrMapping/>
+  </p:clrMapOvr>
+</p:sld>
+</file>
+
+<file path=ppt/slides/slide6.xml><?xml version="1.0" encoding="utf-8"?>
+<p:sld xmlns:a="http://schemas.openxmlformats.org/drawingml/2006/main" xmlns:r="http://schemas.openxmlformats.org/officeDocument/2006/relationships" xmlns:p="http://schemas.openxmlformats.org/presentationml/2006/main">
+  <p:cSld>
+    <p:spTree>
+      <p:nvGrpSpPr>
+        <p:cNvPr id="1" name="Shape 79"/>
+        <p:cNvGrpSpPr/>
+        <p:nvPr/>
+      </p:nvGrpSpPr>
+      <p:grpSpPr>
+        <a:xfrm>
+          <a:off x="0" y="0"/>
+          <a:ext cx="0" cy="0"/>
+          <a:chOff x="0" y="0"/>
+          <a:chExt cx="0" cy="0"/>
+        </a:xfrm>
+      </p:grpSpPr>
+      <p:sp>
+        <p:nvSpPr>
+          <p:cNvPr id="80" name="Google Shape;80;p17"/>
+          <p:cNvSpPr txBox="1">
+            <a:spLocks noGrp="1"/>
+          </p:cNvSpPr>
+          <p:nvPr>
+            <p:ph type="title"/>
+          </p:nvPr>
+        </p:nvSpPr>
+        <p:spPr>
+          <a:xfrm>
+            <a:off x="311700" y="445025"/>
+            <a:ext cx="8520600" cy="572700"/>
+          </a:xfrm>
+          <a:prstGeom prst="rect">
+            <a:avLst/>
+          </a:prstGeom>
+        </p:spPr>
+        <p:txBody>
+          <a:bodyPr spcFirstLastPara="1" wrap="square" lIns="91425" tIns="91425" rIns="91425" bIns="91425" anchor="t" anchorCtr="0">
+            <a:noAutofit/>
+          </a:bodyPr>
+          <a:lstStyle/>
+          <a:p>
+            <a:pPr marL="0" lvl="0" indent="0" algn="l" rtl="0">
+              <a:spcBef>
+                <a:spcPts val="0"/>
+              </a:spcBef>
+              <a:spcAft>
+                <a:spcPts val="0"/>
+              </a:spcAft>
+              <a:buNone/>
+            </a:pPr>
+            <a:r>
+              <a:rPr lang="en-GB"/>
+              <a:t>Strong scaling: Amdahl’s Law</a:t>
+            </a:r>
+            <a:endParaRPr/>
+          </a:p>
+        </p:txBody>
+      </p:sp>
+      <p:sp>
+        <p:nvSpPr>
+          <p:cNvPr id="81" name="Google Shape;81;p17"/>
+          <p:cNvSpPr txBox="1">
+            <a:spLocks noGrp="1"/>
+          </p:cNvSpPr>
+          <p:nvPr>
+            <p:ph type="body" idx="1"/>
+          </p:nvPr>
+        </p:nvSpPr>
+        <p:spPr>
+          <a:xfrm>
+            <a:off x="311700" y="1152475"/>
+            <a:ext cx="8520600" cy="3416400"/>
+          </a:xfrm>
+          <a:prstGeom prst="rect">
+            <a:avLst/>
+          </a:prstGeom>
+        </p:spPr>
+        <p:txBody>
+          <a:bodyPr spcFirstLastPara="1" wrap="square" lIns="91425" tIns="91425" rIns="91425" bIns="91425" anchor="t" anchorCtr="0">
+            <a:noAutofit/>
+          </a:bodyPr>
+          <a:lstStyle/>
+          <a:p>
+            <a:pPr marL="0" lvl="0" indent="0" algn="l" rtl="0">
+              <a:spcBef>
+                <a:spcPts val="0"/>
+              </a:spcBef>
+              <a:spcAft>
+                <a:spcPts val="0"/>
+              </a:spcAft>
+              <a:buNone/>
+            </a:pPr>
+            <a:r>
+              <a:rPr lang="en-GB">
+                <a:solidFill>
+                  <a:schemeClr val="dk1"/>
+                </a:solidFill>
+              </a:rPr>
+              <a:t>Let’s call </a:t>
+            </a:r>
+            <a:r>
+              <a:rPr lang="en-GB" i="1">
+                <a:solidFill>
+                  <a:schemeClr val="dk1"/>
+                </a:solidFill>
+              </a:rPr>
+              <a:t>s</a:t>
+            </a:r>
+            <a:r>
+              <a:rPr lang="en-GB">
+                <a:solidFill>
+                  <a:schemeClr val="dk1"/>
+                </a:solidFill>
+              </a:rPr>
+              <a:t> the proportion of code that cannot be parallelized. Hence </a:t>
+            </a:r>
+            <a:r>
+              <a:rPr lang="en-GB" i="1">
+                <a:solidFill>
+                  <a:schemeClr val="dk1"/>
+                </a:solidFill>
+              </a:rPr>
+              <a:t>1-s</a:t>
+            </a:r>
+            <a:r>
+              <a:rPr lang="en-GB">
+                <a:solidFill>
+                  <a:schemeClr val="dk1"/>
+                </a:solidFill>
+              </a:rPr>
+              <a:t> represents the remainder proportion of code that can be parallelized. The speedup in strong scaling (S) can then be calculated as:</a:t>
+            </a:r>
+            <a:endParaRPr>
+              <a:solidFill>
+                <a:schemeClr val="dk1"/>
+              </a:solidFill>
+            </a:endParaRPr>
+          </a:p>
+          <a:p>
+            <a:pPr marL="0" lvl="0" indent="0" algn="l" rtl="0">
+              <a:spcBef>
+                <a:spcPts val="0"/>
+              </a:spcBef>
+              <a:spcAft>
+                <a:spcPts val="0"/>
+              </a:spcAft>
+              <a:buNone/>
+            </a:pPr>
+            <a:endParaRPr>
+              <a:solidFill>
+                <a:schemeClr val="dk1"/>
+              </a:solidFill>
+            </a:endParaRPr>
+          </a:p>
+          <a:p>
+            <a:pPr marL="0" lvl="0" indent="0" algn="l" rtl="0">
+              <a:spcBef>
+                <a:spcPts val="0"/>
+              </a:spcBef>
+              <a:spcAft>
+                <a:spcPts val="0"/>
+              </a:spcAft>
+              <a:buNone/>
+            </a:pPr>
+            <a:endParaRPr>
+              <a:solidFill>
+                <a:schemeClr val="dk1"/>
+              </a:solidFill>
+            </a:endParaRPr>
+          </a:p>
+          <a:p>
+            <a:pPr marL="0" lvl="0" indent="0" algn="l" rtl="0">
+              <a:spcBef>
+                <a:spcPts val="0"/>
+              </a:spcBef>
+              <a:spcAft>
+                <a:spcPts val="0"/>
+              </a:spcAft>
+              <a:buClr>
+                <a:schemeClr val="dk1"/>
+              </a:buClr>
+              <a:buSzPts val="1100"/>
+              <a:buFont typeface="Arial"/>
+              <a:buNone/>
+            </a:pPr>
+            <a:endParaRPr>
+              <a:solidFill>
+                <a:schemeClr val="dk1"/>
+              </a:solidFill>
+            </a:endParaRPr>
+          </a:p>
+          <a:p>
+            <a:pPr marL="0" lvl="0" indent="0" algn="l" rtl="0">
+              <a:spcBef>
+                <a:spcPts val="0"/>
+              </a:spcBef>
+              <a:spcAft>
+                <a:spcPts val="1600"/>
+              </a:spcAft>
+              <a:buNone/>
+            </a:pPr>
+            <a:endParaRPr/>
+          </a:p>
+        </p:txBody>
+      </p:sp>
+      <p:pic>
+        <p:nvPicPr>
+          <p:cNvPr id="82" name="Google Shape;82;p17"/>
+          <p:cNvPicPr preferRelativeResize="0"/>
+          <p:nvPr/>
+        </p:nvPicPr>
+        <p:blipFill>
+          <a:blip r:embed="rId3">
+            <a:alphaModFix/>
+          </a:blip>
+          <a:stretch>
+            <a:fillRect/>
+          </a:stretch>
+        </p:blipFill>
+        <p:spPr>
+          <a:xfrm>
+            <a:off x="3153625" y="2529080"/>
+            <a:ext cx="2482225" cy="1412750"/>
+          </a:xfrm>
+          <a:prstGeom prst="rect">
+            <a:avLst/>
+          </a:prstGeom>
+          <a:noFill/>
+          <a:ln>
+            <a:noFill/>
+          </a:ln>
+        </p:spPr>
+      </p:pic>
+    </p:spTree>
+  </p:cSld>
+  <p:clrMapOvr>
+    <a:masterClrMapping/>
+  </p:clrMapOvr>
+</p:sld>
+</file>
+
+<file path=ppt/slides/slide7.xml><?xml version="1.0" encoding="utf-8"?>
+<p:sld xmlns:a="http://schemas.openxmlformats.org/drawingml/2006/main" xmlns:r="http://schemas.openxmlformats.org/officeDocument/2006/relationships" xmlns:p="http://schemas.openxmlformats.org/presentationml/2006/main">
+  <p:cSld>
+    <p:spTree>
+      <p:nvGrpSpPr>
+        <p:cNvPr id="1" name="Shape 86"/>
+        <p:cNvGrpSpPr/>
+        <p:nvPr/>
+      </p:nvGrpSpPr>
+      <p:grpSpPr>
+        <a:xfrm>
+          <a:off x="0" y="0"/>
+          <a:ext cx="0" cy="0"/>
+          <a:chOff x="0" y="0"/>
+          <a:chExt cx="0" cy="0"/>
+        </a:xfrm>
+      </p:grpSpPr>
+      <p:sp>
+        <p:nvSpPr>
+          <p:cNvPr id="87" name="Google Shape;87;p18"/>
+          <p:cNvSpPr txBox="1">
+            <a:spLocks noGrp="1"/>
+          </p:cNvSpPr>
+          <p:nvPr>
+            <p:ph type="title"/>
+          </p:nvPr>
+        </p:nvSpPr>
+        <p:spPr>
+          <a:xfrm>
+            <a:off x="311700" y="445025"/>
+            <a:ext cx="8520600" cy="572700"/>
+          </a:xfrm>
+          <a:prstGeom prst="rect">
+            <a:avLst/>
+          </a:prstGeom>
+        </p:spPr>
+        <p:txBody>
+          <a:bodyPr spcFirstLastPara="1" wrap="square" lIns="91425" tIns="91425" rIns="91425" bIns="91425" anchor="t" anchorCtr="0">
+            <a:noAutofit/>
+          </a:bodyPr>
+          <a:lstStyle/>
+          <a:p>
+            <a:pPr marL="0" lvl="0" indent="0" algn="l" rtl="0">
+              <a:spcBef>
+                <a:spcPts val="0"/>
+              </a:spcBef>
+              <a:spcAft>
+                <a:spcPts val="0"/>
+              </a:spcAft>
+              <a:buNone/>
+            </a:pPr>
+            <a:r>
+              <a:rPr lang="en-GB"/>
+              <a:t>Weak scaling: Gustafson’s Law</a:t>
+            </a:r>
+            <a:endParaRPr/>
+          </a:p>
+        </p:txBody>
+      </p:sp>
+      <p:sp>
+        <p:nvSpPr>
+          <p:cNvPr id="88" name="Google Shape;88;p18"/>
+          <p:cNvSpPr txBox="1">
+            <a:spLocks noGrp="1"/>
+          </p:cNvSpPr>
+          <p:nvPr>
+            <p:ph type="body" idx="1"/>
+          </p:nvPr>
+        </p:nvSpPr>
+        <p:spPr>
+          <a:xfrm>
+            <a:off x="311700" y="1152475"/>
+            <a:ext cx="8520600" cy="3416400"/>
+          </a:xfrm>
+          <a:prstGeom prst="rect">
+            <a:avLst/>
+          </a:prstGeom>
+        </p:spPr>
+        <p:txBody>
+          <a:bodyPr spcFirstLastPara="1" wrap="square" lIns="91425" tIns="91425" rIns="91425" bIns="91425" anchor="t" anchorCtr="0">
+            <a:noAutofit/>
+          </a:bodyPr>
+          <a:lstStyle/>
+          <a:p>
+            <a:pPr marL="457200" lvl="0" indent="-342900" algn="l" rtl="0">
+              <a:spcBef>
+                <a:spcPts val="0"/>
+              </a:spcBef>
+              <a:spcAft>
+                <a:spcPts val="0"/>
+              </a:spcAft>
+              <a:buClr>
+                <a:schemeClr val="dk1"/>
+              </a:buClr>
+              <a:buSzPts val="1800"/>
+              <a:buChar char="-"/>
+            </a:pPr>
+            <a:r>
+              <a:rPr lang="en-GB">
+                <a:solidFill>
+                  <a:schemeClr val="dk1"/>
+                </a:solidFill>
+              </a:rPr>
+              <a:t>In weak scaling we scale up the problem as well as resources, we need to consider scaled speedup (SS). </a:t>
+            </a:r>
+            <a:endParaRPr>
+              <a:solidFill>
+                <a:schemeClr val="dk1"/>
+              </a:solidFill>
+            </a:endParaRPr>
+          </a:p>
+          <a:p>
+            <a:pPr marL="457200" lvl="0" indent="-342900" algn="l" rtl="0">
+              <a:spcBef>
+                <a:spcPts val="0"/>
+              </a:spcBef>
+              <a:spcAft>
+                <a:spcPts val="0"/>
+              </a:spcAft>
+              <a:buClr>
+                <a:schemeClr val="dk1"/>
+              </a:buClr>
+              <a:buSzPts val="1800"/>
+              <a:buChar char="-"/>
+            </a:pPr>
+            <a:r>
+              <a:rPr lang="en-GB">
+                <a:solidFill>
+                  <a:schemeClr val="dk1"/>
+                </a:solidFill>
+              </a:rPr>
+              <a:t>Let’s call </a:t>
+            </a:r>
+            <a:r>
+              <a:rPr lang="en-GB" i="1">
+                <a:solidFill>
+                  <a:schemeClr val="dk1"/>
+                </a:solidFill>
+              </a:rPr>
+              <a:t>s</a:t>
+            </a:r>
+            <a:r>
+              <a:rPr lang="en-GB">
+                <a:solidFill>
+                  <a:schemeClr val="dk1"/>
+                </a:solidFill>
+              </a:rPr>
+              <a:t> the proportion of code that cannot be parallelized. Hence </a:t>
+            </a:r>
+            <a:r>
+              <a:rPr lang="en-GB" i="1">
+                <a:solidFill>
+                  <a:schemeClr val="dk1"/>
+                </a:solidFill>
+              </a:rPr>
+              <a:t>1-s</a:t>
+            </a:r>
+            <a:r>
+              <a:rPr lang="en-GB">
+                <a:solidFill>
+                  <a:schemeClr val="dk1"/>
+                </a:solidFill>
+              </a:rPr>
+              <a:t> represents the remainder proportion of code that can be parallelized. The scaled speedup in strong scaling can then be calculated as:</a:t>
+            </a:r>
+            <a:endParaRPr>
+              <a:solidFill>
+                <a:schemeClr val="dk1"/>
+              </a:solidFill>
+            </a:endParaRPr>
+          </a:p>
+          <a:p>
+            <a:pPr marL="457200" lvl="0" indent="0" algn="l" rtl="0">
+              <a:spcBef>
+                <a:spcPts val="0"/>
+              </a:spcBef>
+              <a:spcAft>
+                <a:spcPts val="0"/>
+              </a:spcAft>
+              <a:buNone/>
+            </a:pPr>
+            <a:endParaRPr>
+              <a:solidFill>
+                <a:schemeClr val="dk1"/>
+              </a:solidFill>
+            </a:endParaRPr>
+          </a:p>
+        </p:txBody>
+      </p:sp>
+      <p:pic>
+        <p:nvPicPr>
+          <p:cNvPr id="89" name="Google Shape;89;p18"/>
+          <p:cNvPicPr preferRelativeResize="0"/>
+          <p:nvPr/>
+        </p:nvPicPr>
+        <p:blipFill>
+          <a:blip r:embed="rId3">
+            <a:alphaModFix/>
+          </a:blip>
+          <a:stretch>
+            <a:fillRect/>
+          </a:stretch>
+        </p:blipFill>
+        <p:spPr>
+          <a:xfrm>
+            <a:off x="2945950" y="3161788"/>
+            <a:ext cx="3048000" cy="733425"/>
+          </a:xfrm>
+          <a:prstGeom prst="rect">
+            <a:avLst/>
+          </a:prstGeom>
+          <a:noFill/>
+          <a:ln>
+            <a:noFill/>
+          </a:ln>
+        </p:spPr>
+      </p:pic>
+    </p:spTree>
+  </p:cSld>
+  <p:clrMapOvr>
+    <a:masterClrMapping/>
+  </p:clrMapOvr>
+</p:sld>
+</file>
+
+<file path=ppt/slides/slide8.xml><?xml version="1.0" encoding="utf-8"?>
+<p:sld xmlns:a="http://schemas.openxmlformats.org/drawingml/2006/main" xmlns:r="http://schemas.openxmlformats.org/officeDocument/2006/relationships" xmlns:p="http://schemas.openxmlformats.org/presentationml/2006/main">
+  <p:cSld>
+    <p:spTree>
+      <p:nvGrpSpPr>
+        <p:cNvPr id="1" name="Shape 93"/>
+        <p:cNvGrpSpPr/>
+        <p:nvPr/>
+      </p:nvGrpSpPr>
+      <p:grpSpPr>
+        <a:xfrm>
+          <a:off x="0" y="0"/>
+          <a:ext cx="0" cy="0"/>
+          <a:chOff x="0" y="0"/>
+          <a:chExt cx="0" cy="0"/>
+        </a:xfrm>
+      </p:grpSpPr>
+      <p:sp>
+        <p:nvSpPr>
+          <p:cNvPr id="94" name="Google Shape;94;p19"/>
+          <p:cNvSpPr txBox="1">
+            <a:spLocks noGrp="1"/>
+          </p:cNvSpPr>
+          <p:nvPr>
+            <p:ph type="title"/>
+          </p:nvPr>
+        </p:nvSpPr>
+        <p:spPr>
+          <a:xfrm>
+            <a:off x="311700" y="445025"/>
+            <a:ext cx="8520600" cy="572700"/>
+          </a:xfrm>
+          <a:prstGeom prst="rect">
+            <a:avLst/>
+          </a:prstGeom>
+        </p:spPr>
+        <p:txBody>
+          <a:bodyPr spcFirstLastPara="1" wrap="square" lIns="91425" tIns="91425" rIns="91425" bIns="91425" anchor="t" anchorCtr="0">
+            <a:noAutofit/>
+          </a:bodyPr>
+          <a:lstStyle/>
+          <a:p>
+            <a:pPr marL="0" lvl="0" indent="0" algn="l" rtl="0">
+              <a:spcBef>
+                <a:spcPts val="0"/>
+              </a:spcBef>
+              <a:spcAft>
+                <a:spcPts val="0"/>
+              </a:spcAft>
+              <a:buNone/>
+            </a:pPr>
+            <a:r>
+              <a:rPr lang="en-GB"/>
+              <a:t>Scaling in a cluster (1)</a:t>
+            </a:r>
+            <a:endParaRPr/>
+          </a:p>
+        </p:txBody>
+      </p:sp>
+      <p:sp>
+        <p:nvSpPr>
+          <p:cNvPr id="95" name="Google Shape;95;p19"/>
+          <p:cNvSpPr txBox="1">
+            <a:spLocks noGrp="1"/>
+          </p:cNvSpPr>
+          <p:nvPr>
+            <p:ph type="body" idx="1"/>
+          </p:nvPr>
+        </p:nvSpPr>
+        <p:spPr>
+          <a:xfrm>
+            <a:off x="311700" y="1152475"/>
+            <a:ext cx="8520600" cy="3416400"/>
+          </a:xfrm>
+          <a:prstGeom prst="rect">
+            <a:avLst/>
+          </a:prstGeom>
+        </p:spPr>
+        <p:txBody>
+          <a:bodyPr spcFirstLastPara="1" wrap="square" lIns="91425" tIns="91425" rIns="91425" bIns="91425" anchor="t" anchorCtr="0">
+            <a:noAutofit/>
+          </a:bodyPr>
+          <a:lstStyle/>
+          <a:p>
+            <a:pPr marL="457200" lvl="0" indent="-342900" algn="l" rtl="0">
+              <a:spcBef>
+                <a:spcPts val="0"/>
+              </a:spcBef>
+              <a:spcAft>
+                <a:spcPts val="0"/>
+              </a:spcAft>
+              <a:buSzPts val="1800"/>
+              <a:buChar char="-"/>
+            </a:pPr>
+            <a:r>
+              <a:rPr lang="en-GB" dirty="0"/>
+              <a:t>Running multiple instances of a program in parallel</a:t>
+            </a:r>
+            <a:endParaRPr dirty="0"/>
+          </a:p>
+          <a:p>
+            <a:pPr marL="457200" lvl="0" indent="-342900" algn="l" rtl="0">
+              <a:spcBef>
+                <a:spcPts val="0"/>
+              </a:spcBef>
+              <a:spcAft>
+                <a:spcPts val="0"/>
+              </a:spcAft>
+              <a:buSzPts val="1800"/>
+              <a:buChar char="-"/>
+            </a:pPr>
+            <a:r>
+              <a:rPr lang="en-GB" dirty="0"/>
+              <a:t>Scheduler support: Job Array</a:t>
+            </a:r>
+            <a:endParaRPr dirty="0"/>
+          </a:p>
+          <a:p>
+            <a:pPr marL="457200" lvl="0" indent="-342900" algn="l" rtl="0">
+              <a:spcBef>
+                <a:spcPts val="0"/>
+              </a:spcBef>
+              <a:spcAft>
+                <a:spcPts val="0"/>
+              </a:spcAft>
+              <a:buSzPts val="1800"/>
+              <a:buChar char="-"/>
+            </a:pPr>
+            <a:r>
+              <a:rPr lang="en-GB" dirty="0"/>
+              <a:t>Module support: gnu-parallel</a:t>
+            </a:r>
+            <a:endParaRPr dirty="0"/>
+          </a:p>
+          <a:p>
+            <a:pPr marL="457200" lvl="0" indent="-342900" algn="l" rtl="0">
+              <a:spcBef>
+                <a:spcPts val="0"/>
+              </a:spcBef>
+              <a:spcAft>
+                <a:spcPts val="0"/>
+              </a:spcAft>
+              <a:buSzPts val="1800"/>
+              <a:buChar char="-"/>
+            </a:pPr>
+            <a:r>
+              <a:rPr lang="en-GB" dirty="0"/>
+              <a:t>No code modification is needed. </a:t>
+            </a:r>
+            <a:endParaRPr dirty="0"/>
+          </a:p>
+        </p:txBody>
+      </p:sp>
+    </p:spTree>
+  </p:cSld>
+  <p:clrMapOvr>
+    <a:masterClrMapping/>
+  </p:clrMapOvr>
+</p:sld>
+</file>
+
+<file path=ppt/slides/slide9.xml><?xml version="1.0" encoding="utf-8"?>
+<p:sld xmlns:a="http://schemas.openxmlformats.org/drawingml/2006/main" xmlns:r="http://schemas.openxmlformats.org/officeDocument/2006/relationships" xmlns:p="http://schemas.openxmlformats.org/presentationml/2006/main">
+  <p:cSld>
+    <p:spTree>
+      <p:nvGrpSpPr>
+        <p:cNvPr id="1" name="Shape 99"/>
+        <p:cNvGrpSpPr/>
+        <p:nvPr/>
+      </p:nvGrpSpPr>
+      <p:grpSpPr>
+        <a:xfrm>
+          <a:off x="0" y="0"/>
+          <a:ext cx="0" cy="0"/>
+          <a:chOff x="0" y="0"/>
+          <a:chExt cx="0" cy="0"/>
+        </a:xfrm>
+      </p:grpSpPr>
+      <p:sp>
+        <p:nvSpPr>
+          <p:cNvPr id="100" name="Google Shape;100;p20"/>
+          <p:cNvSpPr txBox="1">
+            <a:spLocks noGrp="1"/>
+          </p:cNvSpPr>
+          <p:nvPr>
+            <p:ph type="title"/>
+          </p:nvPr>
+        </p:nvSpPr>
+        <p:spPr>
+          <a:xfrm>
+            <a:off x="311700" y="445025"/>
+            <a:ext cx="8520600" cy="572700"/>
+          </a:xfrm>
+          <a:prstGeom prst="rect">
+            <a:avLst/>
+          </a:prstGeom>
+        </p:spPr>
+        <p:txBody>
+          <a:bodyPr spcFirstLastPara="1" wrap="square" lIns="91425" tIns="91425" rIns="91425" bIns="91425" anchor="t" anchorCtr="0">
+            <a:noAutofit/>
+          </a:bodyPr>
+          <a:lstStyle/>
+          <a:p>
+            <a:pPr marL="0" lvl="0" indent="0" algn="l" rtl="0">
+              <a:spcBef>
+                <a:spcPts val="0"/>
+              </a:spcBef>
+              <a:spcAft>
+                <a:spcPts val="0"/>
+              </a:spcAft>
+              <a:buNone/>
+            </a:pPr>
+            <a:r>
+              <a:rPr lang="en-GB"/>
+              <a:t>Quadratic Calculation</a:t>
+            </a:r>
+            <a:endParaRPr/>
+          </a:p>
+        </p:txBody>
+      </p:sp>
+      <p:pic>
+        <p:nvPicPr>
+          <p:cNvPr id="101" name="Google Shape;101;p20"/>
+          <p:cNvPicPr preferRelativeResize="0"/>
+          <p:nvPr/>
+        </p:nvPicPr>
+        <p:blipFill>
+          <a:blip r:embed="rId3">
+            <a:alphaModFix/>
+          </a:blip>
+          <a:stretch>
+            <a:fillRect/>
+          </a:stretch>
+        </p:blipFill>
+        <p:spPr>
+          <a:xfrm>
+            <a:off x="114638" y="1494550"/>
+            <a:ext cx="4638675" cy="2628900"/>
+          </a:xfrm>
+          <a:prstGeom prst="rect">
+            <a:avLst/>
+          </a:prstGeom>
+          <a:noFill/>
+          <a:ln>
+            <a:noFill/>
+          </a:ln>
+        </p:spPr>
+      </p:pic>
+      <p:pic>
+        <p:nvPicPr>
+          <p:cNvPr id="102" name="Google Shape;102;p20"/>
+          <p:cNvPicPr preferRelativeResize="0"/>
+          <p:nvPr/>
+        </p:nvPicPr>
+        <p:blipFill>
+          <a:blip r:embed="rId4">
+            <a:alphaModFix/>
+          </a:blip>
+          <a:stretch>
+            <a:fillRect/>
+          </a:stretch>
+        </p:blipFill>
+        <p:spPr>
+          <a:xfrm>
+            <a:off x="5540963" y="2189150"/>
+            <a:ext cx="2771775" cy="1343025"/>
+          </a:xfrm>
+          <a:prstGeom prst="rect">
+            <a:avLst/>
+          </a:prstGeom>
+          <a:noFill/>
+          <a:ln>
+            <a:noFill/>
+          </a:ln>
+        </p:spPr>
+      </p:pic>
+      <p:sp>
+        <p:nvSpPr>
+          <p:cNvPr id="103" name="Google Shape;103;p20"/>
+          <p:cNvSpPr txBox="1"/>
+          <p:nvPr/>
+        </p:nvSpPr>
+        <p:spPr>
+          <a:xfrm>
+            <a:off x="5174275" y="1629275"/>
+            <a:ext cx="3329400" cy="422100"/>
+          </a:xfrm>
+          <a:prstGeom prst="rect">
+            <a:avLst/>
+          </a:prstGeom>
+          <a:noFill/>
+          <a:ln>
+            <a:noFill/>
+          </a:ln>
+        </p:spPr>
+        <p:txBody>
+          <a:bodyPr spcFirstLastPara="1" wrap="square" lIns="91425" tIns="91425" rIns="91425" bIns="91425" anchor="t" anchorCtr="0">
+            <a:noAutofit/>
+          </a:bodyPr>
+          <a:lstStyle/>
+          <a:p>
+            <a:pPr marL="0" lvl="0" indent="0" algn="l" rtl="0">
+              <a:spcBef>
+                <a:spcPts val="0"/>
+              </a:spcBef>
+              <a:spcAft>
+                <a:spcPts val="0"/>
+              </a:spcAft>
+              <a:buNone/>
+            </a:pPr>
+            <a:r>
+              <a:rPr lang="en-GB"/>
+              <a:t>Input files for 8 quadratic functions</a:t>
+            </a:r>
+            <a:endParaRPr/>
+          </a:p>
+        </p:txBody>
+      </p:sp>
+    </p:spTree>
+  </p:cSld>
+  <p:clrMapOvr>
+    <a:masterClrMapping/>
+  </p:clrMapOvr>
+</p:sld>
+</file>
+
 <file path=ppt/theme/theme1.xml><?xml version="1.0" encoding="utf-8"?>
-<a:theme xmlns:a="http://schemas.openxmlformats.org/drawingml/2006/main" xmlns:r="http://schemas.openxmlformats.org/officeDocument/2006/relationships">
+<a:theme xmlns:a="http://schemas.openxmlformats.org/drawingml/2006/main" name="Simple Light">
+  <a:themeElements>
+    <a:clrScheme name="Simple Light">
+      <a:dk1>
+        <a:srgbClr val="000000"/>
+      </a:dk1>
+      <a:lt1>
+        <a:srgbClr val="FFFFFF"/>
+      </a:lt1>
+      <a:dk2>
+        <a:srgbClr val="595959"/>
+      </a:dk2>
+      <a:lt2>
+        <a:srgbClr val="EEEEEE"/>
+      </a:lt2>
+      <a:accent1>
+        <a:srgbClr val="FFAB40"/>
+      </a:accent1>
+      <a:accent2>
+        <a:srgbClr val="212121"/>
+      </a:accent2>
+      <a:accent3>
+        <a:srgbClr val="78909C"/>
+      </a:accent3>
+      <a:accent4>
+        <a:srgbClr val="FFAB40"/>
+      </a:accent4>
+      <a:accent5>
+        <a:srgbClr val="0097A7"/>
+      </a:accent5>
+      <a:accent6>
+        <a:srgbClr val="EEFF41"/>
+      </a:accent6>
+      <a:hlink>
+        <a:srgbClr val="0097A7"/>
+      </a:hlink>
+      <a:folHlink>
+        <a:srgbClr val="0097A7"/>
+      </a:folHlink>
+    </a:clrScheme>
+    <a:fontScheme name="Office">
+      <a:majorFont>
+        <a:latin typeface="Arial"/>
+        <a:ea typeface=""/>
+        <a:cs typeface=""/>
+        <a:font script="Jpan" typeface="ＭＳ Ｐゴシック"/>
+        <a:font script="Hang" typeface="맑은 고딕"/>
+        <a:font script="Hans" typeface="宋体"/>
+        <a:font script="Hant" typeface="新細明體"/>
+        <a:font script="Arab" typeface="Times New Roman"/>
+        <a:font script="Hebr" typeface="Times New Roman"/>
+        <a:font script="Thai" typeface="Angsana New"/>
+        <a:font script="Ethi" typeface="Nyala"/>
+        <a:font script="Beng" typeface="Vrinda"/>
+        <a:font script="Gujr" typeface="Shruti"/>
+        <a:font script="Khmr" typeface="MoolBoran"/>
+        <a:font script="Knda" typeface="Tunga"/>
+        <a:font script="Guru" typeface="Raavi"/>
+        <a:font script="Cans" typeface="Euphemia"/>
+        <a:font script="Cher" typeface="Plantagenet Cherokee"/>
+        <a:font script="Yiii" typeface="Microsoft Yi Baiti"/>
+        <a:font script="Tibt" typeface="Microsoft Himalaya"/>
+        <a:font script="Thaa" typeface="MV Boli"/>
+        <a:font script="Deva" typeface="Mangal"/>
+        <a:font script="Telu" typeface="Gautami"/>
+        <a:font script="Taml" typeface="Latha"/>
+        <a:font script="Syrc" typeface="Estrangelo Edessa"/>
+        <a:font script="Orya" typeface="Kalinga"/>
+        <a:font script="Mlym" typeface="Kartika"/>
+        <a:font script="Laoo" typeface="DokChampa"/>
+        <a:font script="Sinh" typeface="Iskoola Pota"/>
+        <a:font script="Mong" typeface="Mongolian Baiti"/>
+        <a:font script="Viet" typeface="Times New Roman"/>
+        <a:font script="Uigh" typeface="Microsoft Uighur"/>
+        <a:font script="Geor" typeface="Sylfaen"/>
+      </a:majorFont>
+      <a:minorFont>
+        <a:latin typeface="Arial"/>
+        <a:ea typeface=""/>
+        <a:cs typeface=""/>
+        <a:font script="Jpan" typeface="ＭＳ Ｐゴシック"/>
+        <a:font script="Hang" typeface="맑은 고딕"/>
+        <a:font script="Hans" typeface="宋体"/>
+        <a:font script="Hant" typeface="新細明體"/>
+        <a:font script="Arab" typeface="Arial"/>
+        <a:font script="Hebr" typeface="Arial"/>
+        <a:font script="Thai" typeface="Cordia New"/>
+        <a:font script="Ethi" typeface="Nyala"/>
+        <a:font script="Beng" typeface="Vrinda"/>
+        <a:font script="Gujr" typeface="Shruti"/>
+        <a:font script="Khmr" typeface="DaunPenh"/>
+        <a:font script="Knda" typeface="Tunga"/>
+        <a:font script="Guru" typeface="Raavi"/>
+        <a:font script="Cans" typeface="Euphemia"/>
+        <a:font script="Cher" typeface="Plantagenet Cherokee"/>
+        <a:font script="Yiii" typeface="Microsoft Yi Baiti"/>
+        <a:font script="Tibt" typeface="Microsoft Himalaya"/>
+        <a:font script="Thaa" typeface="MV Boli"/>
+        <a:font script="Deva" typeface="Mangal"/>
+        <a:font script="Telu" typeface="Gautami"/>
+        <a:font script="Taml" typeface="Latha"/>
+        <a:font script="Syrc" typeface="Estrangelo Edessa"/>
+        <a:font script="Orya" typeface="Kalinga"/>
+        <a:font script="Mlym" typeface="Kartika"/>
+        <a:font script="Laoo" typeface="DokChampa"/>
+        <a:font script="Sinh" typeface="Iskoola Pota"/>
+        <a:font script="Mong" typeface="Mongolian Baiti"/>
+        <a:font script="Viet" typeface="Arial"/>
+        <a:font script="Uigh" typeface="Microsoft Uighur"/>
+        <a:font script="Geor" typeface="Sylfaen"/>
+      </a:minorFont>
+    </a:fontScheme>
+    <a:fmtScheme name="Office">
+      <a:fillStyleLst>
+        <a:solidFill>
+          <a:schemeClr val="phClr"/>
+        </a:solidFill>
+        <a:gradFill rotWithShape="1">
+          <a:gsLst>
+            <a:gs pos="0">
+              <a:schemeClr val="phClr">
+                <a:tint val="50000"/>
+                <a:satMod val="300000"/>
+              </a:schemeClr>
+            </a:gs>
+            <a:gs pos="35000">
+              <a:schemeClr val="phClr">
+                <a:tint val="37000"/>
+                <a:satMod val="300000"/>
+              </a:schemeClr>
+            </a:gs>
+            <a:gs pos="100000">
+              <a:schemeClr val="phClr">
+                <a:tint val="15000"/>
+                <a:satMod val="350000"/>
+              </a:schemeClr>
+            </a:gs>
+          </a:gsLst>
+          <a:lin ang="16200000" scaled="1"/>
+        </a:gradFill>
+        <a:gradFill rotWithShape="1">
+          <a:gsLst>
+            <a:gs pos="0">
+              <a:schemeClr val="phClr">
+                <a:tint val="100000"/>
+                <a:shade val="100000"/>
+                <a:satMod val="130000"/>
+              </a:schemeClr>
+            </a:gs>
+            <a:gs pos="100000">
+              <a:schemeClr val="phClr">
+                <a:tint val="50000"/>
+                <a:shade val="100000"/>
+                <a:satMod val="350000"/>
+              </a:schemeClr>
+            </a:gs>
+          </a:gsLst>
+          <a:lin ang="16200000" scaled="0"/>
+        </a:gradFill>
+      </a:fillStyleLst>
+      <a:lnStyleLst>
+        <a:ln w="9525" cap="flat" cmpd="sng" algn="ctr">
+          <a:solidFill>
+            <a:schemeClr val="phClr">
+              <a:shade val="95000"/>
+              <a:satMod val="105000"/>
+            </a:schemeClr>
+          </a:solidFill>
+          <a:prstDash val="solid"/>
+        </a:ln>
+        <a:ln w="25400" cap="flat" cmpd="sng" algn="ctr">
+          <a:solidFill>
+            <a:schemeClr val="phClr"/>
+          </a:solidFill>
+          <a:prstDash val="solid"/>
+        </a:ln>
+        <a:ln w="38100" cap="flat" cmpd="sng" algn="ctr">
+          <a:solidFill>
+            <a:schemeClr val="phClr"/>
+          </a:solidFill>
+          <a:prstDash val="solid"/>
+        </a:ln>
+      </a:lnStyleLst>
+      <a:effectStyleLst>
+        <a:effectStyle>
+          <a:effectLst>
+            <a:outerShdw blurRad="40000" dist="20000" dir="5400000" rotWithShape="0">
+              <a:srgbClr val="000000">
+                <a:alpha val="38000"/>
+              </a:srgbClr>
+            </a:outerShdw>
+          </a:effectLst>
+        </a:effectStyle>
+        <a:effectStyle>
+          <a:effectLst>
+            <a:outerShdw blurRad="40000" dist="23000" dir="5400000" rotWithShape="0">
+              <a:srgbClr val="000000">
+                <a:alpha val="35000"/>
+              </a:srgbClr>
+            </a:outerShdw>
+          </a:effectLst>
+        </a:effectStyle>
+        <a:effectStyle>
+          <a:effectLst>
+            <a:outerShdw blurRad="40000" dist="23000" dir="5400000" rotWithShape="0">
+              <a:srgbClr val="000000">
+                <a:alpha val="35000"/>
+              </a:srgbClr>
+            </a:outerShdw>
+          </a:effectLst>
+          <a:scene3d>
+            <a:camera prst="orthographicFront">
+              <a:rot lat="0" lon="0" rev="0"/>
+            </a:camera>
+            <a:lightRig rig="threePt" dir="t">
+              <a:rot lat="0" lon="0" rev="1200000"/>
+            </a:lightRig>
+          </a:scene3d>
+          <a:sp3d>
+            <a:bevelT w="63500" h="25400"/>
+          </a:sp3d>
+        </a:effectStyle>
+      </a:effectStyleLst>
+      <a:bgFillStyleLst>
+        <a:solidFill>
+          <a:schemeClr val="phClr"/>
+        </a:solidFill>
+        <a:gradFill rotWithShape="1">
+          <a:gsLst>
+            <a:gs pos="0">
+              <a:schemeClr val="phClr">
+                <a:tint val="40000"/>
+                <a:satMod val="350000"/>
+              </a:schemeClr>
+            </a:gs>
+            <a:gs pos="40000">
+              <a:schemeClr val="phClr">
+                <a:tint val="45000"/>
+                <a:shade val="99000"/>
+                <a:satMod val="350000"/>
+              </a:schemeClr>
+            </a:gs>
+            <a:gs pos="100000">
+              <a:schemeClr val="phClr">
+                <a:shade val="20000"/>
+                <a:satMod val="255000"/>
+              </a:schemeClr>
+            </a:gs>
+          </a:gsLst>
+          <a:path path="circle">
+            <a:fillToRect l="50000" t="-80000" r="50000" b="180000"/>
+          </a:path>
+        </a:gradFill>
+        <a:gradFill rotWithShape="1">
+          <a:gsLst>
+            <a:gs pos="0">
+              <a:schemeClr val="phClr">
+                <a:tint val="80000"/>
+                <a:satMod val="300000"/>
+              </a:schemeClr>
+            </a:gs>
+            <a:gs pos="100000">
+              <a:schemeClr val="phClr">
+                <a:shade val="30000"/>
+                <a:satMod val="200000"/>
+              </a:schemeClr>
+            </a:gs>
+          </a:gsLst>
+          <a:path path="circle">
+            <a:fillToRect l="50000" t="50000" r="50000" b="50000"/>
+          </a:path>
+        </a:gradFill>
+      </a:bgFillStyleLst>
+    </a:fmtScheme>
+  </a:themeElements>
+  <a:objectDefaults/>
+  <a:extraClrSchemeLst/>
+</a:theme>
+</file>
+
+<file path=ppt/theme/theme2.xml><?xml version="1.0" encoding="utf-8"?>
+<a:theme xmlns:a="http://schemas.openxmlformats.org/drawingml/2006/main">
   <a:themeElements>
     <a:clrScheme name="Default">
       <a:dk1>
@@ -8671,284 +9291,7 @@
       </a:bgFillStyleLst>
     </a:fmtScheme>
   </a:themeElements>
-</a:theme>
-</file>
-
-<file path=ppt/theme/theme2.xml><?xml version="1.0" encoding="utf-8"?>
-<a:theme xmlns:a="http://schemas.openxmlformats.org/drawingml/2006/main" xmlns:r="http://schemas.openxmlformats.org/officeDocument/2006/relationships" name="Simple Light">
-  <a:themeElements>
-    <a:clrScheme name="Simple Light">
-      <a:dk1>
-        <a:srgbClr val="000000"/>
-      </a:dk1>
-      <a:lt1>
-        <a:srgbClr val="FFFFFF"/>
-      </a:lt1>
-      <a:dk2>
-        <a:srgbClr val="595959"/>
-      </a:dk2>
-      <a:lt2>
-        <a:srgbClr val="EEEEEE"/>
-      </a:lt2>
-      <a:accent1>
-        <a:srgbClr val="FFAB40"/>
-      </a:accent1>
-      <a:accent2>
-        <a:srgbClr val="212121"/>
-      </a:accent2>
-      <a:accent3>
-        <a:srgbClr val="78909C"/>
-      </a:accent3>
-      <a:accent4>
-        <a:srgbClr val="FFAB40"/>
-      </a:accent4>
-      <a:accent5>
-        <a:srgbClr val="0097A7"/>
-      </a:accent5>
-      <a:accent6>
-        <a:srgbClr val="EEFF41"/>
-      </a:accent6>
-      <a:hlink>
-        <a:srgbClr val="0097A7"/>
-      </a:hlink>
-      <a:folHlink>
-        <a:srgbClr val="0097A7"/>
-      </a:folHlink>
-    </a:clrScheme>
-    <a:fontScheme name="Office">
-      <a:majorFont>
-        <a:latin typeface="Arial"/>
-        <a:ea typeface=""/>
-        <a:cs typeface=""/>
-        <a:font script="Jpan" typeface="ＭＳ Ｐゴシック"/>
-        <a:font script="Hang" typeface="맑은 고딕"/>
-        <a:font script="Hans" typeface="宋体"/>
-        <a:font script="Hant" typeface="新細明體"/>
-        <a:font script="Arab" typeface="Times New Roman"/>
-        <a:font script="Hebr" typeface="Times New Roman"/>
-        <a:font script="Thai" typeface="Angsana New"/>
-        <a:font script="Ethi" typeface="Nyala"/>
-        <a:font script="Beng" typeface="Vrinda"/>
-        <a:font script="Gujr" typeface="Shruti"/>
-        <a:font script="Khmr" typeface="MoolBoran"/>
-        <a:font script="Knda" typeface="Tunga"/>
-        <a:font script="Guru" typeface="Raavi"/>
-        <a:font script="Cans" typeface="Euphemia"/>
-        <a:font script="Cher" typeface="Plantagenet Cherokee"/>
-        <a:font script="Yiii" typeface="Microsoft Yi Baiti"/>
-        <a:font script="Tibt" typeface="Microsoft Himalaya"/>
-        <a:font script="Thaa" typeface="MV Boli"/>
-        <a:font script="Deva" typeface="Mangal"/>
-        <a:font script="Telu" typeface="Gautami"/>
-        <a:font script="Taml" typeface="Latha"/>
-        <a:font script="Syrc" typeface="Estrangelo Edessa"/>
-        <a:font script="Orya" typeface="Kalinga"/>
-        <a:font script="Mlym" typeface="Kartika"/>
-        <a:font script="Laoo" typeface="DokChampa"/>
-        <a:font script="Sinh" typeface="Iskoola Pota"/>
-        <a:font script="Mong" typeface="Mongolian Baiti"/>
-        <a:font script="Viet" typeface="Times New Roman"/>
-        <a:font script="Uigh" typeface="Microsoft Uighur"/>
-        <a:font script="Geor" typeface="Sylfaen"/>
-      </a:majorFont>
-      <a:minorFont>
-        <a:latin typeface="Arial"/>
-        <a:ea typeface=""/>
-        <a:cs typeface=""/>
-        <a:font script="Jpan" typeface="ＭＳ Ｐゴシック"/>
-        <a:font script="Hang" typeface="맑은 고딕"/>
-        <a:font script="Hans" typeface="宋体"/>
-        <a:font script="Hant" typeface="新細明體"/>
-        <a:font script="Arab" typeface="Arial"/>
-        <a:font script="Hebr" typeface="Arial"/>
-        <a:font script="Thai" typeface="Cordia New"/>
-        <a:font script="Ethi" typeface="Nyala"/>
-        <a:font script="Beng" typeface="Vrinda"/>
-        <a:font script="Gujr" typeface="Shruti"/>
-        <a:font script="Khmr" typeface="DaunPenh"/>
-        <a:font script="Knda" typeface="Tunga"/>
-        <a:font script="Guru" typeface="Raavi"/>
-        <a:font script="Cans" typeface="Euphemia"/>
-        <a:font script="Cher" typeface="Plantagenet Cherokee"/>
-        <a:font script="Yiii" typeface="Microsoft Yi Baiti"/>
-        <a:font script="Tibt" typeface="Microsoft Himalaya"/>
-        <a:font script="Thaa" typeface="MV Boli"/>
-        <a:font script="Deva" typeface="Mangal"/>
-        <a:font script="Telu" typeface="Gautami"/>
-        <a:font script="Taml" typeface="Latha"/>
-        <a:font script="Syrc" typeface="Estrangelo Edessa"/>
-        <a:font script="Orya" typeface="Kalinga"/>
-        <a:font script="Mlym" typeface="Kartika"/>
-        <a:font script="Laoo" typeface="DokChampa"/>
-        <a:font script="Sinh" typeface="Iskoola Pota"/>
-        <a:font script="Mong" typeface="Mongolian Baiti"/>
-        <a:font script="Viet" typeface="Arial"/>
-        <a:font script="Uigh" typeface="Microsoft Uighur"/>
-        <a:font script="Geor" typeface="Sylfaen"/>
-      </a:minorFont>
-    </a:fontScheme>
-    <a:fmtScheme name="Office">
-      <a:fillStyleLst>
-        <a:solidFill>
-          <a:schemeClr val="phClr"/>
-        </a:solidFill>
-        <a:gradFill rotWithShape="1">
-          <a:gsLst>
-            <a:gs pos="0">
-              <a:schemeClr val="phClr">
-                <a:tint val="50000"/>
-                <a:satMod val="300000"/>
-              </a:schemeClr>
-            </a:gs>
-            <a:gs pos="35000">
-              <a:schemeClr val="phClr">
-                <a:tint val="37000"/>
-                <a:satMod val="300000"/>
-              </a:schemeClr>
-            </a:gs>
-            <a:gs pos="100000">
-              <a:schemeClr val="phClr">
-                <a:tint val="15000"/>
-                <a:satMod val="350000"/>
-              </a:schemeClr>
-            </a:gs>
-          </a:gsLst>
-          <a:lin ang="16200000" scaled="1"/>
-        </a:gradFill>
-        <a:gradFill rotWithShape="1">
-          <a:gsLst>
-            <a:gs pos="0">
-              <a:schemeClr val="phClr">
-                <a:tint val="100000"/>
-                <a:shade val="100000"/>
-                <a:satMod val="130000"/>
-              </a:schemeClr>
-            </a:gs>
-            <a:gs pos="100000">
-              <a:schemeClr val="phClr">
-                <a:tint val="50000"/>
-                <a:shade val="100000"/>
-                <a:satMod val="350000"/>
-              </a:schemeClr>
-            </a:gs>
-          </a:gsLst>
-          <a:lin ang="16200000" scaled="0"/>
-        </a:gradFill>
-      </a:fillStyleLst>
-      <a:lnStyleLst>
-        <a:ln w="9525" cap="flat" cmpd="sng" algn="ctr">
-          <a:solidFill>
-            <a:schemeClr val="phClr">
-              <a:shade val="95000"/>
-              <a:satMod val="105000"/>
-            </a:schemeClr>
-          </a:solidFill>
-          <a:prstDash val="solid"/>
-        </a:ln>
-        <a:ln w="25400" cap="flat" cmpd="sng" algn="ctr">
-          <a:solidFill>
-            <a:schemeClr val="phClr"/>
-          </a:solidFill>
-          <a:prstDash val="solid"/>
-        </a:ln>
-        <a:ln w="38100" cap="flat" cmpd="sng" algn="ctr">
-          <a:solidFill>
-            <a:schemeClr val="phClr"/>
-          </a:solidFill>
-          <a:prstDash val="solid"/>
-        </a:ln>
-      </a:lnStyleLst>
-      <a:effectStyleLst>
-        <a:effectStyle>
-          <a:effectLst>
-            <a:outerShdw blurRad="40000" dist="20000" dir="5400000" rotWithShape="0">
-              <a:srgbClr val="000000">
-                <a:alpha val="38000"/>
-              </a:srgbClr>
-            </a:outerShdw>
-          </a:effectLst>
-        </a:effectStyle>
-        <a:effectStyle>
-          <a:effectLst>
-            <a:outerShdw blurRad="40000" dist="23000" dir="5400000" rotWithShape="0">
-              <a:srgbClr val="000000">
-                <a:alpha val="35000"/>
-              </a:srgbClr>
-            </a:outerShdw>
-          </a:effectLst>
-        </a:effectStyle>
-        <a:effectStyle>
-          <a:effectLst>
-            <a:outerShdw blurRad="40000" dist="23000" dir="5400000" rotWithShape="0">
-              <a:srgbClr val="000000">
-                <a:alpha val="35000"/>
-              </a:srgbClr>
-            </a:outerShdw>
-          </a:effectLst>
-          <a:scene3d>
-            <a:camera prst="orthographicFront">
-              <a:rot lat="0" lon="0" rev="0"/>
-            </a:camera>
-            <a:lightRig rig="threePt" dir="t">
-              <a:rot lat="0" lon="0" rev="1200000"/>
-            </a:lightRig>
-          </a:scene3d>
-          <a:sp3d>
-            <a:bevelT w="63500" h="25400"/>
-          </a:sp3d>
-        </a:effectStyle>
-      </a:effectStyleLst>
-      <a:bgFillStyleLst>
-        <a:solidFill>
-          <a:schemeClr val="phClr"/>
-        </a:solidFill>
-        <a:gradFill rotWithShape="1">
-          <a:gsLst>
-            <a:gs pos="0">
-              <a:schemeClr val="phClr">
-                <a:tint val="40000"/>
-                <a:satMod val="350000"/>
-              </a:schemeClr>
-            </a:gs>
-            <a:gs pos="40000">
-              <a:schemeClr val="phClr">
-                <a:tint val="45000"/>
-                <a:shade val="99000"/>
-                <a:satMod val="350000"/>
-              </a:schemeClr>
-            </a:gs>
-            <a:gs pos="100000">
-              <a:schemeClr val="phClr">
-                <a:shade val="20000"/>
-                <a:satMod val="255000"/>
-              </a:schemeClr>
-            </a:gs>
-          </a:gsLst>
-          <a:path path="circle">
-            <a:fillToRect l="50000" t="-80000" r="50000" b="180000"/>
-          </a:path>
-        </a:gradFill>
-        <a:gradFill rotWithShape="1">
-          <a:gsLst>
-            <a:gs pos="0">
-              <a:schemeClr val="phClr">
-                <a:tint val="80000"/>
-                <a:satMod val="300000"/>
-              </a:schemeClr>
-            </a:gs>
-            <a:gs pos="100000">
-              <a:schemeClr val="phClr">
-                <a:shade val="30000"/>
-                <a:satMod val="200000"/>
-              </a:schemeClr>
-            </a:gs>
-          </a:gsLst>
-          <a:path path="circle">
-            <a:fillToRect l="50000" t="50000" r="50000" b="50000"/>
-          </a:path>
-        </a:gradFill>
-      </a:bgFillStyleLst>
-    </a:fmtScheme>
-  </a:themeElements>
+  <a:objectDefaults/>
+  <a:extraClrSchemeLst/>
 </a:theme>
 </file>
--- a/units/3/lessons/6/resources/petascale-lesson-3.6-slides.pptx
+++ b/units/3/lessons/6/resources/petascale-lesson-3.6-slides.pptx
@@ -10,7 +10,7 @@
   </p:notesMasterIdLst>
   <p:sldIdLst>
     <p:sldId id="266" r:id="rId3"/>
-    <p:sldId id="267" r:id="rId4"/>
+    <p:sldId id="268" r:id="rId4"/>
     <p:sldId id="256" r:id="rId5"/>
     <p:sldId id="257" r:id="rId6"/>
     <p:sldId id="258" r:id="rId7"/>
@@ -17774,7 +17774,7 @@
         </p:nvSpPr>
         <p:spPr>
           <a:xfrm>
-            <a:off x="566059" y="0"/>
+            <a:off x="566057" y="0"/>
             <a:ext cx="8011886" cy="5143500"/>
           </a:xfrm>
         </p:spPr>
@@ -17821,7 +17821,23 @@
                 <a:ea typeface="Times New Roman" charset="0"/>
                 <a:cs typeface="Times New Roman" charset="0"/>
               </a:rPr>
-              <a:t>CC BY-NC 4.0. To view a copy of this license, visit </a:t>
+              <a:t>CC </a:t>
+            </a:r>
+            <a:r>
+              <a:rPr lang="en-US" sz="2100" dirty="0" smtClean="0">
+                <a:latin typeface="Times New Roman" charset="0"/>
+                <a:ea typeface="Times New Roman" charset="0"/>
+                <a:cs typeface="Times New Roman" charset="0"/>
+              </a:rPr>
+              <a:t>BY-SA </a:t>
+            </a:r>
+            <a:r>
+              <a:rPr lang="en-US" sz="2100" dirty="0">
+                <a:latin typeface="Times New Roman" charset="0"/>
+                <a:ea typeface="Times New Roman" charset="0"/>
+                <a:cs typeface="Times New Roman" charset="0"/>
+              </a:rPr>
+              <a:t>4.0. To view a copy of this license, visit </a:t>
             </a:r>
             <a:r>
               <a:rPr lang="en-US" sz="2100" dirty="0">
@@ -17830,7 +17846,16 @@
                 <a:cs typeface="Times New Roman" charset="0"/>
                 <a:hlinkClick r:id="rId2"/>
               </a:rPr>
-              <a:t>https://creativecommons.org/licenses/by-nc/4.0</a:t>
+              <a:t>https://</a:t>
+            </a:r>
+            <a:r>
+              <a:rPr lang="en-US" sz="2100" dirty="0" smtClean="0">
+                <a:latin typeface="Times New Roman" charset="0"/>
+                <a:ea typeface="Times New Roman" charset="0"/>
+                <a:cs typeface="Times New Roman" charset="0"/>
+                <a:hlinkClick r:id="rId2"/>
+              </a:rPr>
+              <a:t>creativecommons.org/licenses/by-sa/4.0</a:t>
             </a:r>
             <a:r>
               <a:rPr lang="en-US" sz="2100" dirty="0">
@@ -17984,20 +18009,13 @@
     </p:spTree>
     <p:extLst>
       <p:ext uri="{BB962C8B-B14F-4D97-AF65-F5344CB8AC3E}">
-        <p14:creationId xmlns:p14="http://schemas.microsoft.com/office/powerpoint/2010/main" val="1520989202"/>
+        <p14:creationId xmlns:p14="http://schemas.microsoft.com/office/powerpoint/2010/main" val="1569760636"/>
       </p:ext>
     </p:extLst>
   </p:cSld>
   <p:clrMapOvr>
     <a:masterClrMapping/>
   </p:clrMapOvr>
-  <p:timing>
-    <p:tnLst>
-      <p:par>
-        <p:cTn id="1" dur="indefinite" restart="never" nodeType="tmRoot"/>
-      </p:par>
-    </p:tnLst>
-  </p:timing>
 </p:sld>
 </file>
 

--- a/units/3/lessons/6/resources/petascale-lesson-3.6-slides.pptx
+++ b/units/3/lessons/6/resources/petascale-lesson-3.6-slides.pptx
@@ -939,7 +939,7 @@
         </p:nvSpPr>
         <p:spPr>
           <a:xfrm>
-            <a:off x="381300" y="685800"/>
+            <a:off x="381000" y="685800"/>
             <a:ext cx="6096000" cy="3429000"/>
           </a:xfrm>
           <a:custGeom>
@@ -1509,7 +1509,7 @@
         </p:nvSpPr>
         <p:spPr>
           <a:xfrm>
-            <a:off x="381300" y="685800"/>
+            <a:off x="381000" y="685800"/>
             <a:ext cx="6096000" cy="3429000"/>
           </a:xfrm>
           <a:custGeom>
@@ -2510,7 +2510,7 @@
         </p:nvSpPr>
         <p:spPr>
           <a:xfrm>
-            <a:off x="381300" y="685800"/>
+            <a:off x="381000" y="685800"/>
             <a:ext cx="6096000" cy="3429000"/>
           </a:xfrm>
           <a:custGeom>
@@ -4282,7 +4282,7 @@
         </p:nvSpPr>
         <p:spPr>
           <a:xfrm>
-            <a:off x="381300" y="685800"/>
+            <a:off x="381000" y="685800"/>
             <a:ext cx="6096000" cy="3429000"/>
           </a:xfrm>
           <a:custGeom>
@@ -14403,14 +14403,14 @@
               <a:buNone/>
             </a:pPr>
             <a:r>
-              <a:rPr lang="en" sz="1300" b="1">
+              <a:rPr lang="en" sz="1300" b="1" dirty="0">
                 <a:solidFill>
                   <a:schemeClr val="dk1"/>
                 </a:solidFill>
               </a:rPr>
               <a:t>Submitting Jobs</a:t>
             </a:r>
-            <a:endParaRPr sz="1300" b="1">
+            <a:endParaRPr sz="1300" b="1" dirty="0">
               <a:solidFill>
                 <a:schemeClr val="dk1"/>
               </a:solidFill>
@@ -14427,7 +14427,7 @@
               <a:buNone/>
             </a:pPr>
             <a:r>
-              <a:rPr lang="en" sz="1300">
+              <a:rPr lang="en" sz="1300" dirty="0">
                 <a:solidFill>
                   <a:schemeClr val="dk1"/>
                 </a:solidFill>
@@ -14435,7 +14435,7 @@
               <a:t>Submitting a job is accomplished using a command named </a:t>
             </a:r>
             <a:r>
-              <a:rPr lang="en" sz="1300" b="1">
+              <a:rPr lang="en" sz="1300" b="1" dirty="0" err="1">
                 <a:solidFill>
                   <a:schemeClr val="dk1"/>
                 </a:solidFill>
@@ -14443,7 +14443,7 @@
               <a:t>salloc</a:t>
             </a:r>
             <a:r>
-              <a:rPr lang="en" sz="1300">
+              <a:rPr lang="en" sz="1300" dirty="0">
                 <a:solidFill>
                   <a:schemeClr val="dk1"/>
                 </a:solidFill>
@@ -14451,7 +14451,7 @@
               <a:t>. This command allows us to submit two different kinds of jobs: </a:t>
             </a:r>
             <a:r>
-              <a:rPr lang="en" sz="1300" b="1">
+              <a:rPr lang="en" sz="1300" b="1" dirty="0">
                 <a:solidFill>
                   <a:schemeClr val="dk1"/>
                 </a:solidFill>
@@ -14459,7 +14459,7 @@
               <a:t>interactive</a:t>
             </a:r>
             <a:r>
-              <a:rPr lang="en" sz="1300">
+              <a:rPr lang="en" sz="1300" dirty="0">
                 <a:solidFill>
                   <a:schemeClr val="dk1"/>
                 </a:solidFill>
@@ -14467,7 +14467,7 @@
               <a:t> jobs and </a:t>
             </a:r>
             <a:r>
-              <a:rPr lang="en" sz="1300" b="1">
+              <a:rPr lang="en" sz="1300" b="1" dirty="0">
                 <a:solidFill>
                   <a:schemeClr val="dk1"/>
                 </a:solidFill>
@@ -14475,14 +14475,14 @@
               <a:t>batch</a:t>
             </a:r>
             <a:r>
-              <a:rPr lang="en" sz="1300">
+              <a:rPr lang="en" sz="1300" dirty="0">
                 <a:solidFill>
                   <a:schemeClr val="dk1"/>
                 </a:solidFill>
               </a:rPr>
               <a:t> jobs. Interactive jobs are more common for compiling, testing and running R applications.</a:t>
             </a:r>
-            <a:endParaRPr sz="1300">
+            <a:endParaRPr sz="1300" dirty="0">
               <a:solidFill>
                 <a:schemeClr val="dk1"/>
               </a:solidFill>
@@ -14498,7 +14498,7 @@
               </a:spcAft>
               <a:buNone/>
             </a:pPr>
-            <a:endParaRPr sz="1300" b="1">
+            <a:endParaRPr sz="1300" b="1" dirty="0">
               <a:solidFill>
                 <a:schemeClr val="dk1"/>
               </a:solidFill>
@@ -14515,14 +14515,14 @@
               <a:buNone/>
             </a:pPr>
             <a:r>
-              <a:rPr lang="en" sz="1300" b="1">
+              <a:rPr lang="en" sz="1300" b="1" dirty="0">
                 <a:solidFill>
                   <a:schemeClr val="dk1"/>
                 </a:solidFill>
               </a:rPr>
               <a:t>Interactive Jobs:</a:t>
             </a:r>
-            <a:endParaRPr sz="1100">
+            <a:endParaRPr sz="1100" dirty="0">
               <a:solidFill>
                 <a:schemeClr val="dk1"/>
               </a:solidFill>
@@ -14542,7 +14542,7 @@
               </a:spcAft>
               <a:buNone/>
             </a:pPr>
-            <a:endParaRPr sz="1100">
+            <a:endParaRPr sz="1100" dirty="0">
               <a:solidFill>
                 <a:schemeClr val="dk1"/>
               </a:solidFill>
@@ -14563,7 +14563,7 @@
               <a:buNone/>
             </a:pPr>
             <a:r>
-              <a:rPr lang="en" sz="1100" b="1">
+              <a:rPr lang="en" sz="1100" b="1" dirty="0">
                 <a:solidFill>
                   <a:schemeClr val="dk1"/>
                 </a:solidFill>
@@ -14572,354 +14572,594 @@
                 <a:cs typeface="Source Code Pro"/>
                 <a:sym typeface="Source Code Pro"/>
               </a:rPr>
-              <a:t>$ salloc</a:t>
-            </a:r>
-            <a:r>
-              <a:rPr lang="en" sz="1100" b="1">
+              <a:t>$ </a:t>
+            </a:r>
+            <a:r>
+              <a:rPr lang="en" sz="1100" b="1" dirty="0" err="1">
+                <a:solidFill>
+                  <a:schemeClr val="dk1"/>
+                </a:solidFill>
+                <a:latin typeface="Consolas" charset="0"/>
+                <a:ea typeface="Consolas" charset="0"/>
+                <a:cs typeface="Consolas" charset="0"/>
+                <a:sym typeface="Source Code Pro"/>
+              </a:rPr>
+              <a:t>salloc</a:t>
+            </a:r>
+            <a:r>
+              <a:rPr lang="en" sz="1100" b="1" dirty="0">
                 <a:solidFill>
                   <a:schemeClr val="dk1"/>
                 </a:solidFill>
                 <a:highlight>
                   <a:srgbClr val="00FFFF"/>
                 </a:highlight>
-                <a:latin typeface="Source Code Pro"/>
-                <a:ea typeface="Source Code Pro"/>
-                <a:cs typeface="Source Code Pro"/>
+                <a:latin typeface="Consolas" charset="0"/>
+                <a:ea typeface="Consolas" charset="0"/>
+                <a:cs typeface="Consolas" charset="0"/>
                 <a:sym typeface="Source Code Pro"/>
               </a:rPr>
               <a:t> </a:t>
             </a:r>
             <a:r>
-              <a:rPr lang="en" sz="1100" b="1">
-                <a:solidFill>
-                  <a:schemeClr val="dk1"/>
-                </a:solidFill>
-                <a:latin typeface="Source Code Pro"/>
-                <a:ea typeface="Source Code Pro"/>
-                <a:cs typeface="Source Code Pro"/>
+              <a:rPr lang="en" sz="1100" b="1" dirty="0">
+                <a:solidFill>
+                  <a:schemeClr val="dk1"/>
+                </a:solidFill>
+                <a:latin typeface="Consolas" charset="0"/>
+                <a:ea typeface="Consolas" charset="0"/>
+                <a:cs typeface="Consolas" charset="0"/>
                 <a:sym typeface="Source Code Pro"/>
               </a:rPr>
               <a:t>--time=</a:t>
             </a:r>
             <a:r>
-              <a:rPr lang="en" sz="1100" b="1">
+              <a:rPr lang="en" sz="1100" b="1" dirty="0">
                 <a:solidFill>
                   <a:schemeClr val="dk1"/>
                 </a:solidFill>
                 <a:highlight>
                   <a:srgbClr val="FFFF00"/>
                 </a:highlight>
-                <a:latin typeface="Source Code Pro"/>
-                <a:ea typeface="Source Code Pro"/>
-                <a:cs typeface="Source Code Pro"/>
+                <a:latin typeface="Consolas" charset="0"/>
+                <a:ea typeface="Consolas" charset="0"/>
+                <a:cs typeface="Consolas" charset="0"/>
                 <a:sym typeface="Source Code Pro"/>
               </a:rPr>
               <a:t>&lt;hours&gt;</a:t>
             </a:r>
             <a:r>
-              <a:rPr lang="en" sz="1100" b="1">
-                <a:solidFill>
-                  <a:schemeClr val="dk1"/>
-                </a:solidFill>
-                <a:latin typeface="Source Code Pro"/>
-                <a:ea typeface="Source Code Pro"/>
-                <a:cs typeface="Source Code Pro"/>
+              <a:rPr lang="en" sz="1100" b="1" dirty="0">
+                <a:solidFill>
+                  <a:schemeClr val="dk1"/>
+                </a:solidFill>
+                <a:latin typeface="Consolas" charset="0"/>
+                <a:ea typeface="Consolas" charset="0"/>
+                <a:cs typeface="Consolas" charset="0"/>
                 <a:sym typeface="Source Code Pro"/>
               </a:rPr>
               <a:t>:</a:t>
             </a:r>
             <a:r>
-              <a:rPr lang="en" sz="1100" b="1">
+              <a:rPr lang="en" sz="1100" b="1" dirty="0">
                 <a:solidFill>
                   <a:schemeClr val="dk1"/>
                 </a:solidFill>
                 <a:highlight>
                   <a:srgbClr val="FFFF00"/>
                 </a:highlight>
-                <a:latin typeface="Source Code Pro"/>
-                <a:ea typeface="Source Code Pro"/>
-                <a:cs typeface="Source Code Pro"/>
+                <a:latin typeface="Consolas" charset="0"/>
+                <a:ea typeface="Consolas" charset="0"/>
+                <a:cs typeface="Consolas" charset="0"/>
                 <a:sym typeface="Source Code Pro"/>
               </a:rPr>
               <a:t>&lt;minutes&gt;</a:t>
             </a:r>
             <a:r>
-              <a:rPr lang="en" sz="1100" b="1">
-                <a:solidFill>
-                  <a:schemeClr val="dk1"/>
-                </a:solidFill>
-                <a:latin typeface="Source Code Pro"/>
-                <a:ea typeface="Source Code Pro"/>
-                <a:cs typeface="Source Code Pro"/>
+              <a:rPr lang="en" sz="1100" b="1" dirty="0">
+                <a:solidFill>
+                  <a:schemeClr val="dk1"/>
+                </a:solidFill>
+                <a:latin typeface="Consolas" charset="0"/>
+                <a:ea typeface="Consolas" charset="0"/>
+                <a:cs typeface="Consolas" charset="0"/>
                 <a:sym typeface="Source Code Pro"/>
               </a:rPr>
               <a:t>:</a:t>
             </a:r>
             <a:r>
-              <a:rPr lang="en" sz="1100" b="1">
+              <a:rPr lang="en" sz="1100" b="1" dirty="0">
                 <a:solidFill>
                   <a:schemeClr val="dk1"/>
                 </a:solidFill>
                 <a:highlight>
                   <a:srgbClr val="FFFF00"/>
                 </a:highlight>
-                <a:latin typeface="Source Code Pro"/>
-                <a:ea typeface="Source Code Pro"/>
-                <a:cs typeface="Source Code Pro"/>
+                <a:latin typeface="Consolas" charset="0"/>
+                <a:ea typeface="Consolas" charset="0"/>
+                <a:cs typeface="Consolas" charset="0"/>
                 <a:sym typeface="Source Code Pro"/>
               </a:rPr>
               <a:t>&lt;seconds&gt;</a:t>
             </a:r>
             <a:r>
-              <a:rPr lang="en" sz="1100" b="1">
+              <a:rPr lang="en" sz="1100" b="1" dirty="0">
                 <a:solidFill>
                   <a:schemeClr val="dk1"/>
                 </a:solidFill>
                 <a:highlight>
                   <a:srgbClr val="00FFFF"/>
                 </a:highlight>
-                <a:latin typeface="Source Code Pro"/>
-                <a:ea typeface="Source Code Pro"/>
-                <a:cs typeface="Source Code Pro"/>
+                <a:latin typeface="Consolas" charset="0"/>
+                <a:ea typeface="Consolas" charset="0"/>
+                <a:cs typeface="Consolas" charset="0"/>
                 <a:sym typeface="Source Code Pro"/>
               </a:rPr>
               <a:t> </a:t>
             </a:r>
             <a:r>
-              <a:rPr lang="en" sz="1100" b="1">
-                <a:solidFill>
-                  <a:schemeClr val="dk1"/>
-                </a:solidFill>
-                <a:latin typeface="Source Code Pro"/>
-                <a:ea typeface="Source Code Pro"/>
-                <a:cs typeface="Source Code Pro"/>
+              <a:rPr lang="en" sz="1100" b="1" dirty="0">
+                <a:solidFill>
+                  <a:schemeClr val="dk1"/>
+                </a:solidFill>
+                <a:latin typeface="Consolas" charset="0"/>
+                <a:ea typeface="Consolas" charset="0"/>
+                <a:cs typeface="Consolas" charset="0"/>
                 <a:sym typeface="Source Code Pro"/>
               </a:rPr>
               <a:t>--nodes=</a:t>
             </a:r>
             <a:r>
-              <a:rPr lang="en" sz="1100" b="1">
+              <a:rPr lang="en" sz="1100" b="1" dirty="0">
                 <a:solidFill>
                   <a:schemeClr val="dk1"/>
                 </a:solidFill>
                 <a:highlight>
                   <a:srgbClr val="FFFF00"/>
                 </a:highlight>
-                <a:latin typeface="Source Code Pro"/>
-                <a:ea typeface="Source Code Pro"/>
-                <a:cs typeface="Source Code Pro"/>
+                <a:latin typeface="Consolas" charset="0"/>
+                <a:ea typeface="Consolas" charset="0"/>
+                <a:cs typeface="Consolas" charset="0"/>
                 <a:sym typeface="Source Code Pro"/>
               </a:rPr>
               <a:t>&lt;# of compute nodes&gt;</a:t>
             </a:r>
             <a:r>
-              <a:rPr lang="en" sz="1100" b="1">
+              <a:rPr lang="en" sz="1100" b="1" dirty="0">
                 <a:solidFill>
                   <a:schemeClr val="dk1"/>
                 </a:solidFill>
                 <a:highlight>
                   <a:srgbClr val="00FFFF"/>
                 </a:highlight>
-                <a:latin typeface="Source Code Pro"/>
-                <a:ea typeface="Source Code Pro"/>
-                <a:cs typeface="Source Code Pro"/>
+                <a:latin typeface="Consolas" charset="0"/>
+                <a:ea typeface="Consolas" charset="0"/>
+                <a:cs typeface="Consolas" charset="0"/>
                 <a:sym typeface="Source Code Pro"/>
               </a:rPr>
               <a:t> </a:t>
             </a:r>
             <a:r>
-              <a:rPr lang="en" sz="1100" b="1">
-                <a:solidFill>
-                  <a:schemeClr val="dk1"/>
-                </a:solidFill>
-                <a:latin typeface="Source Code Pro"/>
-                <a:ea typeface="Source Code Pro"/>
-                <a:cs typeface="Source Code Pro"/>
+              <a:rPr lang="en" sz="1100" b="1" dirty="0">
+                <a:solidFill>
+                  <a:schemeClr val="dk1"/>
+                </a:solidFill>
+                <a:latin typeface="Consolas" charset="0"/>
+                <a:ea typeface="Consolas" charset="0"/>
+                <a:cs typeface="Consolas" charset="0"/>
                 <a:sym typeface="Source Code Pro"/>
               </a:rPr>
-              <a:t>--ntasks=</a:t>
-            </a:r>
-            <a:r>
-              <a:rPr lang="en" sz="1100" b="1">
+              <a:t>--</a:t>
+            </a:r>
+            <a:r>
+              <a:rPr lang="en" sz="1100" b="1" dirty="0" err="1">
+                <a:solidFill>
+                  <a:schemeClr val="dk1"/>
+                </a:solidFill>
+                <a:latin typeface="Consolas" charset="0"/>
+                <a:ea typeface="Consolas" charset="0"/>
+                <a:cs typeface="Consolas" charset="0"/>
+                <a:sym typeface="Source Code Pro"/>
+              </a:rPr>
+              <a:t>ntasks</a:t>
+            </a:r>
+            <a:r>
+              <a:rPr lang="en" sz="1100" b="1" dirty="0">
+                <a:solidFill>
+                  <a:schemeClr val="dk1"/>
+                </a:solidFill>
+                <a:latin typeface="Consolas" charset="0"/>
+                <a:ea typeface="Consolas" charset="0"/>
+                <a:cs typeface="Consolas" charset="0"/>
+                <a:sym typeface="Source Code Pro"/>
+              </a:rPr>
+              <a:t>=</a:t>
+            </a:r>
+            <a:r>
+              <a:rPr lang="en" sz="1100" b="1" dirty="0">
                 <a:solidFill>
                   <a:schemeClr val="dk1"/>
                 </a:solidFill>
                 <a:highlight>
                   <a:srgbClr val="FFFF00"/>
                 </a:highlight>
-                <a:latin typeface="Source Code Pro"/>
-                <a:ea typeface="Source Code Pro"/>
-                <a:cs typeface="Source Code Pro"/>
+                <a:latin typeface="Consolas" charset="0"/>
+                <a:ea typeface="Consolas" charset="0"/>
+                <a:cs typeface="Consolas" charset="0"/>
                 <a:sym typeface="Source Code Pro"/>
               </a:rPr>
-              <a:t>&lt;# of processes&gt;</a:t>
-            </a:r>
-            <a:r>
-              <a:rPr lang="en" sz="1100" b="1">
-                <a:solidFill>
-                  <a:schemeClr val="dk1"/>
-                </a:solidFill>
-                <a:latin typeface="Source Code Pro"/>
-                <a:ea typeface="Source Code Pro"/>
-                <a:cs typeface="Source Code Pro"/>
+              <a:t>&lt;# of processes</a:t>
+            </a:r>
+            <a:r>
+              <a:rPr lang="en" sz="1100" b="1" dirty="0" smtClean="0">
+                <a:solidFill>
+                  <a:schemeClr val="dk1"/>
+                </a:solidFill>
+                <a:highlight>
+                  <a:srgbClr val="FFFF00"/>
+                </a:highlight>
+                <a:latin typeface="Consolas" charset="0"/>
+                <a:ea typeface="Consolas" charset="0"/>
+                <a:cs typeface="Consolas" charset="0"/>
                 <a:sym typeface="Source Code Pro"/>
               </a:rPr>
-              <a:t>\</a:t>
-            </a:r>
-            <a:r>
-              <a:rPr lang="en" sz="1100" b="1">
+              <a:t>&gt;</a:t>
+            </a:r>
+            <a:r>
+              <a:rPr lang="en" sz="1100" b="1" dirty="0" smtClean="0">
                 <a:solidFill>
                   <a:schemeClr val="dk1"/>
                 </a:solidFill>
                 <a:highlight>
                   <a:srgbClr val="00FFFF"/>
                 </a:highlight>
-                <a:latin typeface="Source Code Pro"/>
-                <a:ea typeface="Source Code Pro"/>
-                <a:cs typeface="Source Code Pro"/>
+                <a:latin typeface="Consolas" charset="0"/>
+                <a:ea typeface="Consolas" charset="0"/>
+                <a:cs typeface="Consolas" charset="0"/>
                 <a:sym typeface="Source Code Pro"/>
               </a:rPr>
               <a:t> </a:t>
             </a:r>
             <a:r>
-              <a:rPr lang="en" sz="1100" b="1">
-                <a:solidFill>
-                  <a:schemeClr val="dk1"/>
-                </a:solidFill>
-                <a:latin typeface="Source Code Pro"/>
-                <a:ea typeface="Source Code Pro"/>
-                <a:cs typeface="Source Code Pro"/>
+              <a:rPr lang="en-US" sz="1100" b="1" dirty="0" smtClean="0">
+                <a:solidFill>
+                  <a:schemeClr val="dk1"/>
+                </a:solidFill>
+                <a:highlight>
+                  <a:srgbClr val="00FFFF"/>
+                </a:highlight>
+                <a:latin typeface="Consolas" charset="0"/>
+                <a:ea typeface="Consolas" charset="0"/>
+                <a:cs typeface="Consolas" charset="0"/>
                 <a:sym typeface="Source Code Pro"/>
               </a:rPr>
-              <a:t>--cpus-per-task=</a:t>
-            </a:r>
-            <a:r>
-              <a:rPr lang="en" sz="1100" b="1">
+              <a:t/>
+            </a:r>
+            <a:br>
+              <a:rPr lang="en-US" sz="1100" b="1" dirty="0" smtClean="0">
+                <a:solidFill>
+                  <a:schemeClr val="dk1"/>
+                </a:solidFill>
+                <a:highlight>
+                  <a:srgbClr val="00FFFF"/>
+                </a:highlight>
+                <a:latin typeface="Consolas" charset="0"/>
+                <a:ea typeface="Consolas" charset="0"/>
+                <a:cs typeface="Consolas" charset="0"/>
+                <a:sym typeface="Source Code Pro"/>
+              </a:rPr>
+            </a:br>
+            <a:r>
+              <a:rPr lang="en" sz="1100" b="1" dirty="0" smtClean="0">
+                <a:solidFill>
+                  <a:schemeClr val="dk1"/>
+                </a:solidFill>
+                <a:latin typeface="Consolas" charset="0"/>
+                <a:ea typeface="Consolas" charset="0"/>
+                <a:cs typeface="Consolas" charset="0"/>
+                <a:sym typeface="Source Code Pro"/>
+              </a:rPr>
+              <a:t>--</a:t>
+            </a:r>
+            <a:r>
+              <a:rPr lang="en" sz="1100" b="1" dirty="0" err="1">
+                <a:solidFill>
+                  <a:schemeClr val="dk1"/>
+                </a:solidFill>
+                <a:latin typeface="Consolas" charset="0"/>
+                <a:ea typeface="Consolas" charset="0"/>
+                <a:cs typeface="Consolas" charset="0"/>
+                <a:sym typeface="Source Code Pro"/>
+              </a:rPr>
+              <a:t>cpus</a:t>
+            </a:r>
+            <a:r>
+              <a:rPr lang="en" sz="1100" b="1" dirty="0">
+                <a:solidFill>
+                  <a:schemeClr val="dk1"/>
+                </a:solidFill>
+                <a:latin typeface="Consolas" charset="0"/>
+                <a:ea typeface="Consolas" charset="0"/>
+                <a:cs typeface="Consolas" charset="0"/>
+                <a:sym typeface="Source Code Pro"/>
+              </a:rPr>
+              <a:t>-per-task=</a:t>
+            </a:r>
+            <a:r>
+              <a:rPr lang="en" sz="1100" b="1" dirty="0">
                 <a:solidFill>
                   <a:schemeClr val="dk1"/>
                 </a:solidFill>
                 <a:highlight>
                   <a:srgbClr val="FFFF00"/>
                 </a:highlight>
-                <a:latin typeface="Source Code Pro"/>
-                <a:ea typeface="Source Code Pro"/>
-                <a:cs typeface="Source Code Pro"/>
+                <a:latin typeface="Consolas" charset="0"/>
+                <a:ea typeface="Consolas" charset="0"/>
+                <a:cs typeface="Consolas" charset="0"/>
                 <a:sym typeface="Source Code Pro"/>
               </a:rPr>
-              <a:t>&lt;# cpus/process/thread&gt;</a:t>
-            </a:r>
-            <a:r>
-              <a:rPr lang="en" sz="1100" b="1">
+              <a:t>&lt;# </a:t>
+            </a:r>
+            <a:r>
+              <a:rPr lang="en" sz="1100" b="1" dirty="0" err="1">
+                <a:solidFill>
+                  <a:schemeClr val="dk1"/>
+                </a:solidFill>
+                <a:highlight>
+                  <a:srgbClr val="FFFF00"/>
+                </a:highlight>
+                <a:latin typeface="Consolas" charset="0"/>
+                <a:ea typeface="Consolas" charset="0"/>
+                <a:cs typeface="Consolas" charset="0"/>
+                <a:sym typeface="Source Code Pro"/>
+              </a:rPr>
+              <a:t>cpus</a:t>
+            </a:r>
+            <a:r>
+              <a:rPr lang="en" sz="1100" b="1" dirty="0">
+                <a:solidFill>
+                  <a:schemeClr val="dk1"/>
+                </a:solidFill>
+                <a:highlight>
+                  <a:srgbClr val="FFFF00"/>
+                </a:highlight>
+                <a:latin typeface="Consolas" charset="0"/>
+                <a:ea typeface="Consolas" charset="0"/>
+                <a:cs typeface="Consolas" charset="0"/>
+                <a:sym typeface="Source Code Pro"/>
+              </a:rPr>
+              <a:t>/process/thread&gt;</a:t>
+            </a:r>
+            <a:r>
+              <a:rPr lang="en" sz="1100" b="1" dirty="0">
                 <a:solidFill>
                   <a:schemeClr val="dk1"/>
                 </a:solidFill>
                 <a:highlight>
                   <a:srgbClr val="00FFFF"/>
                 </a:highlight>
-                <a:latin typeface="Source Code Pro"/>
-                <a:ea typeface="Source Code Pro"/>
-                <a:cs typeface="Source Code Pro"/>
+                <a:latin typeface="Consolas" charset="0"/>
+                <a:ea typeface="Consolas" charset="0"/>
+                <a:cs typeface="Consolas" charset="0"/>
                 <a:sym typeface="Source Code Pro"/>
               </a:rPr>
               <a:t> </a:t>
             </a:r>
             <a:r>
-              <a:rPr lang="en" sz="1100" b="1">
-                <a:solidFill>
-                  <a:schemeClr val="dk1"/>
-                </a:solidFill>
-                <a:latin typeface="Source Code Pro"/>
-                <a:ea typeface="Source Code Pro"/>
-                <a:cs typeface="Source Code Pro"/>
+              <a:rPr lang="en" sz="1100" b="1" dirty="0">
+                <a:solidFill>
+                  <a:schemeClr val="dk1"/>
+                </a:solidFill>
+                <a:latin typeface="Consolas" charset="0"/>
+                <a:ea typeface="Consolas" charset="0"/>
+                <a:cs typeface="Consolas" charset="0"/>
                 <a:sym typeface="Source Code Pro"/>
               </a:rPr>
-              <a:t>--mem-per-cpu=</a:t>
-            </a:r>
-            <a:r>
-              <a:rPr lang="en" sz="1100" b="1">
+              <a:t>--mem-per-</a:t>
+            </a:r>
+            <a:r>
+              <a:rPr lang="en" sz="1100" b="1" dirty="0" err="1">
+                <a:solidFill>
+                  <a:schemeClr val="dk1"/>
+                </a:solidFill>
+                <a:latin typeface="Consolas" charset="0"/>
+                <a:ea typeface="Consolas" charset="0"/>
+                <a:cs typeface="Consolas" charset="0"/>
+                <a:sym typeface="Source Code Pro"/>
+              </a:rPr>
+              <a:t>cpu</a:t>
+            </a:r>
+            <a:r>
+              <a:rPr lang="en" sz="1100" b="1" dirty="0">
+                <a:solidFill>
+                  <a:schemeClr val="dk1"/>
+                </a:solidFill>
+                <a:latin typeface="Consolas" charset="0"/>
+                <a:ea typeface="Consolas" charset="0"/>
+                <a:cs typeface="Consolas" charset="0"/>
+                <a:sym typeface="Source Code Pro"/>
+              </a:rPr>
+              <a:t>=</a:t>
+            </a:r>
+            <a:r>
+              <a:rPr lang="en" sz="1100" b="1" dirty="0">
                 <a:solidFill>
                   <a:schemeClr val="dk1"/>
                 </a:solidFill>
                 <a:highlight>
                   <a:srgbClr val="FFFF00"/>
                 </a:highlight>
-                <a:latin typeface="Source Code Pro"/>
-                <a:ea typeface="Source Code Pro"/>
-                <a:cs typeface="Source Code Pro"/>
+                <a:latin typeface="Consolas" charset="0"/>
+                <a:ea typeface="Consolas" charset="0"/>
+                <a:cs typeface="Consolas" charset="0"/>
                 <a:sym typeface="Source Code Pro"/>
               </a:rPr>
-              <a:t>&lt;amount of RAM per core&gt;</a:t>
-            </a:r>
-            <a:r>
-              <a:rPr lang="en" sz="1100" b="1">
-                <a:solidFill>
-                  <a:schemeClr val="dk1"/>
-                </a:solidFill>
-                <a:latin typeface="Source Code Pro"/>
-                <a:ea typeface="Source Code Pro"/>
-                <a:cs typeface="Source Code Pro"/>
+              <a:t>&lt;amount of RAM per core</a:t>
+            </a:r>
+            <a:r>
+              <a:rPr lang="en" sz="1100" b="1" dirty="0" smtClean="0">
+                <a:solidFill>
+                  <a:schemeClr val="dk1"/>
+                </a:solidFill>
+                <a:highlight>
+                  <a:srgbClr val="FFFF00"/>
+                </a:highlight>
+                <a:latin typeface="Consolas" charset="0"/>
+                <a:ea typeface="Consolas" charset="0"/>
+                <a:cs typeface="Consolas" charset="0"/>
                 <a:sym typeface="Source Code Pro"/>
               </a:rPr>
-              <a:t>\</a:t>
-            </a:r>
-            <a:r>
-              <a:rPr lang="en" sz="1100" b="1">
+              <a:t>&gt;</a:t>
+            </a:r>
+            <a:r>
+              <a:rPr lang="en" sz="1100" b="1" dirty="0" smtClean="0">
                 <a:solidFill>
                   <a:schemeClr val="dk1"/>
                 </a:solidFill>
                 <a:highlight>
                   <a:srgbClr val="00FFFF"/>
                 </a:highlight>
-                <a:latin typeface="Source Code Pro"/>
-                <a:ea typeface="Source Code Pro"/>
-                <a:cs typeface="Source Code Pro"/>
+                <a:latin typeface="Consolas" charset="0"/>
+                <a:ea typeface="Consolas" charset="0"/>
+                <a:cs typeface="Consolas" charset="0"/>
                 <a:sym typeface="Source Code Pro"/>
               </a:rPr>
               <a:t> </a:t>
             </a:r>
             <a:r>
-              <a:rPr lang="en" sz="1100" b="1">
-                <a:solidFill>
-                  <a:schemeClr val="dk1"/>
-                </a:solidFill>
-                <a:latin typeface="Source Code Pro"/>
-                <a:ea typeface="Source Code Pro"/>
-                <a:cs typeface="Source Code Pro"/>
+              <a:rPr lang="en-US" sz="1100" b="1" dirty="0" smtClean="0">
+                <a:solidFill>
+                  <a:schemeClr val="dk1"/>
+                </a:solidFill>
+                <a:highlight>
+                  <a:srgbClr val="00FFFF"/>
+                </a:highlight>
+                <a:latin typeface="Consolas" charset="0"/>
+                <a:ea typeface="Consolas" charset="0"/>
+                <a:cs typeface="Consolas" charset="0"/>
                 <a:sym typeface="Source Code Pro"/>
               </a:rPr>
-              <a:t>--account=</a:t>
-            </a:r>
-            <a:r>
-              <a:rPr lang="en" sz="1100" b="1">
+              <a:t/>
+            </a:r>
+            <a:br>
+              <a:rPr lang="en-US" sz="1100" b="1" dirty="0" smtClean="0">
+                <a:solidFill>
+                  <a:schemeClr val="dk1"/>
+                </a:solidFill>
+                <a:highlight>
+                  <a:srgbClr val="00FFFF"/>
+                </a:highlight>
+                <a:latin typeface="Consolas" charset="0"/>
+                <a:ea typeface="Consolas" charset="0"/>
+                <a:cs typeface="Consolas" charset="0"/>
+                <a:sym typeface="Source Code Pro"/>
+              </a:rPr>
+            </a:br>
+            <a:r>
+              <a:rPr lang="en" sz="1100" b="1" dirty="0" smtClean="0">
+                <a:solidFill>
+                  <a:schemeClr val="dk1"/>
+                </a:solidFill>
+                <a:latin typeface="Consolas" charset="0"/>
+                <a:ea typeface="Consolas" charset="0"/>
+                <a:cs typeface="Consolas" charset="0"/>
+                <a:sym typeface="Source Code Pro"/>
+              </a:rPr>
+              <a:t>--</a:t>
+            </a:r>
+            <a:r>
+              <a:rPr lang="en" sz="1100" b="1" dirty="0">
+                <a:solidFill>
+                  <a:schemeClr val="dk1"/>
+                </a:solidFill>
+                <a:latin typeface="Consolas" charset="0"/>
+                <a:ea typeface="Consolas" charset="0"/>
+                <a:cs typeface="Consolas" charset="0"/>
+                <a:sym typeface="Source Code Pro"/>
+              </a:rPr>
+              <a:t>account=</a:t>
+            </a:r>
+            <a:r>
+              <a:rPr lang="en" sz="1100" b="1" dirty="0">
                 <a:solidFill>
                   <a:schemeClr val="dk1"/>
                 </a:solidFill>
                 <a:highlight>
                   <a:srgbClr val="FFFF00"/>
                 </a:highlight>
-                <a:latin typeface="Source Code Pro"/>
-                <a:ea typeface="Source Code Pro"/>
-                <a:cs typeface="Source Code Pro"/>
+                <a:latin typeface="Consolas" charset="0"/>
+                <a:ea typeface="Consolas" charset="0"/>
+                <a:cs typeface="Consolas" charset="0"/>
                 <a:sym typeface="Source Code Pro"/>
               </a:rPr>
-              <a:t>&lt;def-username&gt;</a:t>
-            </a:r>
-            <a:r>
-              <a:rPr lang="en" sz="1100" b="1">
+              <a:t>&lt;</a:t>
+            </a:r>
+            <a:r>
+              <a:rPr lang="en" sz="1100" b="1" dirty="0" err="1">
+                <a:solidFill>
+                  <a:schemeClr val="dk1"/>
+                </a:solidFill>
+                <a:highlight>
+                  <a:srgbClr val="FFFF00"/>
+                </a:highlight>
+                <a:latin typeface="Consolas" charset="0"/>
+                <a:ea typeface="Consolas" charset="0"/>
+                <a:cs typeface="Consolas" charset="0"/>
+                <a:sym typeface="Source Code Pro"/>
+              </a:rPr>
+              <a:t>def</a:t>
+            </a:r>
+            <a:r>
+              <a:rPr lang="en" sz="1100" b="1" dirty="0">
+                <a:solidFill>
+                  <a:schemeClr val="dk1"/>
+                </a:solidFill>
+                <a:highlight>
+                  <a:srgbClr val="FFFF00"/>
+                </a:highlight>
+                <a:latin typeface="Consolas" charset="0"/>
+                <a:ea typeface="Consolas" charset="0"/>
+                <a:cs typeface="Consolas" charset="0"/>
+                <a:sym typeface="Source Code Pro"/>
+              </a:rPr>
+              <a:t>-username&gt;</a:t>
+            </a:r>
+            <a:r>
+              <a:rPr lang="en" sz="1100" b="1" dirty="0">
                 <a:solidFill>
                   <a:schemeClr val="dk1"/>
                 </a:solidFill>
                 <a:highlight>
                   <a:srgbClr val="00FF00"/>
                 </a:highlight>
-                <a:latin typeface="Source Code Pro"/>
-                <a:ea typeface="Source Code Pro"/>
-                <a:cs typeface="Source Code Pro"/>
+                <a:latin typeface="Consolas" charset="0"/>
+                <a:ea typeface="Consolas" charset="0"/>
+                <a:cs typeface="Consolas" charset="0"/>
                 <a:sym typeface="Source Code Pro"/>
               </a:rPr>
               <a:t>&lt;ENTER&gt;</a:t>
             </a:r>
-            <a:endParaRPr sz="1100">
+            <a:endParaRPr sz="1100" dirty="0">
+              <a:solidFill>
+                <a:schemeClr val="dk1"/>
+              </a:solidFill>
+              <a:latin typeface="Consolas" charset="0"/>
+              <a:ea typeface="Consolas" charset="0"/>
+              <a:cs typeface="Consolas" charset="0"/>
+              <a:sym typeface="Arial"/>
+            </a:endParaRPr>
+          </a:p>
+          <a:p>
+            <a:pPr marL="0" lvl="0" indent="0" algn="l" rtl="0">
+              <a:spcBef>
+                <a:spcPts val="0"/>
+              </a:spcBef>
+              <a:spcAft>
+                <a:spcPts val="0"/>
+              </a:spcAft>
+              <a:buNone/>
+            </a:pPr>
+            <a:endParaRPr sz="1100" dirty="0">
               <a:solidFill>
                 <a:schemeClr val="dk1"/>
               </a:solidFill>
@@ -14939,14 +15179,343 @@
               </a:spcAft>
               <a:buNone/>
             </a:pPr>
-            <a:endParaRPr sz="1100">
+            <a:r>
+              <a:rPr lang="en" sz="1300" b="1" dirty="0">
+                <a:solidFill>
+                  <a:schemeClr val="dk1"/>
+                </a:solidFill>
+                <a:latin typeface="Consolas" charset="0"/>
+                <a:ea typeface="Consolas" charset="0"/>
+                <a:cs typeface="Consolas" charset="0"/>
+                <a:sym typeface="Source Code Pro"/>
+              </a:rPr>
+              <a:t>$ </a:t>
+            </a:r>
+            <a:r>
+              <a:rPr lang="en" sz="1300" b="1" dirty="0" err="1">
+                <a:solidFill>
+                  <a:schemeClr val="dk1"/>
+                </a:solidFill>
+                <a:latin typeface="Consolas" charset="0"/>
+                <a:ea typeface="Consolas" charset="0"/>
+                <a:cs typeface="Consolas" charset="0"/>
+                <a:sym typeface="Source Code Pro"/>
+              </a:rPr>
+              <a:t>salloc</a:t>
+            </a:r>
+            <a:r>
+              <a:rPr lang="en" sz="1300" b="1" dirty="0">
+                <a:solidFill>
+                  <a:schemeClr val="dk1"/>
+                </a:solidFill>
+                <a:highlight>
+                  <a:srgbClr val="00FFFF"/>
+                </a:highlight>
+                <a:latin typeface="Consolas" charset="0"/>
+                <a:ea typeface="Consolas" charset="0"/>
+                <a:cs typeface="Consolas" charset="0"/>
+                <a:sym typeface="Source Code Pro"/>
+              </a:rPr>
+              <a:t> </a:t>
+            </a:r>
+            <a:r>
+              <a:rPr lang="en" sz="1300" b="1" dirty="0">
+                <a:solidFill>
+                  <a:schemeClr val="dk1"/>
+                </a:solidFill>
+                <a:latin typeface="Consolas" charset="0"/>
+                <a:ea typeface="Consolas" charset="0"/>
+                <a:cs typeface="Consolas" charset="0"/>
+                <a:sym typeface="Source Code Pro"/>
+              </a:rPr>
+              <a:t>--time=0:20:0</a:t>
+            </a:r>
+            <a:r>
+              <a:rPr lang="en" sz="1300" b="1" dirty="0">
+                <a:solidFill>
+                  <a:schemeClr val="dk1"/>
+                </a:solidFill>
+                <a:highlight>
+                  <a:srgbClr val="00FFFF"/>
+                </a:highlight>
+                <a:latin typeface="Consolas" charset="0"/>
+                <a:ea typeface="Consolas" charset="0"/>
+                <a:cs typeface="Consolas" charset="0"/>
+                <a:sym typeface="Source Code Pro"/>
+              </a:rPr>
+              <a:t> </a:t>
+            </a:r>
+            <a:r>
+              <a:rPr lang="en" sz="1300" b="1" dirty="0">
+                <a:solidFill>
+                  <a:schemeClr val="dk1"/>
+                </a:solidFill>
+                <a:latin typeface="Consolas" charset="0"/>
+                <a:ea typeface="Consolas" charset="0"/>
+                <a:cs typeface="Consolas" charset="0"/>
+                <a:sym typeface="Source Code Pro"/>
+              </a:rPr>
+              <a:t>--nodes=2</a:t>
+            </a:r>
+            <a:r>
+              <a:rPr lang="en" sz="1300" b="1" dirty="0">
+                <a:solidFill>
+                  <a:schemeClr val="dk1"/>
+                </a:solidFill>
+                <a:highlight>
+                  <a:srgbClr val="00FFFF"/>
+                </a:highlight>
+                <a:latin typeface="Consolas" charset="0"/>
+                <a:ea typeface="Consolas" charset="0"/>
+                <a:cs typeface="Consolas" charset="0"/>
+                <a:sym typeface="Source Code Pro"/>
+              </a:rPr>
+              <a:t> </a:t>
+            </a:r>
+            <a:r>
+              <a:rPr lang="en" sz="1300" b="1" dirty="0">
+                <a:solidFill>
+                  <a:schemeClr val="dk1"/>
+                </a:solidFill>
+                <a:latin typeface="Consolas" charset="0"/>
+                <a:ea typeface="Consolas" charset="0"/>
+                <a:cs typeface="Consolas" charset="0"/>
+                <a:sym typeface="Source Code Pro"/>
+              </a:rPr>
+              <a:t>--</a:t>
+            </a:r>
+            <a:r>
+              <a:rPr lang="en" sz="1300" b="1" dirty="0" err="1">
+                <a:solidFill>
+                  <a:schemeClr val="dk1"/>
+                </a:solidFill>
+                <a:latin typeface="Consolas" charset="0"/>
+                <a:ea typeface="Consolas" charset="0"/>
+                <a:cs typeface="Consolas" charset="0"/>
+                <a:sym typeface="Source Code Pro"/>
+              </a:rPr>
+              <a:t>ntasks</a:t>
+            </a:r>
+            <a:r>
+              <a:rPr lang="en" sz="1300" b="1" dirty="0">
+                <a:solidFill>
+                  <a:schemeClr val="dk1"/>
+                </a:solidFill>
+                <a:latin typeface="Consolas" charset="0"/>
+                <a:ea typeface="Consolas" charset="0"/>
+                <a:cs typeface="Consolas" charset="0"/>
+                <a:sym typeface="Source Code Pro"/>
+              </a:rPr>
+              <a:t>=64</a:t>
+            </a:r>
+            <a:r>
+              <a:rPr lang="en" sz="1300" b="1" dirty="0">
+                <a:solidFill>
+                  <a:schemeClr val="dk1"/>
+                </a:solidFill>
+                <a:highlight>
+                  <a:srgbClr val="00FFFF"/>
+                </a:highlight>
+                <a:latin typeface="Consolas" charset="0"/>
+                <a:ea typeface="Consolas" charset="0"/>
+                <a:cs typeface="Consolas" charset="0"/>
+                <a:sym typeface="Source Code Pro"/>
+              </a:rPr>
+              <a:t> </a:t>
+            </a:r>
+            <a:r>
+              <a:rPr lang="en" sz="1300" b="1" dirty="0">
+                <a:solidFill>
+                  <a:schemeClr val="dk1"/>
+                </a:solidFill>
+                <a:latin typeface="Consolas" charset="0"/>
+                <a:ea typeface="Consolas" charset="0"/>
+                <a:cs typeface="Consolas" charset="0"/>
+                <a:sym typeface="Source Code Pro"/>
+              </a:rPr>
+              <a:t>--</a:t>
+            </a:r>
+            <a:r>
+              <a:rPr lang="en" sz="1300" b="1" dirty="0" err="1">
+                <a:solidFill>
+                  <a:schemeClr val="dk1"/>
+                </a:solidFill>
+                <a:latin typeface="Consolas" charset="0"/>
+                <a:ea typeface="Consolas" charset="0"/>
+                <a:cs typeface="Consolas" charset="0"/>
+                <a:sym typeface="Source Code Pro"/>
+              </a:rPr>
+              <a:t>cpus</a:t>
+            </a:r>
+            <a:r>
+              <a:rPr lang="en" sz="1300" b="1" dirty="0">
+                <a:solidFill>
+                  <a:schemeClr val="dk1"/>
+                </a:solidFill>
+                <a:latin typeface="Consolas" charset="0"/>
+                <a:ea typeface="Consolas" charset="0"/>
+                <a:cs typeface="Consolas" charset="0"/>
+                <a:sym typeface="Source Code Pro"/>
+              </a:rPr>
+              <a:t>-per-task=1</a:t>
+            </a:r>
+            <a:r>
+              <a:rPr lang="en" sz="1300" b="1" dirty="0">
+                <a:solidFill>
+                  <a:schemeClr val="dk1"/>
+                </a:solidFill>
+                <a:highlight>
+                  <a:srgbClr val="00FFFF"/>
+                </a:highlight>
+                <a:latin typeface="Consolas" charset="0"/>
+                <a:ea typeface="Consolas" charset="0"/>
+                <a:cs typeface="Consolas" charset="0"/>
+                <a:sym typeface="Source Code Pro"/>
+              </a:rPr>
+              <a:t> </a:t>
+            </a:r>
+            <a:r>
+              <a:rPr lang="en" sz="1300" b="1" dirty="0">
+                <a:solidFill>
+                  <a:schemeClr val="dk1"/>
+                </a:solidFill>
+                <a:latin typeface="Consolas" charset="0"/>
+                <a:ea typeface="Consolas" charset="0"/>
+                <a:cs typeface="Consolas" charset="0"/>
+                <a:sym typeface="Source Code Pro"/>
+              </a:rPr>
+              <a:t>--mem-per-</a:t>
+            </a:r>
+            <a:r>
+              <a:rPr lang="en" sz="1300" b="1" dirty="0" err="1">
+                <a:solidFill>
+                  <a:schemeClr val="dk1"/>
+                </a:solidFill>
+                <a:latin typeface="Consolas" charset="0"/>
+                <a:ea typeface="Consolas" charset="0"/>
+                <a:cs typeface="Consolas" charset="0"/>
+                <a:sym typeface="Source Code Pro"/>
+              </a:rPr>
+              <a:t>cpu</a:t>
+            </a:r>
+            <a:r>
+              <a:rPr lang="en" sz="1300" b="1" dirty="0">
+                <a:solidFill>
+                  <a:schemeClr val="dk1"/>
+                </a:solidFill>
+                <a:latin typeface="Consolas" charset="0"/>
+                <a:ea typeface="Consolas" charset="0"/>
+                <a:cs typeface="Consolas" charset="0"/>
+                <a:sym typeface="Source Code Pro"/>
+              </a:rPr>
+              <a:t>=1GB</a:t>
+            </a:r>
+            <a:r>
+              <a:rPr lang="en" sz="1300" b="1" dirty="0">
+                <a:solidFill>
+                  <a:schemeClr val="dk1"/>
+                </a:solidFill>
+                <a:highlight>
+                  <a:srgbClr val="00FFFF"/>
+                </a:highlight>
+                <a:latin typeface="Consolas" charset="0"/>
+                <a:ea typeface="Consolas" charset="0"/>
+                <a:cs typeface="Consolas" charset="0"/>
+                <a:sym typeface="Source Code Pro"/>
+              </a:rPr>
+              <a:t> </a:t>
+            </a:r>
+            <a:r>
+              <a:rPr lang="en-US" sz="1300" b="1" dirty="0" smtClean="0">
+                <a:solidFill>
+                  <a:schemeClr val="dk1"/>
+                </a:solidFill>
+                <a:highlight>
+                  <a:srgbClr val="00FFFF"/>
+                </a:highlight>
+                <a:latin typeface="Consolas" charset="0"/>
+                <a:ea typeface="Consolas" charset="0"/>
+                <a:cs typeface="Consolas" charset="0"/>
+                <a:sym typeface="Source Code Pro"/>
+              </a:rPr>
+              <a:t/>
+            </a:r>
+            <a:br>
+              <a:rPr lang="en-US" sz="1300" b="1" dirty="0" smtClean="0">
+                <a:solidFill>
+                  <a:schemeClr val="dk1"/>
+                </a:solidFill>
+                <a:highlight>
+                  <a:srgbClr val="00FFFF"/>
+                </a:highlight>
+                <a:latin typeface="Consolas" charset="0"/>
+                <a:ea typeface="Consolas" charset="0"/>
+                <a:cs typeface="Consolas" charset="0"/>
+                <a:sym typeface="Source Code Pro"/>
+              </a:rPr>
+            </a:br>
+            <a:r>
+              <a:rPr lang="en" sz="1300" b="1" dirty="0" smtClean="0">
+                <a:solidFill>
+                  <a:schemeClr val="dk1"/>
+                </a:solidFill>
+                <a:latin typeface="Consolas" charset="0"/>
+                <a:ea typeface="Consolas" charset="0"/>
+                <a:cs typeface="Consolas" charset="0"/>
+                <a:sym typeface="Source Code Pro"/>
+              </a:rPr>
+              <a:t>--</a:t>
+            </a:r>
+            <a:r>
+              <a:rPr lang="en" sz="1300" b="1" dirty="0">
+                <a:solidFill>
+                  <a:schemeClr val="dk1"/>
+                </a:solidFill>
+                <a:latin typeface="Consolas" charset="0"/>
+                <a:ea typeface="Consolas" charset="0"/>
+                <a:cs typeface="Consolas" charset="0"/>
+                <a:sym typeface="Source Code Pro"/>
+              </a:rPr>
+              <a:t>account=</a:t>
+            </a:r>
+            <a:r>
+              <a:rPr lang="en" sz="1300" b="1" dirty="0" err="1">
+                <a:solidFill>
+                  <a:schemeClr val="dk1"/>
+                </a:solidFill>
+                <a:latin typeface="Consolas" charset="0"/>
+                <a:ea typeface="Consolas" charset="0"/>
+                <a:cs typeface="Consolas" charset="0"/>
+                <a:sym typeface="Source Code Pro"/>
+              </a:rPr>
+              <a:t>def-mludin</a:t>
+            </a:r>
+            <a:r>
+              <a:rPr lang="en" sz="1300" b="1" dirty="0">
+                <a:solidFill>
+                  <a:schemeClr val="dk1"/>
+                </a:solidFill>
+                <a:highlight>
+                  <a:srgbClr val="00FF00"/>
+                </a:highlight>
+                <a:latin typeface="Consolas" charset="0"/>
+                <a:ea typeface="Consolas" charset="0"/>
+                <a:cs typeface="Consolas" charset="0"/>
+                <a:sym typeface="Source Code Pro"/>
+              </a:rPr>
+              <a:t>&lt;ENTER&gt;</a:t>
+            </a:r>
+            <a:endParaRPr sz="1300" b="1" dirty="0">
               <a:solidFill>
                 <a:schemeClr val="dk1"/>
               </a:solidFill>
-              <a:latin typeface="Arial"/>
-              <a:ea typeface="Arial"/>
-              <a:cs typeface="Arial"/>
-              <a:sym typeface="Arial"/>
+              <a:highlight>
+                <a:srgbClr val="00FF00"/>
+              </a:highlight>
+              <a:latin typeface="Consolas" charset="0"/>
+              <a:ea typeface="Consolas" charset="0"/>
+              <a:cs typeface="Consolas" charset="0"/>
+              <a:sym typeface="Source Code Pro"/>
             </a:endParaRPr>
           </a:p>
           <a:p>
@@ -14959,196 +15528,7 @@
               </a:spcAft>
               <a:buNone/>
             </a:pPr>
-            <a:r>
-              <a:rPr lang="en" sz="1300" b="1">
-                <a:solidFill>
-                  <a:schemeClr val="dk1"/>
-                </a:solidFill>
-                <a:latin typeface="Source Code Pro"/>
-                <a:ea typeface="Source Code Pro"/>
-                <a:cs typeface="Source Code Pro"/>
-                <a:sym typeface="Source Code Pro"/>
-              </a:rPr>
-              <a:t>$ salloc</a:t>
-            </a:r>
-            <a:r>
-              <a:rPr lang="en" sz="1300" b="1">
-                <a:solidFill>
-                  <a:schemeClr val="dk1"/>
-                </a:solidFill>
-                <a:highlight>
-                  <a:srgbClr val="00FFFF"/>
-                </a:highlight>
-                <a:latin typeface="Source Code Pro"/>
-                <a:ea typeface="Source Code Pro"/>
-                <a:cs typeface="Source Code Pro"/>
-                <a:sym typeface="Source Code Pro"/>
-              </a:rPr>
-              <a:t> </a:t>
-            </a:r>
-            <a:r>
-              <a:rPr lang="en" sz="1300" b="1">
-                <a:solidFill>
-                  <a:schemeClr val="dk1"/>
-                </a:solidFill>
-                <a:latin typeface="Source Code Pro"/>
-                <a:ea typeface="Source Code Pro"/>
-                <a:cs typeface="Source Code Pro"/>
-                <a:sym typeface="Source Code Pro"/>
-              </a:rPr>
-              <a:t>--time=0:20:0</a:t>
-            </a:r>
-            <a:r>
-              <a:rPr lang="en" sz="1300" b="1">
-                <a:solidFill>
-                  <a:schemeClr val="dk1"/>
-                </a:solidFill>
-                <a:highlight>
-                  <a:srgbClr val="00FFFF"/>
-                </a:highlight>
-                <a:latin typeface="Source Code Pro"/>
-                <a:ea typeface="Source Code Pro"/>
-                <a:cs typeface="Source Code Pro"/>
-                <a:sym typeface="Source Code Pro"/>
-              </a:rPr>
-              <a:t> </a:t>
-            </a:r>
-            <a:r>
-              <a:rPr lang="en" sz="1300" b="1">
-                <a:solidFill>
-                  <a:schemeClr val="dk1"/>
-                </a:solidFill>
-                <a:latin typeface="Source Code Pro"/>
-                <a:ea typeface="Source Code Pro"/>
-                <a:cs typeface="Source Code Pro"/>
-                <a:sym typeface="Source Code Pro"/>
-              </a:rPr>
-              <a:t>--nodes=2</a:t>
-            </a:r>
-            <a:r>
-              <a:rPr lang="en" sz="1300" b="1">
-                <a:solidFill>
-                  <a:schemeClr val="dk1"/>
-                </a:solidFill>
-                <a:highlight>
-                  <a:srgbClr val="00FFFF"/>
-                </a:highlight>
-                <a:latin typeface="Source Code Pro"/>
-                <a:ea typeface="Source Code Pro"/>
-                <a:cs typeface="Source Code Pro"/>
-                <a:sym typeface="Source Code Pro"/>
-              </a:rPr>
-              <a:t> </a:t>
-            </a:r>
-            <a:r>
-              <a:rPr lang="en" sz="1300" b="1">
-                <a:solidFill>
-                  <a:schemeClr val="dk1"/>
-                </a:solidFill>
-                <a:latin typeface="Source Code Pro"/>
-                <a:ea typeface="Source Code Pro"/>
-                <a:cs typeface="Source Code Pro"/>
-                <a:sym typeface="Source Code Pro"/>
-              </a:rPr>
-              <a:t>--ntasks=64</a:t>
-            </a:r>
-            <a:r>
-              <a:rPr lang="en" sz="1300" b="1">
-                <a:solidFill>
-                  <a:schemeClr val="dk1"/>
-                </a:solidFill>
-                <a:highlight>
-                  <a:srgbClr val="00FFFF"/>
-                </a:highlight>
-                <a:latin typeface="Source Code Pro"/>
-                <a:ea typeface="Source Code Pro"/>
-                <a:cs typeface="Source Code Pro"/>
-                <a:sym typeface="Source Code Pro"/>
-              </a:rPr>
-              <a:t> </a:t>
-            </a:r>
-            <a:r>
-              <a:rPr lang="en" sz="1300" b="1">
-                <a:solidFill>
-                  <a:schemeClr val="dk1"/>
-                </a:solidFill>
-                <a:latin typeface="Source Code Pro"/>
-                <a:ea typeface="Source Code Pro"/>
-                <a:cs typeface="Source Code Pro"/>
-                <a:sym typeface="Source Code Pro"/>
-              </a:rPr>
-              <a:t>--cpus-per-task=1</a:t>
-            </a:r>
-            <a:r>
-              <a:rPr lang="en" sz="1300" b="1">
-                <a:solidFill>
-                  <a:schemeClr val="dk1"/>
-                </a:solidFill>
-                <a:highlight>
-                  <a:srgbClr val="00FFFF"/>
-                </a:highlight>
-                <a:latin typeface="Source Code Pro"/>
-                <a:ea typeface="Source Code Pro"/>
-                <a:cs typeface="Source Code Pro"/>
-                <a:sym typeface="Source Code Pro"/>
-              </a:rPr>
-              <a:t> </a:t>
-            </a:r>
-            <a:r>
-              <a:rPr lang="en" sz="1300" b="1">
-                <a:solidFill>
-                  <a:schemeClr val="dk1"/>
-                </a:solidFill>
-                <a:latin typeface="Source Code Pro"/>
-                <a:ea typeface="Source Code Pro"/>
-                <a:cs typeface="Source Code Pro"/>
-                <a:sym typeface="Source Code Pro"/>
-              </a:rPr>
-              <a:t>--mem-per-cpu=1GB</a:t>
-            </a:r>
-            <a:r>
-              <a:rPr lang="en" sz="1300" b="1">
-                <a:solidFill>
-                  <a:schemeClr val="dk1"/>
-                </a:solidFill>
-                <a:highlight>
-                  <a:srgbClr val="00FFFF"/>
-                </a:highlight>
-                <a:latin typeface="Source Code Pro"/>
-                <a:ea typeface="Source Code Pro"/>
-                <a:cs typeface="Source Code Pro"/>
-                <a:sym typeface="Source Code Pro"/>
-              </a:rPr>
-              <a:t>  </a:t>
-            </a:r>
-            <a:r>
-              <a:rPr lang="en" sz="1300" b="1">
-                <a:solidFill>
-                  <a:schemeClr val="dk1"/>
-                </a:solidFill>
-                <a:latin typeface="Source Code Pro"/>
-                <a:ea typeface="Source Code Pro"/>
-                <a:cs typeface="Source Code Pro"/>
-                <a:sym typeface="Source Code Pro"/>
-              </a:rPr>
-              <a:t>--account=def-mludin</a:t>
-            </a:r>
-            <a:r>
-              <a:rPr lang="en" sz="1300" b="1">
-                <a:solidFill>
-                  <a:schemeClr val="dk1"/>
-                </a:solidFill>
-                <a:highlight>
-                  <a:srgbClr val="00FF00"/>
-                </a:highlight>
-                <a:latin typeface="Source Code Pro"/>
-                <a:ea typeface="Source Code Pro"/>
-                <a:cs typeface="Source Code Pro"/>
-                <a:sym typeface="Source Code Pro"/>
-              </a:rPr>
-              <a:t>&lt;ENTER&gt;</a:t>
-            </a:r>
-            <a:endParaRPr sz="1300" b="1">
+            <a:endParaRPr sz="1300" b="1" dirty="0">
               <a:solidFill>
                 <a:schemeClr val="dk1"/>
               </a:solidFill>
@@ -15171,31 +15551,8 @@
               </a:spcAft>
               <a:buNone/>
             </a:pPr>
-            <a:endParaRPr sz="1300" b="1">
-              <a:solidFill>
-                <a:schemeClr val="dk1"/>
-              </a:solidFill>
-              <a:highlight>
-                <a:srgbClr val="00FF00"/>
-              </a:highlight>
-              <a:latin typeface="Source Code Pro"/>
-              <a:ea typeface="Source Code Pro"/>
-              <a:cs typeface="Source Code Pro"/>
-              <a:sym typeface="Source Code Pro"/>
-            </a:endParaRPr>
-          </a:p>
-          <a:p>
-            <a:pPr marL="0" lvl="0" indent="0" algn="l" rtl="0">
-              <a:spcBef>
-                <a:spcPts val="0"/>
-              </a:spcBef>
-              <a:spcAft>
-                <a:spcPts val="0"/>
-              </a:spcAft>
-              <a:buNone/>
-            </a:pPr>
-            <a:r>
-              <a:rPr lang="en" sz="1350" b="1">
+            <a:r>
+              <a:rPr lang="en" sz="1350" b="1" dirty="0">
                 <a:latin typeface="Consolas"/>
                 <a:ea typeface="Consolas"/>
                 <a:cs typeface="Consolas"/>
@@ -15203,7 +15560,7 @@
               </a:rPr>
               <a:t>OUTPUT:</a:t>
             </a:r>
-            <a:endParaRPr sz="1350" b="1">
+            <a:endParaRPr sz="1350" b="1" dirty="0">
               <a:latin typeface="Consolas"/>
               <a:ea typeface="Consolas"/>
               <a:cs typeface="Consolas"/>
@@ -15221,15 +15578,114 @@
               <a:buNone/>
             </a:pPr>
             <a:r>
-              <a:rPr lang="en" sz="1150">
+              <a:rPr lang="en" sz="1150" dirty="0">
                 <a:latin typeface="Consolas"/>
                 <a:ea typeface="Consolas"/>
                 <a:cs typeface="Consolas"/>
                 <a:sym typeface="Consolas"/>
               </a:rPr>
-              <a:t>[mludin@cedar1 bw_capstone]$ salloc --time=0:20:0 --nodes=2 --ntasks=64 --cpus-per-task=1 --mem-per-cpu=1GB --account=def-mludin</a:t>
-            </a:r>
-            <a:endParaRPr sz="1150">
+              <a:t>[mludin@cedar1 </a:t>
+            </a:r>
+            <a:r>
+              <a:rPr lang="en" sz="1150" dirty="0" err="1">
+                <a:latin typeface="Consolas"/>
+                <a:ea typeface="Consolas"/>
+                <a:cs typeface="Consolas"/>
+                <a:sym typeface="Consolas"/>
+              </a:rPr>
+              <a:t>bw_capstone</a:t>
+            </a:r>
+            <a:r>
+              <a:rPr lang="en" sz="1150" dirty="0">
+                <a:latin typeface="Consolas"/>
+                <a:ea typeface="Consolas"/>
+                <a:cs typeface="Consolas"/>
+                <a:sym typeface="Consolas"/>
+              </a:rPr>
+              <a:t>]$ </a:t>
+            </a:r>
+            <a:r>
+              <a:rPr lang="en" sz="1150" dirty="0" err="1">
+                <a:latin typeface="Consolas"/>
+                <a:ea typeface="Consolas"/>
+                <a:cs typeface="Consolas"/>
+                <a:sym typeface="Consolas"/>
+              </a:rPr>
+              <a:t>salloc</a:t>
+            </a:r>
+            <a:r>
+              <a:rPr lang="en" sz="1150" dirty="0">
+                <a:latin typeface="Consolas"/>
+                <a:ea typeface="Consolas"/>
+                <a:cs typeface="Consolas"/>
+                <a:sym typeface="Consolas"/>
+              </a:rPr>
+              <a:t> --time=0:20:0 --nodes=2 --</a:t>
+            </a:r>
+            <a:r>
+              <a:rPr lang="en" sz="1150" dirty="0" err="1">
+                <a:latin typeface="Consolas"/>
+                <a:ea typeface="Consolas"/>
+                <a:cs typeface="Consolas"/>
+                <a:sym typeface="Consolas"/>
+              </a:rPr>
+              <a:t>ntasks</a:t>
+            </a:r>
+            <a:r>
+              <a:rPr lang="en" sz="1150" dirty="0">
+                <a:latin typeface="Consolas"/>
+                <a:ea typeface="Consolas"/>
+                <a:cs typeface="Consolas"/>
+                <a:sym typeface="Consolas"/>
+              </a:rPr>
+              <a:t>=64 --</a:t>
+            </a:r>
+            <a:r>
+              <a:rPr lang="en" sz="1150" dirty="0" err="1">
+                <a:latin typeface="Consolas"/>
+                <a:ea typeface="Consolas"/>
+                <a:cs typeface="Consolas"/>
+                <a:sym typeface="Consolas"/>
+              </a:rPr>
+              <a:t>cpus</a:t>
+            </a:r>
+            <a:r>
+              <a:rPr lang="en" sz="1150" dirty="0">
+                <a:latin typeface="Consolas"/>
+                <a:ea typeface="Consolas"/>
+                <a:cs typeface="Consolas"/>
+                <a:sym typeface="Consolas"/>
+              </a:rPr>
+              <a:t>-per-task=1 --mem-per-</a:t>
+            </a:r>
+            <a:r>
+              <a:rPr lang="en" sz="1150" dirty="0" err="1">
+                <a:latin typeface="Consolas"/>
+                <a:ea typeface="Consolas"/>
+                <a:cs typeface="Consolas"/>
+                <a:sym typeface="Consolas"/>
+              </a:rPr>
+              <a:t>cpu</a:t>
+            </a:r>
+            <a:r>
+              <a:rPr lang="en" sz="1150" dirty="0">
+                <a:latin typeface="Consolas"/>
+                <a:ea typeface="Consolas"/>
+                <a:cs typeface="Consolas"/>
+                <a:sym typeface="Consolas"/>
+              </a:rPr>
+              <a:t>=1GB --account=</a:t>
+            </a:r>
+            <a:r>
+              <a:rPr lang="en" sz="1150" dirty="0" err="1">
+                <a:latin typeface="Consolas"/>
+                <a:ea typeface="Consolas"/>
+                <a:cs typeface="Consolas"/>
+                <a:sym typeface="Consolas"/>
+              </a:rPr>
+              <a:t>def-mludin</a:t>
+            </a:r>
+            <a:endParaRPr sz="1150" dirty="0">
               <a:latin typeface="Consolas"/>
               <a:ea typeface="Consolas"/>
               <a:cs typeface="Consolas"/>
@@ -15247,15 +15703,24 @@
               <a:buNone/>
             </a:pPr>
             <a:r>
-              <a:rPr lang="en" sz="1150">
+              <a:rPr lang="en" sz="1150" dirty="0" err="1">
                 <a:latin typeface="Consolas"/>
                 <a:ea typeface="Consolas"/>
                 <a:cs typeface="Consolas"/>
                 <a:sym typeface="Consolas"/>
               </a:rPr>
-              <a:t>salloc: Granted job allocation 45535851</a:t>
-            </a:r>
-            <a:endParaRPr sz="1150">
+              <a:t>salloc</a:t>
+            </a:r>
+            <a:r>
+              <a:rPr lang="en" sz="1150" dirty="0">
+                <a:latin typeface="Consolas"/>
+                <a:ea typeface="Consolas"/>
+                <a:cs typeface="Consolas"/>
+                <a:sym typeface="Consolas"/>
+              </a:rPr>
+              <a:t>: Granted job allocation 45535851</a:t>
+            </a:r>
+            <a:endParaRPr sz="1150" dirty="0">
               <a:latin typeface="Consolas"/>
               <a:ea typeface="Consolas"/>
               <a:cs typeface="Consolas"/>
@@ -15273,15 +15738,24 @@
               <a:buNone/>
             </a:pPr>
             <a:r>
-              <a:rPr lang="en" sz="1150">
+              <a:rPr lang="en" sz="1150" dirty="0" err="1">
                 <a:latin typeface="Consolas"/>
                 <a:ea typeface="Consolas"/>
                 <a:cs typeface="Consolas"/>
                 <a:sym typeface="Consolas"/>
               </a:rPr>
-              <a:t>salloc: Waiting for resource configuration</a:t>
-            </a:r>
-            <a:endParaRPr sz="1150">
+              <a:t>salloc</a:t>
+            </a:r>
+            <a:r>
+              <a:rPr lang="en" sz="1150" dirty="0">
+                <a:latin typeface="Consolas"/>
+                <a:ea typeface="Consolas"/>
+                <a:cs typeface="Consolas"/>
+                <a:sym typeface="Consolas"/>
+              </a:rPr>
+              <a:t>: Waiting for resource configuration</a:t>
+            </a:r>
+            <a:endParaRPr sz="1150" dirty="0">
               <a:latin typeface="Consolas"/>
               <a:ea typeface="Consolas"/>
               <a:cs typeface="Consolas"/>
@@ -15299,16 +15773,43 @@
               <a:buNone/>
             </a:pPr>
             <a:r>
-              <a:rPr lang="en" sz="1150">
+              <a:rPr lang="en" sz="1150" dirty="0" err="1">
                 <a:latin typeface="Consolas"/>
                 <a:ea typeface="Consolas"/>
                 <a:cs typeface="Consolas"/>
                 <a:sym typeface="Consolas"/>
               </a:rPr>
-              <a:t>salloc: Nodes cdr[</a:t>
-            </a:r>
-            <a:r>
-              <a:rPr lang="en" sz="1150">
+              <a:t>salloc</a:t>
+            </a:r>
+            <a:r>
+              <a:rPr lang="en" sz="1150" dirty="0">
+                <a:latin typeface="Consolas"/>
+                <a:ea typeface="Consolas"/>
+                <a:cs typeface="Consolas"/>
+                <a:sym typeface="Consolas"/>
+              </a:rPr>
+              <a:t>: Nodes </a:t>
+            </a:r>
+            <a:r>
+              <a:rPr lang="en" sz="1150" dirty="0" err="1">
+                <a:latin typeface="Consolas"/>
+                <a:ea typeface="Consolas"/>
+                <a:cs typeface="Consolas"/>
+                <a:sym typeface="Consolas"/>
+              </a:rPr>
+              <a:t>cdr</a:t>
+            </a:r>
+            <a:r>
+              <a:rPr lang="en" sz="1150" dirty="0">
+                <a:latin typeface="Consolas"/>
+                <a:ea typeface="Consolas"/>
+                <a:cs typeface="Consolas"/>
+                <a:sym typeface="Consolas"/>
+              </a:rPr>
+              <a:t>[</a:t>
+            </a:r>
+            <a:r>
+              <a:rPr lang="en" sz="1150" dirty="0">
                 <a:highlight>
                   <a:srgbClr val="B6D7A8"/>
                 </a:highlight>
@@ -15320,7 +15821,7 @@
               <a:t>768,774</a:t>
             </a:r>
             <a:r>
-              <a:rPr lang="en" sz="1150">
+              <a:rPr lang="en" sz="1150" dirty="0">
                 <a:latin typeface="Consolas"/>
                 <a:ea typeface="Consolas"/>
                 <a:cs typeface="Consolas"/>
@@ -15328,7 +15829,7 @@
               </a:rPr>
               <a:t>] are ready for job</a:t>
             </a:r>
-            <a:endParaRPr sz="1150">
+            <a:endParaRPr sz="1150" dirty="0">
               <a:latin typeface="Consolas"/>
               <a:ea typeface="Consolas"/>
               <a:cs typeface="Consolas"/>
@@ -15345,7 +15846,7 @@
               </a:spcAft>
               <a:buNone/>
             </a:pPr>
-            <a:endParaRPr sz="1150">
+            <a:endParaRPr sz="1150" dirty="0">
               <a:latin typeface="Consolas"/>
               <a:ea typeface="Consolas"/>
               <a:cs typeface="Consolas"/>
@@ -15367,7 +15868,7 @@
               <a:buFont typeface="Arial"/>
               <a:buNone/>
             </a:pPr>
-            <a:endParaRPr sz="1050">
+            <a:endParaRPr sz="1050" dirty="0">
               <a:latin typeface="Consolas"/>
               <a:ea typeface="Consolas"/>
               <a:cs typeface="Consolas"/>
@@ -15384,7 +15885,7 @@
               </a:spcAft>
               <a:buNone/>
             </a:pPr>
-            <a:endParaRPr/>
+            <a:endParaRPr dirty="0"/>
           </a:p>
           <a:p>
             <a:pPr marL="0" lvl="0" indent="0" algn="l" rtl="0">
@@ -15396,7 +15897,7 @@
               </a:spcAft>
               <a:buNone/>
             </a:pPr>
-            <a:endParaRPr/>
+            <a:endParaRPr dirty="0"/>
           </a:p>
           <a:p>
             <a:pPr marL="0" lvl="0" indent="0" algn="l" rtl="0">
@@ -15408,7 +15909,7 @@
               </a:spcAft>
               <a:buNone/>
             </a:pPr>
-            <a:endParaRPr/>
+            <a:endParaRPr dirty="0"/>
           </a:p>
           <a:p>
             <a:pPr marL="457200" lvl="0" indent="0" algn="l" rtl="0">
@@ -15420,7 +15921,7 @@
               </a:spcAft>
               <a:buNone/>
             </a:pPr>
-            <a:endParaRPr/>
+            <a:endParaRPr dirty="0"/>
           </a:p>
         </p:txBody>
       </p:sp>
@@ -16355,7 +16856,7 @@
               <a:buNone/>
             </a:pPr>
             <a:r>
-              <a:rPr lang="en" sz="1200" b="1">
+              <a:rPr lang="en" sz="1200" b="1" dirty="0">
                 <a:solidFill>
                   <a:srgbClr val="0000FF"/>
                 </a:solidFill>
@@ -16364,9 +16865,45 @@
                 <a:cs typeface="Consolas"/>
                 <a:sym typeface="Consolas"/>
               </a:rPr>
-              <a:t>[ acc_laplace.c ]</a:t>
-            </a:r>
-            <a:endParaRPr sz="1200" b="1">
+              <a:t>[ </a:t>
+            </a:r>
+            <a:r>
+              <a:rPr lang="en-US" sz="1200" b="1" dirty="0" smtClean="0">
+                <a:solidFill>
+                  <a:srgbClr val="0000FF"/>
+                </a:solidFill>
+                <a:latin typeface="Consolas"/>
+                <a:ea typeface="Consolas"/>
+                <a:cs typeface="Consolas"/>
+                <a:sym typeface="Consolas"/>
+              </a:rPr>
+              <a:t>diffusion</a:t>
+            </a:r>
+            <a:r>
+              <a:rPr lang="en" sz="1200" b="1" dirty="0" smtClean="0">
+                <a:solidFill>
+                  <a:srgbClr val="0000FF"/>
+                </a:solidFill>
+                <a:latin typeface="Consolas"/>
+                <a:ea typeface="Consolas"/>
+                <a:cs typeface="Consolas"/>
+                <a:sym typeface="Consolas"/>
+              </a:rPr>
+              <a:t>.c </a:t>
+            </a:r>
+            <a:r>
+              <a:rPr lang="en" sz="1200" b="1" dirty="0">
+                <a:solidFill>
+                  <a:srgbClr val="0000FF"/>
+                </a:solidFill>
+                <a:latin typeface="Consolas"/>
+                <a:ea typeface="Consolas"/>
+                <a:cs typeface="Consolas"/>
+                <a:sym typeface="Consolas"/>
+              </a:rPr>
+              <a:t>]</a:t>
+            </a:r>
+            <a:endParaRPr sz="1200" b="1" dirty="0">
               <a:solidFill>
                 <a:schemeClr val="dk1"/>
               </a:solidFill>
@@ -16388,7 +16925,7 @@
               <a:buNone/>
             </a:pPr>
             <a:r>
-              <a:rPr lang="en" sz="1200" b="1">
+              <a:rPr lang="en" sz="1200" b="1" dirty="0">
                 <a:solidFill>
                   <a:schemeClr val="dk1"/>
                 </a:solidFill>
@@ -16400,7 +16937,7 @@
               <a:t>	</a:t>
             </a:r>
             <a:r>
-              <a:rPr lang="en" sz="1200">
+              <a:rPr lang="en" sz="1200" dirty="0">
                 <a:solidFill>
                   <a:schemeClr val="dk1"/>
                 </a:solidFill>
@@ -16409,9 +16946,33 @@
                 <a:cs typeface="Consolas"/>
                 <a:sym typeface="Consolas"/>
               </a:rPr>
-              <a:t>$ less acc_laplace.c</a:t>
-            </a:r>
-            <a:endParaRPr sz="1200" b="1">
+              <a:t>$ less </a:t>
+            </a:r>
+            <a:r>
+              <a:rPr lang="en-US" sz="1200" dirty="0" smtClean="0">
+                <a:solidFill>
+                  <a:schemeClr val="dk1"/>
+                </a:solidFill>
+                <a:latin typeface="Consolas"/>
+                <a:ea typeface="Consolas"/>
+                <a:cs typeface="Consolas"/>
+                <a:sym typeface="Consolas"/>
+              </a:rPr>
+              <a:t>diffusion</a:t>
+            </a:r>
+            <a:r>
+              <a:rPr lang="en" sz="1200" dirty="0" smtClean="0">
+                <a:solidFill>
+                  <a:schemeClr val="dk1"/>
+                </a:solidFill>
+                <a:latin typeface="Consolas"/>
+                <a:ea typeface="Consolas"/>
+                <a:cs typeface="Consolas"/>
+                <a:sym typeface="Consolas"/>
+              </a:rPr>
+              <a:t>.c</a:t>
+            </a:r>
+            <a:endParaRPr sz="1200" b="1" dirty="0">
               <a:solidFill>
                 <a:schemeClr val="dk1"/>
               </a:solidFill>
@@ -16433,14 +16994,14 @@
               <a:buNone/>
             </a:pPr>
             <a:r>
-              <a:rPr lang="en" sz="1200" b="1">
+              <a:rPr lang="en" sz="1200" b="1" dirty="0">
                 <a:solidFill>
                   <a:schemeClr val="dk1"/>
                 </a:solidFill>
               </a:rPr>
               <a:t>How to compile:</a:t>
             </a:r>
-            <a:endParaRPr sz="1200" b="1">
+            <a:endParaRPr sz="1200" b="1" dirty="0">
               <a:solidFill>
                 <a:schemeClr val="dk1"/>
               </a:solidFill>
@@ -16462,7 +17023,7 @@
               <a:buNone/>
             </a:pPr>
             <a:r>
-              <a:rPr lang="en" sz="1200" b="1">
+              <a:rPr lang="en" sz="1200" b="1" dirty="0">
                 <a:solidFill>
                   <a:schemeClr val="dk1"/>
                 </a:solidFill>
@@ -16470,7 +17031,7 @@
               <a:t>	</a:t>
             </a:r>
             <a:r>
-              <a:rPr lang="en" sz="1200">
+              <a:rPr lang="en" sz="1200" dirty="0">
                 <a:solidFill>
                   <a:schemeClr val="dk1"/>
                 </a:solidFill>
@@ -16479,9 +17040,21 @@
                 <a:cs typeface="Consolas"/>
                 <a:sym typeface="Consolas"/>
               </a:rPr>
-              <a:t>$ make acc_laplace</a:t>
-            </a:r>
-            <a:endParaRPr sz="1200" b="1">
+              <a:t>$ make </a:t>
+            </a:r>
+            <a:r>
+              <a:rPr lang="en-US" sz="1200" dirty="0" smtClean="0">
+                <a:solidFill>
+                  <a:schemeClr val="dk1"/>
+                </a:solidFill>
+                <a:latin typeface="Consolas"/>
+                <a:ea typeface="Consolas"/>
+                <a:cs typeface="Consolas"/>
+                <a:sym typeface="Consolas"/>
+              </a:rPr>
+              <a:t>diffusion</a:t>
+            </a:r>
+            <a:endParaRPr sz="1200" b="1" dirty="0">
               <a:solidFill>
                 <a:schemeClr val="dk1"/>
               </a:solidFill>
@@ -16503,14 +17076,14 @@
               <a:buNone/>
             </a:pPr>
             <a:r>
-              <a:rPr lang="en" sz="1200" b="1">
+              <a:rPr lang="en" sz="1200" b="1" dirty="0">
                 <a:solidFill>
                   <a:schemeClr val="dk1"/>
                 </a:solidFill>
               </a:rPr>
               <a:t>How to run:</a:t>
             </a:r>
-            <a:endParaRPr sz="1200">
+            <a:endParaRPr sz="1200" dirty="0">
               <a:solidFill>
                 <a:schemeClr val="dk1"/>
               </a:solidFill>
@@ -16536,7 +17109,7 @@
               <a:buNone/>
             </a:pPr>
             <a:r>
-              <a:rPr lang="en" sz="1200" b="1">
+              <a:rPr lang="en" sz="1200" b="1" dirty="0">
                 <a:solidFill>
                   <a:schemeClr val="dk1"/>
                 </a:solidFill>
@@ -16544,7 +17117,7 @@
               <a:t>	</a:t>
             </a:r>
             <a:r>
-              <a:rPr lang="en" sz="1200">
+              <a:rPr lang="en" sz="1200" dirty="0">
                 <a:solidFill>
                   <a:schemeClr val="dk1"/>
                 </a:solidFill>
@@ -16553,9 +17126,69 @@
                 <a:cs typeface="Consolas"/>
                 <a:sym typeface="Consolas"/>
               </a:rPr>
-              <a:t>$ srun ./acc_laplace.exe</a:t>
-            </a:r>
-            <a:endParaRPr sz="1200" b="1">
+              <a:t>$ </a:t>
+            </a:r>
+            <a:r>
+              <a:rPr lang="en" sz="1200" dirty="0" err="1">
+                <a:solidFill>
+                  <a:schemeClr val="dk1"/>
+                </a:solidFill>
+                <a:latin typeface="Consolas"/>
+                <a:ea typeface="Consolas"/>
+                <a:cs typeface="Consolas"/>
+                <a:sym typeface="Consolas"/>
+              </a:rPr>
+              <a:t>srun</a:t>
+            </a:r>
+            <a:r>
+              <a:rPr lang="en" sz="1200" dirty="0">
+                <a:solidFill>
+                  <a:schemeClr val="dk1"/>
+                </a:solidFill>
+                <a:latin typeface="Consolas"/>
+                <a:ea typeface="Consolas"/>
+                <a:cs typeface="Consolas"/>
+                <a:sym typeface="Consolas"/>
+              </a:rPr>
+              <a:t> </a:t>
+            </a:r>
+            <a:r>
+              <a:rPr lang="en" sz="1200" dirty="0" smtClean="0">
+                <a:solidFill>
+                  <a:schemeClr val="dk1"/>
+                </a:solidFill>
+                <a:latin typeface="Consolas"/>
+                <a:ea typeface="Consolas"/>
+                <a:cs typeface="Consolas"/>
+                <a:sym typeface="Consolas"/>
+              </a:rPr>
+              <a:t>./</a:t>
+            </a:r>
+            <a:r>
+              <a:rPr lang="en-US" sz="1200" dirty="0" smtClean="0">
+                <a:solidFill>
+                  <a:schemeClr val="dk1"/>
+                </a:solidFill>
+                <a:latin typeface="Consolas"/>
+                <a:ea typeface="Consolas"/>
+                <a:cs typeface="Consolas"/>
+                <a:sym typeface="Consolas"/>
+              </a:rPr>
+              <a:t>diffusion</a:t>
+            </a:r>
+            <a:r>
+              <a:rPr lang="en" sz="1200" dirty="0" smtClean="0">
+                <a:solidFill>
+                  <a:schemeClr val="dk1"/>
+                </a:solidFill>
+                <a:latin typeface="Consolas"/>
+                <a:ea typeface="Consolas"/>
+                <a:cs typeface="Consolas"/>
+                <a:sym typeface="Consolas"/>
+              </a:rPr>
+              <a:t>.exe</a:t>
+            </a:r>
+            <a:endParaRPr sz="1200" b="1" dirty="0">
               <a:solidFill>
                 <a:schemeClr val="dk1"/>
               </a:solidFill>
@@ -16580,7 +17213,7 @@
               <a:buFont typeface="Arial"/>
               <a:buNone/>
             </a:pPr>
-            <a:endParaRPr sz="1200">
+            <a:endParaRPr sz="1200" dirty="0">
               <a:solidFill>
                 <a:schemeClr val="dk1"/>
               </a:solidFill>
@@ -16606,7 +17239,7 @@
               <a:buNone/>
             </a:pPr>
             <a:r>
-              <a:rPr lang="en" sz="1200">
+              <a:rPr lang="en" sz="1200" dirty="0">
                 <a:solidFill>
                   <a:schemeClr val="dk1"/>
                 </a:solidFill>
@@ -16617,7 +17250,7 @@
               </a:rPr>
               <a:t>#!/bin/bash</a:t>
             </a:r>
-            <a:endParaRPr sz="1200">
+            <a:endParaRPr sz="1200" dirty="0">
               <a:solidFill>
                 <a:schemeClr val="dk1"/>
               </a:solidFill>
@@ -16643,7 +17276,7 @@
               <a:buNone/>
             </a:pPr>
             <a:r>
-              <a:rPr lang="en" sz="1200">
+              <a:rPr lang="en" sz="1200" dirty="0">
                 <a:solidFill>
                   <a:schemeClr val="dk1"/>
                 </a:solidFill>
@@ -16652,9 +17285,33 @@
                 <a:cs typeface="Consolas"/>
                 <a:sym typeface="Consolas"/>
               </a:rPr>
-              <a:t>#SBATCH --account=def-someuser            </a:t>
-            </a:r>
-            <a:endParaRPr sz="1200">
+              <a:t>#SBATCH --</a:t>
+            </a:r>
+            <a:r>
+              <a:rPr lang="en" sz="1200" dirty="0" smtClean="0">
+                <a:solidFill>
+                  <a:schemeClr val="dk1"/>
+                </a:solidFill>
+                <a:latin typeface="Consolas"/>
+                <a:ea typeface="Consolas"/>
+                <a:cs typeface="Consolas"/>
+                <a:sym typeface="Consolas"/>
+              </a:rPr>
+              <a:t>account=</a:t>
+            </a:r>
+            <a:r>
+              <a:rPr lang="en" sz="1200" dirty="0" err="1" smtClean="0">
+                <a:solidFill>
+                  <a:schemeClr val="dk1"/>
+                </a:solidFill>
+                <a:latin typeface="Consolas"/>
+                <a:ea typeface="Consolas"/>
+                <a:cs typeface="Consolas"/>
+                <a:sym typeface="Consolas"/>
+              </a:rPr>
+              <a:t>def-someuser</a:t>
+            </a:r>
+            <a:endParaRPr lang="en-US" sz="1200" dirty="0" smtClean="0">
               <a:solidFill>
                 <a:schemeClr val="dk1"/>
               </a:solidFill>
@@ -16680,7 +17337,7 @@
               <a:buNone/>
             </a:pPr>
             <a:r>
-              <a:rPr lang="en" sz="1200">
+              <a:rPr lang="en" sz="1200" dirty="0" smtClean="0">
                 <a:solidFill>
                   <a:schemeClr val="dk1"/>
                 </a:solidFill>
@@ -16689,9 +17346,21 @@
                 <a:cs typeface="Consolas"/>
                 <a:sym typeface="Consolas"/>
               </a:rPr>
-              <a:t>#SBATCH --job-name=acc_laplace          </a:t>
-            </a:r>
-            <a:endParaRPr sz="1200">
+              <a:t>#SBATCH --job-name=</a:t>
+            </a:r>
+            <a:r>
+              <a:rPr lang="en-US" sz="1200" dirty="0" smtClean="0">
+                <a:solidFill>
+                  <a:schemeClr val="dk1"/>
+                </a:solidFill>
+                <a:latin typeface="Consolas"/>
+                <a:ea typeface="Consolas"/>
+                <a:cs typeface="Consolas"/>
+                <a:sym typeface="Consolas"/>
+              </a:rPr>
+              <a:t>diffusion</a:t>
+            </a:r>
+            <a:endParaRPr sz="1200" dirty="0">
               <a:solidFill>
                 <a:schemeClr val="dk1"/>
               </a:solidFill>
@@ -16717,7 +17386,7 @@
               <a:buNone/>
             </a:pPr>
             <a:r>
-              <a:rPr lang="en" sz="1200">
+              <a:rPr lang="en" sz="1200" dirty="0">
                 <a:solidFill>
                   <a:schemeClr val="dk1"/>
                 </a:solidFill>
@@ -16726,9 +17395,33 @@
                 <a:cs typeface="Consolas"/>
                 <a:sym typeface="Consolas"/>
               </a:rPr>
-              <a:t>#SBATCH --gres=gpu:p100:1               </a:t>
-            </a:r>
-            <a:endParaRPr sz="1200">
+              <a:t>#SBATCH --</a:t>
+            </a:r>
+            <a:r>
+              <a:rPr lang="en" sz="1200" dirty="0" err="1" smtClean="0">
+                <a:solidFill>
+                  <a:schemeClr val="dk1"/>
+                </a:solidFill>
+                <a:latin typeface="Consolas"/>
+                <a:ea typeface="Consolas"/>
+                <a:cs typeface="Consolas"/>
+                <a:sym typeface="Consolas"/>
+              </a:rPr>
+              <a:t>gres</a:t>
+            </a:r>
+            <a:r>
+              <a:rPr lang="en" sz="1200" dirty="0" smtClean="0">
+                <a:solidFill>
+                  <a:schemeClr val="dk1"/>
+                </a:solidFill>
+                <a:latin typeface="Consolas"/>
+                <a:ea typeface="Consolas"/>
+                <a:cs typeface="Consolas"/>
+                <a:sym typeface="Consolas"/>
+              </a:rPr>
+              <a:t>=gpu:p100:1</a:t>
+            </a:r>
+            <a:endParaRPr lang="en-US" sz="1200" dirty="0" smtClean="0">
               <a:solidFill>
                 <a:schemeClr val="dk1"/>
               </a:solidFill>
@@ -16754,7 +17447,7 @@
               <a:buNone/>
             </a:pPr>
             <a:r>
-              <a:rPr lang="en" sz="1200">
+              <a:rPr lang="en" sz="1200" dirty="0" smtClean="0">
                 <a:solidFill>
                   <a:schemeClr val="dk1"/>
                 </a:solidFill>
@@ -16763,9 +17456,33 @@
                 <a:cs typeface="Consolas"/>
                 <a:sym typeface="Consolas"/>
               </a:rPr>
-              <a:t>#SBATCH --nodes=1                       </a:t>
-            </a:r>
-            <a:endParaRPr sz="1200">
+              <a:t>#SBATCH </a:t>
+            </a:r>
+            <a:r>
+              <a:rPr lang="en" sz="1200" dirty="0">
+                <a:solidFill>
+                  <a:schemeClr val="dk1"/>
+                </a:solidFill>
+                <a:latin typeface="Consolas"/>
+                <a:ea typeface="Consolas"/>
+                <a:cs typeface="Consolas"/>
+                <a:sym typeface="Consolas"/>
+              </a:rPr>
+              <a:t>--</a:t>
+            </a:r>
+            <a:r>
+              <a:rPr lang="en" sz="1200" dirty="0" smtClean="0">
+                <a:solidFill>
+                  <a:schemeClr val="dk1"/>
+                </a:solidFill>
+                <a:latin typeface="Consolas"/>
+                <a:ea typeface="Consolas"/>
+                <a:cs typeface="Consolas"/>
+                <a:sym typeface="Consolas"/>
+              </a:rPr>
+              <a:t>nodes=1</a:t>
+            </a:r>
+            <a:endParaRPr lang="en-US" sz="1200" dirty="0" smtClean="0">
               <a:solidFill>
                 <a:schemeClr val="dk1"/>
               </a:solidFill>
@@ -16791,7 +17508,7 @@
               <a:buNone/>
             </a:pPr>
             <a:r>
-              <a:rPr lang="en" sz="1200">
+              <a:rPr lang="en" sz="1200" dirty="0" smtClean="0">
                 <a:solidFill>
                   <a:schemeClr val="dk1"/>
                 </a:solidFill>
@@ -16800,9 +17517,45 @@
                 <a:cs typeface="Consolas"/>
                 <a:sym typeface="Consolas"/>
               </a:rPr>
-              <a:t>#SBATCH --ntasks=1                      </a:t>
-            </a:r>
-            <a:endParaRPr sz="1200">
+              <a:t>#SBATCH </a:t>
+            </a:r>
+            <a:r>
+              <a:rPr lang="en" sz="1200" dirty="0">
+                <a:solidFill>
+                  <a:schemeClr val="dk1"/>
+                </a:solidFill>
+                <a:latin typeface="Consolas"/>
+                <a:ea typeface="Consolas"/>
+                <a:cs typeface="Consolas"/>
+                <a:sym typeface="Consolas"/>
+              </a:rPr>
+              <a:t>--</a:t>
+            </a:r>
+            <a:r>
+              <a:rPr lang="en" sz="1200" dirty="0" err="1" smtClean="0">
+                <a:solidFill>
+                  <a:schemeClr val="dk1"/>
+                </a:solidFill>
+                <a:latin typeface="Consolas"/>
+                <a:ea typeface="Consolas"/>
+                <a:cs typeface="Consolas"/>
+                <a:sym typeface="Consolas"/>
+              </a:rPr>
+              <a:t>ntasks</a:t>
+            </a:r>
+            <a:r>
+              <a:rPr lang="en" sz="1200" dirty="0" smtClean="0">
+                <a:solidFill>
+                  <a:schemeClr val="dk1"/>
+                </a:solidFill>
+                <a:latin typeface="Consolas"/>
+                <a:ea typeface="Consolas"/>
+                <a:cs typeface="Consolas"/>
+                <a:sym typeface="Consolas"/>
+              </a:rPr>
+              <a:t>=1</a:t>
+            </a:r>
+            <a:endParaRPr sz="1200" dirty="0">
               <a:solidFill>
                 <a:schemeClr val="dk1"/>
               </a:solidFill>
@@ -16828,7 +17581,7 @@
               <a:buNone/>
             </a:pPr>
             <a:r>
-              <a:rPr lang="en" sz="1200">
+              <a:rPr lang="en" sz="1200" dirty="0">
                 <a:solidFill>
                   <a:schemeClr val="dk1"/>
                 </a:solidFill>
@@ -16837,9 +17590,33 @@
                 <a:cs typeface="Consolas"/>
                 <a:sym typeface="Consolas"/>
               </a:rPr>
-              <a:t>#SBATCH --cpus-per-task=1               </a:t>
-            </a:r>
-            <a:endParaRPr sz="1200">
+              <a:t>#SBATCH --</a:t>
+            </a:r>
+            <a:r>
+              <a:rPr lang="en" sz="1200" dirty="0" err="1" smtClean="0">
+                <a:solidFill>
+                  <a:schemeClr val="dk1"/>
+                </a:solidFill>
+                <a:latin typeface="Consolas"/>
+                <a:ea typeface="Consolas"/>
+                <a:cs typeface="Consolas"/>
+                <a:sym typeface="Consolas"/>
+              </a:rPr>
+              <a:t>cpus</a:t>
+            </a:r>
+            <a:r>
+              <a:rPr lang="en" sz="1200" dirty="0" smtClean="0">
+                <a:solidFill>
+                  <a:schemeClr val="dk1"/>
+                </a:solidFill>
+                <a:latin typeface="Consolas"/>
+                <a:ea typeface="Consolas"/>
+                <a:cs typeface="Consolas"/>
+                <a:sym typeface="Consolas"/>
+              </a:rPr>
+              <a:t>-per-task=1</a:t>
+            </a:r>
+            <a:endParaRPr sz="1200" dirty="0">
               <a:solidFill>
                 <a:schemeClr val="dk1"/>
               </a:solidFill>
@@ -16865,7 +17642,7 @@
               <a:buNone/>
             </a:pPr>
             <a:r>
-              <a:rPr lang="en" sz="1200">
+              <a:rPr lang="en" sz="1200" dirty="0">
                 <a:solidFill>
                   <a:schemeClr val="dk1"/>
                 </a:solidFill>
@@ -16874,9 +17651,45 @@
                 <a:cs typeface="Consolas"/>
                 <a:sym typeface="Consolas"/>
               </a:rPr>
-              <a:t>#SBATCH --mem-per-cpu=1024M             </a:t>
-            </a:r>
-            <a:endParaRPr sz="1200">
+              <a:t>#SBATCH --</a:t>
+            </a:r>
+            <a:r>
+              <a:rPr lang="en" sz="1200" dirty="0" smtClean="0">
+                <a:solidFill>
+                  <a:schemeClr val="dk1"/>
+                </a:solidFill>
+                <a:latin typeface="Consolas"/>
+                <a:ea typeface="Consolas"/>
+                <a:cs typeface="Consolas"/>
+                <a:sym typeface="Consolas"/>
+              </a:rPr>
+              <a:t>mem-per-</a:t>
+            </a:r>
+            <a:r>
+              <a:rPr lang="en" sz="1200" dirty="0" err="1" smtClean="0">
+                <a:solidFill>
+                  <a:schemeClr val="dk1"/>
+                </a:solidFill>
+                <a:latin typeface="Consolas"/>
+                <a:ea typeface="Consolas"/>
+                <a:cs typeface="Consolas"/>
+                <a:sym typeface="Consolas"/>
+              </a:rPr>
+              <a:t>cpu</a:t>
+            </a:r>
+            <a:r>
+              <a:rPr lang="en" sz="1200" dirty="0" smtClean="0">
+                <a:solidFill>
+                  <a:schemeClr val="dk1"/>
+                </a:solidFill>
+                <a:latin typeface="Consolas"/>
+                <a:ea typeface="Consolas"/>
+                <a:cs typeface="Consolas"/>
+                <a:sym typeface="Consolas"/>
+              </a:rPr>
+              <a:t>=1024M</a:t>
+            </a:r>
+            <a:endParaRPr sz="1200" dirty="0">
               <a:solidFill>
                 <a:schemeClr val="dk1"/>
               </a:solidFill>
@@ -16902,7 +17715,7 @@
               <a:buNone/>
             </a:pPr>
             <a:r>
-              <a:rPr lang="en" sz="1200">
+              <a:rPr lang="en" sz="1200" dirty="0">
                 <a:solidFill>
                   <a:schemeClr val="dk1"/>
                 </a:solidFill>
@@ -16911,9 +17724,21 @@
                 <a:cs typeface="Consolas"/>
                 <a:sym typeface="Consolas"/>
               </a:rPr>
-              <a:t>#SBATCH --time=00:00:05                 </a:t>
-            </a:r>
-            <a:endParaRPr sz="1200">
+              <a:t>#SBATCH --</a:t>
+            </a:r>
+            <a:r>
+              <a:rPr lang="en" sz="1200" dirty="0" smtClean="0">
+                <a:solidFill>
+                  <a:schemeClr val="dk1"/>
+                </a:solidFill>
+                <a:latin typeface="Consolas"/>
+                <a:ea typeface="Consolas"/>
+                <a:cs typeface="Consolas"/>
+                <a:sym typeface="Consolas"/>
+              </a:rPr>
+              <a:t>time=00:00:05</a:t>
+            </a:r>
+            <a:endParaRPr sz="1200" dirty="0">
               <a:solidFill>
                 <a:schemeClr val="dk1"/>
               </a:solidFill>
@@ -16939,7 +17764,7 @@
               <a:buNone/>
             </a:pPr>
             <a:r>
-              <a:rPr lang="en" sz="1200">
+              <a:rPr lang="en" sz="1200" dirty="0">
                 <a:solidFill>
                   <a:schemeClr val="dk1"/>
                 </a:solidFill>
@@ -16948,9 +17773,21 @@
                 <a:cs typeface="Consolas"/>
                 <a:sym typeface="Consolas"/>
               </a:rPr>
-              <a:t>export OMP_NUM_THREADS=$SLURM_CPUS_PER_TASK     </a:t>
-            </a:r>
-            <a:endParaRPr sz="1200">
+              <a:t>export OMP_NUM_THREADS=$</a:t>
+            </a:r>
+            <a:r>
+              <a:rPr lang="en" sz="1200" dirty="0" smtClean="0">
+                <a:solidFill>
+                  <a:schemeClr val="dk1"/>
+                </a:solidFill>
+                <a:latin typeface="Consolas"/>
+                <a:ea typeface="Consolas"/>
+                <a:cs typeface="Consolas"/>
+                <a:sym typeface="Consolas"/>
+              </a:rPr>
+              <a:t>SLURM_CPUS_PER_TASK</a:t>
+            </a:r>
+            <a:endParaRPr sz="1200" dirty="0">
               <a:solidFill>
                 <a:schemeClr val="dk1"/>
               </a:solidFill>
@@ -16976,7 +17813,7 @@
               <a:buNone/>
             </a:pPr>
             <a:r>
-              <a:rPr lang="en" sz="1200">
+              <a:rPr lang="en" sz="1200" dirty="0">
                 <a:solidFill>
                   <a:schemeClr val="dk1"/>
                 </a:solidFill>
@@ -16987,7 +17824,7 @@
               </a:rPr>
               <a:t>echo "Hostname is: `hostname`"</a:t>
             </a:r>
-            <a:endParaRPr sz="1200">
+            <a:endParaRPr sz="1200" dirty="0">
               <a:solidFill>
                 <a:schemeClr val="dk1"/>
               </a:solidFill>
@@ -17013,7 +17850,7 @@
               <a:buNone/>
             </a:pPr>
             <a:r>
-              <a:rPr lang="en" sz="1200">
+              <a:rPr lang="en" sz="1200" dirty="0">
                 <a:solidFill>
                   <a:schemeClr val="dk1"/>
                 </a:solidFill>
@@ -17022,9 +17859,33 @@
                 <a:cs typeface="Consolas"/>
                 <a:sym typeface="Consolas"/>
               </a:rPr>
-              <a:t>echo "Nvidia-smi info is:"</a:t>
-            </a:r>
-            <a:endParaRPr sz="1200">
+              <a:t>echo "</a:t>
+            </a:r>
+            <a:r>
+              <a:rPr lang="en" sz="1200" dirty="0" err="1">
+                <a:solidFill>
+                  <a:schemeClr val="dk1"/>
+                </a:solidFill>
+                <a:latin typeface="Consolas"/>
+                <a:ea typeface="Consolas"/>
+                <a:cs typeface="Consolas"/>
+                <a:sym typeface="Consolas"/>
+              </a:rPr>
+              <a:t>Nvidia-smi</a:t>
+            </a:r>
+            <a:r>
+              <a:rPr lang="en" sz="1200" dirty="0">
+                <a:solidFill>
+                  <a:schemeClr val="dk1"/>
+                </a:solidFill>
+                <a:latin typeface="Consolas"/>
+                <a:ea typeface="Consolas"/>
+                <a:cs typeface="Consolas"/>
+                <a:sym typeface="Consolas"/>
+              </a:rPr>
+              <a:t> info is:"</a:t>
+            </a:r>
+            <a:endParaRPr sz="1200" dirty="0">
               <a:solidFill>
                 <a:schemeClr val="dk1"/>
               </a:solidFill>
@@ -17050,7 +17911,7 @@
               <a:buNone/>
             </a:pPr>
             <a:r>
-              <a:rPr lang="en" sz="1200">
+              <a:rPr lang="en" sz="1200" dirty="0" err="1">
                 <a:solidFill>
                   <a:schemeClr val="dk1"/>
                 </a:solidFill>
@@ -17061,7 +17922,7 @@
               </a:rPr>
               <a:t>nvidia-smi</a:t>
             </a:r>
-            <a:endParaRPr sz="1200">
+            <a:endParaRPr sz="1200" dirty="0">
               <a:solidFill>
                 <a:schemeClr val="dk1"/>
               </a:solidFill>
@@ -17087,7 +17948,7 @@
               <a:buNone/>
             </a:pPr>
             <a:r>
-              <a:rPr lang="en" sz="1200">
+              <a:rPr lang="en" sz="1200" dirty="0">
                 <a:solidFill>
                   <a:schemeClr val="dk1"/>
                 </a:solidFill>
@@ -17096,9 +17957,33 @@
                 <a:cs typeface="Consolas"/>
                 <a:sym typeface="Consolas"/>
               </a:rPr>
-              <a:t>echo "Current working directory is: `pwd`"</a:t>
-            </a:r>
-            <a:endParaRPr sz="1200">
+              <a:t>echo "Current working directory is: `</a:t>
+            </a:r>
+            <a:r>
+              <a:rPr lang="en" sz="1200" dirty="0" err="1">
+                <a:solidFill>
+                  <a:schemeClr val="dk1"/>
+                </a:solidFill>
+                <a:latin typeface="Consolas"/>
+                <a:ea typeface="Consolas"/>
+                <a:cs typeface="Consolas"/>
+                <a:sym typeface="Consolas"/>
+              </a:rPr>
+              <a:t>pwd</a:t>
+            </a:r>
+            <a:r>
+              <a:rPr lang="en" sz="1200" dirty="0">
+                <a:solidFill>
+                  <a:schemeClr val="dk1"/>
+                </a:solidFill>
+                <a:latin typeface="Consolas"/>
+                <a:ea typeface="Consolas"/>
+                <a:cs typeface="Consolas"/>
+                <a:sym typeface="Consolas"/>
+              </a:rPr>
+              <a:t>`"</a:t>
+            </a:r>
+            <a:endParaRPr sz="1200" dirty="0">
               <a:solidFill>
                 <a:schemeClr val="dk1"/>
               </a:solidFill>
@@ -17124,7 +18009,7 @@
               <a:buNone/>
             </a:pPr>
             <a:r>
-              <a:rPr lang="en" sz="1200">
+              <a:rPr lang="en" sz="1200" dirty="0" err="1">
                 <a:solidFill>
                   <a:schemeClr val="dk1"/>
                 </a:solidFill>
@@ -17133,9 +18018,117 @@
                 <a:cs typeface="Consolas"/>
                 <a:sym typeface="Consolas"/>
               </a:rPr>
-              <a:t>srun ./acc_laplace.exe   # mpirun or mpiexec also works</a:t>
-            </a:r>
-            <a:endParaRPr sz="1200">
+              <a:t>srun</a:t>
+            </a:r>
+            <a:r>
+              <a:rPr lang="en" sz="1200" dirty="0">
+                <a:solidFill>
+                  <a:schemeClr val="dk1"/>
+                </a:solidFill>
+                <a:latin typeface="Consolas"/>
+                <a:ea typeface="Consolas"/>
+                <a:cs typeface="Consolas"/>
+                <a:sym typeface="Consolas"/>
+              </a:rPr>
+              <a:t> </a:t>
+            </a:r>
+            <a:r>
+              <a:rPr lang="en" sz="1200" dirty="0" smtClean="0">
+                <a:solidFill>
+                  <a:schemeClr val="dk1"/>
+                </a:solidFill>
+                <a:latin typeface="Consolas"/>
+                <a:ea typeface="Consolas"/>
+                <a:cs typeface="Consolas"/>
+                <a:sym typeface="Consolas"/>
+              </a:rPr>
+              <a:t>./</a:t>
+            </a:r>
+            <a:r>
+              <a:rPr lang="en-US" sz="1200" dirty="0" smtClean="0">
+                <a:solidFill>
+                  <a:schemeClr val="dk1"/>
+                </a:solidFill>
+                <a:latin typeface="Consolas"/>
+                <a:ea typeface="Consolas"/>
+                <a:cs typeface="Consolas"/>
+                <a:sym typeface="Consolas"/>
+              </a:rPr>
+              <a:t>diffusion</a:t>
+            </a:r>
+            <a:r>
+              <a:rPr lang="en" sz="1200" dirty="0" smtClean="0">
+                <a:solidFill>
+                  <a:schemeClr val="dk1"/>
+                </a:solidFill>
+                <a:latin typeface="Consolas"/>
+                <a:ea typeface="Consolas"/>
+                <a:cs typeface="Consolas"/>
+                <a:sym typeface="Consolas"/>
+              </a:rPr>
+              <a:t>.exe   </a:t>
+            </a:r>
+            <a:r>
+              <a:rPr lang="en" sz="1200" dirty="0">
+                <a:solidFill>
+                  <a:schemeClr val="dk1"/>
+                </a:solidFill>
+                <a:latin typeface="Consolas"/>
+                <a:ea typeface="Consolas"/>
+                <a:cs typeface="Consolas"/>
+                <a:sym typeface="Consolas"/>
+              </a:rPr>
+              <a:t># </a:t>
+            </a:r>
+            <a:r>
+              <a:rPr lang="en" sz="1200" dirty="0" err="1">
+                <a:solidFill>
+                  <a:schemeClr val="dk1"/>
+                </a:solidFill>
+                <a:latin typeface="Consolas"/>
+                <a:ea typeface="Consolas"/>
+                <a:cs typeface="Consolas"/>
+                <a:sym typeface="Consolas"/>
+              </a:rPr>
+              <a:t>mpirun</a:t>
+            </a:r>
+            <a:r>
+              <a:rPr lang="en" sz="1200" dirty="0">
+                <a:solidFill>
+                  <a:schemeClr val="dk1"/>
+                </a:solidFill>
+                <a:latin typeface="Consolas"/>
+                <a:ea typeface="Consolas"/>
+                <a:cs typeface="Consolas"/>
+                <a:sym typeface="Consolas"/>
+              </a:rPr>
+              <a:t> or </a:t>
+            </a:r>
+            <a:r>
+              <a:rPr lang="en" sz="1200" dirty="0" err="1">
+                <a:solidFill>
+                  <a:schemeClr val="dk1"/>
+                </a:solidFill>
+                <a:latin typeface="Consolas"/>
+                <a:ea typeface="Consolas"/>
+                <a:cs typeface="Consolas"/>
+                <a:sym typeface="Consolas"/>
+              </a:rPr>
+              <a:t>mpiexec</a:t>
+            </a:r>
+            <a:r>
+              <a:rPr lang="en" sz="1200" dirty="0">
+                <a:solidFill>
+                  <a:schemeClr val="dk1"/>
+                </a:solidFill>
+                <a:latin typeface="Consolas"/>
+                <a:ea typeface="Consolas"/>
+                <a:cs typeface="Consolas"/>
+                <a:sym typeface="Consolas"/>
+              </a:rPr>
+              <a:t> also works</a:t>
+            </a:r>
+            <a:endParaRPr sz="1200" dirty="0">
               <a:solidFill>
                 <a:schemeClr val="dk1"/>
               </a:solidFill>
@@ -17160,7 +18153,7 @@
               <a:buFont typeface="Arial"/>
               <a:buNone/>
             </a:pPr>
-            <a:endParaRPr sz="1200">
+            <a:endParaRPr sz="1200" dirty="0">
               <a:solidFill>
                 <a:schemeClr val="dk1"/>
               </a:solidFill>
@@ -17180,7 +18173,7 @@
               </a:spcAft>
               <a:buNone/>
             </a:pPr>
-            <a:endParaRPr sz="1200">
+            <a:endParaRPr sz="1200" dirty="0">
               <a:solidFill>
                 <a:schemeClr val="dk1"/>
               </a:solidFill>
@@ -17200,7 +18193,7 @@
               </a:spcAft>
               <a:buNone/>
             </a:pPr>
-            <a:endParaRPr sz="1200">
+            <a:endParaRPr sz="1200" dirty="0">
               <a:solidFill>
                 <a:schemeClr val="dk1"/>
               </a:solidFill>
@@ -18208,7 +19201,7 @@
               <a:buNone/>
             </a:pPr>
             <a:r>
-              <a:rPr lang="en" sz="1300" b="1">
+              <a:rPr lang="en" sz="1300" b="1" dirty="0">
                 <a:solidFill>
                   <a:srgbClr val="000000"/>
                 </a:solidFill>
@@ -18219,7 +19212,7 @@
               </a:rPr>
               <a:t>Login:</a:t>
             </a:r>
-            <a:endParaRPr sz="1300" b="1">
+            <a:endParaRPr sz="1300" b="1" dirty="0">
               <a:solidFill>
                 <a:schemeClr val="dk1"/>
               </a:solidFill>
@@ -18248,75 +19241,122 @@
               <a:buNone/>
             </a:pPr>
             <a:r>
-              <a:rPr lang="en" sz="1300" b="1">
-                <a:solidFill>
-                  <a:schemeClr val="dk1"/>
-                </a:solidFill>
-                <a:latin typeface="Source Code Pro"/>
-                <a:ea typeface="Source Code Pro"/>
-                <a:cs typeface="Source Code Pro"/>
+              <a:rPr lang="en" sz="1300" b="1" dirty="0">
+                <a:solidFill>
+                  <a:schemeClr val="dk1"/>
+                </a:solidFill>
+                <a:latin typeface="Consolas" charset="0"/>
+                <a:ea typeface="Consolas" charset="0"/>
+                <a:cs typeface="Consolas" charset="0"/>
                 <a:sym typeface="Source Code Pro"/>
               </a:rPr>
-              <a:t>$ ssh</a:t>
-            </a:r>
-            <a:r>
-              <a:rPr lang="en" sz="1300" b="1">
+              <a:t>$ </a:t>
+            </a:r>
+            <a:r>
+              <a:rPr lang="en" sz="1300" b="1" dirty="0" err="1">
+                <a:solidFill>
+                  <a:schemeClr val="dk1"/>
+                </a:solidFill>
+                <a:latin typeface="Consolas" charset="0"/>
+                <a:ea typeface="Consolas" charset="0"/>
+                <a:cs typeface="Consolas" charset="0"/>
+                <a:sym typeface="Source Code Pro"/>
+              </a:rPr>
+              <a:t>ssh</a:t>
+            </a:r>
+            <a:r>
+              <a:rPr lang="en" sz="1300" b="1" dirty="0">
                 <a:solidFill>
                   <a:schemeClr val="dk1"/>
                 </a:solidFill>
                 <a:highlight>
                   <a:srgbClr val="00FFFF"/>
                 </a:highlight>
-                <a:latin typeface="Source Code Pro"/>
-                <a:ea typeface="Source Code Pro"/>
-                <a:cs typeface="Source Code Pro"/>
+                <a:latin typeface="Consolas" charset="0"/>
+                <a:ea typeface="Consolas" charset="0"/>
+                <a:cs typeface="Consolas" charset="0"/>
                 <a:sym typeface="Source Code Pro"/>
               </a:rPr>
               <a:t> </a:t>
             </a:r>
             <a:r>
-              <a:rPr lang="en" sz="1300" b="1">
+              <a:rPr lang="en" sz="1300" b="1" dirty="0">
                 <a:solidFill>
                   <a:schemeClr val="dk1"/>
                 </a:solidFill>
                 <a:highlight>
                   <a:srgbClr val="FFFF00"/>
                 </a:highlight>
-                <a:latin typeface="Source Code Pro"/>
-                <a:ea typeface="Source Code Pro"/>
-                <a:cs typeface="Source Code Pro"/>
+                <a:latin typeface="Consolas" charset="0"/>
+                <a:ea typeface="Consolas" charset="0"/>
+                <a:cs typeface="Consolas" charset="0"/>
                 <a:sym typeface="Source Code Pro"/>
               </a:rPr>
               <a:t>&lt;username&gt;</a:t>
             </a:r>
             <a:r>
-              <a:rPr lang="en" sz="1300" b="1">
-                <a:solidFill>
-                  <a:schemeClr val="dk1"/>
-                </a:solidFill>
-                <a:latin typeface="Source Code Pro"/>
-                <a:ea typeface="Source Code Pro"/>
-                <a:cs typeface="Source Code Pro"/>
+              <a:rPr lang="en" sz="1300" b="1" dirty="0">
+                <a:solidFill>
+                  <a:schemeClr val="dk1"/>
+                </a:solidFill>
+                <a:latin typeface="Consolas" charset="0"/>
+                <a:ea typeface="Consolas" charset="0"/>
+                <a:cs typeface="Consolas" charset="0"/>
                 <a:sym typeface="Source Code Pro"/>
               </a:rPr>
-              <a:t>@cedar.computecanada.ca</a:t>
-            </a:r>
-            <a:r>
-              <a:rPr lang="en" sz="1300" b="1">
+              <a:t>@</a:t>
+            </a:r>
+            <a:r>
+              <a:rPr lang="en" sz="1300" b="1" dirty="0" err="1">
+                <a:solidFill>
+                  <a:schemeClr val="dk1"/>
+                </a:solidFill>
+                <a:latin typeface="Consolas" charset="0"/>
+                <a:ea typeface="Consolas" charset="0"/>
+                <a:cs typeface="Consolas" charset="0"/>
+                <a:sym typeface="Source Code Pro"/>
+              </a:rPr>
+              <a:t>cedar.computecanada.ca</a:t>
+            </a:r>
+            <a:r>
+              <a:rPr lang="en" sz="1300" b="1" dirty="0">
                 <a:solidFill>
                   <a:schemeClr val="dk1"/>
                 </a:solidFill>
                 <a:highlight>
                   <a:srgbClr val="00FF00"/>
                 </a:highlight>
-                <a:latin typeface="Source Code Pro"/>
-                <a:ea typeface="Source Code Pro"/>
-                <a:cs typeface="Source Code Pro"/>
+                <a:latin typeface="Consolas" charset="0"/>
+                <a:ea typeface="Consolas" charset="0"/>
+                <a:cs typeface="Consolas" charset="0"/>
                 <a:sym typeface="Source Code Pro"/>
               </a:rPr>
               <a:t>&lt;ENTER&gt;</a:t>
             </a:r>
-            <a:endParaRPr sz="1300">
+            <a:endParaRPr sz="1300" dirty="0">
+              <a:solidFill>
+                <a:srgbClr val="000000"/>
+              </a:solidFill>
+              <a:latin typeface="Consolas" charset="0"/>
+              <a:ea typeface="Consolas" charset="0"/>
+              <a:cs typeface="Consolas" charset="0"/>
+              <a:sym typeface="Times New Roman"/>
+            </a:endParaRPr>
+          </a:p>
+          <a:p>
+            <a:pPr marL="0" marR="0" lvl="0" indent="0" algn="l" rtl="0">
+              <a:lnSpc>
+                <a:spcPct val="115000"/>
+              </a:lnSpc>
+              <a:spcBef>
+                <a:spcPts val="0"/>
+              </a:spcBef>
+              <a:spcAft>
+                <a:spcPts val="0"/>
+              </a:spcAft>
+              <a:buNone/>
+            </a:pPr>
+            <a:endParaRPr sz="1300" dirty="0">
               <a:solidFill>
                 <a:srgbClr val="000000"/>
               </a:solidFill>
@@ -18339,7 +19379,19 @@
               </a:spcAft>
               <a:buNone/>
             </a:pPr>
-            <a:endParaRPr sz="1300">
+            <a:r>
+              <a:rPr lang="en" sz="1300" b="1" dirty="0">
+                <a:solidFill>
+                  <a:srgbClr val="000000"/>
+                </a:solidFill>
+                <a:latin typeface="Times New Roman"/>
+                <a:ea typeface="Times New Roman"/>
+                <a:cs typeface="Times New Roman"/>
+                <a:sym typeface="Times New Roman"/>
+              </a:rPr>
+              <a:t>Interactive node request:</a:t>
+            </a:r>
+            <a:endParaRPr sz="1300" b="1" dirty="0">
               <a:solidFill>
                 <a:srgbClr val="000000"/>
               </a:solidFill>
@@ -18363,782 +19415,234 @@
               <a:buNone/>
             </a:pPr>
             <a:r>
-              <a:rPr lang="en" sz="1300" b="1">
-                <a:solidFill>
-                  <a:srgbClr val="000000"/>
-                </a:solidFill>
-                <a:latin typeface="Times New Roman"/>
-                <a:ea typeface="Times New Roman"/>
-                <a:cs typeface="Times New Roman"/>
-                <a:sym typeface="Times New Roman"/>
-              </a:rPr>
-              <a:t>Interactive node request:</a:t>
-            </a:r>
-            <a:endParaRPr sz="1300" b="1">
-              <a:solidFill>
-                <a:srgbClr val="000000"/>
-              </a:solidFill>
-              <a:latin typeface="Times New Roman"/>
-              <a:ea typeface="Times New Roman"/>
-              <a:cs typeface="Times New Roman"/>
-              <a:sym typeface="Times New Roman"/>
-            </a:endParaRPr>
-          </a:p>
-          <a:p>
-            <a:pPr marL="0" marR="0" lvl="0" indent="0" algn="l" rtl="0">
-              <a:lnSpc>
-                <a:spcPct val="115000"/>
-              </a:lnSpc>
-              <a:spcBef>
-                <a:spcPts val="0"/>
-              </a:spcBef>
-              <a:spcAft>
-                <a:spcPts val="0"/>
-              </a:spcAft>
-              <a:buNone/>
-            </a:pPr>
-            <a:r>
-              <a:rPr lang="en" sz="1300" b="1">
-                <a:solidFill>
-                  <a:schemeClr val="dk1"/>
-                </a:solidFill>
-                <a:latin typeface="Source Code Pro"/>
-                <a:ea typeface="Source Code Pro"/>
-                <a:cs typeface="Source Code Pro"/>
+              <a:rPr lang="en" sz="1300" b="1" dirty="0">
+                <a:solidFill>
+                  <a:schemeClr val="dk1"/>
+                </a:solidFill>
+                <a:latin typeface="Consolas" charset="0"/>
+                <a:ea typeface="Consolas" charset="0"/>
+                <a:cs typeface="Consolas" charset="0"/>
                 <a:sym typeface="Source Code Pro"/>
               </a:rPr>
-              <a:t>$ salloc</a:t>
-            </a:r>
-            <a:r>
-              <a:rPr lang="en" sz="1300" b="1">
+              <a:t>$ </a:t>
+            </a:r>
+            <a:r>
+              <a:rPr lang="en" sz="1300" b="1" dirty="0" err="1">
+                <a:solidFill>
+                  <a:schemeClr val="dk1"/>
+                </a:solidFill>
+                <a:latin typeface="Consolas" charset="0"/>
+                <a:ea typeface="Consolas" charset="0"/>
+                <a:cs typeface="Consolas" charset="0"/>
+                <a:sym typeface="Source Code Pro"/>
+              </a:rPr>
+              <a:t>salloc</a:t>
+            </a:r>
+            <a:r>
+              <a:rPr lang="en" sz="1300" b="1" dirty="0">
                 <a:solidFill>
                   <a:schemeClr val="dk1"/>
                 </a:solidFill>
                 <a:highlight>
                   <a:srgbClr val="00FFFF"/>
                 </a:highlight>
-                <a:latin typeface="Source Code Pro"/>
-                <a:ea typeface="Source Code Pro"/>
-                <a:cs typeface="Source Code Pro"/>
+                <a:latin typeface="Consolas" charset="0"/>
+                <a:ea typeface="Consolas" charset="0"/>
+                <a:cs typeface="Consolas" charset="0"/>
                 <a:sym typeface="Source Code Pro"/>
               </a:rPr>
               <a:t> </a:t>
             </a:r>
             <a:r>
-              <a:rPr lang="en" sz="1300" b="1">
-                <a:solidFill>
-                  <a:schemeClr val="dk1"/>
-                </a:solidFill>
-                <a:latin typeface="Source Code Pro"/>
-                <a:ea typeface="Source Code Pro"/>
-                <a:cs typeface="Source Code Pro"/>
+              <a:rPr lang="en" sz="1300" b="1" dirty="0">
+                <a:solidFill>
+                  <a:schemeClr val="dk1"/>
+                </a:solidFill>
+                <a:latin typeface="Consolas" charset="0"/>
+                <a:ea typeface="Consolas" charset="0"/>
+                <a:cs typeface="Consolas" charset="0"/>
                 <a:sym typeface="Source Code Pro"/>
               </a:rPr>
               <a:t>--time=1:0:0</a:t>
             </a:r>
             <a:r>
-              <a:rPr lang="en" sz="1300" b="1">
+              <a:rPr lang="en" sz="1300" b="1" dirty="0">
                 <a:solidFill>
                   <a:schemeClr val="dk1"/>
                 </a:solidFill>
                 <a:highlight>
                   <a:srgbClr val="00FFFF"/>
                 </a:highlight>
-                <a:latin typeface="Source Code Pro"/>
-                <a:ea typeface="Source Code Pro"/>
-                <a:cs typeface="Source Code Pro"/>
+                <a:latin typeface="Consolas" charset="0"/>
+                <a:ea typeface="Consolas" charset="0"/>
+                <a:cs typeface="Consolas" charset="0"/>
                 <a:sym typeface="Source Code Pro"/>
               </a:rPr>
               <a:t> </a:t>
             </a:r>
             <a:r>
-              <a:rPr lang="en" sz="1300" b="1">
-                <a:solidFill>
-                  <a:schemeClr val="dk1"/>
-                </a:solidFill>
-                <a:latin typeface="Source Code Pro"/>
-                <a:ea typeface="Source Code Pro"/>
-                <a:cs typeface="Source Code Pro"/>
+              <a:rPr lang="en" sz="1300" b="1" dirty="0">
+                <a:solidFill>
+                  <a:schemeClr val="dk1"/>
+                </a:solidFill>
+                <a:latin typeface="Consolas" charset="0"/>
+                <a:ea typeface="Consolas" charset="0"/>
+                <a:cs typeface="Consolas" charset="0"/>
                 <a:sym typeface="Source Code Pro"/>
               </a:rPr>
-              <a:t>--ntasks=16</a:t>
-            </a:r>
-            <a:r>
-              <a:rPr lang="en" sz="1300" b="1">
+              <a:t>--</a:t>
+            </a:r>
+            <a:r>
+              <a:rPr lang="en" sz="1300" b="1" dirty="0" err="1">
+                <a:solidFill>
+                  <a:schemeClr val="dk1"/>
+                </a:solidFill>
+                <a:latin typeface="Consolas" charset="0"/>
+                <a:ea typeface="Consolas" charset="0"/>
+                <a:cs typeface="Consolas" charset="0"/>
+                <a:sym typeface="Source Code Pro"/>
+              </a:rPr>
+              <a:t>ntasks</a:t>
+            </a:r>
+            <a:r>
+              <a:rPr lang="en" sz="1300" b="1" dirty="0">
+                <a:solidFill>
+                  <a:schemeClr val="dk1"/>
+                </a:solidFill>
+                <a:latin typeface="Consolas" charset="0"/>
+                <a:ea typeface="Consolas" charset="0"/>
+                <a:cs typeface="Consolas" charset="0"/>
+                <a:sym typeface="Source Code Pro"/>
+              </a:rPr>
+              <a:t>=16</a:t>
+            </a:r>
+            <a:r>
+              <a:rPr lang="en" sz="1300" b="1" dirty="0">
                 <a:solidFill>
                   <a:schemeClr val="dk1"/>
                 </a:solidFill>
                 <a:highlight>
                   <a:srgbClr val="00FFFF"/>
                 </a:highlight>
-                <a:latin typeface="Source Code Pro"/>
-                <a:ea typeface="Source Code Pro"/>
-                <a:cs typeface="Source Code Pro"/>
+                <a:latin typeface="Consolas" charset="0"/>
+                <a:ea typeface="Consolas" charset="0"/>
+                <a:cs typeface="Consolas" charset="0"/>
                 <a:sym typeface="Source Code Pro"/>
               </a:rPr>
               <a:t> </a:t>
             </a:r>
             <a:r>
-              <a:rPr lang="en" sz="1300" b="1">
-                <a:solidFill>
-                  <a:schemeClr val="dk1"/>
-                </a:solidFill>
-                <a:latin typeface="Source Code Pro"/>
-                <a:ea typeface="Source Code Pro"/>
-                <a:cs typeface="Source Code Pro"/>
+              <a:rPr lang="en" sz="1300" b="1" dirty="0">
+                <a:solidFill>
+                  <a:schemeClr val="dk1"/>
+                </a:solidFill>
+                <a:latin typeface="Consolas" charset="0"/>
+                <a:ea typeface="Consolas" charset="0"/>
+                <a:cs typeface="Consolas" charset="0"/>
                 <a:sym typeface="Source Code Pro"/>
               </a:rPr>
-              <a:t>--mem-per-cpu=1GB</a:t>
-            </a:r>
-            <a:r>
-              <a:rPr lang="en" sz="1300" b="1">
+              <a:t>--mem-per-</a:t>
+            </a:r>
+            <a:r>
+              <a:rPr lang="en" sz="1300" b="1" dirty="0" err="1">
+                <a:solidFill>
+                  <a:schemeClr val="dk1"/>
+                </a:solidFill>
+                <a:latin typeface="Consolas" charset="0"/>
+                <a:ea typeface="Consolas" charset="0"/>
+                <a:cs typeface="Consolas" charset="0"/>
+                <a:sym typeface="Source Code Pro"/>
+              </a:rPr>
+              <a:t>cpu</a:t>
+            </a:r>
+            <a:r>
+              <a:rPr lang="en" sz="1300" b="1" dirty="0">
+                <a:solidFill>
+                  <a:schemeClr val="dk1"/>
+                </a:solidFill>
+                <a:latin typeface="Consolas" charset="0"/>
+                <a:ea typeface="Consolas" charset="0"/>
+                <a:cs typeface="Consolas" charset="0"/>
+                <a:sym typeface="Source Code Pro"/>
+              </a:rPr>
+              <a:t>=1GB</a:t>
+            </a:r>
+            <a:r>
+              <a:rPr lang="en" sz="1300" b="1" dirty="0">
                 <a:solidFill>
                   <a:schemeClr val="dk1"/>
                 </a:solidFill>
                 <a:highlight>
                   <a:srgbClr val="00FFFF"/>
                 </a:highlight>
-                <a:latin typeface="Source Code Pro"/>
-                <a:ea typeface="Source Code Pro"/>
-                <a:cs typeface="Source Code Pro"/>
+                <a:latin typeface="Consolas" charset="0"/>
+                <a:ea typeface="Consolas" charset="0"/>
+                <a:cs typeface="Consolas" charset="0"/>
                 <a:sym typeface="Source Code Pro"/>
               </a:rPr>
               <a:t> </a:t>
             </a:r>
             <a:r>
-              <a:rPr lang="en" sz="1300" b="1">
-                <a:solidFill>
-                  <a:schemeClr val="dk1"/>
-                </a:solidFill>
-                <a:latin typeface="Source Code Pro"/>
-                <a:ea typeface="Source Code Pro"/>
-                <a:cs typeface="Source Code Pro"/>
+              <a:rPr lang="en" sz="1300" b="1" dirty="0">
+                <a:solidFill>
+                  <a:schemeClr val="dk1"/>
+                </a:solidFill>
+                <a:latin typeface="Consolas" charset="0"/>
+                <a:ea typeface="Consolas" charset="0"/>
+                <a:cs typeface="Consolas" charset="0"/>
                 <a:sym typeface="Source Code Pro"/>
               </a:rPr>
-              <a:t>--account=def-mludin</a:t>
-            </a:r>
-            <a:r>
-              <a:rPr lang="en" sz="1300" b="1">
+              <a:t>--account=</a:t>
+            </a:r>
+            <a:r>
+              <a:rPr lang="en" sz="1300" b="1" dirty="0" err="1">
+                <a:solidFill>
+                  <a:schemeClr val="dk1"/>
+                </a:solidFill>
+                <a:latin typeface="Consolas" charset="0"/>
+                <a:ea typeface="Consolas" charset="0"/>
+                <a:cs typeface="Consolas" charset="0"/>
+                <a:sym typeface="Source Code Pro"/>
+              </a:rPr>
+              <a:t>def-mludin</a:t>
+            </a:r>
+            <a:r>
+              <a:rPr lang="en" sz="1300" b="1" dirty="0">
                 <a:solidFill>
                   <a:schemeClr val="dk1"/>
                 </a:solidFill>
                 <a:highlight>
                   <a:srgbClr val="00FF00"/>
                 </a:highlight>
-                <a:latin typeface="Source Code Pro"/>
-                <a:ea typeface="Source Code Pro"/>
-                <a:cs typeface="Source Code Pro"/>
+                <a:latin typeface="Consolas" charset="0"/>
+                <a:ea typeface="Consolas" charset="0"/>
+                <a:cs typeface="Consolas" charset="0"/>
                 <a:sym typeface="Source Code Pro"/>
               </a:rPr>
-              <a:t>&lt;ENTER&gt;</a:t>
-            </a:r>
-            <a:endParaRPr sz="1300" b="1">
+              <a:t>&lt;ENTER</a:t>
+            </a:r>
+            <a:r>
+              <a:rPr lang="en" sz="1300" b="1" dirty="0" smtClean="0">
+                <a:solidFill>
+                  <a:schemeClr val="dk1"/>
+                </a:solidFill>
+                <a:highlight>
+                  <a:srgbClr val="00FF00"/>
+                </a:highlight>
+                <a:latin typeface="Consolas" charset="0"/>
+                <a:ea typeface="Consolas" charset="0"/>
+                <a:cs typeface="Consolas" charset="0"/>
+                <a:sym typeface="Source Code Pro"/>
+              </a:rPr>
+              <a:t>&gt;</a:t>
+            </a:r>
+            <a:endParaRPr sz="1300" b="1" dirty="0">
               <a:solidFill>
                 <a:schemeClr val="dk1"/>
               </a:solidFill>
-              <a:latin typeface="Source Code Pro"/>
-              <a:ea typeface="Source Code Pro"/>
-              <a:cs typeface="Source Code Pro"/>
-              <a:sym typeface="Source Code Pro"/>
-            </a:endParaRPr>
-          </a:p>
-          <a:p>
-            <a:pPr marL="0" marR="0" lvl="0" indent="0" algn="l" rtl="0">
-              <a:lnSpc>
-                <a:spcPct val="115000"/>
-              </a:lnSpc>
-              <a:spcBef>
-                <a:spcPts val="0"/>
-              </a:spcBef>
-              <a:spcAft>
-                <a:spcPts val="0"/>
-              </a:spcAft>
-              <a:buNone/>
-            </a:pPr>
-            <a:endParaRPr sz="1300" b="1">
-              <a:solidFill>
-                <a:schemeClr val="dk1"/>
-              </a:solidFill>
-              <a:latin typeface="Source Code Pro"/>
-              <a:ea typeface="Source Code Pro"/>
-              <a:cs typeface="Source Code Pro"/>
-              <a:sym typeface="Source Code Pro"/>
-            </a:endParaRPr>
-          </a:p>
-          <a:p>
-            <a:pPr marL="0" marR="0" lvl="0" indent="0" algn="l" rtl="0">
-              <a:lnSpc>
-                <a:spcPct val="115000"/>
-              </a:lnSpc>
-              <a:spcBef>
-                <a:spcPts val="0"/>
-              </a:spcBef>
-              <a:spcAft>
-                <a:spcPts val="0"/>
-              </a:spcAft>
-              <a:buNone/>
-            </a:pPr>
-            <a:r>
-              <a:rPr lang="en" sz="1300" b="1">
-                <a:solidFill>
-                  <a:srgbClr val="000000"/>
-                </a:solidFill>
-                <a:latin typeface="Times New Roman"/>
-                <a:ea typeface="Times New Roman"/>
-                <a:cs typeface="Times New Roman"/>
-                <a:sym typeface="Times New Roman"/>
-              </a:rPr>
-              <a:t>Download code:</a:t>
-            </a:r>
-            <a:endParaRPr sz="1300" b="1">
-              <a:solidFill>
-                <a:schemeClr val="dk1"/>
-              </a:solidFill>
-              <a:latin typeface="Source Code Pro"/>
-              <a:ea typeface="Source Code Pro"/>
-              <a:cs typeface="Source Code Pro"/>
-              <a:sym typeface="Source Code Pro"/>
-            </a:endParaRPr>
-          </a:p>
-          <a:p>
-            <a:pPr marL="0" marR="0" lvl="0" indent="0" algn="l" rtl="0">
-              <a:lnSpc>
-                <a:spcPct val="115000"/>
-              </a:lnSpc>
-              <a:spcBef>
-                <a:spcPts val="0"/>
-              </a:spcBef>
-              <a:spcAft>
-                <a:spcPts val="0"/>
-              </a:spcAft>
-              <a:buNone/>
-            </a:pPr>
-            <a:r>
-              <a:rPr lang="en" sz="1300" b="1">
-                <a:solidFill>
-                  <a:schemeClr val="dk1"/>
-                </a:solidFill>
-                <a:latin typeface="Source Code Pro"/>
-                <a:ea typeface="Source Code Pro"/>
-                <a:cs typeface="Source Code Pro"/>
-                <a:sym typeface="Source Code Pro"/>
-              </a:rPr>
-              <a:t>$ wget</a:t>
-            </a:r>
-            <a:r>
-              <a:rPr lang="en" sz="1300" b="1">
-                <a:solidFill>
-                  <a:schemeClr val="dk1"/>
-                </a:solidFill>
-                <a:highlight>
-                  <a:srgbClr val="00FFFF"/>
-                </a:highlight>
-                <a:latin typeface="Source Code Pro"/>
-                <a:ea typeface="Source Code Pro"/>
-                <a:cs typeface="Source Code Pro"/>
-                <a:sym typeface="Source Code Pro"/>
-              </a:rPr>
-              <a:t> </a:t>
-            </a:r>
-            <a:r>
-              <a:rPr lang="en" sz="1300" b="1">
-                <a:solidFill>
-                  <a:schemeClr val="dk1"/>
-                </a:solidFill>
-                <a:latin typeface="Source Code Pro"/>
-                <a:ea typeface="Source Code Pro"/>
-                <a:cs typeface="Source Code Pro"/>
-                <a:sym typeface="Source Code Pro"/>
-              </a:rPr>
-              <a:t>http://shodor.org/~mludin/BW_Capstone/running_code_cluster2.tar</a:t>
-            </a:r>
-            <a:r>
-              <a:rPr lang="en" sz="1300" b="1">
-                <a:solidFill>
-                  <a:schemeClr val="dk1"/>
-                </a:solidFill>
-                <a:highlight>
-                  <a:srgbClr val="00FF00"/>
-                </a:highlight>
-                <a:latin typeface="Source Code Pro"/>
-                <a:ea typeface="Source Code Pro"/>
-                <a:cs typeface="Source Code Pro"/>
-                <a:sym typeface="Source Code Pro"/>
-              </a:rPr>
-              <a:t>&lt;ENTER&gt;</a:t>
-            </a:r>
-            <a:endParaRPr sz="1300" b="1">
-              <a:solidFill>
-                <a:schemeClr val="dk1"/>
-              </a:solidFill>
-              <a:highlight>
-                <a:srgbClr val="00FF00"/>
-              </a:highlight>
-              <a:latin typeface="Source Code Pro"/>
-              <a:ea typeface="Source Code Pro"/>
-              <a:cs typeface="Source Code Pro"/>
-              <a:sym typeface="Source Code Pro"/>
-            </a:endParaRPr>
-          </a:p>
-          <a:p>
-            <a:pPr marL="0" marR="0" lvl="0" indent="0" algn="l" rtl="0">
-              <a:lnSpc>
-                <a:spcPct val="115000"/>
-              </a:lnSpc>
-              <a:spcBef>
-                <a:spcPts val="0"/>
-              </a:spcBef>
-              <a:spcAft>
-                <a:spcPts val="0"/>
-              </a:spcAft>
-              <a:buNone/>
-            </a:pPr>
-            <a:endParaRPr sz="1300" b="1">
-              <a:solidFill>
-                <a:srgbClr val="000000"/>
-              </a:solidFill>
-              <a:latin typeface="Times New Roman"/>
-              <a:ea typeface="Times New Roman"/>
-              <a:cs typeface="Times New Roman"/>
-              <a:sym typeface="Times New Roman"/>
-            </a:endParaRPr>
-          </a:p>
-          <a:p>
-            <a:pPr marL="0" marR="0" lvl="0" indent="0" algn="l" rtl="0">
-              <a:lnSpc>
-                <a:spcPct val="115000"/>
-              </a:lnSpc>
-              <a:spcBef>
-                <a:spcPts val="0"/>
-              </a:spcBef>
-              <a:spcAft>
-                <a:spcPts val="0"/>
-              </a:spcAft>
-              <a:buNone/>
-            </a:pPr>
-            <a:r>
-              <a:rPr lang="en" sz="1300" b="1">
-                <a:solidFill>
-                  <a:srgbClr val="000000"/>
-                </a:solidFill>
-                <a:latin typeface="Times New Roman"/>
-                <a:ea typeface="Times New Roman"/>
-                <a:cs typeface="Times New Roman"/>
-                <a:sym typeface="Times New Roman"/>
-              </a:rPr>
-              <a:t>Extract the tar Files:</a:t>
-            </a:r>
-            <a:endParaRPr sz="1300" b="1">
-              <a:solidFill>
-                <a:schemeClr val="dk1"/>
-              </a:solidFill>
-              <a:latin typeface="Source Code Pro"/>
-              <a:ea typeface="Source Code Pro"/>
-              <a:cs typeface="Source Code Pro"/>
-              <a:sym typeface="Source Code Pro"/>
-            </a:endParaRPr>
-          </a:p>
-          <a:p>
-            <a:pPr marL="0" marR="0" lvl="0" indent="0" algn="l" rtl="0">
-              <a:lnSpc>
-                <a:spcPct val="115000"/>
-              </a:lnSpc>
-              <a:spcBef>
-                <a:spcPts val="0"/>
-              </a:spcBef>
-              <a:spcAft>
-                <a:spcPts val="0"/>
-              </a:spcAft>
-              <a:buNone/>
-            </a:pPr>
-            <a:r>
-              <a:rPr lang="en" sz="1300" b="1">
-                <a:solidFill>
-                  <a:schemeClr val="dk1"/>
-                </a:solidFill>
-                <a:latin typeface="Source Code Pro"/>
-                <a:ea typeface="Source Code Pro"/>
-                <a:cs typeface="Source Code Pro"/>
-                <a:sym typeface="Source Code Pro"/>
-              </a:rPr>
-              <a:t>$ tar</a:t>
-            </a:r>
-            <a:r>
-              <a:rPr lang="en" sz="1300" b="1">
-                <a:solidFill>
-                  <a:schemeClr val="dk1"/>
-                </a:solidFill>
-                <a:highlight>
-                  <a:srgbClr val="00FFFF"/>
-                </a:highlight>
-                <a:latin typeface="Source Code Pro"/>
-                <a:ea typeface="Source Code Pro"/>
-                <a:cs typeface="Source Code Pro"/>
-                <a:sym typeface="Source Code Pro"/>
-              </a:rPr>
-              <a:t> </a:t>
-            </a:r>
-            <a:r>
-              <a:rPr lang="en" sz="1300" b="1">
-                <a:solidFill>
-                  <a:schemeClr val="dk1"/>
-                </a:solidFill>
-                <a:latin typeface="Source Code Pro"/>
-                <a:ea typeface="Source Code Pro"/>
-                <a:cs typeface="Source Code Pro"/>
-                <a:sym typeface="Source Code Pro"/>
-              </a:rPr>
-              <a:t>-xvvf</a:t>
-            </a:r>
-            <a:r>
-              <a:rPr lang="en" sz="1300" b="1">
-                <a:solidFill>
-                  <a:schemeClr val="dk1"/>
-                </a:solidFill>
-                <a:highlight>
-                  <a:srgbClr val="00FFFF"/>
-                </a:highlight>
-                <a:latin typeface="Source Code Pro"/>
-                <a:ea typeface="Source Code Pro"/>
-                <a:cs typeface="Source Code Pro"/>
-                <a:sym typeface="Source Code Pro"/>
-              </a:rPr>
-              <a:t> </a:t>
-            </a:r>
-            <a:r>
-              <a:rPr lang="en" sz="1300" b="1">
-                <a:solidFill>
-                  <a:schemeClr val="dk1"/>
-                </a:solidFill>
-                <a:latin typeface="Source Code Pro"/>
-                <a:ea typeface="Source Code Pro"/>
-                <a:cs typeface="Source Code Pro"/>
-                <a:sym typeface="Source Code Pro"/>
-              </a:rPr>
-              <a:t>running_code_cluster2.tar</a:t>
-            </a:r>
-            <a:r>
-              <a:rPr lang="en" sz="1300" b="1">
-                <a:solidFill>
-                  <a:schemeClr val="dk1"/>
-                </a:solidFill>
-                <a:highlight>
-                  <a:srgbClr val="00FF00"/>
-                </a:highlight>
-                <a:latin typeface="Source Code Pro"/>
-                <a:ea typeface="Source Code Pro"/>
-                <a:cs typeface="Source Code Pro"/>
-                <a:sym typeface="Source Code Pro"/>
-              </a:rPr>
-              <a:t>&lt;ENTER&gt;</a:t>
-            </a:r>
-            <a:endParaRPr sz="1300" b="1">
-              <a:solidFill>
-                <a:schemeClr val="dk1"/>
-              </a:solidFill>
-              <a:latin typeface="Source Code Pro"/>
-              <a:ea typeface="Source Code Pro"/>
-              <a:cs typeface="Source Code Pro"/>
-              <a:sym typeface="Source Code Pro"/>
-            </a:endParaRPr>
-          </a:p>
-          <a:p>
-            <a:pPr marL="0" lvl="0" indent="0" algn="l" rtl="0">
-              <a:spcBef>
-                <a:spcPts val="0"/>
-              </a:spcBef>
-              <a:spcAft>
-                <a:spcPts val="0"/>
-              </a:spcAft>
-              <a:buClr>
-                <a:schemeClr val="dk1"/>
-              </a:buClr>
-              <a:buSzPts val="1100"/>
-              <a:buFont typeface="Arial"/>
-              <a:buNone/>
-            </a:pPr>
-            <a:endParaRPr sz="1300" b="1">
-              <a:solidFill>
-                <a:srgbClr val="000000"/>
-              </a:solidFill>
-              <a:latin typeface="Times New Roman"/>
-              <a:ea typeface="Times New Roman"/>
-              <a:cs typeface="Times New Roman"/>
-              <a:sym typeface="Times New Roman"/>
-            </a:endParaRPr>
-          </a:p>
-          <a:p>
-            <a:pPr marL="0" marR="0" lvl="0" indent="0" algn="l" rtl="0">
-              <a:lnSpc>
-                <a:spcPct val="115000"/>
-              </a:lnSpc>
-              <a:spcBef>
-                <a:spcPts val="0"/>
-              </a:spcBef>
-              <a:spcAft>
-                <a:spcPts val="0"/>
-              </a:spcAft>
-              <a:buNone/>
-            </a:pPr>
-            <a:r>
-              <a:rPr lang="en" sz="1300" b="1">
-                <a:solidFill>
-                  <a:srgbClr val="000000"/>
-                </a:solidFill>
-                <a:latin typeface="Times New Roman"/>
-                <a:ea typeface="Times New Roman"/>
-                <a:cs typeface="Times New Roman"/>
-                <a:sym typeface="Times New Roman"/>
-              </a:rPr>
-              <a:t>Change folders:</a:t>
-            </a:r>
-            <a:endParaRPr sz="1300" b="1">
-              <a:solidFill>
-                <a:schemeClr val="dk1"/>
-              </a:solidFill>
-              <a:latin typeface="Source Code Pro"/>
-              <a:ea typeface="Source Code Pro"/>
-              <a:cs typeface="Source Code Pro"/>
-              <a:sym typeface="Source Code Pro"/>
-            </a:endParaRPr>
-          </a:p>
-          <a:p>
-            <a:pPr marL="0" marR="0" lvl="0" indent="0" algn="l" rtl="0">
-              <a:lnSpc>
-                <a:spcPct val="115000"/>
-              </a:lnSpc>
-              <a:spcBef>
-                <a:spcPts val="0"/>
-              </a:spcBef>
-              <a:spcAft>
-                <a:spcPts val="0"/>
-              </a:spcAft>
-              <a:buNone/>
-            </a:pPr>
-            <a:r>
-              <a:rPr lang="en" sz="1300" b="1">
-                <a:solidFill>
-                  <a:schemeClr val="dk1"/>
-                </a:solidFill>
-                <a:latin typeface="Source Code Pro"/>
-                <a:ea typeface="Source Code Pro"/>
-                <a:cs typeface="Source Code Pro"/>
-                <a:sym typeface="Source Code Pro"/>
-              </a:rPr>
-              <a:t>$ cd</a:t>
-            </a:r>
-            <a:r>
-              <a:rPr lang="en" sz="1300" b="1">
-                <a:solidFill>
-                  <a:schemeClr val="dk1"/>
-                </a:solidFill>
-                <a:highlight>
-                  <a:srgbClr val="00FFFF"/>
-                </a:highlight>
-                <a:latin typeface="Source Code Pro"/>
-                <a:ea typeface="Source Code Pro"/>
-                <a:cs typeface="Source Code Pro"/>
-                <a:sym typeface="Source Code Pro"/>
-              </a:rPr>
-              <a:t> </a:t>
-            </a:r>
-            <a:r>
-              <a:rPr lang="en" sz="1300" b="1">
-                <a:solidFill>
-                  <a:schemeClr val="dk1"/>
-                </a:solidFill>
-                <a:latin typeface="Source Code Pro"/>
-                <a:ea typeface="Source Code Pro"/>
-                <a:cs typeface="Source Code Pro"/>
-                <a:sym typeface="Source Code Pro"/>
-              </a:rPr>
-              <a:t>running_code_cluster2/</a:t>
-            </a:r>
-            <a:r>
-              <a:rPr lang="en" sz="1300" b="1">
-                <a:solidFill>
-                  <a:schemeClr val="dk1"/>
-                </a:solidFill>
-                <a:highlight>
-                  <a:srgbClr val="00FF00"/>
-                </a:highlight>
-                <a:latin typeface="Source Code Pro"/>
-                <a:ea typeface="Source Code Pro"/>
-                <a:cs typeface="Source Code Pro"/>
-                <a:sym typeface="Source Code Pro"/>
-              </a:rPr>
-              <a:t>&lt;ENTER&gt;</a:t>
-            </a:r>
-            <a:endParaRPr sz="1300" b="1">
-              <a:solidFill>
-                <a:schemeClr val="dk1"/>
-              </a:solidFill>
-              <a:highlight>
-                <a:srgbClr val="00FF00"/>
-              </a:highlight>
-              <a:latin typeface="Source Code Pro"/>
-              <a:ea typeface="Source Code Pro"/>
-              <a:cs typeface="Source Code Pro"/>
-              <a:sym typeface="Source Code Pro"/>
-            </a:endParaRPr>
-          </a:p>
-          <a:p>
-            <a:pPr marL="0" marR="0" lvl="0" indent="0" algn="l" rtl="0">
-              <a:lnSpc>
-                <a:spcPct val="115000"/>
-              </a:lnSpc>
-              <a:spcBef>
-                <a:spcPts val="0"/>
-              </a:spcBef>
-              <a:spcAft>
-                <a:spcPts val="0"/>
-              </a:spcAft>
-              <a:buNone/>
-            </a:pPr>
-            <a:endParaRPr sz="1300" b="1">
-              <a:solidFill>
-                <a:schemeClr val="dk1"/>
-              </a:solidFill>
-              <a:highlight>
-                <a:srgbClr val="00FF00"/>
-              </a:highlight>
-              <a:latin typeface="Source Code Pro"/>
-              <a:ea typeface="Source Code Pro"/>
-              <a:cs typeface="Source Code Pro"/>
-              <a:sym typeface="Source Code Pro"/>
-            </a:endParaRPr>
-          </a:p>
-          <a:p>
-            <a:pPr marL="0" marR="0" lvl="0" indent="0" algn="l" rtl="0">
-              <a:lnSpc>
-                <a:spcPct val="115000"/>
-              </a:lnSpc>
-              <a:spcBef>
-                <a:spcPts val="0"/>
-              </a:spcBef>
-              <a:spcAft>
-                <a:spcPts val="0"/>
-              </a:spcAft>
-              <a:buNone/>
-            </a:pPr>
-            <a:r>
-              <a:rPr lang="en" sz="1300" b="1">
-                <a:solidFill>
-                  <a:schemeClr val="dk1"/>
-                </a:solidFill>
-                <a:latin typeface="Source Code Pro"/>
-                <a:ea typeface="Source Code Pro"/>
-                <a:cs typeface="Source Code Pro"/>
-                <a:sym typeface="Source Code Pro"/>
-              </a:rPr>
-              <a:t>$ ls</a:t>
-            </a:r>
-            <a:r>
-              <a:rPr lang="en" sz="1300" b="1">
-                <a:solidFill>
-                  <a:schemeClr val="dk1"/>
-                </a:solidFill>
-                <a:highlight>
-                  <a:srgbClr val="00FFFF"/>
-                </a:highlight>
-                <a:latin typeface="Source Code Pro"/>
-                <a:ea typeface="Source Code Pro"/>
-                <a:cs typeface="Source Code Pro"/>
-                <a:sym typeface="Source Code Pro"/>
-              </a:rPr>
-              <a:t> </a:t>
-            </a:r>
-            <a:r>
-              <a:rPr lang="en" sz="1300" b="1">
-                <a:solidFill>
-                  <a:schemeClr val="dk1"/>
-                </a:solidFill>
-                <a:latin typeface="Source Code Pro"/>
-                <a:ea typeface="Source Code Pro"/>
-                <a:cs typeface="Source Code Pro"/>
-                <a:sym typeface="Source Code Pro"/>
-              </a:rPr>
-              <a:t>-l</a:t>
-            </a:r>
-            <a:r>
-              <a:rPr lang="en" sz="1300" b="1">
-                <a:solidFill>
-                  <a:schemeClr val="dk1"/>
-                </a:solidFill>
-                <a:highlight>
-                  <a:srgbClr val="00FF00"/>
-                </a:highlight>
-                <a:latin typeface="Source Code Pro"/>
-                <a:ea typeface="Source Code Pro"/>
-                <a:cs typeface="Source Code Pro"/>
-                <a:sym typeface="Source Code Pro"/>
-              </a:rPr>
-              <a:t> </a:t>
-            </a:r>
-            <a:endParaRPr sz="1300" b="1">
-              <a:solidFill>
-                <a:schemeClr val="dk1"/>
-              </a:solidFill>
-              <a:highlight>
-                <a:srgbClr val="00FF00"/>
-              </a:highlight>
-              <a:latin typeface="Source Code Pro"/>
-              <a:ea typeface="Source Code Pro"/>
-              <a:cs typeface="Source Code Pro"/>
-              <a:sym typeface="Source Code Pro"/>
-            </a:endParaRPr>
-          </a:p>
-          <a:p>
-            <a:pPr marL="0" marR="0" lvl="0" indent="457200" algn="l" rtl="0">
-              <a:lnSpc>
-                <a:spcPct val="115000"/>
-              </a:lnSpc>
-              <a:spcBef>
-                <a:spcPts val="0"/>
-              </a:spcBef>
-              <a:spcAft>
-                <a:spcPts val="0"/>
-              </a:spcAft>
-              <a:buClr>
-                <a:schemeClr val="dk1"/>
-              </a:buClr>
-              <a:buSzPts val="1100"/>
-              <a:buFont typeface="Arial"/>
-              <a:buNone/>
-            </a:pPr>
-            <a:endParaRPr b="1">
-              <a:solidFill>
-                <a:schemeClr val="dk1"/>
-              </a:solidFill>
-              <a:latin typeface="Source Code Pro"/>
-              <a:ea typeface="Source Code Pro"/>
-              <a:cs typeface="Source Code Pro"/>
-              <a:sym typeface="Source Code Pro"/>
-            </a:endParaRPr>
-          </a:p>
-          <a:p>
-            <a:pPr marL="0" marR="0" lvl="0" indent="0" algn="l" rtl="0">
-              <a:lnSpc>
-                <a:spcPct val="115000"/>
-              </a:lnSpc>
-              <a:spcBef>
-                <a:spcPts val="0"/>
-              </a:spcBef>
-              <a:spcAft>
-                <a:spcPts val="0"/>
-              </a:spcAft>
-              <a:buNone/>
-            </a:pPr>
-            <a:endParaRPr b="1">
-              <a:solidFill>
-                <a:schemeClr val="dk1"/>
-              </a:solidFill>
-              <a:highlight>
-                <a:srgbClr val="00FF00"/>
-              </a:highlight>
-              <a:latin typeface="Source Code Pro"/>
-              <a:ea typeface="Source Code Pro"/>
-              <a:cs typeface="Source Code Pro"/>
+              <a:latin typeface="Consolas" charset="0"/>
+              <a:ea typeface="Consolas" charset="0"/>
+              <a:cs typeface="Consolas" charset="0"/>
               <a:sym typeface="Source Code Pro"/>
             </a:endParaRPr>
           </a:p>
@@ -28918,9 +29422,9 @@
                 <a:solidFill>
                   <a:schemeClr val="dk1"/>
                 </a:solidFill>
-                <a:latin typeface="Source Code Pro"/>
-                <a:ea typeface="Source Code Pro"/>
-                <a:cs typeface="Source Code Pro"/>
+                <a:latin typeface="Consolas" charset="0"/>
+                <a:ea typeface="Consolas" charset="0"/>
+                <a:cs typeface="Consolas" charset="0"/>
                 <a:sym typeface="Source Code Pro"/>
               </a:rPr>
               <a:t>$ module</a:t>
@@ -28933,9 +29437,9 @@
                 <a:highlight>
                   <a:srgbClr val="00FFFF"/>
                 </a:highlight>
-                <a:latin typeface="Source Code Pro"/>
-                <a:ea typeface="Source Code Pro"/>
-                <a:cs typeface="Source Code Pro"/>
+                <a:latin typeface="Consolas" charset="0"/>
+                <a:ea typeface="Consolas" charset="0"/>
+                <a:cs typeface="Consolas" charset="0"/>
                 <a:sym typeface="Source Code Pro"/>
               </a:rPr>
               <a:t> </a:t>
@@ -28945,14 +29449,18 @@
                 <a:solidFill>
                   <a:schemeClr val="dk1"/>
                 </a:solidFill>
-                <a:latin typeface="Source Code Pro"/>
-                <a:ea typeface="Source Code Pro"/>
-                <a:cs typeface="Source Code Pro"/>
+                <a:latin typeface="Consolas" charset="0"/>
+                <a:ea typeface="Consolas" charset="0"/>
+                <a:cs typeface="Consolas" charset="0"/>
                 <a:sym typeface="Source Code Pro"/>
               </a:rPr>
               <a:t>avail</a:t>
             </a:r>
-            <a:endParaRPr sz="1400" dirty="0"/>
+            <a:endParaRPr sz="1400" dirty="0">
+              <a:latin typeface="Consolas" charset="0"/>
+              <a:ea typeface="Consolas" charset="0"/>
+              <a:cs typeface="Consolas" charset="0"/>
+            </a:endParaRPr>
           </a:p>
           <a:p>
             <a:pPr marL="457200" lvl="0" indent="-317500" algn="l" rtl="0">
@@ -28977,9 +29485,9 @@
                 <a:solidFill>
                   <a:schemeClr val="dk1"/>
                 </a:solidFill>
-                <a:latin typeface="Source Code Pro"/>
-                <a:ea typeface="Source Code Pro"/>
-                <a:cs typeface="Source Code Pro"/>
+                <a:latin typeface="Consolas" charset="0"/>
+                <a:ea typeface="Consolas" charset="0"/>
+                <a:cs typeface="Consolas" charset="0"/>
                 <a:sym typeface="Source Code Pro"/>
               </a:rPr>
               <a:t>$ module</a:t>
@@ -28992,9 +29500,9 @@
                 <a:highlight>
                   <a:srgbClr val="00FFFF"/>
                 </a:highlight>
-                <a:latin typeface="Source Code Pro"/>
-                <a:ea typeface="Source Code Pro"/>
-                <a:cs typeface="Source Code Pro"/>
+                <a:latin typeface="Consolas" charset="0"/>
+                <a:ea typeface="Consolas" charset="0"/>
+                <a:cs typeface="Consolas" charset="0"/>
                 <a:sym typeface="Source Code Pro"/>
               </a:rPr>
               <a:t> </a:t>
@@ -29004,14 +29512,18 @@
                 <a:solidFill>
                   <a:schemeClr val="dk1"/>
                 </a:solidFill>
-                <a:latin typeface="Source Code Pro"/>
-                <a:ea typeface="Source Code Pro"/>
-                <a:cs typeface="Source Code Pro"/>
+                <a:latin typeface="Consolas" charset="0"/>
+                <a:ea typeface="Consolas" charset="0"/>
+                <a:cs typeface="Consolas" charset="0"/>
                 <a:sym typeface="Source Code Pro"/>
               </a:rPr>
               <a:t>list</a:t>
             </a:r>
-            <a:endParaRPr sz="1400" dirty="0"/>
+            <a:endParaRPr sz="1400" dirty="0">
+              <a:latin typeface="Consolas" charset="0"/>
+              <a:ea typeface="Consolas" charset="0"/>
+              <a:cs typeface="Consolas" charset="0"/>
+            </a:endParaRPr>
           </a:p>
           <a:p>
             <a:pPr marL="457200" lvl="0" indent="-317500" algn="l" rtl="0">
@@ -29036,9 +29548,9 @@
                 <a:solidFill>
                   <a:schemeClr val="dk1"/>
                 </a:solidFill>
-                <a:latin typeface="Source Code Pro"/>
-                <a:ea typeface="Source Code Pro"/>
-                <a:cs typeface="Source Code Pro"/>
+                <a:latin typeface="Consolas" charset="0"/>
+                <a:ea typeface="Consolas" charset="0"/>
+                <a:cs typeface="Consolas" charset="0"/>
                 <a:sym typeface="Source Code Pro"/>
               </a:rPr>
               <a:t>$ module</a:t>
@@ -29051,9 +29563,9 @@
                 <a:highlight>
                   <a:srgbClr val="00FFFF"/>
                 </a:highlight>
-                <a:latin typeface="Source Code Pro"/>
-                <a:ea typeface="Source Code Pro"/>
-                <a:cs typeface="Source Code Pro"/>
+                <a:latin typeface="Consolas" charset="0"/>
+                <a:ea typeface="Consolas" charset="0"/>
+                <a:cs typeface="Consolas" charset="0"/>
                 <a:sym typeface="Source Code Pro"/>
               </a:rPr>
               <a:t> </a:t>
@@ -29063,9 +29575,9 @@
                 <a:solidFill>
                   <a:schemeClr val="dk1"/>
                 </a:solidFill>
-                <a:latin typeface="Source Code Pro"/>
-                <a:ea typeface="Source Code Pro"/>
-                <a:cs typeface="Source Code Pro"/>
+                <a:latin typeface="Consolas" charset="0"/>
+                <a:ea typeface="Consolas" charset="0"/>
+                <a:cs typeface="Consolas" charset="0"/>
                 <a:sym typeface="Source Code Pro"/>
               </a:rPr>
               <a:t>spider</a:t>
@@ -29078,9 +29590,9 @@
                 <a:highlight>
                   <a:srgbClr val="00FFFF"/>
                 </a:highlight>
-                <a:latin typeface="Source Code Pro"/>
-                <a:ea typeface="Source Code Pro"/>
-                <a:cs typeface="Source Code Pro"/>
+                <a:latin typeface="Consolas" charset="0"/>
+                <a:ea typeface="Consolas" charset="0"/>
+                <a:cs typeface="Consolas" charset="0"/>
                 <a:sym typeface="Source Code Pro"/>
               </a:rPr>
               <a:t> </a:t>
@@ -29090,9 +29602,9 @@
                 <a:solidFill>
                   <a:schemeClr val="dk1"/>
                 </a:solidFill>
-                <a:latin typeface="Source Code Pro"/>
-                <a:ea typeface="Source Code Pro"/>
-                <a:cs typeface="Source Code Pro"/>
+                <a:latin typeface="Consolas" charset="0"/>
+                <a:ea typeface="Consolas" charset="0"/>
+                <a:cs typeface="Consolas" charset="0"/>
                 <a:sym typeface="Source Code Pro"/>
               </a:rPr>
               <a:t>StdEnv</a:t>
@@ -29102,9 +29614,9 @@
                 <a:solidFill>
                   <a:schemeClr val="dk1"/>
                 </a:solidFill>
-                <a:latin typeface="Source Code Pro"/>
-                <a:ea typeface="Source Code Pro"/>
-                <a:cs typeface="Source Code Pro"/>
+                <a:latin typeface="Consolas" charset="0"/>
+                <a:ea typeface="Consolas" charset="0"/>
+                <a:cs typeface="Consolas" charset="0"/>
                 <a:sym typeface="Source Code Pro"/>
               </a:rPr>
               <a:t>/2016.4</a:t>
@@ -29113,9 +29625,9 @@
               <a:solidFill>
                 <a:schemeClr val="dk1"/>
               </a:solidFill>
-              <a:latin typeface="Source Code Pro"/>
-              <a:ea typeface="Source Code Pro"/>
-              <a:cs typeface="Source Code Pro"/>
+              <a:latin typeface="Consolas" charset="0"/>
+              <a:ea typeface="Consolas" charset="0"/>
+              <a:cs typeface="Consolas" charset="0"/>
               <a:sym typeface="Source Code Pro"/>
             </a:endParaRPr>
           </a:p>
@@ -29142,9 +29654,9 @@
                 <a:solidFill>
                   <a:schemeClr val="dk1"/>
                 </a:solidFill>
-                <a:latin typeface="Source Code Pro"/>
-                <a:ea typeface="Source Code Pro"/>
-                <a:cs typeface="Source Code Pro"/>
+                <a:latin typeface="Consolas" charset="0"/>
+                <a:ea typeface="Consolas" charset="0"/>
+                <a:cs typeface="Consolas" charset="0"/>
                 <a:sym typeface="Source Code Pro"/>
               </a:rPr>
               <a:t>$ module</a:t>
@@ -29157,9 +29669,9 @@
                 <a:highlight>
                   <a:srgbClr val="00FFFF"/>
                 </a:highlight>
-                <a:latin typeface="Source Code Pro"/>
-                <a:ea typeface="Source Code Pro"/>
-                <a:cs typeface="Source Code Pro"/>
+                <a:latin typeface="Consolas" charset="0"/>
+                <a:ea typeface="Consolas" charset="0"/>
+                <a:cs typeface="Consolas" charset="0"/>
                 <a:sym typeface="Source Code Pro"/>
               </a:rPr>
               <a:t> </a:t>
@@ -29169,9 +29681,9 @@
                 <a:solidFill>
                   <a:schemeClr val="dk1"/>
                 </a:solidFill>
-                <a:latin typeface="Source Code Pro"/>
-                <a:ea typeface="Source Code Pro"/>
-                <a:cs typeface="Source Code Pro"/>
+                <a:latin typeface="Consolas" charset="0"/>
+                <a:ea typeface="Consolas" charset="0"/>
+                <a:cs typeface="Consolas" charset="0"/>
                 <a:sym typeface="Source Code Pro"/>
               </a:rPr>
               <a:t>spider</a:t>
@@ -29184,9 +29696,9 @@
                 <a:highlight>
                   <a:srgbClr val="00FFFF"/>
                 </a:highlight>
-                <a:latin typeface="Source Code Pro"/>
-                <a:ea typeface="Source Code Pro"/>
-                <a:cs typeface="Source Code Pro"/>
+                <a:latin typeface="Consolas" charset="0"/>
+                <a:ea typeface="Consolas" charset="0"/>
+                <a:cs typeface="Consolas" charset="0"/>
                 <a:sym typeface="Source Code Pro"/>
               </a:rPr>
               <a:t> </a:t>
@@ -29196,9 +29708,9 @@
                 <a:solidFill>
                   <a:schemeClr val="dk1"/>
                 </a:solidFill>
-                <a:latin typeface="Source Code Pro"/>
-                <a:ea typeface="Source Code Pro"/>
-                <a:cs typeface="Source Code Pro"/>
+                <a:latin typeface="Consolas" charset="0"/>
+                <a:ea typeface="Consolas" charset="0"/>
+                <a:cs typeface="Consolas" charset="0"/>
                 <a:sym typeface="Source Code Pro"/>
               </a:rPr>
               <a:t>StdEnv</a:t>
@@ -29207,9 +29719,9 @@
               <a:solidFill>
                 <a:schemeClr val="dk1"/>
               </a:solidFill>
-              <a:latin typeface="Source Code Pro"/>
-              <a:ea typeface="Source Code Pro"/>
-              <a:cs typeface="Source Code Pro"/>
+              <a:latin typeface="Consolas" charset="0"/>
+              <a:ea typeface="Consolas" charset="0"/>
+              <a:cs typeface="Consolas" charset="0"/>
               <a:sym typeface="Source Code Pro"/>
             </a:endParaRPr>
           </a:p>
@@ -29339,39 +29851,128 @@
                 <a:solidFill>
                   <a:schemeClr val="dk1"/>
                 </a:solidFill>
+                <a:latin typeface="Consolas" charset="0"/>
+                <a:ea typeface="Consolas" charset="0"/>
+                <a:cs typeface="Consolas" charset="0"/>
+                <a:sym typeface="Source Code Pro"/>
+              </a:rPr>
+              <a:t>$ module</a:t>
+            </a:r>
+            <a:r>
+              <a:rPr lang="en" b="1" dirty="0">
+                <a:solidFill>
+                  <a:schemeClr val="dk1"/>
+                </a:solidFill>
+                <a:highlight>
+                  <a:srgbClr val="00FFFF"/>
+                </a:highlight>
+                <a:latin typeface="Consolas" charset="0"/>
+                <a:ea typeface="Consolas" charset="0"/>
+                <a:cs typeface="Consolas" charset="0"/>
+                <a:sym typeface="Source Code Pro"/>
+              </a:rPr>
+              <a:t> </a:t>
+            </a:r>
+            <a:r>
+              <a:rPr lang="en" b="1" dirty="0">
+                <a:solidFill>
+                  <a:schemeClr val="dk1"/>
+                </a:solidFill>
+                <a:latin typeface="Consolas" charset="0"/>
+                <a:ea typeface="Consolas" charset="0"/>
+                <a:cs typeface="Consolas" charset="0"/>
+                <a:sym typeface="Source Code Pro"/>
+              </a:rPr>
+              <a:t>keyword</a:t>
+            </a:r>
+            <a:r>
+              <a:rPr lang="en" b="1" dirty="0">
+                <a:solidFill>
+                  <a:schemeClr val="dk1"/>
+                </a:solidFill>
+                <a:highlight>
+                  <a:srgbClr val="00FFFF"/>
+                </a:highlight>
+                <a:latin typeface="Consolas" charset="0"/>
+                <a:ea typeface="Consolas" charset="0"/>
+                <a:cs typeface="Consolas" charset="0"/>
+                <a:sym typeface="Source Code Pro"/>
+              </a:rPr>
+              <a:t> </a:t>
+            </a:r>
+            <a:r>
+              <a:rPr lang="en" b="1" dirty="0">
+                <a:solidFill>
+                  <a:schemeClr val="dk1"/>
+                </a:solidFill>
+                <a:latin typeface="Consolas" charset="0"/>
+                <a:ea typeface="Consolas" charset="0"/>
+                <a:cs typeface="Consolas" charset="0"/>
+                <a:sym typeface="Source Code Pro"/>
+              </a:rPr>
+              <a:t>key1</a:t>
+            </a:r>
+            <a:r>
+              <a:rPr lang="en" b="1" dirty="0">
+                <a:solidFill>
+                  <a:schemeClr val="dk1"/>
+                </a:solidFill>
+                <a:highlight>
+                  <a:srgbClr val="00FFFF"/>
+                </a:highlight>
+                <a:latin typeface="Consolas" charset="0"/>
+                <a:ea typeface="Consolas" charset="0"/>
+                <a:cs typeface="Consolas" charset="0"/>
+                <a:sym typeface="Source Code Pro"/>
+              </a:rPr>
+              <a:t> </a:t>
+            </a:r>
+            <a:r>
+              <a:rPr lang="en" b="1" dirty="0">
+                <a:solidFill>
+                  <a:schemeClr val="dk1"/>
+                </a:solidFill>
+                <a:latin typeface="Consolas" charset="0"/>
+                <a:ea typeface="Consolas" charset="0"/>
+                <a:cs typeface="Consolas" charset="0"/>
+                <a:sym typeface="Source Code Pro"/>
+              </a:rPr>
+              <a:t>key1</a:t>
+            </a:r>
+            <a:r>
+              <a:rPr lang="en" b="1" dirty="0">
+                <a:solidFill>
+                  <a:schemeClr val="dk1"/>
+                </a:solidFill>
                 <a:latin typeface="Source Code Pro"/>
                 <a:ea typeface="Source Code Pro"/>
                 <a:cs typeface="Source Code Pro"/>
                 <a:sym typeface="Source Code Pro"/>
               </a:rPr>
-              <a:t>$ module</a:t>
-            </a:r>
-            <a:r>
+              <a:t/>
+            </a:r>
+            <a:br>
               <a:rPr lang="en" b="1" dirty="0">
                 <a:solidFill>
                   <a:schemeClr val="dk1"/>
                 </a:solidFill>
-                <a:highlight>
-                  <a:srgbClr val="00FFFF"/>
-                </a:highlight>
                 <a:latin typeface="Source Code Pro"/>
                 <a:ea typeface="Source Code Pro"/>
                 <a:cs typeface="Source Code Pro"/>
                 <a:sym typeface="Source Code Pro"/>
               </a:rPr>
-              <a:t> </a:t>
-            </a:r>
+            </a:br>
             <a:r>
               <a:rPr lang="en" b="1" dirty="0">
                 <a:solidFill>
                   <a:schemeClr val="dk1"/>
                 </a:solidFill>
-                <a:latin typeface="Source Code Pro"/>
-                <a:ea typeface="Source Code Pro"/>
-                <a:cs typeface="Source Code Pro"/>
+                <a:latin typeface="Consolas" charset="0"/>
+                <a:ea typeface="Consolas" charset="0"/>
+                <a:cs typeface="Consolas" charset="0"/>
                 <a:sym typeface="Source Code Pro"/>
               </a:rPr>
-              <a:t>keyword</a:t>
+              <a:t>$ module</a:t>
             </a:r>
             <a:r>
               <a:rPr lang="en" b="1" dirty="0">
@@ -29381,9 +29982,9 @@
                 <a:highlight>
                   <a:srgbClr val="00FFFF"/>
                 </a:highlight>
-                <a:latin typeface="Source Code Pro"/>
-                <a:ea typeface="Source Code Pro"/>
-                <a:cs typeface="Source Code Pro"/>
+                <a:latin typeface="Consolas" charset="0"/>
+                <a:ea typeface="Consolas" charset="0"/>
+                <a:cs typeface="Consolas" charset="0"/>
                 <a:sym typeface="Source Code Pro"/>
               </a:rPr>
               <a:t> </a:t>
@@ -29393,12 +29994,12 @@
                 <a:solidFill>
                   <a:schemeClr val="dk1"/>
                 </a:solidFill>
-                <a:latin typeface="Source Code Pro"/>
-                <a:ea typeface="Source Code Pro"/>
-                <a:cs typeface="Source Code Pro"/>
+                <a:latin typeface="Consolas" charset="0"/>
+                <a:ea typeface="Consolas" charset="0"/>
+                <a:cs typeface="Consolas" charset="0"/>
                 <a:sym typeface="Source Code Pro"/>
               </a:rPr>
-              <a:t>key1</a:t>
+              <a:t>keyword</a:t>
             </a:r>
             <a:r>
               <a:rPr lang="en" b="1" dirty="0">
@@ -29408,9 +30009,9 @@
                 <a:highlight>
                   <a:srgbClr val="00FFFF"/>
                 </a:highlight>
-                <a:latin typeface="Source Code Pro"/>
-                <a:ea typeface="Source Code Pro"/>
-                <a:cs typeface="Source Code Pro"/>
+                <a:latin typeface="Consolas" charset="0"/>
+                <a:ea typeface="Consolas" charset="0"/>
+                <a:cs typeface="Consolas" charset="0"/>
                 <a:sym typeface="Source Code Pro"/>
               </a:rPr>
               <a:t> </a:t>
@@ -29420,35 +30021,12 @@
                 <a:solidFill>
                   <a:schemeClr val="dk1"/>
                 </a:solidFill>
-                <a:latin typeface="Source Code Pro"/>
-                <a:ea typeface="Source Code Pro"/>
-                <a:cs typeface="Source Code Pro"/>
+                <a:latin typeface="Consolas" charset="0"/>
+                <a:ea typeface="Consolas" charset="0"/>
+                <a:cs typeface="Consolas" charset="0"/>
                 <a:sym typeface="Source Code Pro"/>
               </a:rPr>
-              <a:t>key1</a:t>
-            </a:r>
-            <a:br>
-              <a:rPr lang="en" b="1" dirty="0">
-                <a:solidFill>
-                  <a:schemeClr val="dk1"/>
-                </a:solidFill>
-                <a:latin typeface="Source Code Pro"/>
-                <a:ea typeface="Source Code Pro"/>
-                <a:cs typeface="Source Code Pro"/>
-                <a:sym typeface="Source Code Pro"/>
-              </a:rPr>
-            </a:br>
-            <a:r>
-              <a:rPr lang="en" b="1" dirty="0">
-                <a:solidFill>
-                  <a:schemeClr val="dk1"/>
-                </a:solidFill>
-                <a:latin typeface="Source Code Pro"/>
-                <a:ea typeface="Source Code Pro"/>
-                <a:cs typeface="Source Code Pro"/>
-                <a:sym typeface="Source Code Pro"/>
-              </a:rPr>
-              <a:t>$ module</a:t>
+              <a:t>intel</a:t>
             </a:r>
             <a:r>
               <a:rPr lang="en" b="1" dirty="0">
@@ -29458,75 +30036,21 @@
                 <a:highlight>
                   <a:srgbClr val="00FFFF"/>
                 </a:highlight>
-                <a:latin typeface="Source Code Pro"/>
-                <a:ea typeface="Source Code Pro"/>
-                <a:cs typeface="Source Code Pro"/>
+                <a:latin typeface="Consolas" charset="0"/>
+                <a:ea typeface="Consolas" charset="0"/>
+                <a:cs typeface="Consolas" charset="0"/>
                 <a:sym typeface="Source Code Pro"/>
               </a:rPr>
               <a:t> </a:t>
             </a:r>
             <a:r>
-              <a:rPr lang="en" b="1" dirty="0">
-                <a:solidFill>
-                  <a:schemeClr val="dk1"/>
-                </a:solidFill>
-                <a:latin typeface="Source Code Pro"/>
-                <a:ea typeface="Source Code Pro"/>
-                <a:cs typeface="Source Code Pro"/>
-                <a:sym typeface="Source Code Pro"/>
-              </a:rPr>
-              <a:t>keyword</a:t>
-            </a:r>
-            <a:r>
-              <a:rPr lang="en" b="1" dirty="0">
-                <a:solidFill>
-                  <a:schemeClr val="dk1"/>
-                </a:solidFill>
-                <a:highlight>
-                  <a:srgbClr val="00FFFF"/>
-                </a:highlight>
-                <a:latin typeface="Source Code Pro"/>
-                <a:ea typeface="Source Code Pro"/>
-                <a:cs typeface="Source Code Pro"/>
-                <a:sym typeface="Source Code Pro"/>
-              </a:rPr>
-              <a:t> </a:t>
-            </a:r>
-            <a:r>
-              <a:rPr lang="en" b="1" dirty="0">
-                <a:solidFill>
-                  <a:schemeClr val="dk1"/>
-                </a:solidFill>
-                <a:latin typeface="Source Code Pro"/>
-                <a:ea typeface="Source Code Pro"/>
-                <a:cs typeface="Source Code Pro"/>
-                <a:sym typeface="Source Code Pro"/>
-              </a:rPr>
-              <a:t>intel</a:t>
-            </a:r>
-            <a:r>
-              <a:rPr lang="en" b="1" dirty="0">
-                <a:solidFill>
-                  <a:schemeClr val="dk1"/>
-                </a:solidFill>
-                <a:highlight>
-                  <a:srgbClr val="00FFFF"/>
-                </a:highlight>
-                <a:latin typeface="Source Code Pro"/>
-                <a:ea typeface="Source Code Pro"/>
-                <a:cs typeface="Source Code Pro"/>
-                <a:sym typeface="Source Code Pro"/>
-              </a:rPr>
-              <a:t> </a:t>
-            </a:r>
-            <a:r>
               <a:rPr lang="en" b="1" dirty="0" err="1">
                 <a:solidFill>
                   <a:schemeClr val="dk1"/>
                 </a:solidFill>
-                <a:latin typeface="Source Code Pro"/>
-                <a:ea typeface="Source Code Pro"/>
-                <a:cs typeface="Source Code Pro"/>
+                <a:latin typeface="Consolas" charset="0"/>
+                <a:ea typeface="Consolas" charset="0"/>
+                <a:cs typeface="Consolas" charset="0"/>
                 <a:sym typeface="Source Code Pro"/>
               </a:rPr>
               <a:t>mpi</a:t>
@@ -29535,9 +30059,9 @@
               <a:solidFill>
                 <a:schemeClr val="dk1"/>
               </a:solidFill>
-              <a:latin typeface="Source Code Pro"/>
-              <a:ea typeface="Source Code Pro"/>
-              <a:cs typeface="Source Code Pro"/>
+              <a:latin typeface="Consolas" charset="0"/>
+              <a:ea typeface="Consolas" charset="0"/>
+              <a:cs typeface="Consolas" charset="0"/>
               <a:sym typeface="Source Code Pro"/>
             </a:endParaRPr>
           </a:p>
@@ -29587,9 +30111,9 @@
                 <a:solidFill>
                   <a:schemeClr val="dk1"/>
                 </a:solidFill>
-                <a:latin typeface="Source Code Pro"/>
-                <a:ea typeface="Source Code Pro"/>
-                <a:cs typeface="Source Code Pro"/>
+                <a:latin typeface="Consolas" charset="0"/>
+                <a:ea typeface="Consolas" charset="0"/>
+                <a:cs typeface="Consolas" charset="0"/>
                 <a:sym typeface="Source Code Pro"/>
               </a:rPr>
               <a:t>$ module</a:t>
@@ -29602,9 +30126,9 @@
                 <a:highlight>
                   <a:srgbClr val="00FFFF"/>
                 </a:highlight>
-                <a:latin typeface="Source Code Pro"/>
-                <a:ea typeface="Source Code Pro"/>
-                <a:cs typeface="Source Code Pro"/>
+                <a:latin typeface="Consolas" charset="0"/>
+                <a:ea typeface="Consolas" charset="0"/>
+                <a:cs typeface="Consolas" charset="0"/>
                 <a:sym typeface="Source Code Pro"/>
               </a:rPr>
               <a:t> </a:t>
@@ -29614,9 +30138,9 @@
                 <a:solidFill>
                   <a:schemeClr val="dk1"/>
                 </a:solidFill>
-                <a:latin typeface="Source Code Pro"/>
-                <a:ea typeface="Source Code Pro"/>
-                <a:cs typeface="Source Code Pro"/>
+                <a:latin typeface="Consolas" charset="0"/>
+                <a:ea typeface="Consolas" charset="0"/>
+                <a:cs typeface="Consolas" charset="0"/>
                 <a:sym typeface="Source Code Pro"/>
               </a:rPr>
               <a:t>load</a:t>
@@ -29629,9 +30153,9 @@
                 <a:highlight>
                   <a:srgbClr val="00FFFF"/>
                 </a:highlight>
-                <a:latin typeface="Source Code Pro"/>
-                <a:ea typeface="Source Code Pro"/>
-                <a:cs typeface="Source Code Pro"/>
+                <a:latin typeface="Consolas" charset="0"/>
+                <a:ea typeface="Consolas" charset="0"/>
+                <a:cs typeface="Consolas" charset="0"/>
                 <a:sym typeface="Source Code Pro"/>
               </a:rPr>
               <a:t> </a:t>
@@ -29641,9 +30165,9 @@
                 <a:solidFill>
                   <a:schemeClr val="dk1"/>
                 </a:solidFill>
-                <a:latin typeface="Source Code Pro"/>
-                <a:ea typeface="Source Code Pro"/>
-                <a:cs typeface="Source Code Pro"/>
+                <a:latin typeface="Consolas" charset="0"/>
+                <a:ea typeface="Consolas" charset="0"/>
+                <a:cs typeface="Consolas" charset="0"/>
                 <a:sym typeface="Source Code Pro"/>
               </a:rPr>
               <a:t>pgi</a:t>
@@ -29653,9 +30177,9 @@
                 <a:solidFill>
                   <a:schemeClr val="dk1"/>
                 </a:solidFill>
-                <a:latin typeface="Source Code Pro"/>
-                <a:ea typeface="Source Code Pro"/>
-                <a:cs typeface="Source Code Pro"/>
+                <a:latin typeface="Consolas" charset="0"/>
+                <a:ea typeface="Consolas" charset="0"/>
+                <a:cs typeface="Consolas" charset="0"/>
                 <a:sym typeface="Source Code Pro"/>
               </a:rPr>
               <a:t>/19.4</a:t>
@@ -29664,9 +30188,9 @@
               <a:solidFill>
                 <a:schemeClr val="dk1"/>
               </a:solidFill>
-              <a:latin typeface="Times New Roman"/>
-              <a:ea typeface="Times New Roman"/>
-              <a:cs typeface="Times New Roman"/>
+              <a:latin typeface="Consolas" charset="0"/>
+              <a:ea typeface="Consolas" charset="0"/>
+              <a:cs typeface="Consolas" charset="0"/>
               <a:sym typeface="Times New Roman"/>
             </a:endParaRPr>
           </a:p>
@@ -29716,9 +30240,9 @@
                 <a:solidFill>
                   <a:schemeClr val="dk1"/>
                 </a:solidFill>
-                <a:latin typeface="Source Code Pro"/>
-                <a:ea typeface="Source Code Pro"/>
-                <a:cs typeface="Source Code Pro"/>
+                <a:latin typeface="Consolas" charset="0"/>
+                <a:ea typeface="Consolas" charset="0"/>
+                <a:cs typeface="Consolas" charset="0"/>
                 <a:sym typeface="Source Code Pro"/>
               </a:rPr>
               <a:t>$ module</a:t>
@@ -29731,9 +30255,9 @@
                 <a:highlight>
                   <a:srgbClr val="00FFFF"/>
                 </a:highlight>
-                <a:latin typeface="Source Code Pro"/>
-                <a:ea typeface="Source Code Pro"/>
-                <a:cs typeface="Source Code Pro"/>
+                <a:latin typeface="Consolas" charset="0"/>
+                <a:ea typeface="Consolas" charset="0"/>
+                <a:cs typeface="Consolas" charset="0"/>
                 <a:sym typeface="Source Code Pro"/>
               </a:rPr>
               <a:t> </a:t>
@@ -29743,9 +30267,9 @@
                 <a:solidFill>
                   <a:schemeClr val="dk1"/>
                 </a:solidFill>
-                <a:latin typeface="Source Code Pro"/>
-                <a:ea typeface="Source Code Pro"/>
-                <a:cs typeface="Source Code Pro"/>
+                <a:latin typeface="Consolas" charset="0"/>
+                <a:ea typeface="Consolas" charset="0"/>
+                <a:cs typeface="Consolas" charset="0"/>
                 <a:sym typeface="Source Code Pro"/>
               </a:rPr>
               <a:t>swap</a:t>
@@ -29758,9 +30282,9 @@
                 <a:highlight>
                   <a:srgbClr val="00FFFF"/>
                 </a:highlight>
-                <a:latin typeface="Source Code Pro"/>
-                <a:ea typeface="Source Code Pro"/>
-                <a:cs typeface="Source Code Pro"/>
+                <a:latin typeface="Consolas" charset="0"/>
+                <a:ea typeface="Consolas" charset="0"/>
+                <a:cs typeface="Consolas" charset="0"/>
                 <a:sym typeface="Source Code Pro"/>
               </a:rPr>
               <a:t> </a:t>
@@ -29770,9 +30294,9 @@
                 <a:solidFill>
                   <a:schemeClr val="dk1"/>
                 </a:solidFill>
-                <a:latin typeface="Source Code Pro"/>
-                <a:ea typeface="Source Code Pro"/>
-                <a:cs typeface="Source Code Pro"/>
+                <a:latin typeface="Consolas" charset="0"/>
+                <a:ea typeface="Consolas" charset="0"/>
+                <a:cs typeface="Consolas" charset="0"/>
                 <a:sym typeface="Source Code Pro"/>
               </a:rPr>
               <a:t>StdEnv</a:t>
@@ -29782,9 +30306,9 @@
                 <a:solidFill>
                   <a:schemeClr val="dk1"/>
                 </a:solidFill>
-                <a:latin typeface="Source Code Pro"/>
-                <a:ea typeface="Source Code Pro"/>
-                <a:cs typeface="Source Code Pro"/>
+                <a:latin typeface="Consolas" charset="0"/>
+                <a:ea typeface="Consolas" charset="0"/>
+                <a:cs typeface="Consolas" charset="0"/>
                 <a:sym typeface="Source Code Pro"/>
               </a:rPr>
               <a:t>/2016.4</a:t>
@@ -29797,9 +30321,9 @@
                 <a:highlight>
                   <a:srgbClr val="00FFFF"/>
                 </a:highlight>
-                <a:latin typeface="Source Code Pro"/>
-                <a:ea typeface="Source Code Pro"/>
-                <a:cs typeface="Source Code Pro"/>
+                <a:latin typeface="Consolas" charset="0"/>
+                <a:ea typeface="Consolas" charset="0"/>
+                <a:cs typeface="Consolas" charset="0"/>
                 <a:sym typeface="Source Code Pro"/>
               </a:rPr>
               <a:t> </a:t>
@@ -29809,9 +30333,9 @@
                 <a:solidFill>
                   <a:schemeClr val="dk1"/>
                 </a:solidFill>
-                <a:latin typeface="Source Code Pro"/>
-                <a:ea typeface="Source Code Pro"/>
-                <a:cs typeface="Source Code Pro"/>
+                <a:latin typeface="Consolas" charset="0"/>
+                <a:ea typeface="Consolas" charset="0"/>
+                <a:cs typeface="Consolas" charset="0"/>
                 <a:sym typeface="Source Code Pro"/>
               </a:rPr>
               <a:t>StdEnv</a:t>
@@ -29821,9 +30345,9 @@
                 <a:solidFill>
                   <a:schemeClr val="dk1"/>
                 </a:solidFill>
-                <a:latin typeface="Source Code Pro"/>
-                <a:ea typeface="Source Code Pro"/>
-                <a:cs typeface="Source Code Pro"/>
+                <a:latin typeface="Consolas" charset="0"/>
+                <a:ea typeface="Consolas" charset="0"/>
+                <a:cs typeface="Consolas" charset="0"/>
                 <a:sym typeface="Source Code Pro"/>
               </a:rPr>
               <a:t>/2018.4</a:t>
@@ -29832,9 +30356,9 @@
               <a:solidFill>
                 <a:schemeClr val="dk1"/>
               </a:solidFill>
-              <a:latin typeface="Source Code Pro"/>
-              <a:ea typeface="Source Code Pro"/>
-              <a:cs typeface="Source Code Pro"/>
+              <a:latin typeface="Consolas" charset="0"/>
+              <a:ea typeface="Consolas" charset="0"/>
+              <a:cs typeface="Consolas" charset="0"/>
               <a:sym typeface="Source Code Pro"/>
             </a:endParaRPr>
           </a:p>
